--- a/set10120_cw2_presentation.pptx
+++ b/set10120_cw2_presentation.pptx
@@ -16,7 +16,7 @@
     <p:sldId id="271" r:id="rId7"/>
     <p:sldId id="273" r:id="rId8"/>
     <p:sldId id="274" r:id="rId9"/>
-    <p:sldId id="277" r:id="rId10"/>
+    <p:sldId id="261" r:id="rId10"/>
   </p:sldIdLst>
   <p:sldSz cx="12192000" cy="6858000"/>
   <p:notesSz cx="6858000" cy="9144000"/>
@@ -1136,6 +1136,2976 @@
 </pc:chgInfo>
 </file>
 
+<file path=ppt/diagrams/colors1.xml><?xml version="1.0" encoding="utf-8"?>
+<dgm:colorsDef xmlns:dgm="http://schemas.openxmlformats.org/drawingml/2006/diagram" xmlns:a="http://schemas.openxmlformats.org/drawingml/2006/main" uniqueId="urn:microsoft.com/office/officeart/2018/5/colors/Iconchunking_neutralbg_accent1_2">
+  <dgm:title val=""/>
+  <dgm:desc val=""/>
+  <dgm:catLst>
+    <dgm:cat type="accent1" pri="11200"/>
+  </dgm:catLst>
+  <dgm:styleLbl name="node0">
+    <dgm:fillClrLst meth="repeat">
+      <a:schemeClr val="accent1"/>
+    </dgm:fillClrLst>
+    <dgm:linClrLst meth="repeat">
+      <a:schemeClr val="lt1"/>
+    </dgm:linClrLst>
+    <dgm:effectClrLst/>
+    <dgm:txLinClrLst/>
+    <dgm:txFillClrLst/>
+    <dgm:txEffectClrLst/>
+  </dgm:styleLbl>
+  <dgm:styleLbl name="alignNode1">
+    <dgm:fillClrLst meth="repeat">
+      <a:schemeClr val="accent1"/>
+    </dgm:fillClrLst>
+    <dgm:linClrLst meth="repeat">
+      <a:schemeClr val="accent1"/>
+    </dgm:linClrLst>
+    <dgm:effectClrLst/>
+    <dgm:txLinClrLst/>
+    <dgm:txFillClrLst/>
+    <dgm:txEffectClrLst/>
+  </dgm:styleLbl>
+  <dgm:styleLbl name="node1">
+    <dgm:fillClrLst meth="repeat">
+      <a:schemeClr val="accent1"/>
+    </dgm:fillClrLst>
+    <dgm:linClrLst meth="repeat">
+      <a:schemeClr val="lt1">
+        <a:alpha val="0"/>
+      </a:schemeClr>
+    </dgm:linClrLst>
+    <dgm:effectClrLst/>
+    <dgm:txLinClrLst/>
+    <dgm:txFillClrLst/>
+    <dgm:txEffectClrLst/>
+  </dgm:styleLbl>
+  <dgm:styleLbl name="lnNode1">
+    <dgm:fillClrLst meth="repeat">
+      <a:schemeClr val="accent1"/>
+    </dgm:fillClrLst>
+    <dgm:linClrLst meth="repeat">
+      <a:schemeClr val="lt1"/>
+    </dgm:linClrLst>
+    <dgm:effectClrLst/>
+    <dgm:txLinClrLst/>
+    <dgm:txFillClrLst/>
+    <dgm:txEffectClrLst/>
+  </dgm:styleLbl>
+  <dgm:styleLbl name="vennNode1">
+    <dgm:fillClrLst meth="repeat">
+      <a:schemeClr val="accent1">
+        <a:alpha val="50000"/>
+      </a:schemeClr>
+    </dgm:fillClrLst>
+    <dgm:linClrLst meth="repeat">
+      <a:schemeClr val="lt1"/>
+    </dgm:linClrLst>
+    <dgm:effectClrLst/>
+    <dgm:txLinClrLst/>
+    <dgm:txFillClrLst/>
+    <dgm:txEffectClrLst/>
+  </dgm:styleLbl>
+  <dgm:styleLbl name="node2">
+    <dgm:fillClrLst meth="repeat">
+      <a:schemeClr val="accent1"/>
+    </dgm:fillClrLst>
+    <dgm:linClrLst meth="repeat">
+      <a:schemeClr val="lt1"/>
+    </dgm:linClrLst>
+    <dgm:effectClrLst/>
+    <dgm:txLinClrLst/>
+    <dgm:txFillClrLst/>
+    <dgm:txEffectClrLst/>
+  </dgm:styleLbl>
+  <dgm:styleLbl name="node3">
+    <dgm:fillClrLst meth="repeat">
+      <a:schemeClr val="accent1"/>
+    </dgm:fillClrLst>
+    <dgm:linClrLst meth="repeat">
+      <a:schemeClr val="lt1"/>
+    </dgm:linClrLst>
+    <dgm:effectClrLst/>
+    <dgm:txLinClrLst/>
+    <dgm:txFillClrLst/>
+    <dgm:txEffectClrLst/>
+  </dgm:styleLbl>
+  <dgm:styleLbl name="node4">
+    <dgm:fillClrLst meth="repeat">
+      <a:schemeClr val="accent1"/>
+    </dgm:fillClrLst>
+    <dgm:linClrLst meth="repeat">
+      <a:schemeClr val="lt1"/>
+    </dgm:linClrLst>
+    <dgm:effectClrLst/>
+    <dgm:txLinClrLst/>
+    <dgm:txFillClrLst/>
+    <dgm:txEffectClrLst/>
+  </dgm:styleLbl>
+  <dgm:styleLbl name="fgImgPlace1">
+    <dgm:fillClrLst meth="repeat">
+      <a:schemeClr val="accent1">
+        <a:tint val="50000"/>
+      </a:schemeClr>
+    </dgm:fillClrLst>
+    <dgm:linClrLst meth="repeat">
+      <a:schemeClr val="lt1"/>
+    </dgm:linClrLst>
+    <dgm:effectClrLst/>
+    <dgm:txLinClrLst/>
+    <dgm:txFillClrLst meth="repeat">
+      <a:schemeClr val="lt1"/>
+    </dgm:txFillClrLst>
+    <dgm:txEffectClrLst/>
+  </dgm:styleLbl>
+  <dgm:styleLbl name="alignImgPlace1">
+    <dgm:fillClrLst meth="repeat">
+      <a:schemeClr val="accent1">
+        <a:tint val="50000"/>
+      </a:schemeClr>
+    </dgm:fillClrLst>
+    <dgm:linClrLst meth="repeat">
+      <a:schemeClr val="lt1"/>
+    </dgm:linClrLst>
+    <dgm:effectClrLst/>
+    <dgm:txLinClrLst/>
+    <dgm:txFillClrLst meth="repeat">
+      <a:schemeClr val="lt1"/>
+    </dgm:txFillClrLst>
+    <dgm:txEffectClrLst/>
+  </dgm:styleLbl>
+  <dgm:styleLbl name="bgImgPlace1">
+    <dgm:fillClrLst meth="repeat">
+      <a:schemeClr val="accent1">
+        <a:tint val="50000"/>
+      </a:schemeClr>
+    </dgm:fillClrLst>
+    <dgm:linClrLst meth="repeat">
+      <a:schemeClr val="lt1"/>
+    </dgm:linClrLst>
+    <dgm:effectClrLst/>
+    <dgm:txLinClrLst/>
+    <dgm:txFillClrLst meth="repeat">
+      <a:schemeClr val="lt1"/>
+    </dgm:txFillClrLst>
+    <dgm:txEffectClrLst/>
+  </dgm:styleLbl>
+  <dgm:styleLbl name="sibTrans2D1">
+    <dgm:fillClrLst meth="repeat">
+      <a:schemeClr val="accent1">
+        <a:tint val="60000"/>
+      </a:schemeClr>
+    </dgm:fillClrLst>
+    <dgm:linClrLst meth="repeat">
+      <a:schemeClr val="accent1">
+        <a:tint val="60000"/>
+      </a:schemeClr>
+    </dgm:linClrLst>
+    <dgm:effectClrLst/>
+    <dgm:txLinClrLst/>
+    <dgm:txFillClrLst/>
+    <dgm:txEffectClrLst/>
+  </dgm:styleLbl>
+  <dgm:styleLbl name="fgSibTrans2D1">
+    <dgm:fillClrLst meth="repeat">
+      <a:schemeClr val="accent1">
+        <a:tint val="60000"/>
+      </a:schemeClr>
+    </dgm:fillClrLst>
+    <dgm:linClrLst meth="repeat">
+      <a:schemeClr val="accent1">
+        <a:tint val="60000"/>
+      </a:schemeClr>
+    </dgm:linClrLst>
+    <dgm:effectClrLst/>
+    <dgm:txLinClrLst/>
+    <dgm:txFillClrLst/>
+    <dgm:txEffectClrLst/>
+  </dgm:styleLbl>
+  <dgm:styleLbl name="bgSibTrans2D1">
+    <dgm:fillClrLst meth="repeat">
+      <a:schemeClr val="accent1">
+        <a:tint val="60000"/>
+      </a:schemeClr>
+    </dgm:fillClrLst>
+    <dgm:linClrLst meth="repeat">
+      <a:schemeClr val="accent1">
+        <a:tint val="60000"/>
+      </a:schemeClr>
+    </dgm:linClrLst>
+    <dgm:effectClrLst/>
+    <dgm:txLinClrLst/>
+    <dgm:txFillClrLst/>
+    <dgm:txEffectClrLst/>
+  </dgm:styleLbl>
+  <dgm:styleLbl name="sibTrans1D1">
+    <dgm:fillClrLst meth="repeat">
+      <a:schemeClr val="accent1"/>
+    </dgm:fillClrLst>
+    <dgm:linClrLst meth="repeat">
+      <a:schemeClr val="accent1"/>
+    </dgm:linClrLst>
+    <dgm:effectClrLst/>
+    <dgm:txLinClrLst/>
+    <dgm:txFillClrLst meth="repeat">
+      <a:schemeClr val="tx1"/>
+    </dgm:txFillClrLst>
+    <dgm:txEffectClrLst/>
+  </dgm:styleLbl>
+  <dgm:styleLbl name="callout">
+    <dgm:fillClrLst meth="repeat">
+      <a:schemeClr val="accent1"/>
+    </dgm:fillClrLst>
+    <dgm:linClrLst meth="repeat">
+      <a:schemeClr val="accent1">
+        <a:tint val="50000"/>
+      </a:schemeClr>
+    </dgm:linClrLst>
+    <dgm:effectClrLst/>
+    <dgm:txLinClrLst/>
+    <dgm:txFillClrLst meth="repeat">
+      <a:schemeClr val="tx1"/>
+    </dgm:txFillClrLst>
+    <dgm:txEffectClrLst/>
+  </dgm:styleLbl>
+  <dgm:styleLbl name="asst0">
+    <dgm:fillClrLst meth="repeat">
+      <a:schemeClr val="accent1"/>
+    </dgm:fillClrLst>
+    <dgm:linClrLst meth="repeat">
+      <a:schemeClr val="lt1"/>
+    </dgm:linClrLst>
+    <dgm:effectClrLst/>
+    <dgm:txLinClrLst/>
+    <dgm:txFillClrLst/>
+    <dgm:txEffectClrLst/>
+  </dgm:styleLbl>
+  <dgm:styleLbl name="asst1">
+    <dgm:fillClrLst meth="repeat">
+      <a:schemeClr val="accent1"/>
+    </dgm:fillClrLst>
+    <dgm:linClrLst meth="repeat">
+      <a:schemeClr val="lt1"/>
+    </dgm:linClrLst>
+    <dgm:effectClrLst/>
+    <dgm:txLinClrLst/>
+    <dgm:txFillClrLst/>
+    <dgm:txEffectClrLst/>
+  </dgm:styleLbl>
+  <dgm:styleLbl name="asst2">
+    <dgm:fillClrLst meth="repeat">
+      <a:schemeClr val="accent1"/>
+    </dgm:fillClrLst>
+    <dgm:linClrLst meth="repeat">
+      <a:schemeClr val="lt1"/>
+    </dgm:linClrLst>
+    <dgm:effectClrLst/>
+    <dgm:txLinClrLst/>
+    <dgm:txFillClrLst/>
+    <dgm:txEffectClrLst/>
+  </dgm:styleLbl>
+  <dgm:styleLbl name="asst3">
+    <dgm:fillClrLst meth="repeat">
+      <a:schemeClr val="accent1"/>
+    </dgm:fillClrLst>
+    <dgm:linClrLst meth="repeat">
+      <a:schemeClr val="lt1"/>
+    </dgm:linClrLst>
+    <dgm:effectClrLst/>
+    <dgm:txLinClrLst/>
+    <dgm:txFillClrLst/>
+    <dgm:txEffectClrLst/>
+  </dgm:styleLbl>
+  <dgm:styleLbl name="asst4">
+    <dgm:fillClrLst meth="repeat">
+      <a:schemeClr val="accent1"/>
+    </dgm:fillClrLst>
+    <dgm:linClrLst meth="repeat">
+      <a:schemeClr val="lt1"/>
+    </dgm:linClrLst>
+    <dgm:effectClrLst/>
+    <dgm:txLinClrLst/>
+    <dgm:txFillClrLst/>
+    <dgm:txEffectClrLst/>
+  </dgm:styleLbl>
+  <dgm:styleLbl name="parChTrans2D1">
+    <dgm:fillClrLst meth="repeat">
+      <a:schemeClr val="accent1">
+        <a:tint val="60000"/>
+      </a:schemeClr>
+    </dgm:fillClrLst>
+    <dgm:linClrLst meth="repeat">
+      <a:schemeClr val="accent1">
+        <a:tint val="60000"/>
+      </a:schemeClr>
+    </dgm:linClrLst>
+    <dgm:effectClrLst/>
+    <dgm:txLinClrLst/>
+    <dgm:txFillClrLst meth="repeat">
+      <a:schemeClr val="lt1"/>
+    </dgm:txFillClrLst>
+    <dgm:txEffectClrLst/>
+  </dgm:styleLbl>
+  <dgm:styleLbl name="parChTrans2D2">
+    <dgm:fillClrLst meth="repeat">
+      <a:schemeClr val="accent1"/>
+    </dgm:fillClrLst>
+    <dgm:linClrLst meth="repeat">
+      <a:schemeClr val="accent1"/>
+    </dgm:linClrLst>
+    <dgm:effectClrLst/>
+    <dgm:txLinClrLst/>
+    <dgm:txFillClrLst meth="repeat">
+      <a:schemeClr val="lt1"/>
+    </dgm:txFillClrLst>
+    <dgm:txEffectClrLst/>
+  </dgm:styleLbl>
+  <dgm:styleLbl name="parChTrans2D3">
+    <dgm:fillClrLst meth="repeat">
+      <a:schemeClr val="accent1"/>
+    </dgm:fillClrLst>
+    <dgm:linClrLst meth="repeat">
+      <a:schemeClr val="accent1"/>
+    </dgm:linClrLst>
+    <dgm:effectClrLst/>
+    <dgm:txLinClrLst/>
+    <dgm:txFillClrLst meth="repeat">
+      <a:schemeClr val="lt1"/>
+    </dgm:txFillClrLst>
+    <dgm:txEffectClrLst/>
+  </dgm:styleLbl>
+  <dgm:styleLbl name="parChTrans2D4">
+    <dgm:fillClrLst meth="repeat">
+      <a:schemeClr val="accent1"/>
+    </dgm:fillClrLst>
+    <dgm:linClrLst meth="repeat">
+      <a:schemeClr val="accent1"/>
+    </dgm:linClrLst>
+    <dgm:effectClrLst/>
+    <dgm:txLinClrLst/>
+    <dgm:txFillClrLst meth="repeat">
+      <a:schemeClr val="lt1"/>
+    </dgm:txFillClrLst>
+    <dgm:txEffectClrLst/>
+  </dgm:styleLbl>
+  <dgm:styleLbl name="parChTrans1D1">
+    <dgm:fillClrLst meth="repeat">
+      <a:schemeClr val="accent1"/>
+    </dgm:fillClrLst>
+    <dgm:linClrLst meth="repeat">
+      <a:schemeClr val="accent1">
+        <a:shade val="60000"/>
+      </a:schemeClr>
+    </dgm:linClrLst>
+    <dgm:effectClrLst/>
+    <dgm:txLinClrLst/>
+    <dgm:txFillClrLst meth="repeat">
+      <a:schemeClr val="tx1"/>
+    </dgm:txFillClrLst>
+    <dgm:txEffectClrLst/>
+  </dgm:styleLbl>
+  <dgm:styleLbl name="parChTrans1D2">
+    <dgm:fillClrLst meth="repeat">
+      <a:schemeClr val="accent1"/>
+    </dgm:fillClrLst>
+    <dgm:linClrLst meth="repeat">
+      <a:schemeClr val="accent1">
+        <a:shade val="60000"/>
+      </a:schemeClr>
+    </dgm:linClrLst>
+    <dgm:effectClrLst/>
+    <dgm:txLinClrLst/>
+    <dgm:txFillClrLst meth="repeat">
+      <a:schemeClr val="tx1"/>
+    </dgm:txFillClrLst>
+    <dgm:txEffectClrLst/>
+  </dgm:styleLbl>
+  <dgm:styleLbl name="parChTrans1D3">
+    <dgm:fillClrLst meth="repeat">
+      <a:schemeClr val="accent1"/>
+    </dgm:fillClrLst>
+    <dgm:linClrLst meth="repeat">
+      <a:schemeClr val="accent1">
+        <a:shade val="80000"/>
+      </a:schemeClr>
+    </dgm:linClrLst>
+    <dgm:effectClrLst/>
+    <dgm:txLinClrLst/>
+    <dgm:txFillClrLst meth="repeat">
+      <a:schemeClr val="tx1"/>
+    </dgm:txFillClrLst>
+    <dgm:txEffectClrLst/>
+  </dgm:styleLbl>
+  <dgm:styleLbl name="parChTrans1D4">
+    <dgm:fillClrLst meth="repeat">
+      <a:schemeClr val="accent1"/>
+    </dgm:fillClrLst>
+    <dgm:linClrLst meth="repeat">
+      <a:schemeClr val="accent1">
+        <a:shade val="80000"/>
+      </a:schemeClr>
+    </dgm:linClrLst>
+    <dgm:effectClrLst/>
+    <dgm:txLinClrLst/>
+    <dgm:txFillClrLst meth="repeat">
+      <a:schemeClr val="tx1"/>
+    </dgm:txFillClrLst>
+    <dgm:txEffectClrLst/>
+  </dgm:styleLbl>
+  <dgm:styleLbl name="fgAcc1">
+    <dgm:fillClrLst meth="repeat">
+      <a:schemeClr val="lt1">
+        <a:alpha val="90000"/>
+      </a:schemeClr>
+    </dgm:fillClrLst>
+    <dgm:linClrLst meth="repeat">
+      <a:schemeClr val="accent1"/>
+    </dgm:linClrLst>
+    <dgm:effectClrLst/>
+    <dgm:txLinClrLst/>
+    <dgm:txFillClrLst meth="repeat">
+      <a:schemeClr val="dk1"/>
+    </dgm:txFillClrLst>
+    <dgm:txEffectClrLst/>
+  </dgm:styleLbl>
+  <dgm:styleLbl name="conFgAcc1">
+    <dgm:fillClrLst meth="repeat">
+      <a:schemeClr val="lt1">
+        <a:alpha val="90000"/>
+      </a:schemeClr>
+    </dgm:fillClrLst>
+    <dgm:linClrLst meth="repeat">
+      <a:schemeClr val="accent1"/>
+    </dgm:linClrLst>
+    <dgm:effectClrLst/>
+    <dgm:txLinClrLst/>
+    <dgm:txFillClrLst meth="repeat">
+      <a:schemeClr val="dk1"/>
+    </dgm:txFillClrLst>
+    <dgm:txEffectClrLst/>
+  </dgm:styleLbl>
+  <dgm:styleLbl name="alignAcc1">
+    <dgm:fillClrLst meth="repeat">
+      <a:schemeClr val="lt1">
+        <a:alpha val="90000"/>
+      </a:schemeClr>
+    </dgm:fillClrLst>
+    <dgm:linClrLst meth="repeat">
+      <a:schemeClr val="accent1"/>
+    </dgm:linClrLst>
+    <dgm:effectClrLst/>
+    <dgm:txLinClrLst/>
+    <dgm:txFillClrLst meth="repeat">
+      <a:schemeClr val="dk1"/>
+    </dgm:txFillClrLst>
+    <dgm:txEffectClrLst/>
+  </dgm:styleLbl>
+  <dgm:styleLbl name="trAlignAcc1">
+    <dgm:fillClrLst meth="repeat">
+      <a:schemeClr val="lt1">
+        <a:alpha val="40000"/>
+      </a:schemeClr>
+    </dgm:fillClrLst>
+    <dgm:linClrLst meth="repeat">
+      <a:schemeClr val="accent1"/>
+    </dgm:linClrLst>
+    <dgm:effectClrLst/>
+    <dgm:txLinClrLst/>
+    <dgm:txFillClrLst meth="repeat">
+      <a:schemeClr val="dk1"/>
+    </dgm:txFillClrLst>
+    <dgm:txEffectClrLst/>
+  </dgm:styleLbl>
+  <dgm:styleLbl name="bgAcc1">
+    <dgm:fillClrLst meth="repeat">
+      <a:schemeClr val="lt1">
+        <a:alpha val="90000"/>
+      </a:schemeClr>
+    </dgm:fillClrLst>
+    <dgm:linClrLst meth="repeat">
+      <a:schemeClr val="accent1"/>
+    </dgm:linClrLst>
+    <dgm:effectClrLst/>
+    <dgm:txLinClrLst/>
+    <dgm:txFillClrLst meth="repeat">
+      <a:schemeClr val="dk1"/>
+    </dgm:txFillClrLst>
+    <dgm:txEffectClrLst/>
+  </dgm:styleLbl>
+  <dgm:styleLbl name="solidFgAcc1">
+    <dgm:fillClrLst meth="repeat">
+      <a:schemeClr val="lt1"/>
+    </dgm:fillClrLst>
+    <dgm:linClrLst meth="repeat">
+      <a:schemeClr val="accent1"/>
+    </dgm:linClrLst>
+    <dgm:effectClrLst/>
+    <dgm:txLinClrLst/>
+    <dgm:txFillClrLst meth="repeat">
+      <a:schemeClr val="dk1"/>
+    </dgm:txFillClrLst>
+    <dgm:txEffectClrLst/>
+  </dgm:styleLbl>
+  <dgm:styleLbl name="solidAlignAcc1">
+    <dgm:fillClrLst meth="repeat">
+      <a:schemeClr val="lt1"/>
+    </dgm:fillClrLst>
+    <dgm:linClrLst meth="repeat">
+      <a:schemeClr val="accent1"/>
+    </dgm:linClrLst>
+    <dgm:effectClrLst/>
+    <dgm:txLinClrLst/>
+    <dgm:txFillClrLst meth="repeat">
+      <a:schemeClr val="dk1"/>
+    </dgm:txFillClrLst>
+    <dgm:txEffectClrLst/>
+  </dgm:styleLbl>
+  <dgm:styleLbl name="solidBgAcc1">
+    <dgm:fillClrLst meth="repeat">
+      <a:schemeClr val="lt1"/>
+    </dgm:fillClrLst>
+    <dgm:linClrLst meth="repeat">
+      <a:schemeClr val="accent1"/>
+    </dgm:linClrLst>
+    <dgm:effectClrLst/>
+    <dgm:txLinClrLst/>
+    <dgm:txFillClrLst meth="repeat">
+      <a:schemeClr val="dk1"/>
+    </dgm:txFillClrLst>
+    <dgm:txEffectClrLst/>
+  </dgm:styleLbl>
+  <dgm:styleLbl name="fgAccFollowNode1">
+    <dgm:fillClrLst meth="repeat">
+      <a:schemeClr val="accent1">
+        <a:alpha val="90000"/>
+        <a:tint val="40000"/>
+      </a:schemeClr>
+    </dgm:fillClrLst>
+    <dgm:linClrLst meth="repeat">
+      <a:schemeClr val="accent1">
+        <a:alpha val="90000"/>
+        <a:tint val="40000"/>
+      </a:schemeClr>
+    </dgm:linClrLst>
+    <dgm:effectClrLst/>
+    <dgm:txLinClrLst/>
+    <dgm:txFillClrLst meth="repeat">
+      <a:schemeClr val="dk1"/>
+    </dgm:txFillClrLst>
+    <dgm:txEffectClrLst/>
+  </dgm:styleLbl>
+  <dgm:styleLbl name="alignAccFollowNode1">
+    <dgm:fillClrLst meth="repeat">
+      <a:schemeClr val="accent1">
+        <a:alpha val="90000"/>
+        <a:tint val="40000"/>
+      </a:schemeClr>
+    </dgm:fillClrLst>
+    <dgm:linClrLst meth="repeat">
+      <a:schemeClr val="accent1">
+        <a:alpha val="90000"/>
+        <a:tint val="40000"/>
+      </a:schemeClr>
+    </dgm:linClrLst>
+    <dgm:effectClrLst/>
+    <dgm:txLinClrLst/>
+    <dgm:txFillClrLst meth="repeat">
+      <a:schemeClr val="dk1"/>
+    </dgm:txFillClrLst>
+    <dgm:txEffectClrLst/>
+  </dgm:styleLbl>
+  <dgm:styleLbl name="bgAccFollowNode1">
+    <dgm:fillClrLst meth="repeat">
+      <a:schemeClr val="accent1">
+        <a:alpha val="90000"/>
+        <a:tint val="40000"/>
+      </a:schemeClr>
+    </dgm:fillClrLst>
+    <dgm:linClrLst meth="repeat">
+      <a:schemeClr val="accent1">
+        <a:alpha val="90000"/>
+        <a:tint val="40000"/>
+      </a:schemeClr>
+    </dgm:linClrLst>
+    <dgm:effectClrLst/>
+    <dgm:txLinClrLst/>
+    <dgm:txFillClrLst meth="repeat">
+      <a:schemeClr val="dk1"/>
+    </dgm:txFillClrLst>
+    <dgm:txEffectClrLst/>
+  </dgm:styleLbl>
+  <dgm:styleLbl name="fgAcc0">
+    <dgm:fillClrLst meth="repeat">
+      <a:schemeClr val="lt1">
+        <a:alpha val="90000"/>
+      </a:schemeClr>
+    </dgm:fillClrLst>
+    <dgm:linClrLst meth="repeat">
+      <a:schemeClr val="accent1"/>
+    </dgm:linClrLst>
+    <dgm:effectClrLst/>
+    <dgm:txLinClrLst/>
+    <dgm:txFillClrLst meth="repeat">
+      <a:schemeClr val="dk1"/>
+    </dgm:txFillClrLst>
+    <dgm:txEffectClrLst/>
+  </dgm:styleLbl>
+  <dgm:styleLbl name="fgAcc2">
+    <dgm:fillClrLst meth="repeat">
+      <a:schemeClr val="lt1">
+        <a:alpha val="90000"/>
+      </a:schemeClr>
+    </dgm:fillClrLst>
+    <dgm:linClrLst meth="repeat">
+      <a:schemeClr val="accent1"/>
+    </dgm:linClrLst>
+    <dgm:effectClrLst/>
+    <dgm:txLinClrLst/>
+    <dgm:txFillClrLst meth="repeat">
+      <a:schemeClr val="dk1"/>
+    </dgm:txFillClrLst>
+    <dgm:txEffectClrLst/>
+  </dgm:styleLbl>
+  <dgm:styleLbl name="fgAcc3">
+    <dgm:fillClrLst meth="repeat">
+      <a:schemeClr val="lt1">
+        <a:alpha val="90000"/>
+      </a:schemeClr>
+    </dgm:fillClrLst>
+    <dgm:linClrLst meth="repeat">
+      <a:schemeClr val="accent1"/>
+    </dgm:linClrLst>
+    <dgm:effectClrLst/>
+    <dgm:txLinClrLst/>
+    <dgm:txFillClrLst meth="repeat">
+      <a:schemeClr val="dk1"/>
+    </dgm:txFillClrLst>
+    <dgm:txEffectClrLst/>
+  </dgm:styleLbl>
+  <dgm:styleLbl name="fgAcc4">
+    <dgm:fillClrLst meth="repeat">
+      <a:schemeClr val="lt1">
+        <a:alpha val="90000"/>
+      </a:schemeClr>
+    </dgm:fillClrLst>
+    <dgm:linClrLst meth="repeat">
+      <a:schemeClr val="accent1"/>
+    </dgm:linClrLst>
+    <dgm:effectClrLst/>
+    <dgm:txLinClrLst/>
+    <dgm:txFillClrLst meth="repeat">
+      <a:schemeClr val="dk1"/>
+    </dgm:txFillClrLst>
+    <dgm:txEffectClrLst/>
+  </dgm:styleLbl>
+  <dgm:styleLbl name="bgShp">
+    <dgm:fillClrLst meth="repeat">
+      <a:schemeClr val="bg1">
+        <a:lumMod val="95000"/>
+      </a:schemeClr>
+    </dgm:fillClrLst>
+    <dgm:linClrLst meth="repeat">
+      <a:schemeClr val="accent1"/>
+    </dgm:linClrLst>
+    <dgm:effectClrLst/>
+    <dgm:txLinClrLst/>
+    <dgm:txFillClrLst meth="repeat">
+      <a:schemeClr val="dk1"/>
+    </dgm:txFillClrLst>
+    <dgm:txEffectClrLst/>
+  </dgm:styleLbl>
+  <dgm:styleLbl name="dkBgShp">
+    <dgm:fillClrLst meth="repeat">
+      <a:schemeClr val="accent1">
+        <a:shade val="80000"/>
+      </a:schemeClr>
+    </dgm:fillClrLst>
+    <dgm:linClrLst meth="repeat">
+      <a:schemeClr val="accent1"/>
+    </dgm:linClrLst>
+    <dgm:effectClrLst/>
+    <dgm:txLinClrLst/>
+    <dgm:txFillClrLst meth="repeat">
+      <a:schemeClr val="lt1"/>
+    </dgm:txFillClrLst>
+    <dgm:txEffectClrLst/>
+  </dgm:styleLbl>
+  <dgm:styleLbl name="trBgShp">
+    <dgm:fillClrLst meth="repeat">
+      <a:schemeClr val="accent1">
+        <a:tint val="50000"/>
+        <a:alpha val="40000"/>
+      </a:schemeClr>
+    </dgm:fillClrLst>
+    <dgm:linClrLst meth="repeat">
+      <a:schemeClr val="accent1"/>
+    </dgm:linClrLst>
+    <dgm:effectClrLst/>
+    <dgm:txLinClrLst/>
+    <dgm:txFillClrLst meth="repeat">
+      <a:schemeClr val="lt1"/>
+    </dgm:txFillClrLst>
+    <dgm:txEffectClrLst/>
+  </dgm:styleLbl>
+  <dgm:styleLbl name="fgShp">
+    <dgm:fillClrLst meth="repeat">
+      <a:schemeClr val="accent1">
+        <a:tint val="60000"/>
+      </a:schemeClr>
+    </dgm:fillClrLst>
+    <dgm:linClrLst meth="repeat">
+      <a:schemeClr val="lt1"/>
+    </dgm:linClrLst>
+    <dgm:effectClrLst/>
+    <dgm:txLinClrLst/>
+    <dgm:txFillClrLst meth="repeat">
+      <a:schemeClr val="dk1"/>
+    </dgm:txFillClrLst>
+    <dgm:txEffectClrLst/>
+  </dgm:styleLbl>
+  <dgm:styleLbl name="revTx">
+    <dgm:fillClrLst meth="repeat">
+      <a:schemeClr val="lt1">
+        <a:alpha val="0"/>
+      </a:schemeClr>
+    </dgm:fillClrLst>
+    <dgm:linClrLst meth="repeat">
+      <a:schemeClr val="dk1">
+        <a:alpha val="0"/>
+      </a:schemeClr>
+    </dgm:linClrLst>
+    <dgm:effectClrLst/>
+    <dgm:txLinClrLst/>
+    <dgm:txFillClrLst meth="repeat">
+      <a:schemeClr val="tx1"/>
+    </dgm:txFillClrLst>
+    <dgm:txEffectClrLst/>
+  </dgm:styleLbl>
+</dgm:colorsDef>
+</file>
+
+<file path=ppt/diagrams/data1.xml><?xml version="1.0" encoding="utf-8"?>
+<dgm:dataModel xmlns:dgm="http://schemas.openxmlformats.org/drawingml/2006/diagram" xmlns:a="http://schemas.openxmlformats.org/drawingml/2006/main">
+  <dgm:ptLst>
+    <dgm:pt modelId="{21E1A1C2-9E95-43C6-84D3-5C353B2BA3A6}" type="doc">
+      <dgm:prSet loTypeId="urn:microsoft.com/office/officeart/2018/2/layout/IconLabelList" loCatId="icon" qsTypeId="urn:microsoft.com/office/officeart/2005/8/quickstyle/simple1" qsCatId="simple" csTypeId="urn:microsoft.com/office/officeart/2018/5/colors/Iconchunking_neutralbg_accent1_2" csCatId="accent1" phldr="1"/>
+      <dgm:spPr/>
+      <dgm:t>
+        <a:bodyPr/>
+        <a:lstStyle/>
+        <a:p>
+          <a:endParaRPr lang="en-US"/>
+        </a:p>
+      </dgm:t>
+    </dgm:pt>
+    <dgm:pt modelId="{BC1647FA-FC16-4088-8781-5DF395C7980B}">
+      <dgm:prSet/>
+      <dgm:spPr/>
+      <dgm:t>
+        <a:bodyPr/>
+        <a:lstStyle/>
+        <a:p>
+          <a:endParaRPr lang="en-US" dirty="0"/>
+        </a:p>
+      </dgm:t>
+    </dgm:pt>
+    <dgm:pt modelId="{63EF1F10-D557-4F10-B999-06D3BD92DC15}" type="parTrans" cxnId="{1887557E-35FE-46FA-8BA0-FBA65FF74552}">
+      <dgm:prSet/>
+      <dgm:spPr/>
+      <dgm:t>
+        <a:bodyPr/>
+        <a:lstStyle/>
+        <a:p>
+          <a:endParaRPr lang="en-US"/>
+        </a:p>
+      </dgm:t>
+    </dgm:pt>
+    <dgm:pt modelId="{95DFB8A9-A8F2-44C9-B0F5-C0F85B6E87DD}" type="sibTrans" cxnId="{1887557E-35FE-46FA-8BA0-FBA65FF74552}">
+      <dgm:prSet/>
+      <dgm:spPr/>
+      <dgm:t>
+        <a:bodyPr/>
+        <a:lstStyle/>
+        <a:p>
+          <a:endParaRPr lang="en-US"/>
+        </a:p>
+      </dgm:t>
+    </dgm:pt>
+    <dgm:pt modelId="{7020CCAD-93BA-4EF1-9AAE-39471372D13D}">
+      <dgm:prSet/>
+      <dgm:spPr/>
+      <dgm:t>
+        <a:bodyPr/>
+        <a:lstStyle/>
+        <a:p>
+          <a:endParaRPr lang="en-US" dirty="0"/>
+        </a:p>
+      </dgm:t>
+    </dgm:pt>
+    <dgm:pt modelId="{C334F9B7-F099-49ED-AA1D-FCA4505C4399}" type="parTrans" cxnId="{0B5A0169-D9C1-446E-82F7-E8D3D9228710}">
+      <dgm:prSet/>
+      <dgm:spPr/>
+      <dgm:t>
+        <a:bodyPr/>
+        <a:lstStyle/>
+        <a:p>
+          <a:endParaRPr lang="en-US"/>
+        </a:p>
+      </dgm:t>
+    </dgm:pt>
+    <dgm:pt modelId="{3CC89F7E-4D5D-4704-9E72-7E86AD25575A}" type="sibTrans" cxnId="{0B5A0169-D9C1-446E-82F7-E8D3D9228710}">
+      <dgm:prSet/>
+      <dgm:spPr/>
+      <dgm:t>
+        <a:bodyPr/>
+        <a:lstStyle/>
+        <a:p>
+          <a:endParaRPr lang="en-US"/>
+        </a:p>
+      </dgm:t>
+    </dgm:pt>
+    <dgm:pt modelId="{23553C81-26F7-4E18-94BE-C9452D746B9B}">
+      <dgm:prSet/>
+      <dgm:spPr/>
+      <dgm:t>
+        <a:bodyPr/>
+        <a:lstStyle/>
+        <a:p>
+          <a:endParaRPr lang="en-US" dirty="0"/>
+        </a:p>
+      </dgm:t>
+    </dgm:pt>
+    <dgm:pt modelId="{0A4FE284-2861-478E-997B-01411C9D44D0}" type="parTrans" cxnId="{2251E6E0-6376-4D48-BBF6-71A74BEBCA98}">
+      <dgm:prSet/>
+      <dgm:spPr/>
+      <dgm:t>
+        <a:bodyPr/>
+        <a:lstStyle/>
+        <a:p>
+          <a:endParaRPr lang="en-US"/>
+        </a:p>
+      </dgm:t>
+    </dgm:pt>
+    <dgm:pt modelId="{00553CB4-3FC3-41B8-887F-6E51B0C44C2B}" type="sibTrans" cxnId="{2251E6E0-6376-4D48-BBF6-71A74BEBCA98}">
+      <dgm:prSet/>
+      <dgm:spPr/>
+      <dgm:t>
+        <a:bodyPr/>
+        <a:lstStyle/>
+        <a:p>
+          <a:endParaRPr lang="en-US"/>
+        </a:p>
+      </dgm:t>
+    </dgm:pt>
+    <dgm:pt modelId="{E8F1A2F6-B71C-4950-B94B-47EEE5D8D187}">
+      <dgm:prSet/>
+      <dgm:spPr/>
+      <dgm:t>
+        <a:bodyPr/>
+        <a:lstStyle/>
+        <a:p>
+          <a:endParaRPr lang="en-US" dirty="0"/>
+        </a:p>
+      </dgm:t>
+    </dgm:pt>
+    <dgm:pt modelId="{917EEC95-329A-4867-95C9-303CAFBE7BC3}" type="parTrans" cxnId="{B57AE466-A0A1-40EE-9061-E2706C172114}">
+      <dgm:prSet/>
+      <dgm:spPr/>
+      <dgm:t>
+        <a:bodyPr/>
+        <a:lstStyle/>
+        <a:p>
+          <a:endParaRPr lang="en-US"/>
+        </a:p>
+      </dgm:t>
+    </dgm:pt>
+    <dgm:pt modelId="{FA944B4D-6B91-493E-93C4-4AFBA652ED21}" type="sibTrans" cxnId="{B57AE466-A0A1-40EE-9061-E2706C172114}">
+      <dgm:prSet/>
+      <dgm:spPr/>
+      <dgm:t>
+        <a:bodyPr/>
+        <a:lstStyle/>
+        <a:p>
+          <a:endParaRPr lang="en-US"/>
+        </a:p>
+      </dgm:t>
+    </dgm:pt>
+    <dgm:pt modelId="{1A552DB5-8A00-4471-940C-06DAEF5D7598}">
+      <dgm:prSet/>
+      <dgm:spPr/>
+      <dgm:t>
+        <a:bodyPr/>
+        <a:lstStyle/>
+        <a:p>
+          <a:pPr algn="ctr"/>
+          <a:endParaRPr lang="en-US" dirty="0"/>
+        </a:p>
+      </dgm:t>
+    </dgm:pt>
+    <dgm:pt modelId="{02A5A747-96DD-4BC0-94CB-F4F19514DDD6}" type="sibTrans" cxnId="{C0661B17-35EA-484A-B3AC-B2B011B73B45}">
+      <dgm:prSet/>
+      <dgm:spPr/>
+      <dgm:t>
+        <a:bodyPr/>
+        <a:lstStyle/>
+        <a:p>
+          <a:endParaRPr lang="en-US"/>
+        </a:p>
+      </dgm:t>
+    </dgm:pt>
+    <dgm:pt modelId="{C4E06E00-488D-46C6-B719-B834F94B36C5}" type="parTrans" cxnId="{C0661B17-35EA-484A-B3AC-B2B011B73B45}">
+      <dgm:prSet/>
+      <dgm:spPr/>
+      <dgm:t>
+        <a:bodyPr/>
+        <a:lstStyle/>
+        <a:p>
+          <a:endParaRPr lang="en-US"/>
+        </a:p>
+      </dgm:t>
+    </dgm:pt>
+    <dgm:pt modelId="{A9312221-7DB9-4CD0-8999-86E663B10108}" type="pres">
+      <dgm:prSet presAssocID="{21E1A1C2-9E95-43C6-84D3-5C353B2BA3A6}" presName="root" presStyleCnt="0">
+        <dgm:presLayoutVars>
+          <dgm:dir/>
+          <dgm:resizeHandles val="exact"/>
+        </dgm:presLayoutVars>
+      </dgm:prSet>
+      <dgm:spPr/>
+    </dgm:pt>
+    <dgm:pt modelId="{510F5CE2-E379-43DE-95C9-404149258CDA}" type="pres">
+      <dgm:prSet presAssocID="{BC1647FA-FC16-4088-8781-5DF395C7980B}" presName="compNode" presStyleCnt="0"/>
+      <dgm:spPr/>
+    </dgm:pt>
+    <dgm:pt modelId="{8D713087-BFBB-4240-AD58-8715C20A8E6E}" type="pres">
+      <dgm:prSet presAssocID="{BC1647FA-FC16-4088-8781-5DF395C7980B}" presName="iconRect" presStyleLbl="node1" presStyleIdx="0" presStyleCnt="5"/>
+      <dgm:spPr>
+        <a:blipFill>
+          <a:blip xmlns:r="http://schemas.openxmlformats.org/officeDocument/2006/relationships" r:embed="rId1">
+            <a:extLst>
+              <a:ext uri="{96DAC541-7B7A-43D3-8B79-37D633B846F1}">
+                <asvg:svgBlip xmlns:asvg="http://schemas.microsoft.com/office/drawing/2016/SVG/main" r:embed="rId2"/>
+              </a:ext>
+            </a:extLst>
+          </a:blip>
+          <a:srcRect/>
+          <a:stretch>
+            <a:fillRect/>
+          </a:stretch>
+        </a:blipFill>
+        <a:ln>
+          <a:noFill/>
+        </a:ln>
+      </dgm:spPr>
+      <dgm:extLst>
+        <a:ext uri="{E40237B7-FDA0-4F09-8148-C483321AD2D9}">
+          <dgm14:cNvPr xmlns:dgm14="http://schemas.microsoft.com/office/drawing/2010/diagram" id="0" name="" descr="Priorities outline"/>
+        </a:ext>
+      </dgm:extLst>
+    </dgm:pt>
+    <dgm:pt modelId="{494BDD52-8303-451B-9097-16F1C72964B4}" type="pres">
+      <dgm:prSet presAssocID="{BC1647FA-FC16-4088-8781-5DF395C7980B}" presName="spaceRect" presStyleCnt="0"/>
+      <dgm:spPr/>
+    </dgm:pt>
+    <dgm:pt modelId="{9C4611F3-68EF-458D-8555-33E83AAC8194}" type="pres">
+      <dgm:prSet presAssocID="{BC1647FA-FC16-4088-8781-5DF395C7980B}" presName="textRect" presStyleLbl="revTx" presStyleIdx="0" presStyleCnt="5">
+        <dgm:presLayoutVars>
+          <dgm:chMax val="1"/>
+          <dgm:chPref val="1"/>
+        </dgm:presLayoutVars>
+      </dgm:prSet>
+      <dgm:spPr/>
+    </dgm:pt>
+    <dgm:pt modelId="{B3E2B716-7B40-4B3E-A71E-3A7A90FA6A23}" type="pres">
+      <dgm:prSet presAssocID="{95DFB8A9-A8F2-44C9-B0F5-C0F85B6E87DD}" presName="sibTrans" presStyleCnt="0"/>
+      <dgm:spPr/>
+    </dgm:pt>
+    <dgm:pt modelId="{42CF95A7-44CD-4C95-A29F-05C16C2E4EAE}" type="pres">
+      <dgm:prSet presAssocID="{7020CCAD-93BA-4EF1-9AAE-39471372D13D}" presName="compNode" presStyleCnt="0"/>
+      <dgm:spPr/>
+    </dgm:pt>
+    <dgm:pt modelId="{108E2A86-CF45-489F-9B09-9E0FEB793BEC}" type="pres">
+      <dgm:prSet presAssocID="{7020CCAD-93BA-4EF1-9AAE-39471372D13D}" presName="iconRect" presStyleLbl="node1" presStyleIdx="1" presStyleCnt="5"/>
+      <dgm:spPr>
+        <a:blipFill>
+          <a:blip xmlns:r="http://schemas.openxmlformats.org/officeDocument/2006/relationships" r:embed="rId3">
+            <a:extLst>
+              <a:ext uri="{96DAC541-7B7A-43D3-8B79-37D633B846F1}">
+                <asvg:svgBlip xmlns:asvg="http://schemas.microsoft.com/office/drawing/2016/SVG/main" r:embed="rId4"/>
+              </a:ext>
+            </a:extLst>
+          </a:blip>
+          <a:srcRect/>
+          <a:stretch>
+            <a:fillRect/>
+          </a:stretch>
+        </a:blipFill>
+        <a:ln>
+          <a:noFill/>
+        </a:ln>
+      </dgm:spPr>
+      <dgm:extLst>
+        <a:ext uri="{E40237B7-FDA0-4F09-8148-C483321AD2D9}">
+          <dgm14:cNvPr xmlns:dgm14="http://schemas.microsoft.com/office/drawing/2010/diagram" id="0" name="" descr="Management outline"/>
+        </a:ext>
+      </dgm:extLst>
+    </dgm:pt>
+    <dgm:pt modelId="{FF1E9579-879E-4D83-A4FD-84B492C0B9BF}" type="pres">
+      <dgm:prSet presAssocID="{7020CCAD-93BA-4EF1-9AAE-39471372D13D}" presName="spaceRect" presStyleCnt="0"/>
+      <dgm:spPr/>
+    </dgm:pt>
+    <dgm:pt modelId="{E9CB981E-2F25-4C85-9911-B7AE7C9277A0}" type="pres">
+      <dgm:prSet presAssocID="{7020CCAD-93BA-4EF1-9AAE-39471372D13D}" presName="textRect" presStyleLbl="revTx" presStyleIdx="1" presStyleCnt="5">
+        <dgm:presLayoutVars>
+          <dgm:chMax val="1"/>
+          <dgm:chPref val="1"/>
+        </dgm:presLayoutVars>
+      </dgm:prSet>
+      <dgm:spPr/>
+    </dgm:pt>
+    <dgm:pt modelId="{AF9928D6-829D-42DB-B176-CAB43522F69D}" type="pres">
+      <dgm:prSet presAssocID="{3CC89F7E-4D5D-4704-9E72-7E86AD25575A}" presName="sibTrans" presStyleCnt="0"/>
+      <dgm:spPr/>
+    </dgm:pt>
+    <dgm:pt modelId="{682DBB5D-F40C-4077-A49E-2BD88F251BDD}" type="pres">
+      <dgm:prSet presAssocID="{23553C81-26F7-4E18-94BE-C9452D746B9B}" presName="compNode" presStyleCnt="0"/>
+      <dgm:spPr/>
+    </dgm:pt>
+    <dgm:pt modelId="{8FB2C474-F8DE-4B18-AB47-D4D0D3899577}" type="pres">
+      <dgm:prSet presAssocID="{23553C81-26F7-4E18-94BE-C9452D746B9B}" presName="iconRect" presStyleLbl="node1" presStyleIdx="2" presStyleCnt="5"/>
+      <dgm:spPr>
+        <a:blipFill>
+          <a:blip xmlns:r="http://schemas.openxmlformats.org/officeDocument/2006/relationships" r:embed="rId5">
+            <a:extLst>
+              <a:ext uri="{96DAC541-7B7A-43D3-8B79-37D633B846F1}">
+                <asvg:svgBlip xmlns:asvg="http://schemas.microsoft.com/office/drawing/2016/SVG/main" r:embed="rId6"/>
+              </a:ext>
+            </a:extLst>
+          </a:blip>
+          <a:srcRect/>
+          <a:stretch>
+            <a:fillRect/>
+          </a:stretch>
+        </a:blipFill>
+        <a:ln>
+          <a:noFill/>
+        </a:ln>
+      </dgm:spPr>
+      <dgm:extLst>
+        <a:ext uri="{E40237B7-FDA0-4F09-8148-C483321AD2D9}">
+          <dgm14:cNvPr xmlns:dgm14="http://schemas.microsoft.com/office/drawing/2010/diagram" id="0" name="" descr="Programmer male outline"/>
+        </a:ext>
+      </dgm:extLst>
+    </dgm:pt>
+    <dgm:pt modelId="{1249EE5C-5FF0-4BB7-9927-25C775AF6221}" type="pres">
+      <dgm:prSet presAssocID="{23553C81-26F7-4E18-94BE-C9452D746B9B}" presName="spaceRect" presStyleCnt="0"/>
+      <dgm:spPr/>
+    </dgm:pt>
+    <dgm:pt modelId="{78815FF0-0AB9-4ED6-B92A-5932A1203B53}" type="pres">
+      <dgm:prSet presAssocID="{23553C81-26F7-4E18-94BE-C9452D746B9B}" presName="textRect" presStyleLbl="revTx" presStyleIdx="2" presStyleCnt="5">
+        <dgm:presLayoutVars>
+          <dgm:chMax val="1"/>
+          <dgm:chPref val="1"/>
+        </dgm:presLayoutVars>
+      </dgm:prSet>
+      <dgm:spPr/>
+    </dgm:pt>
+    <dgm:pt modelId="{C9B3B157-5B15-4D0F-911B-A79D041950E6}" type="pres">
+      <dgm:prSet presAssocID="{00553CB4-3FC3-41B8-887F-6E51B0C44C2B}" presName="sibTrans" presStyleCnt="0"/>
+      <dgm:spPr/>
+    </dgm:pt>
+    <dgm:pt modelId="{7BE143BB-3375-45F3-B7A1-62B17E0AB4D9}" type="pres">
+      <dgm:prSet presAssocID="{1A552DB5-8A00-4471-940C-06DAEF5D7598}" presName="compNode" presStyleCnt="0"/>
+      <dgm:spPr/>
+    </dgm:pt>
+    <dgm:pt modelId="{95F47AF0-81E1-45AF-BDB2-4F805A16DE7D}" type="pres">
+      <dgm:prSet presAssocID="{1A552DB5-8A00-4471-940C-06DAEF5D7598}" presName="iconRect" presStyleLbl="node1" presStyleIdx="3" presStyleCnt="5"/>
+      <dgm:spPr>
+        <a:blipFill>
+          <a:blip xmlns:r="http://schemas.openxmlformats.org/officeDocument/2006/relationships" r:embed="rId7">
+            <a:extLst>
+              <a:ext uri="{96DAC541-7B7A-43D3-8B79-37D633B846F1}">
+                <asvg:svgBlip xmlns:asvg="http://schemas.microsoft.com/office/drawing/2016/SVG/main" r:embed="rId8"/>
+              </a:ext>
+            </a:extLst>
+          </a:blip>
+          <a:srcRect/>
+          <a:stretch>
+            <a:fillRect/>
+          </a:stretch>
+        </a:blipFill>
+        <a:ln>
+          <a:noFill/>
+        </a:ln>
+      </dgm:spPr>
+      <dgm:extLst>
+        <a:ext uri="{E40237B7-FDA0-4F09-8148-C483321AD2D9}">
+          <dgm14:cNvPr xmlns:dgm14="http://schemas.microsoft.com/office/drawing/2010/diagram" id="0" name="" descr="Folder Search outline"/>
+        </a:ext>
+      </dgm:extLst>
+    </dgm:pt>
+    <dgm:pt modelId="{4D71A2C1-BE75-4AC4-8E5B-EBA30A11B042}" type="pres">
+      <dgm:prSet presAssocID="{1A552DB5-8A00-4471-940C-06DAEF5D7598}" presName="spaceRect" presStyleCnt="0"/>
+      <dgm:spPr/>
+    </dgm:pt>
+    <dgm:pt modelId="{16379CC7-27AC-4F67-B39E-72F49904C51C}" type="pres">
+      <dgm:prSet presAssocID="{1A552DB5-8A00-4471-940C-06DAEF5D7598}" presName="textRect" presStyleLbl="revTx" presStyleIdx="3" presStyleCnt="5">
+        <dgm:presLayoutVars>
+          <dgm:chMax val="1"/>
+          <dgm:chPref val="1"/>
+        </dgm:presLayoutVars>
+      </dgm:prSet>
+      <dgm:spPr/>
+    </dgm:pt>
+    <dgm:pt modelId="{3ED71837-91FC-4B69-A268-FE34F03C44AB}" type="pres">
+      <dgm:prSet presAssocID="{02A5A747-96DD-4BC0-94CB-F4F19514DDD6}" presName="sibTrans" presStyleCnt="0"/>
+      <dgm:spPr/>
+    </dgm:pt>
+    <dgm:pt modelId="{72CEA82B-1A75-44C1-B8CD-638BADA50EA8}" type="pres">
+      <dgm:prSet presAssocID="{E8F1A2F6-B71C-4950-B94B-47EEE5D8D187}" presName="compNode" presStyleCnt="0"/>
+      <dgm:spPr/>
+    </dgm:pt>
+    <dgm:pt modelId="{59F41051-F2AF-482B-88AD-9374922D5350}" type="pres">
+      <dgm:prSet presAssocID="{E8F1A2F6-B71C-4950-B94B-47EEE5D8D187}" presName="iconRect" presStyleLbl="node1" presStyleIdx="4" presStyleCnt="5"/>
+      <dgm:spPr>
+        <a:blipFill>
+          <a:blip xmlns:r="http://schemas.openxmlformats.org/officeDocument/2006/relationships" r:embed="rId9">
+            <a:extLst>
+              <a:ext uri="{96DAC541-7B7A-43D3-8B79-37D633B846F1}">
+                <asvg:svgBlip xmlns:asvg="http://schemas.microsoft.com/office/drawing/2016/SVG/main" r:embed="rId10"/>
+              </a:ext>
+            </a:extLst>
+          </a:blip>
+          <a:srcRect/>
+          <a:stretch>
+            <a:fillRect/>
+          </a:stretch>
+        </a:blipFill>
+        <a:ln>
+          <a:noFill/>
+        </a:ln>
+      </dgm:spPr>
+      <dgm:extLst>
+        <a:ext uri="{E40237B7-FDA0-4F09-8148-C483321AD2D9}">
+          <dgm14:cNvPr xmlns:dgm14="http://schemas.microsoft.com/office/drawing/2010/diagram" id="0" name="" descr="Clipboard Partially Checked outline"/>
+        </a:ext>
+      </dgm:extLst>
+    </dgm:pt>
+    <dgm:pt modelId="{3F16BFD6-C755-4313-A13E-C2868AABB4C5}" type="pres">
+      <dgm:prSet presAssocID="{E8F1A2F6-B71C-4950-B94B-47EEE5D8D187}" presName="spaceRect" presStyleCnt="0"/>
+      <dgm:spPr/>
+    </dgm:pt>
+    <dgm:pt modelId="{C7EF37BD-D239-4780-BC02-ED102033B001}" type="pres">
+      <dgm:prSet presAssocID="{E8F1A2F6-B71C-4950-B94B-47EEE5D8D187}" presName="textRect" presStyleLbl="revTx" presStyleIdx="4" presStyleCnt="5">
+        <dgm:presLayoutVars>
+          <dgm:chMax val="1"/>
+          <dgm:chPref val="1"/>
+        </dgm:presLayoutVars>
+      </dgm:prSet>
+      <dgm:spPr/>
+    </dgm:pt>
+  </dgm:ptLst>
+  <dgm:cxnLst>
+    <dgm:cxn modelId="{476FDD02-D477-4DE2-A286-36FF34BDF9C3}" type="presOf" srcId="{23553C81-26F7-4E18-94BE-C9452D746B9B}" destId="{78815FF0-0AB9-4ED6-B92A-5932A1203B53}" srcOrd="0" destOrd="0" presId="urn:microsoft.com/office/officeart/2018/2/layout/IconLabelList"/>
+    <dgm:cxn modelId="{C0661B17-35EA-484A-B3AC-B2B011B73B45}" srcId="{21E1A1C2-9E95-43C6-84D3-5C353B2BA3A6}" destId="{1A552DB5-8A00-4471-940C-06DAEF5D7598}" srcOrd="3" destOrd="0" parTransId="{C4E06E00-488D-46C6-B719-B834F94B36C5}" sibTransId="{02A5A747-96DD-4BC0-94CB-F4F19514DDD6}"/>
+    <dgm:cxn modelId="{E58B0219-5435-4BCA-B378-2BCC7B6DD450}" type="presOf" srcId="{7020CCAD-93BA-4EF1-9AAE-39471372D13D}" destId="{E9CB981E-2F25-4C85-9911-B7AE7C9277A0}" srcOrd="0" destOrd="0" presId="urn:microsoft.com/office/officeart/2018/2/layout/IconLabelList"/>
+    <dgm:cxn modelId="{F96B9F23-50EF-453C-BD95-36920E34A390}" type="presOf" srcId="{21E1A1C2-9E95-43C6-84D3-5C353B2BA3A6}" destId="{A9312221-7DB9-4CD0-8999-86E663B10108}" srcOrd="0" destOrd="0" presId="urn:microsoft.com/office/officeart/2018/2/layout/IconLabelList"/>
+    <dgm:cxn modelId="{D4748127-03CE-4F30-8B4B-4C6A388C6DB0}" type="presOf" srcId="{1A552DB5-8A00-4471-940C-06DAEF5D7598}" destId="{16379CC7-27AC-4F67-B39E-72F49904C51C}" srcOrd="0" destOrd="0" presId="urn:microsoft.com/office/officeart/2018/2/layout/IconLabelList"/>
+    <dgm:cxn modelId="{B57AE466-A0A1-40EE-9061-E2706C172114}" srcId="{21E1A1C2-9E95-43C6-84D3-5C353B2BA3A6}" destId="{E8F1A2F6-B71C-4950-B94B-47EEE5D8D187}" srcOrd="4" destOrd="0" parTransId="{917EEC95-329A-4867-95C9-303CAFBE7BC3}" sibTransId="{FA944B4D-6B91-493E-93C4-4AFBA652ED21}"/>
+    <dgm:cxn modelId="{0B5A0169-D9C1-446E-82F7-E8D3D9228710}" srcId="{21E1A1C2-9E95-43C6-84D3-5C353B2BA3A6}" destId="{7020CCAD-93BA-4EF1-9AAE-39471372D13D}" srcOrd="1" destOrd="0" parTransId="{C334F9B7-F099-49ED-AA1D-FCA4505C4399}" sibTransId="{3CC89F7E-4D5D-4704-9E72-7E86AD25575A}"/>
+    <dgm:cxn modelId="{34B68C4C-1861-44B9-ACC5-9BB3E0949AD8}" type="presOf" srcId="{BC1647FA-FC16-4088-8781-5DF395C7980B}" destId="{9C4611F3-68EF-458D-8555-33E83AAC8194}" srcOrd="0" destOrd="0" presId="urn:microsoft.com/office/officeart/2018/2/layout/IconLabelList"/>
+    <dgm:cxn modelId="{1887557E-35FE-46FA-8BA0-FBA65FF74552}" srcId="{21E1A1C2-9E95-43C6-84D3-5C353B2BA3A6}" destId="{BC1647FA-FC16-4088-8781-5DF395C7980B}" srcOrd="0" destOrd="0" parTransId="{63EF1F10-D557-4F10-B999-06D3BD92DC15}" sibTransId="{95DFB8A9-A8F2-44C9-B0F5-C0F85B6E87DD}"/>
+    <dgm:cxn modelId="{55137CD3-536D-4C26-A0EF-3049BD3ED815}" type="presOf" srcId="{E8F1A2F6-B71C-4950-B94B-47EEE5D8D187}" destId="{C7EF37BD-D239-4780-BC02-ED102033B001}" srcOrd="0" destOrd="0" presId="urn:microsoft.com/office/officeart/2018/2/layout/IconLabelList"/>
+    <dgm:cxn modelId="{2251E6E0-6376-4D48-BBF6-71A74BEBCA98}" srcId="{21E1A1C2-9E95-43C6-84D3-5C353B2BA3A6}" destId="{23553C81-26F7-4E18-94BE-C9452D746B9B}" srcOrd="2" destOrd="0" parTransId="{0A4FE284-2861-478E-997B-01411C9D44D0}" sibTransId="{00553CB4-3FC3-41B8-887F-6E51B0C44C2B}"/>
+    <dgm:cxn modelId="{7A2D4CD5-05A4-4CE3-8F37-72BA31E17D7F}" type="presParOf" srcId="{A9312221-7DB9-4CD0-8999-86E663B10108}" destId="{510F5CE2-E379-43DE-95C9-404149258CDA}" srcOrd="0" destOrd="0" presId="urn:microsoft.com/office/officeart/2018/2/layout/IconLabelList"/>
+    <dgm:cxn modelId="{F7D6A916-D03F-425E-BD49-F6976CAE829B}" type="presParOf" srcId="{510F5CE2-E379-43DE-95C9-404149258CDA}" destId="{8D713087-BFBB-4240-AD58-8715C20A8E6E}" srcOrd="0" destOrd="0" presId="urn:microsoft.com/office/officeart/2018/2/layout/IconLabelList"/>
+    <dgm:cxn modelId="{B0514BB6-19E5-480A-8DD6-53FC9D0B3D39}" type="presParOf" srcId="{510F5CE2-E379-43DE-95C9-404149258CDA}" destId="{494BDD52-8303-451B-9097-16F1C72964B4}" srcOrd="1" destOrd="0" presId="urn:microsoft.com/office/officeart/2018/2/layout/IconLabelList"/>
+    <dgm:cxn modelId="{7D9A1B9B-F854-4BD9-93F4-307783AB248D}" type="presParOf" srcId="{510F5CE2-E379-43DE-95C9-404149258CDA}" destId="{9C4611F3-68EF-458D-8555-33E83AAC8194}" srcOrd="2" destOrd="0" presId="urn:microsoft.com/office/officeart/2018/2/layout/IconLabelList"/>
+    <dgm:cxn modelId="{AB793BBD-BF5D-44D9-8535-4AEAF3630294}" type="presParOf" srcId="{A9312221-7DB9-4CD0-8999-86E663B10108}" destId="{B3E2B716-7B40-4B3E-A71E-3A7A90FA6A23}" srcOrd="1" destOrd="0" presId="urn:microsoft.com/office/officeart/2018/2/layout/IconLabelList"/>
+    <dgm:cxn modelId="{599D6CFB-DAFF-4ABA-8924-CAB85DDB1691}" type="presParOf" srcId="{A9312221-7DB9-4CD0-8999-86E663B10108}" destId="{42CF95A7-44CD-4C95-A29F-05C16C2E4EAE}" srcOrd="2" destOrd="0" presId="urn:microsoft.com/office/officeart/2018/2/layout/IconLabelList"/>
+    <dgm:cxn modelId="{DF94D346-942A-4B00-8D2C-4B9C17CA815E}" type="presParOf" srcId="{42CF95A7-44CD-4C95-A29F-05C16C2E4EAE}" destId="{108E2A86-CF45-489F-9B09-9E0FEB793BEC}" srcOrd="0" destOrd="0" presId="urn:microsoft.com/office/officeart/2018/2/layout/IconLabelList"/>
+    <dgm:cxn modelId="{F3D0330E-749B-4F7E-B670-696192D452D1}" type="presParOf" srcId="{42CF95A7-44CD-4C95-A29F-05C16C2E4EAE}" destId="{FF1E9579-879E-4D83-A4FD-84B492C0B9BF}" srcOrd="1" destOrd="0" presId="urn:microsoft.com/office/officeart/2018/2/layout/IconLabelList"/>
+    <dgm:cxn modelId="{BFFBC9C0-98D4-4C30-8006-42998365D23C}" type="presParOf" srcId="{42CF95A7-44CD-4C95-A29F-05C16C2E4EAE}" destId="{E9CB981E-2F25-4C85-9911-B7AE7C9277A0}" srcOrd="2" destOrd="0" presId="urn:microsoft.com/office/officeart/2018/2/layout/IconLabelList"/>
+    <dgm:cxn modelId="{87357235-98A7-41A0-8395-BE379A2BD296}" type="presParOf" srcId="{A9312221-7DB9-4CD0-8999-86E663B10108}" destId="{AF9928D6-829D-42DB-B176-CAB43522F69D}" srcOrd="3" destOrd="0" presId="urn:microsoft.com/office/officeart/2018/2/layout/IconLabelList"/>
+    <dgm:cxn modelId="{848E1A85-3900-4976-A6D7-D7D4069B828A}" type="presParOf" srcId="{A9312221-7DB9-4CD0-8999-86E663B10108}" destId="{682DBB5D-F40C-4077-A49E-2BD88F251BDD}" srcOrd="4" destOrd="0" presId="urn:microsoft.com/office/officeart/2018/2/layout/IconLabelList"/>
+    <dgm:cxn modelId="{92388F56-286F-453F-B82A-A26B91C63FC4}" type="presParOf" srcId="{682DBB5D-F40C-4077-A49E-2BD88F251BDD}" destId="{8FB2C474-F8DE-4B18-AB47-D4D0D3899577}" srcOrd="0" destOrd="0" presId="urn:microsoft.com/office/officeart/2018/2/layout/IconLabelList"/>
+    <dgm:cxn modelId="{CFA4BC1D-50DA-4FD8-B904-6D049C55520E}" type="presParOf" srcId="{682DBB5D-F40C-4077-A49E-2BD88F251BDD}" destId="{1249EE5C-5FF0-4BB7-9927-25C775AF6221}" srcOrd="1" destOrd="0" presId="urn:microsoft.com/office/officeart/2018/2/layout/IconLabelList"/>
+    <dgm:cxn modelId="{CFEE2B86-01B7-4A53-87D3-6655E1969027}" type="presParOf" srcId="{682DBB5D-F40C-4077-A49E-2BD88F251BDD}" destId="{78815FF0-0AB9-4ED6-B92A-5932A1203B53}" srcOrd="2" destOrd="0" presId="urn:microsoft.com/office/officeart/2018/2/layout/IconLabelList"/>
+    <dgm:cxn modelId="{4E49DD25-301D-464D-AEDE-77FB8169F5E1}" type="presParOf" srcId="{A9312221-7DB9-4CD0-8999-86E663B10108}" destId="{C9B3B157-5B15-4D0F-911B-A79D041950E6}" srcOrd="5" destOrd="0" presId="urn:microsoft.com/office/officeart/2018/2/layout/IconLabelList"/>
+    <dgm:cxn modelId="{4D0E0987-5AC0-4E66-A093-28325F86DAC1}" type="presParOf" srcId="{A9312221-7DB9-4CD0-8999-86E663B10108}" destId="{7BE143BB-3375-45F3-B7A1-62B17E0AB4D9}" srcOrd="6" destOrd="0" presId="urn:microsoft.com/office/officeart/2018/2/layout/IconLabelList"/>
+    <dgm:cxn modelId="{D549DB57-8FE6-445B-B86F-DF86BB8E193E}" type="presParOf" srcId="{7BE143BB-3375-45F3-B7A1-62B17E0AB4D9}" destId="{95F47AF0-81E1-45AF-BDB2-4F805A16DE7D}" srcOrd="0" destOrd="0" presId="urn:microsoft.com/office/officeart/2018/2/layout/IconLabelList"/>
+    <dgm:cxn modelId="{6CECD674-F1F7-4D3F-B921-10DBE974FCB7}" type="presParOf" srcId="{7BE143BB-3375-45F3-B7A1-62B17E0AB4D9}" destId="{4D71A2C1-BE75-4AC4-8E5B-EBA30A11B042}" srcOrd="1" destOrd="0" presId="urn:microsoft.com/office/officeart/2018/2/layout/IconLabelList"/>
+    <dgm:cxn modelId="{5581292E-2894-4087-AFC6-047D7D7D91BC}" type="presParOf" srcId="{7BE143BB-3375-45F3-B7A1-62B17E0AB4D9}" destId="{16379CC7-27AC-4F67-B39E-72F49904C51C}" srcOrd="2" destOrd="0" presId="urn:microsoft.com/office/officeart/2018/2/layout/IconLabelList"/>
+    <dgm:cxn modelId="{9A3369F6-92CD-4EA1-B0CC-3C6002F19433}" type="presParOf" srcId="{A9312221-7DB9-4CD0-8999-86E663B10108}" destId="{3ED71837-91FC-4B69-A268-FE34F03C44AB}" srcOrd="7" destOrd="0" presId="urn:microsoft.com/office/officeart/2018/2/layout/IconLabelList"/>
+    <dgm:cxn modelId="{3DA63F15-586C-46C3-8CED-62464F943296}" type="presParOf" srcId="{A9312221-7DB9-4CD0-8999-86E663B10108}" destId="{72CEA82B-1A75-44C1-B8CD-638BADA50EA8}" srcOrd="8" destOrd="0" presId="urn:microsoft.com/office/officeart/2018/2/layout/IconLabelList"/>
+    <dgm:cxn modelId="{970B5785-B266-4A81-9B5E-C104F15B3CCE}" type="presParOf" srcId="{72CEA82B-1A75-44C1-B8CD-638BADA50EA8}" destId="{59F41051-F2AF-482B-88AD-9374922D5350}" srcOrd="0" destOrd="0" presId="urn:microsoft.com/office/officeart/2018/2/layout/IconLabelList"/>
+    <dgm:cxn modelId="{DDC56D1D-90B2-4D20-9377-327B01FED123}" type="presParOf" srcId="{72CEA82B-1A75-44C1-B8CD-638BADA50EA8}" destId="{3F16BFD6-C755-4313-A13E-C2868AABB4C5}" srcOrd="1" destOrd="0" presId="urn:microsoft.com/office/officeart/2018/2/layout/IconLabelList"/>
+    <dgm:cxn modelId="{9B929540-79EA-43AA-9EDC-86D84CFAAC4F}" type="presParOf" srcId="{72CEA82B-1A75-44C1-B8CD-638BADA50EA8}" destId="{C7EF37BD-D239-4780-BC02-ED102033B001}" srcOrd="2" destOrd="0" presId="urn:microsoft.com/office/officeart/2018/2/layout/IconLabelList"/>
+  </dgm:cxnLst>
+  <dgm:bg/>
+  <dgm:whole/>
+  <dgm:extLst>
+    <a:ext uri="http://schemas.microsoft.com/office/drawing/2008/diagram">
+      <dsp:dataModelExt xmlns:dsp="http://schemas.microsoft.com/office/drawing/2008/diagram" relId="rId7" minVer="http://schemas.openxmlformats.org/drawingml/2006/diagram"/>
+    </a:ext>
+  </dgm:extLst>
+</dgm:dataModel>
+</file>
+
+<file path=ppt/diagrams/drawing1.xml><?xml version="1.0" encoding="utf-8"?>
+<dsp:drawing xmlns:dgm="http://schemas.openxmlformats.org/drawingml/2006/diagram" xmlns:dsp="http://schemas.microsoft.com/office/drawing/2008/diagram" xmlns:a="http://schemas.openxmlformats.org/drawingml/2006/main">
+  <dsp:spTree>
+    <dsp:nvGrpSpPr>
+      <dsp:cNvPr id="0" name=""/>
+      <dsp:cNvGrpSpPr/>
+    </dsp:nvGrpSpPr>
+    <dsp:grpSpPr/>
+    <dsp:sp modelId="{8D713087-BFBB-4240-AD58-8715C20A8E6E}">
+      <dsp:nvSpPr>
+        <dsp:cNvPr id="0" name=""/>
+        <dsp:cNvSpPr/>
+      </dsp:nvSpPr>
+      <dsp:spPr>
+        <a:xfrm>
+          <a:off x="775199" y="864964"/>
+          <a:ext cx="810000" cy="810000"/>
+        </a:xfrm>
+        <a:prstGeom prst="rect">
+          <a:avLst/>
+        </a:prstGeom>
+        <a:blipFill>
+          <a:blip xmlns:r="http://schemas.openxmlformats.org/officeDocument/2006/relationships" r:embed="rId1">
+            <a:extLst>
+              <a:ext uri="{96DAC541-7B7A-43D3-8B79-37D633B846F1}">
+                <asvg:svgBlip xmlns:asvg="http://schemas.microsoft.com/office/drawing/2016/SVG/main" r:embed="rId2"/>
+              </a:ext>
+            </a:extLst>
+          </a:blip>
+          <a:srcRect/>
+          <a:stretch>
+            <a:fillRect/>
+          </a:stretch>
+        </a:blipFill>
+        <a:ln w="12700" cap="flat" cmpd="sng" algn="ctr">
+          <a:noFill/>
+          <a:prstDash val="solid"/>
+        </a:ln>
+        <a:effectLst/>
+      </dsp:spPr>
+      <dsp:style>
+        <a:lnRef idx="2">
+          <a:scrgbClr r="0" g="0" b="0"/>
+        </a:lnRef>
+        <a:fillRef idx="1">
+          <a:scrgbClr r="0" g="0" b="0"/>
+        </a:fillRef>
+        <a:effectRef idx="0">
+          <a:scrgbClr r="0" g="0" b="0"/>
+        </a:effectRef>
+        <a:fontRef idx="minor">
+          <a:schemeClr val="lt1"/>
+        </a:fontRef>
+      </dsp:style>
+    </dsp:sp>
+    <dsp:sp modelId="{9C4611F3-68EF-458D-8555-33E83AAC8194}">
+      <dsp:nvSpPr>
+        <dsp:cNvPr id="0" name=""/>
+        <dsp:cNvSpPr/>
+      </dsp:nvSpPr>
+      <dsp:spPr>
+        <a:xfrm>
+          <a:off x="280199" y="1945097"/>
+          <a:ext cx="1800000" cy="720000"/>
+        </a:xfrm>
+        <a:prstGeom prst="rect">
+          <a:avLst/>
+        </a:prstGeom>
+        <a:noFill/>
+        <a:ln>
+          <a:noFill/>
+        </a:ln>
+        <a:effectLst/>
+      </dsp:spPr>
+      <dsp:style>
+        <a:lnRef idx="0">
+          <a:scrgbClr r="0" g="0" b="0"/>
+        </a:lnRef>
+        <a:fillRef idx="0">
+          <a:scrgbClr r="0" g="0" b="0"/>
+        </a:fillRef>
+        <a:effectRef idx="0">
+          <a:scrgbClr r="0" g="0" b="0"/>
+        </a:effectRef>
+        <a:fontRef idx="minor"/>
+      </dsp:style>
+      <dsp:txBody>
+        <a:bodyPr spcFirstLastPara="0" vert="horz" wrap="square" lIns="0" tIns="0" rIns="0" bIns="0" numCol="1" spcCol="1270" anchor="t" anchorCtr="0">
+          <a:noAutofit/>
+        </a:bodyPr>
+        <a:lstStyle/>
+        <a:p>
+          <a:pPr marL="0" lvl="0" indent="0" algn="ctr" defTabSz="1066800">
+            <a:lnSpc>
+              <a:spcPct val="90000"/>
+            </a:lnSpc>
+            <a:spcBef>
+              <a:spcPct val="0"/>
+            </a:spcBef>
+            <a:spcAft>
+              <a:spcPct val="35000"/>
+            </a:spcAft>
+            <a:buNone/>
+          </a:pPr>
+          <a:endParaRPr lang="en-US" sz="2400" kern="1200" dirty="0"/>
+        </a:p>
+      </dsp:txBody>
+      <dsp:txXfrm>
+        <a:off x="280199" y="1945097"/>
+        <a:ext cx="1800000" cy="720000"/>
+      </dsp:txXfrm>
+    </dsp:sp>
+    <dsp:sp modelId="{108E2A86-CF45-489F-9B09-9E0FEB793BEC}">
+      <dsp:nvSpPr>
+        <dsp:cNvPr id="0" name=""/>
+        <dsp:cNvSpPr/>
+      </dsp:nvSpPr>
+      <dsp:spPr>
+        <a:xfrm>
+          <a:off x="2890200" y="864964"/>
+          <a:ext cx="810000" cy="810000"/>
+        </a:xfrm>
+        <a:prstGeom prst="rect">
+          <a:avLst/>
+        </a:prstGeom>
+        <a:blipFill>
+          <a:blip xmlns:r="http://schemas.openxmlformats.org/officeDocument/2006/relationships" r:embed="rId3">
+            <a:extLst>
+              <a:ext uri="{96DAC541-7B7A-43D3-8B79-37D633B846F1}">
+                <asvg:svgBlip xmlns:asvg="http://schemas.microsoft.com/office/drawing/2016/SVG/main" r:embed="rId4"/>
+              </a:ext>
+            </a:extLst>
+          </a:blip>
+          <a:srcRect/>
+          <a:stretch>
+            <a:fillRect/>
+          </a:stretch>
+        </a:blipFill>
+        <a:ln w="12700" cap="flat" cmpd="sng" algn="ctr">
+          <a:noFill/>
+          <a:prstDash val="solid"/>
+        </a:ln>
+        <a:effectLst/>
+      </dsp:spPr>
+      <dsp:style>
+        <a:lnRef idx="2">
+          <a:scrgbClr r="0" g="0" b="0"/>
+        </a:lnRef>
+        <a:fillRef idx="1">
+          <a:scrgbClr r="0" g="0" b="0"/>
+        </a:fillRef>
+        <a:effectRef idx="0">
+          <a:scrgbClr r="0" g="0" b="0"/>
+        </a:effectRef>
+        <a:fontRef idx="minor">
+          <a:schemeClr val="lt1"/>
+        </a:fontRef>
+      </dsp:style>
+    </dsp:sp>
+    <dsp:sp modelId="{E9CB981E-2F25-4C85-9911-B7AE7C9277A0}">
+      <dsp:nvSpPr>
+        <dsp:cNvPr id="0" name=""/>
+        <dsp:cNvSpPr/>
+      </dsp:nvSpPr>
+      <dsp:spPr>
+        <a:xfrm>
+          <a:off x="2395200" y="1945097"/>
+          <a:ext cx="1800000" cy="720000"/>
+        </a:xfrm>
+        <a:prstGeom prst="rect">
+          <a:avLst/>
+        </a:prstGeom>
+        <a:noFill/>
+        <a:ln>
+          <a:noFill/>
+        </a:ln>
+        <a:effectLst/>
+      </dsp:spPr>
+      <dsp:style>
+        <a:lnRef idx="0">
+          <a:scrgbClr r="0" g="0" b="0"/>
+        </a:lnRef>
+        <a:fillRef idx="0">
+          <a:scrgbClr r="0" g="0" b="0"/>
+        </a:fillRef>
+        <a:effectRef idx="0">
+          <a:scrgbClr r="0" g="0" b="0"/>
+        </a:effectRef>
+        <a:fontRef idx="minor"/>
+      </dsp:style>
+      <dsp:txBody>
+        <a:bodyPr spcFirstLastPara="0" vert="horz" wrap="square" lIns="0" tIns="0" rIns="0" bIns="0" numCol="1" spcCol="1270" anchor="t" anchorCtr="0">
+          <a:noAutofit/>
+        </a:bodyPr>
+        <a:lstStyle/>
+        <a:p>
+          <a:pPr marL="0" lvl="0" indent="0" algn="ctr" defTabSz="1066800">
+            <a:lnSpc>
+              <a:spcPct val="90000"/>
+            </a:lnSpc>
+            <a:spcBef>
+              <a:spcPct val="0"/>
+            </a:spcBef>
+            <a:spcAft>
+              <a:spcPct val="35000"/>
+            </a:spcAft>
+            <a:buNone/>
+          </a:pPr>
+          <a:endParaRPr lang="en-US" sz="2400" kern="1200" dirty="0"/>
+        </a:p>
+      </dsp:txBody>
+      <dsp:txXfrm>
+        <a:off x="2395200" y="1945097"/>
+        <a:ext cx="1800000" cy="720000"/>
+      </dsp:txXfrm>
+    </dsp:sp>
+    <dsp:sp modelId="{8FB2C474-F8DE-4B18-AB47-D4D0D3899577}">
+      <dsp:nvSpPr>
+        <dsp:cNvPr id="0" name=""/>
+        <dsp:cNvSpPr/>
+      </dsp:nvSpPr>
+      <dsp:spPr>
+        <a:xfrm>
+          <a:off x="5005200" y="864964"/>
+          <a:ext cx="810000" cy="810000"/>
+        </a:xfrm>
+        <a:prstGeom prst="rect">
+          <a:avLst/>
+        </a:prstGeom>
+        <a:blipFill>
+          <a:blip xmlns:r="http://schemas.openxmlformats.org/officeDocument/2006/relationships" r:embed="rId5">
+            <a:extLst>
+              <a:ext uri="{96DAC541-7B7A-43D3-8B79-37D633B846F1}">
+                <asvg:svgBlip xmlns:asvg="http://schemas.microsoft.com/office/drawing/2016/SVG/main" r:embed="rId6"/>
+              </a:ext>
+            </a:extLst>
+          </a:blip>
+          <a:srcRect/>
+          <a:stretch>
+            <a:fillRect/>
+          </a:stretch>
+        </a:blipFill>
+        <a:ln w="12700" cap="flat" cmpd="sng" algn="ctr">
+          <a:noFill/>
+          <a:prstDash val="solid"/>
+        </a:ln>
+        <a:effectLst/>
+      </dsp:spPr>
+      <dsp:style>
+        <a:lnRef idx="2">
+          <a:scrgbClr r="0" g="0" b="0"/>
+        </a:lnRef>
+        <a:fillRef idx="1">
+          <a:scrgbClr r="0" g="0" b="0"/>
+        </a:fillRef>
+        <a:effectRef idx="0">
+          <a:scrgbClr r="0" g="0" b="0"/>
+        </a:effectRef>
+        <a:fontRef idx="minor">
+          <a:schemeClr val="lt1"/>
+        </a:fontRef>
+      </dsp:style>
+    </dsp:sp>
+    <dsp:sp modelId="{78815FF0-0AB9-4ED6-B92A-5932A1203B53}">
+      <dsp:nvSpPr>
+        <dsp:cNvPr id="0" name=""/>
+        <dsp:cNvSpPr/>
+      </dsp:nvSpPr>
+      <dsp:spPr>
+        <a:xfrm>
+          <a:off x="4510200" y="1945097"/>
+          <a:ext cx="1800000" cy="720000"/>
+        </a:xfrm>
+        <a:prstGeom prst="rect">
+          <a:avLst/>
+        </a:prstGeom>
+        <a:noFill/>
+        <a:ln>
+          <a:noFill/>
+        </a:ln>
+        <a:effectLst/>
+      </dsp:spPr>
+      <dsp:style>
+        <a:lnRef idx="0">
+          <a:scrgbClr r="0" g="0" b="0"/>
+        </a:lnRef>
+        <a:fillRef idx="0">
+          <a:scrgbClr r="0" g="0" b="0"/>
+        </a:fillRef>
+        <a:effectRef idx="0">
+          <a:scrgbClr r="0" g="0" b="0"/>
+        </a:effectRef>
+        <a:fontRef idx="minor"/>
+      </dsp:style>
+      <dsp:txBody>
+        <a:bodyPr spcFirstLastPara="0" vert="horz" wrap="square" lIns="0" tIns="0" rIns="0" bIns="0" numCol="1" spcCol="1270" anchor="t" anchorCtr="0">
+          <a:noAutofit/>
+        </a:bodyPr>
+        <a:lstStyle/>
+        <a:p>
+          <a:pPr marL="0" lvl="0" indent="0" algn="ctr" defTabSz="1066800">
+            <a:lnSpc>
+              <a:spcPct val="90000"/>
+            </a:lnSpc>
+            <a:spcBef>
+              <a:spcPct val="0"/>
+            </a:spcBef>
+            <a:spcAft>
+              <a:spcPct val="35000"/>
+            </a:spcAft>
+            <a:buNone/>
+          </a:pPr>
+          <a:endParaRPr lang="en-US" sz="2400" kern="1200" dirty="0"/>
+        </a:p>
+      </dsp:txBody>
+      <dsp:txXfrm>
+        <a:off x="4510200" y="1945097"/>
+        <a:ext cx="1800000" cy="720000"/>
+      </dsp:txXfrm>
+    </dsp:sp>
+    <dsp:sp modelId="{95F47AF0-81E1-45AF-BDB2-4F805A16DE7D}">
+      <dsp:nvSpPr>
+        <dsp:cNvPr id="0" name=""/>
+        <dsp:cNvSpPr/>
+      </dsp:nvSpPr>
+      <dsp:spPr>
+        <a:xfrm>
+          <a:off x="7120200" y="864964"/>
+          <a:ext cx="810000" cy="810000"/>
+        </a:xfrm>
+        <a:prstGeom prst="rect">
+          <a:avLst/>
+        </a:prstGeom>
+        <a:blipFill>
+          <a:blip xmlns:r="http://schemas.openxmlformats.org/officeDocument/2006/relationships" r:embed="rId7">
+            <a:extLst>
+              <a:ext uri="{96DAC541-7B7A-43D3-8B79-37D633B846F1}">
+                <asvg:svgBlip xmlns:asvg="http://schemas.microsoft.com/office/drawing/2016/SVG/main" r:embed="rId8"/>
+              </a:ext>
+            </a:extLst>
+          </a:blip>
+          <a:srcRect/>
+          <a:stretch>
+            <a:fillRect/>
+          </a:stretch>
+        </a:blipFill>
+        <a:ln w="12700" cap="flat" cmpd="sng" algn="ctr">
+          <a:noFill/>
+          <a:prstDash val="solid"/>
+        </a:ln>
+        <a:effectLst/>
+      </dsp:spPr>
+      <dsp:style>
+        <a:lnRef idx="2">
+          <a:scrgbClr r="0" g="0" b="0"/>
+        </a:lnRef>
+        <a:fillRef idx="1">
+          <a:scrgbClr r="0" g="0" b="0"/>
+        </a:fillRef>
+        <a:effectRef idx="0">
+          <a:scrgbClr r="0" g="0" b="0"/>
+        </a:effectRef>
+        <a:fontRef idx="minor">
+          <a:schemeClr val="lt1"/>
+        </a:fontRef>
+      </dsp:style>
+    </dsp:sp>
+    <dsp:sp modelId="{16379CC7-27AC-4F67-B39E-72F49904C51C}">
+      <dsp:nvSpPr>
+        <dsp:cNvPr id="0" name=""/>
+        <dsp:cNvSpPr/>
+      </dsp:nvSpPr>
+      <dsp:spPr>
+        <a:xfrm>
+          <a:off x="6625200" y="1945097"/>
+          <a:ext cx="1800000" cy="720000"/>
+        </a:xfrm>
+        <a:prstGeom prst="rect">
+          <a:avLst/>
+        </a:prstGeom>
+        <a:noFill/>
+        <a:ln>
+          <a:noFill/>
+        </a:ln>
+        <a:effectLst/>
+      </dsp:spPr>
+      <dsp:style>
+        <a:lnRef idx="0">
+          <a:scrgbClr r="0" g="0" b="0"/>
+        </a:lnRef>
+        <a:fillRef idx="0">
+          <a:scrgbClr r="0" g="0" b="0"/>
+        </a:fillRef>
+        <a:effectRef idx="0">
+          <a:scrgbClr r="0" g="0" b="0"/>
+        </a:effectRef>
+        <a:fontRef idx="minor"/>
+      </dsp:style>
+      <dsp:txBody>
+        <a:bodyPr spcFirstLastPara="0" vert="horz" wrap="square" lIns="0" tIns="0" rIns="0" bIns="0" numCol="1" spcCol="1270" anchor="t" anchorCtr="0">
+          <a:noAutofit/>
+        </a:bodyPr>
+        <a:lstStyle/>
+        <a:p>
+          <a:pPr marL="0" lvl="0" indent="0" algn="ctr" defTabSz="1066800">
+            <a:lnSpc>
+              <a:spcPct val="90000"/>
+            </a:lnSpc>
+            <a:spcBef>
+              <a:spcPct val="0"/>
+            </a:spcBef>
+            <a:spcAft>
+              <a:spcPct val="35000"/>
+            </a:spcAft>
+            <a:buNone/>
+          </a:pPr>
+          <a:endParaRPr lang="en-US" sz="2400" kern="1200" dirty="0"/>
+        </a:p>
+      </dsp:txBody>
+      <dsp:txXfrm>
+        <a:off x="6625200" y="1945097"/>
+        <a:ext cx="1800000" cy="720000"/>
+      </dsp:txXfrm>
+    </dsp:sp>
+    <dsp:sp modelId="{59F41051-F2AF-482B-88AD-9374922D5350}">
+      <dsp:nvSpPr>
+        <dsp:cNvPr id="0" name=""/>
+        <dsp:cNvSpPr/>
+      </dsp:nvSpPr>
+      <dsp:spPr>
+        <a:xfrm>
+          <a:off x="9235199" y="864964"/>
+          <a:ext cx="810000" cy="810000"/>
+        </a:xfrm>
+        <a:prstGeom prst="rect">
+          <a:avLst/>
+        </a:prstGeom>
+        <a:blipFill>
+          <a:blip xmlns:r="http://schemas.openxmlformats.org/officeDocument/2006/relationships" r:embed="rId9">
+            <a:extLst>
+              <a:ext uri="{96DAC541-7B7A-43D3-8B79-37D633B846F1}">
+                <asvg:svgBlip xmlns:asvg="http://schemas.microsoft.com/office/drawing/2016/SVG/main" r:embed="rId10"/>
+              </a:ext>
+            </a:extLst>
+          </a:blip>
+          <a:srcRect/>
+          <a:stretch>
+            <a:fillRect/>
+          </a:stretch>
+        </a:blipFill>
+        <a:ln w="12700" cap="flat" cmpd="sng" algn="ctr">
+          <a:noFill/>
+          <a:prstDash val="solid"/>
+        </a:ln>
+        <a:effectLst/>
+      </dsp:spPr>
+      <dsp:style>
+        <a:lnRef idx="2">
+          <a:scrgbClr r="0" g="0" b="0"/>
+        </a:lnRef>
+        <a:fillRef idx="1">
+          <a:scrgbClr r="0" g="0" b="0"/>
+        </a:fillRef>
+        <a:effectRef idx="0">
+          <a:scrgbClr r="0" g="0" b="0"/>
+        </a:effectRef>
+        <a:fontRef idx="minor">
+          <a:schemeClr val="lt1"/>
+        </a:fontRef>
+      </dsp:style>
+    </dsp:sp>
+    <dsp:sp modelId="{C7EF37BD-D239-4780-BC02-ED102033B001}">
+      <dsp:nvSpPr>
+        <dsp:cNvPr id="0" name=""/>
+        <dsp:cNvSpPr/>
+      </dsp:nvSpPr>
+      <dsp:spPr>
+        <a:xfrm>
+          <a:off x="8740200" y="1945097"/>
+          <a:ext cx="1800000" cy="720000"/>
+        </a:xfrm>
+        <a:prstGeom prst="rect">
+          <a:avLst/>
+        </a:prstGeom>
+        <a:noFill/>
+        <a:ln>
+          <a:noFill/>
+        </a:ln>
+        <a:effectLst/>
+      </dsp:spPr>
+      <dsp:style>
+        <a:lnRef idx="0">
+          <a:scrgbClr r="0" g="0" b="0"/>
+        </a:lnRef>
+        <a:fillRef idx="0">
+          <a:scrgbClr r="0" g="0" b="0"/>
+        </a:fillRef>
+        <a:effectRef idx="0">
+          <a:scrgbClr r="0" g="0" b="0"/>
+        </a:effectRef>
+        <a:fontRef idx="minor"/>
+      </dsp:style>
+      <dsp:txBody>
+        <a:bodyPr spcFirstLastPara="0" vert="horz" wrap="square" lIns="0" tIns="0" rIns="0" bIns="0" numCol="1" spcCol="1270" anchor="t" anchorCtr="0">
+          <a:noAutofit/>
+        </a:bodyPr>
+        <a:lstStyle/>
+        <a:p>
+          <a:pPr marL="0" lvl="0" indent="0" algn="ctr" defTabSz="1066800">
+            <a:lnSpc>
+              <a:spcPct val="90000"/>
+            </a:lnSpc>
+            <a:spcBef>
+              <a:spcPct val="0"/>
+            </a:spcBef>
+            <a:buNone/>
+          </a:pPr>
+          <a:endParaRPr lang="en-US" sz="2400" kern="1200" dirty="0"/>
+        </a:p>
+      </dsp:txBody>
+      <dsp:txXfrm>
+        <a:off x="8740200" y="1945097"/>
+        <a:ext cx="1800000" cy="720000"/>
+      </dsp:txXfrm>
+    </dsp:sp>
+  </dsp:spTree>
+</dsp:drawing>
+</file>
+
+<file path=ppt/diagrams/layout1.xml><?xml version="1.0" encoding="utf-8"?>
+<dgm:layoutDef xmlns:dgm="http://schemas.openxmlformats.org/drawingml/2006/diagram" xmlns:a="http://schemas.openxmlformats.org/drawingml/2006/main" uniqueId="urn:microsoft.com/office/officeart/2018/2/layout/IconLabelList">
+  <dgm:title val="Icon Label List"/>
+  <dgm:desc val="Use to show non-sequential or grouped chunks of information accompanied by a related visuals. Works best with icons or small pictures with short text captions."/>
+  <dgm:catLst>
+    <dgm:cat type="icon" pri="500"/>
+  </dgm:catLst>
+  <dgm:sampData useDef="1">
+    <dgm:dataModel>
+      <dgm:ptLst/>
+      <dgm:bg/>
+      <dgm:whole/>
+    </dgm:dataModel>
+  </dgm:sampData>
+  <dgm:styleData useDef="1">
+    <dgm:dataModel>
+      <dgm:ptLst/>
+      <dgm:bg/>
+      <dgm:whole/>
+    </dgm:dataModel>
+  </dgm:styleData>
+  <dgm:clrData useDef="1">
+    <dgm:dataModel>
+      <dgm:ptLst/>
+      <dgm:bg/>
+      <dgm:whole/>
+    </dgm:dataModel>
+  </dgm:clrData>
+  <dgm:layoutNode name="root">
+    <dgm:varLst>
+      <dgm:dir/>
+      <dgm:resizeHandles val="exact"/>
+    </dgm:varLst>
+    <dgm:choose name="Name0">
+      <dgm:if name="Name1" axis="self" func="var" arg="dir" op="equ" val="norm">
+        <dgm:alg type="snake">
+          <dgm:param type="grDir" val="tL"/>
+          <dgm:param type="flowDir" val="row"/>
+          <dgm:param type="contDir" val="sameDir"/>
+          <dgm:param type="off" val="ctr"/>
+          <dgm:param type="vertAlign" val="mid"/>
+          <dgm:param type="horzAlign" val="ctr"/>
+        </dgm:alg>
+      </dgm:if>
+      <dgm:else name="Name2">
+        <dgm:alg type="snake">
+          <dgm:param type="grDir" val="tR"/>
+          <dgm:param type="flowDir" val="row"/>
+          <dgm:param type="contDir" val="sameDir"/>
+          <dgm:param type="off" val="ctr"/>
+          <dgm:param type="vertAlign" val="mid"/>
+          <dgm:param type="horzAlign" val="ctr"/>
+        </dgm:alg>
+      </dgm:else>
+    </dgm:choose>
+    <dgm:shape xmlns:r="http://schemas.openxmlformats.org/officeDocument/2006/relationships" r:blip="">
+      <dgm:adjLst/>
+    </dgm:shape>
+    <dgm:presOf/>
+    <dgm:choose name="Name3">
+      <dgm:if name="Name4" axis="ch" ptType="node" func="cnt" op="lte" val="2">
+        <dgm:constrLst>
+          <dgm:constr type="h" for="ch" forName="compNode" refType="h" fact="0.4"/>
+          <dgm:constr type="w" for="ch" forName="compNode" val="120"/>
+          <dgm:constr type="w" for="ch" forName="sibTrans" refType="w" refFor="ch" refForName="compNode" fact="0.175"/>
+          <dgm:constr type="sp" refType="w" refFor="ch" refForName="compNode" op="equ" fact="0.25"/>
+          <dgm:constr type="primFontSz" for="des" ptType="node" op="equ" val="50"/>
+          <dgm:constr type="h" for="des" forName="compNode" op="equ"/>
+          <dgm:constr type="h" for="des" forName="textRect" op="equ"/>
+        </dgm:constrLst>
+      </dgm:if>
+      <dgm:if name="Name5" axis="ch" ptType="node" func="cnt" op="lte" val="4">
+        <dgm:constrLst>
+          <dgm:constr type="h" for="ch" forName="compNode" refType="h" fact="0.4"/>
+          <dgm:constr type="w" for="ch" forName="compNode" refType="w"/>
+          <dgm:constr type="w" for="ch" forName="sibTrans" refType="w" refFor="ch" refForName="compNode" fact="0.175"/>
+          <dgm:constr type="sp" refType="w" refFor="ch" refForName="compNode" op="equ" fact="0.25"/>
+          <dgm:constr type="primFontSz" for="des" ptType="node" op="equ" val="36"/>
+          <dgm:constr type="h" for="des" forName="compNode" op="equ"/>
+          <dgm:constr type="h" for="des" forName="textRect" op="equ"/>
+        </dgm:constrLst>
+      </dgm:if>
+      <dgm:else name="Name6">
+        <dgm:constrLst>
+          <dgm:constr type="h" for="ch" forName="compNode" refType="h" fact="0.4"/>
+          <dgm:constr type="w" for="ch" forName="compNode" refType="w"/>
+          <dgm:constr type="w" for="ch" forName="sibTrans" refType="w" refFor="ch" refForName="compNode" fact="0.175"/>
+          <dgm:constr type="sp" refType="w" refFor="ch" refForName="compNode" op="equ" fact="0.25"/>
+          <dgm:constr type="primFontSz" for="des" ptType="node" op="equ" val="24"/>
+          <dgm:constr type="h" for="des" forName="compNode" op="equ"/>
+          <dgm:constr type="h" for="des" forName="textRect" op="equ"/>
+        </dgm:constrLst>
+      </dgm:else>
+    </dgm:choose>
+    <dgm:ruleLst>
+      <dgm:rule type="w" for="ch" forName="compNode" val="50" fact="NaN" max="NaN"/>
+    </dgm:ruleLst>
+    <dgm:forEach name="Name7" axis="ch" ptType="node">
+      <dgm:layoutNode name="compNode">
+        <dgm:alg type="composite"/>
+        <dgm:shape xmlns:r="http://schemas.openxmlformats.org/officeDocument/2006/relationships" r:blip="">
+          <dgm:adjLst/>
+        </dgm:shape>
+        <dgm:presOf axis="self"/>
+        <dgm:constrLst>
+          <dgm:constr type="w" for="ch" forName="iconRect" refType="w" fact="0.45"/>
+          <dgm:constr type="h" for="ch" forName="iconRect" refType="w" refFor="ch" refForName="iconRect"/>
+          <dgm:constr type="ctrX" for="ch" forName="iconRect" refType="w" fact="0.5"/>
+          <dgm:constr type="t" for="ch" forName="iconRect"/>
+          <dgm:constr type="h" for="ch" forName="spaceRect" refType="h" fact="0.15"/>
+          <dgm:constr type="w" for="ch" forName="spaceRect" refType="w"/>
+          <dgm:constr type="l" for="ch" forName="spaceRect"/>
+          <dgm:constr type="t" for="ch" forName="spaceRect" refType="b" refFor="ch" refForName="iconRect"/>
+          <dgm:constr type="h" for="ch" forName="textRect" val="20"/>
+          <dgm:constr type="w" for="ch" forName="textRect" refType="w"/>
+          <dgm:constr type="l" for="ch" forName="textRect"/>
+          <dgm:constr type="t" for="ch" forName="textRect" refType="b" refFor="ch" refForName="spaceRect"/>
+        </dgm:constrLst>
+        <dgm:ruleLst>
+          <dgm:rule type="h" val="INF" fact="NaN" max="NaN"/>
+        </dgm:ruleLst>
+        <dgm:layoutNode name="iconRect" styleLbl="node1">
+          <dgm:alg type="sp"/>
+          <dgm:shape xmlns:r="http://schemas.openxmlformats.org/officeDocument/2006/relationships" type="rect" r:blip="" blipPhldr="1">
+            <dgm:adjLst/>
+          </dgm:shape>
+          <dgm:presOf/>
+          <dgm:constrLst/>
+          <dgm:ruleLst/>
+        </dgm:layoutNode>
+        <dgm:layoutNode name="spaceRect">
+          <dgm:alg type="sp"/>
+          <dgm:shape xmlns:r="http://schemas.openxmlformats.org/officeDocument/2006/relationships" r:blip="">
+            <dgm:adjLst/>
+          </dgm:shape>
+          <dgm:presOf/>
+          <dgm:constrLst/>
+          <dgm:ruleLst/>
+        </dgm:layoutNode>
+        <dgm:layoutNode name="textRect" styleLbl="revTx">
+          <dgm:varLst>
+            <dgm:chMax val="1"/>
+            <dgm:chPref val="1"/>
+          </dgm:varLst>
+          <dgm:alg type="tx">
+            <dgm:param type="txAnchorVert" val="t"/>
+          </dgm:alg>
+          <dgm:shape xmlns:r="http://schemas.openxmlformats.org/officeDocument/2006/relationships" type="rect" r:blip="">
+            <dgm:adjLst/>
+          </dgm:shape>
+          <dgm:presOf axis="self" ptType="node"/>
+          <dgm:constrLst>
+            <dgm:constr type="lMarg"/>
+            <dgm:constr type="rMarg"/>
+            <dgm:constr type="tMarg"/>
+            <dgm:constr type="bMarg"/>
+          </dgm:constrLst>
+          <dgm:ruleLst>
+            <dgm:rule type="primFontSz" val="11" fact="NaN" max="NaN"/>
+            <dgm:rule type="h" val="INF" fact="NaN" max="NaN"/>
+          </dgm:ruleLst>
+        </dgm:layoutNode>
+      </dgm:layoutNode>
+      <dgm:forEach name="Name8" axis="followSib" ptType="sibTrans" cnt="1">
+        <dgm:layoutNode name="sibTrans">
+          <dgm:alg type="sp"/>
+          <dgm:shape xmlns:r="http://schemas.openxmlformats.org/officeDocument/2006/relationships" r:blip="">
+            <dgm:adjLst/>
+          </dgm:shape>
+          <dgm:presOf axis="self"/>
+          <dgm:constrLst/>
+          <dgm:ruleLst/>
+        </dgm:layoutNode>
+      </dgm:forEach>
+    </dgm:forEach>
+  </dgm:layoutNode>
+  <dgm:extLst>
+    <a:ext uri="{68A01E43-0DF5-4B5B-8FA6-DAF915123BFB}">
+      <dgm1612:lstStyle xmlns:dgm1612="http://schemas.microsoft.com/office/drawing/2016/12/diagram">
+        <a:lvl1pPr>
+          <a:lnSpc>
+            <a:spcPct val="100000"/>
+          </a:lnSpc>
+        </a:lvl1pPr>
+      </dgm1612:lstStyle>
+    </a:ext>
+  </dgm:extLst>
+</dgm:layoutDef>
+</file>
+
+<file path=ppt/diagrams/quickStyle1.xml><?xml version="1.0" encoding="utf-8"?>
+<dgm:styleDef xmlns:dgm="http://schemas.openxmlformats.org/drawingml/2006/diagram" xmlns:a="http://schemas.openxmlformats.org/drawingml/2006/main" uniqueId="urn:microsoft.com/office/officeart/2005/8/quickstyle/simple1">
+  <dgm:title val=""/>
+  <dgm:desc val=""/>
+  <dgm:catLst>
+    <dgm:cat type="simple" pri="10100"/>
+  </dgm:catLst>
+  <dgm:scene3d>
+    <a:camera prst="orthographicFront"/>
+    <a:lightRig rig="threePt" dir="t"/>
+  </dgm:scene3d>
+  <dgm:styleLbl name="node0">
+    <dgm:scene3d>
+      <a:camera prst="orthographicFront"/>
+      <a:lightRig rig="threePt" dir="t"/>
+    </dgm:scene3d>
+    <dgm:sp3d/>
+    <dgm:txPr/>
+    <dgm:style>
+      <a:lnRef idx="2">
+        <a:scrgbClr r="0" g="0" b="0"/>
+      </a:lnRef>
+      <a:fillRef idx="1">
+        <a:scrgbClr r="0" g="0" b="0"/>
+      </a:fillRef>
+      <a:effectRef idx="0">
+        <a:scrgbClr r="0" g="0" b="0"/>
+      </a:effectRef>
+      <a:fontRef idx="minor">
+        <a:schemeClr val="lt1"/>
+      </a:fontRef>
+    </dgm:style>
+  </dgm:styleLbl>
+  <dgm:styleLbl name="lnNode1">
+    <dgm:scene3d>
+      <a:camera prst="orthographicFront"/>
+      <a:lightRig rig="threePt" dir="t"/>
+    </dgm:scene3d>
+    <dgm:sp3d/>
+    <dgm:txPr/>
+    <dgm:style>
+      <a:lnRef idx="2">
+        <a:scrgbClr r="0" g="0" b="0"/>
+      </a:lnRef>
+      <a:fillRef idx="1">
+        <a:scrgbClr r="0" g="0" b="0"/>
+      </a:fillRef>
+      <a:effectRef idx="0">
+        <a:scrgbClr r="0" g="0" b="0"/>
+      </a:effectRef>
+      <a:fontRef idx="minor">
+        <a:schemeClr val="lt1"/>
+      </a:fontRef>
+    </dgm:style>
+  </dgm:styleLbl>
+  <dgm:styleLbl name="vennNode1">
+    <dgm:scene3d>
+      <a:camera prst="orthographicFront"/>
+      <a:lightRig rig="threePt" dir="t"/>
+    </dgm:scene3d>
+    <dgm:sp3d/>
+    <dgm:txPr/>
+    <dgm:style>
+      <a:lnRef idx="2">
+        <a:scrgbClr r="0" g="0" b="0"/>
+      </a:lnRef>
+      <a:fillRef idx="1">
+        <a:scrgbClr r="0" g="0" b="0"/>
+      </a:fillRef>
+      <a:effectRef idx="0">
+        <a:scrgbClr r="0" g="0" b="0"/>
+      </a:effectRef>
+      <a:fontRef idx="minor">
+        <a:schemeClr val="tx1"/>
+      </a:fontRef>
+    </dgm:style>
+  </dgm:styleLbl>
+  <dgm:styleLbl name="alignNode1">
+    <dgm:scene3d>
+      <a:camera prst="orthographicFront"/>
+      <a:lightRig rig="threePt" dir="t"/>
+    </dgm:scene3d>
+    <dgm:sp3d/>
+    <dgm:txPr/>
+    <dgm:style>
+      <a:lnRef idx="2">
+        <a:scrgbClr r="0" g="0" b="0"/>
+      </a:lnRef>
+      <a:fillRef idx="1">
+        <a:scrgbClr r="0" g="0" b="0"/>
+      </a:fillRef>
+      <a:effectRef idx="0">
+        <a:scrgbClr r="0" g="0" b="0"/>
+      </a:effectRef>
+      <a:fontRef idx="minor">
+        <a:schemeClr val="lt1"/>
+      </a:fontRef>
+    </dgm:style>
+  </dgm:styleLbl>
+  <dgm:styleLbl name="node1">
+    <dgm:scene3d>
+      <a:camera prst="orthographicFront"/>
+      <a:lightRig rig="threePt" dir="t"/>
+    </dgm:scene3d>
+    <dgm:sp3d/>
+    <dgm:txPr/>
+    <dgm:style>
+      <a:lnRef idx="2">
+        <a:scrgbClr r="0" g="0" b="0"/>
+      </a:lnRef>
+      <a:fillRef idx="1">
+        <a:scrgbClr r="0" g="0" b="0"/>
+      </a:fillRef>
+      <a:effectRef idx="0">
+        <a:scrgbClr r="0" g="0" b="0"/>
+      </a:effectRef>
+      <a:fontRef idx="minor">
+        <a:schemeClr val="lt1"/>
+      </a:fontRef>
+    </dgm:style>
+  </dgm:styleLbl>
+  <dgm:styleLbl name="node2">
+    <dgm:scene3d>
+      <a:camera prst="orthographicFront"/>
+      <a:lightRig rig="threePt" dir="t"/>
+    </dgm:scene3d>
+    <dgm:sp3d/>
+    <dgm:txPr/>
+    <dgm:style>
+      <a:lnRef idx="2">
+        <a:scrgbClr r="0" g="0" b="0"/>
+      </a:lnRef>
+      <a:fillRef idx="1">
+        <a:scrgbClr r="0" g="0" b="0"/>
+      </a:fillRef>
+      <a:effectRef idx="0">
+        <a:scrgbClr r="0" g="0" b="0"/>
+      </a:effectRef>
+      <a:fontRef idx="minor">
+        <a:schemeClr val="lt1"/>
+      </a:fontRef>
+    </dgm:style>
+  </dgm:styleLbl>
+  <dgm:styleLbl name="node3">
+    <dgm:scene3d>
+      <a:camera prst="orthographicFront"/>
+      <a:lightRig rig="threePt" dir="t"/>
+    </dgm:scene3d>
+    <dgm:sp3d/>
+    <dgm:txPr/>
+    <dgm:style>
+      <a:lnRef idx="2">
+        <a:scrgbClr r="0" g="0" b="0"/>
+      </a:lnRef>
+      <a:fillRef idx="1">
+        <a:scrgbClr r="0" g="0" b="0"/>
+      </a:fillRef>
+      <a:effectRef idx="0">
+        <a:scrgbClr r="0" g="0" b="0"/>
+      </a:effectRef>
+      <a:fontRef idx="minor">
+        <a:schemeClr val="lt1"/>
+      </a:fontRef>
+    </dgm:style>
+  </dgm:styleLbl>
+  <dgm:styleLbl name="node4">
+    <dgm:scene3d>
+      <a:camera prst="orthographicFront"/>
+      <a:lightRig rig="threePt" dir="t"/>
+    </dgm:scene3d>
+    <dgm:sp3d/>
+    <dgm:txPr/>
+    <dgm:style>
+      <a:lnRef idx="2">
+        <a:scrgbClr r="0" g="0" b="0"/>
+      </a:lnRef>
+      <a:fillRef idx="1">
+        <a:scrgbClr r="0" g="0" b="0"/>
+      </a:fillRef>
+      <a:effectRef idx="0">
+        <a:scrgbClr r="0" g="0" b="0"/>
+      </a:effectRef>
+      <a:fontRef idx="minor">
+        <a:schemeClr val="lt1"/>
+      </a:fontRef>
+    </dgm:style>
+  </dgm:styleLbl>
+  <dgm:styleLbl name="fgImgPlace1">
+    <dgm:scene3d>
+      <a:camera prst="orthographicFront"/>
+      <a:lightRig rig="threePt" dir="t"/>
+    </dgm:scene3d>
+    <dgm:sp3d/>
+    <dgm:txPr/>
+    <dgm:style>
+      <a:lnRef idx="2">
+        <a:scrgbClr r="0" g="0" b="0"/>
+      </a:lnRef>
+      <a:fillRef idx="1">
+        <a:scrgbClr r="0" g="0" b="0"/>
+      </a:fillRef>
+      <a:effectRef idx="0">
+        <a:scrgbClr r="0" g="0" b="0"/>
+      </a:effectRef>
+      <a:fontRef idx="minor"/>
+    </dgm:style>
+  </dgm:styleLbl>
+  <dgm:styleLbl name="alignImgPlace1">
+    <dgm:scene3d>
+      <a:camera prst="orthographicFront"/>
+      <a:lightRig rig="threePt" dir="t"/>
+    </dgm:scene3d>
+    <dgm:sp3d/>
+    <dgm:txPr/>
+    <dgm:style>
+      <a:lnRef idx="2">
+        <a:scrgbClr r="0" g="0" b="0"/>
+      </a:lnRef>
+      <a:fillRef idx="1">
+        <a:scrgbClr r="0" g="0" b="0"/>
+      </a:fillRef>
+      <a:effectRef idx="0">
+        <a:scrgbClr r="0" g="0" b="0"/>
+      </a:effectRef>
+      <a:fontRef idx="minor"/>
+    </dgm:style>
+  </dgm:styleLbl>
+  <dgm:styleLbl name="bgImgPlace1">
+    <dgm:scene3d>
+      <a:camera prst="orthographicFront"/>
+      <a:lightRig rig="threePt" dir="t"/>
+    </dgm:scene3d>
+    <dgm:sp3d/>
+    <dgm:txPr/>
+    <dgm:style>
+      <a:lnRef idx="2">
+        <a:scrgbClr r="0" g="0" b="0"/>
+      </a:lnRef>
+      <a:fillRef idx="1">
+        <a:scrgbClr r="0" g="0" b="0"/>
+      </a:fillRef>
+      <a:effectRef idx="0">
+        <a:scrgbClr r="0" g="0" b="0"/>
+      </a:effectRef>
+      <a:fontRef idx="minor"/>
+    </dgm:style>
+  </dgm:styleLbl>
+  <dgm:styleLbl name="sibTrans2D1">
+    <dgm:scene3d>
+      <a:camera prst="orthographicFront"/>
+      <a:lightRig rig="threePt" dir="t"/>
+    </dgm:scene3d>
+    <dgm:sp3d/>
+    <dgm:txPr/>
+    <dgm:style>
+      <a:lnRef idx="0">
+        <a:scrgbClr r="0" g="0" b="0"/>
+      </a:lnRef>
+      <a:fillRef idx="1">
+        <a:scrgbClr r="0" g="0" b="0"/>
+      </a:fillRef>
+      <a:effectRef idx="0">
+        <a:scrgbClr r="0" g="0" b="0"/>
+      </a:effectRef>
+      <a:fontRef idx="minor">
+        <a:schemeClr val="lt1"/>
+      </a:fontRef>
+    </dgm:style>
+  </dgm:styleLbl>
+  <dgm:styleLbl name="fgSibTrans2D1">
+    <dgm:scene3d>
+      <a:camera prst="orthographicFront"/>
+      <a:lightRig rig="threePt" dir="t"/>
+    </dgm:scene3d>
+    <dgm:sp3d/>
+    <dgm:txPr/>
+    <dgm:style>
+      <a:lnRef idx="0">
+        <a:scrgbClr r="0" g="0" b="0"/>
+      </a:lnRef>
+      <a:fillRef idx="1">
+        <a:scrgbClr r="0" g="0" b="0"/>
+      </a:fillRef>
+      <a:effectRef idx="0">
+        <a:scrgbClr r="0" g="0" b="0"/>
+      </a:effectRef>
+      <a:fontRef idx="minor">
+        <a:schemeClr val="lt1"/>
+      </a:fontRef>
+    </dgm:style>
+  </dgm:styleLbl>
+  <dgm:styleLbl name="bgSibTrans2D1">
+    <dgm:scene3d>
+      <a:camera prst="orthographicFront"/>
+      <a:lightRig rig="threePt" dir="t"/>
+    </dgm:scene3d>
+    <dgm:sp3d/>
+    <dgm:txPr/>
+    <dgm:style>
+      <a:lnRef idx="0">
+        <a:scrgbClr r="0" g="0" b="0"/>
+      </a:lnRef>
+      <a:fillRef idx="1">
+        <a:scrgbClr r="0" g="0" b="0"/>
+      </a:fillRef>
+      <a:effectRef idx="0">
+        <a:scrgbClr r="0" g="0" b="0"/>
+      </a:effectRef>
+      <a:fontRef idx="minor">
+        <a:schemeClr val="lt1"/>
+      </a:fontRef>
+    </dgm:style>
+  </dgm:styleLbl>
+  <dgm:styleLbl name="sibTrans1D1">
+    <dgm:scene3d>
+      <a:camera prst="orthographicFront"/>
+      <a:lightRig rig="threePt" dir="t"/>
+    </dgm:scene3d>
+    <dgm:sp3d/>
+    <dgm:txPr/>
+    <dgm:style>
+      <a:lnRef idx="1">
+        <a:scrgbClr r="0" g="0" b="0"/>
+      </a:lnRef>
+      <a:fillRef idx="0">
+        <a:scrgbClr r="0" g="0" b="0"/>
+      </a:fillRef>
+      <a:effectRef idx="0">
+        <a:scrgbClr r="0" g="0" b="0"/>
+      </a:effectRef>
+      <a:fontRef idx="minor"/>
+    </dgm:style>
+  </dgm:styleLbl>
+  <dgm:styleLbl name="callout">
+    <dgm:scene3d>
+      <a:camera prst="orthographicFront"/>
+      <a:lightRig rig="threePt" dir="t"/>
+    </dgm:scene3d>
+    <dgm:sp3d/>
+    <dgm:txPr/>
+    <dgm:style>
+      <a:lnRef idx="2">
+        <a:scrgbClr r="0" g="0" b="0"/>
+      </a:lnRef>
+      <a:fillRef idx="1">
+        <a:scrgbClr r="0" g="0" b="0"/>
+      </a:fillRef>
+      <a:effectRef idx="0">
+        <a:scrgbClr r="0" g="0" b="0"/>
+      </a:effectRef>
+      <a:fontRef idx="minor"/>
+    </dgm:style>
+  </dgm:styleLbl>
+  <dgm:styleLbl name="asst0">
+    <dgm:scene3d>
+      <a:camera prst="orthographicFront"/>
+      <a:lightRig rig="threePt" dir="t"/>
+    </dgm:scene3d>
+    <dgm:sp3d/>
+    <dgm:txPr/>
+    <dgm:style>
+      <a:lnRef idx="2">
+        <a:scrgbClr r="0" g="0" b="0"/>
+      </a:lnRef>
+      <a:fillRef idx="1">
+        <a:scrgbClr r="0" g="0" b="0"/>
+      </a:fillRef>
+      <a:effectRef idx="0">
+        <a:scrgbClr r="0" g="0" b="0"/>
+      </a:effectRef>
+      <a:fontRef idx="minor">
+        <a:schemeClr val="lt1"/>
+      </a:fontRef>
+    </dgm:style>
+  </dgm:styleLbl>
+  <dgm:styleLbl name="asst1">
+    <dgm:scene3d>
+      <a:camera prst="orthographicFront"/>
+      <a:lightRig rig="threePt" dir="t"/>
+    </dgm:scene3d>
+    <dgm:sp3d/>
+    <dgm:txPr/>
+    <dgm:style>
+      <a:lnRef idx="2">
+        <a:scrgbClr r="0" g="0" b="0"/>
+      </a:lnRef>
+      <a:fillRef idx="1">
+        <a:scrgbClr r="0" g="0" b="0"/>
+      </a:fillRef>
+      <a:effectRef idx="0">
+        <a:scrgbClr r="0" g="0" b="0"/>
+      </a:effectRef>
+      <a:fontRef idx="minor">
+        <a:schemeClr val="lt1"/>
+      </a:fontRef>
+    </dgm:style>
+  </dgm:styleLbl>
+  <dgm:styleLbl name="asst2">
+    <dgm:scene3d>
+      <a:camera prst="orthographicFront"/>
+      <a:lightRig rig="threePt" dir="t"/>
+    </dgm:scene3d>
+    <dgm:sp3d/>
+    <dgm:txPr/>
+    <dgm:style>
+      <a:lnRef idx="2">
+        <a:scrgbClr r="0" g="0" b="0"/>
+      </a:lnRef>
+      <a:fillRef idx="1">
+        <a:scrgbClr r="0" g="0" b="0"/>
+      </a:fillRef>
+      <a:effectRef idx="0">
+        <a:scrgbClr r="0" g="0" b="0"/>
+      </a:effectRef>
+      <a:fontRef idx="minor">
+        <a:schemeClr val="lt1"/>
+      </a:fontRef>
+    </dgm:style>
+  </dgm:styleLbl>
+  <dgm:styleLbl name="asst3">
+    <dgm:scene3d>
+      <a:camera prst="orthographicFront"/>
+      <a:lightRig rig="threePt" dir="t"/>
+    </dgm:scene3d>
+    <dgm:sp3d/>
+    <dgm:txPr/>
+    <dgm:style>
+      <a:lnRef idx="2">
+        <a:scrgbClr r="0" g="0" b="0"/>
+      </a:lnRef>
+      <a:fillRef idx="1">
+        <a:scrgbClr r="0" g="0" b="0"/>
+      </a:fillRef>
+      <a:effectRef idx="0">
+        <a:scrgbClr r="0" g="0" b="0"/>
+      </a:effectRef>
+      <a:fontRef idx="minor">
+        <a:schemeClr val="lt1"/>
+      </a:fontRef>
+    </dgm:style>
+  </dgm:styleLbl>
+  <dgm:styleLbl name="asst4">
+    <dgm:scene3d>
+      <a:camera prst="orthographicFront"/>
+      <a:lightRig rig="threePt" dir="t"/>
+    </dgm:scene3d>
+    <dgm:sp3d/>
+    <dgm:txPr/>
+    <dgm:style>
+      <a:lnRef idx="2">
+        <a:scrgbClr r="0" g="0" b="0"/>
+      </a:lnRef>
+      <a:fillRef idx="1">
+        <a:scrgbClr r="0" g="0" b="0"/>
+      </a:fillRef>
+      <a:effectRef idx="0">
+        <a:scrgbClr r="0" g="0" b="0"/>
+      </a:effectRef>
+      <a:fontRef idx="minor">
+        <a:schemeClr val="lt1"/>
+      </a:fontRef>
+    </dgm:style>
+  </dgm:styleLbl>
+  <dgm:styleLbl name="parChTrans2D1">
+    <dgm:scene3d>
+      <a:camera prst="orthographicFront"/>
+      <a:lightRig rig="threePt" dir="t"/>
+    </dgm:scene3d>
+    <dgm:sp3d/>
+    <dgm:txPr/>
+    <dgm:style>
+      <a:lnRef idx="2">
+        <a:scrgbClr r="0" g="0" b="0"/>
+      </a:lnRef>
+      <a:fillRef idx="1">
+        <a:scrgbClr r="0" g="0" b="0"/>
+      </a:fillRef>
+      <a:effectRef idx="0">
+        <a:scrgbClr r="0" g="0" b="0"/>
+      </a:effectRef>
+      <a:fontRef idx="minor">
+        <a:schemeClr val="lt1"/>
+      </a:fontRef>
+    </dgm:style>
+  </dgm:styleLbl>
+  <dgm:styleLbl name="parChTrans2D2">
+    <dgm:scene3d>
+      <a:camera prst="orthographicFront"/>
+      <a:lightRig rig="threePt" dir="t"/>
+    </dgm:scene3d>
+    <dgm:sp3d/>
+    <dgm:txPr/>
+    <dgm:style>
+      <a:lnRef idx="2">
+        <a:scrgbClr r="0" g="0" b="0"/>
+      </a:lnRef>
+      <a:fillRef idx="1">
+        <a:scrgbClr r="0" g="0" b="0"/>
+      </a:fillRef>
+      <a:effectRef idx="0">
+        <a:scrgbClr r="0" g="0" b="0"/>
+      </a:effectRef>
+      <a:fontRef idx="minor">
+        <a:schemeClr val="lt1"/>
+      </a:fontRef>
+    </dgm:style>
+  </dgm:styleLbl>
+  <dgm:styleLbl name="parChTrans2D3">
+    <dgm:scene3d>
+      <a:camera prst="orthographicFront"/>
+      <a:lightRig rig="threePt" dir="t"/>
+    </dgm:scene3d>
+    <dgm:sp3d/>
+    <dgm:txPr/>
+    <dgm:style>
+      <a:lnRef idx="2">
+        <a:scrgbClr r="0" g="0" b="0"/>
+      </a:lnRef>
+      <a:fillRef idx="1">
+        <a:scrgbClr r="0" g="0" b="0"/>
+      </a:fillRef>
+      <a:effectRef idx="0">
+        <a:scrgbClr r="0" g="0" b="0"/>
+      </a:effectRef>
+      <a:fontRef idx="minor">
+        <a:schemeClr val="lt1"/>
+      </a:fontRef>
+    </dgm:style>
+  </dgm:styleLbl>
+  <dgm:styleLbl name="parChTrans2D4">
+    <dgm:scene3d>
+      <a:camera prst="orthographicFront"/>
+      <a:lightRig rig="threePt" dir="t"/>
+    </dgm:scene3d>
+    <dgm:sp3d/>
+    <dgm:txPr/>
+    <dgm:style>
+      <a:lnRef idx="2">
+        <a:scrgbClr r="0" g="0" b="0"/>
+      </a:lnRef>
+      <a:fillRef idx="1">
+        <a:scrgbClr r="0" g="0" b="0"/>
+      </a:fillRef>
+      <a:effectRef idx="0">
+        <a:scrgbClr r="0" g="0" b="0"/>
+      </a:effectRef>
+      <a:fontRef idx="minor">
+        <a:schemeClr val="lt1"/>
+      </a:fontRef>
+    </dgm:style>
+  </dgm:styleLbl>
+  <dgm:styleLbl name="parChTrans1D1">
+    <dgm:scene3d>
+      <a:camera prst="orthographicFront"/>
+      <a:lightRig rig="threePt" dir="t"/>
+    </dgm:scene3d>
+    <dgm:sp3d/>
+    <dgm:txPr/>
+    <dgm:style>
+      <a:lnRef idx="2">
+        <a:scrgbClr r="0" g="0" b="0"/>
+      </a:lnRef>
+      <a:fillRef idx="0">
+        <a:scrgbClr r="0" g="0" b="0"/>
+      </a:fillRef>
+      <a:effectRef idx="0">
+        <a:scrgbClr r="0" g="0" b="0"/>
+      </a:effectRef>
+      <a:fontRef idx="minor"/>
+    </dgm:style>
+  </dgm:styleLbl>
+  <dgm:styleLbl name="parChTrans1D2">
+    <dgm:scene3d>
+      <a:camera prst="orthographicFront"/>
+      <a:lightRig rig="threePt" dir="t"/>
+    </dgm:scene3d>
+    <dgm:sp3d/>
+    <dgm:txPr/>
+    <dgm:style>
+      <a:lnRef idx="2">
+        <a:scrgbClr r="0" g="0" b="0"/>
+      </a:lnRef>
+      <a:fillRef idx="0">
+        <a:scrgbClr r="0" g="0" b="0"/>
+      </a:fillRef>
+      <a:effectRef idx="0">
+        <a:scrgbClr r="0" g="0" b="0"/>
+      </a:effectRef>
+      <a:fontRef idx="minor"/>
+    </dgm:style>
+  </dgm:styleLbl>
+  <dgm:styleLbl name="parChTrans1D3">
+    <dgm:scene3d>
+      <a:camera prst="orthographicFront"/>
+      <a:lightRig rig="threePt" dir="t"/>
+    </dgm:scene3d>
+    <dgm:sp3d/>
+    <dgm:txPr/>
+    <dgm:style>
+      <a:lnRef idx="2">
+        <a:scrgbClr r="0" g="0" b="0"/>
+      </a:lnRef>
+      <a:fillRef idx="0">
+        <a:scrgbClr r="0" g="0" b="0"/>
+      </a:fillRef>
+      <a:effectRef idx="0">
+        <a:scrgbClr r="0" g="0" b="0"/>
+      </a:effectRef>
+      <a:fontRef idx="minor"/>
+    </dgm:style>
+  </dgm:styleLbl>
+  <dgm:styleLbl name="parChTrans1D4">
+    <dgm:scene3d>
+      <a:camera prst="orthographicFront"/>
+      <a:lightRig rig="threePt" dir="t"/>
+    </dgm:scene3d>
+    <dgm:sp3d/>
+    <dgm:txPr/>
+    <dgm:style>
+      <a:lnRef idx="2">
+        <a:scrgbClr r="0" g="0" b="0"/>
+      </a:lnRef>
+      <a:fillRef idx="0">
+        <a:scrgbClr r="0" g="0" b="0"/>
+      </a:fillRef>
+      <a:effectRef idx="0">
+        <a:scrgbClr r="0" g="0" b="0"/>
+      </a:effectRef>
+      <a:fontRef idx="minor"/>
+    </dgm:style>
+  </dgm:styleLbl>
+  <dgm:styleLbl name="fgAcc1">
+    <dgm:scene3d>
+      <a:camera prst="orthographicFront"/>
+      <a:lightRig rig="threePt" dir="t"/>
+    </dgm:scene3d>
+    <dgm:sp3d/>
+    <dgm:txPr/>
+    <dgm:style>
+      <a:lnRef idx="2">
+        <a:scrgbClr r="0" g="0" b="0"/>
+      </a:lnRef>
+      <a:fillRef idx="1">
+        <a:scrgbClr r="0" g="0" b="0"/>
+      </a:fillRef>
+      <a:effectRef idx="0">
+        <a:scrgbClr r="0" g="0" b="0"/>
+      </a:effectRef>
+      <a:fontRef idx="minor"/>
+    </dgm:style>
+  </dgm:styleLbl>
+  <dgm:styleLbl name="conFgAcc1">
+    <dgm:scene3d>
+      <a:camera prst="orthographicFront"/>
+      <a:lightRig rig="threePt" dir="t"/>
+    </dgm:scene3d>
+    <dgm:sp3d/>
+    <dgm:txPr/>
+    <dgm:style>
+      <a:lnRef idx="2">
+        <a:scrgbClr r="0" g="0" b="0"/>
+      </a:lnRef>
+      <a:fillRef idx="1">
+        <a:scrgbClr r="0" g="0" b="0"/>
+      </a:fillRef>
+      <a:effectRef idx="0">
+        <a:scrgbClr r="0" g="0" b="0"/>
+      </a:effectRef>
+      <a:fontRef idx="minor"/>
+    </dgm:style>
+  </dgm:styleLbl>
+  <dgm:styleLbl name="alignAcc1">
+    <dgm:scene3d>
+      <a:camera prst="orthographicFront"/>
+      <a:lightRig rig="threePt" dir="t"/>
+    </dgm:scene3d>
+    <dgm:sp3d/>
+    <dgm:txPr/>
+    <dgm:style>
+      <a:lnRef idx="2">
+        <a:scrgbClr r="0" g="0" b="0"/>
+      </a:lnRef>
+      <a:fillRef idx="1">
+        <a:scrgbClr r="0" g="0" b="0"/>
+      </a:fillRef>
+      <a:effectRef idx="0">
+        <a:scrgbClr r="0" g="0" b="0"/>
+      </a:effectRef>
+      <a:fontRef idx="minor"/>
+    </dgm:style>
+  </dgm:styleLbl>
+  <dgm:styleLbl name="trAlignAcc1">
+    <dgm:scene3d>
+      <a:camera prst="orthographicFront"/>
+      <a:lightRig rig="threePt" dir="t"/>
+    </dgm:scene3d>
+    <dgm:sp3d/>
+    <dgm:txPr/>
+    <dgm:style>
+      <a:lnRef idx="1">
+        <a:scrgbClr r="0" g="0" b="0"/>
+      </a:lnRef>
+      <a:fillRef idx="1">
+        <a:scrgbClr r="0" g="0" b="0"/>
+      </a:fillRef>
+      <a:effectRef idx="0">
+        <a:scrgbClr r="0" g="0" b="0"/>
+      </a:effectRef>
+      <a:fontRef idx="minor"/>
+    </dgm:style>
+  </dgm:styleLbl>
+  <dgm:styleLbl name="bgAcc1">
+    <dgm:scene3d>
+      <a:camera prst="orthographicFront"/>
+      <a:lightRig rig="threePt" dir="t"/>
+    </dgm:scene3d>
+    <dgm:sp3d/>
+    <dgm:txPr/>
+    <dgm:style>
+      <a:lnRef idx="2">
+        <a:scrgbClr r="0" g="0" b="0"/>
+      </a:lnRef>
+      <a:fillRef idx="1">
+        <a:scrgbClr r="0" g="0" b="0"/>
+      </a:fillRef>
+      <a:effectRef idx="0">
+        <a:scrgbClr r="0" g="0" b="0"/>
+      </a:effectRef>
+      <a:fontRef idx="minor"/>
+    </dgm:style>
+  </dgm:styleLbl>
+  <dgm:styleLbl name="solidFgAcc1">
+    <dgm:scene3d>
+      <a:camera prst="orthographicFront"/>
+      <a:lightRig rig="threePt" dir="t"/>
+    </dgm:scene3d>
+    <dgm:sp3d/>
+    <dgm:txPr/>
+    <dgm:style>
+      <a:lnRef idx="2">
+        <a:scrgbClr r="0" g="0" b="0"/>
+      </a:lnRef>
+      <a:fillRef idx="1">
+        <a:scrgbClr r="0" g="0" b="0"/>
+      </a:fillRef>
+      <a:effectRef idx="0">
+        <a:scrgbClr r="0" g="0" b="0"/>
+      </a:effectRef>
+      <a:fontRef idx="minor"/>
+    </dgm:style>
+  </dgm:styleLbl>
+  <dgm:styleLbl name="solidAlignAcc1">
+    <dgm:scene3d>
+      <a:camera prst="orthographicFront"/>
+      <a:lightRig rig="threePt" dir="t"/>
+    </dgm:scene3d>
+    <dgm:sp3d/>
+    <dgm:txPr/>
+    <dgm:style>
+      <a:lnRef idx="2">
+        <a:scrgbClr r="0" g="0" b="0"/>
+      </a:lnRef>
+      <a:fillRef idx="1">
+        <a:scrgbClr r="0" g="0" b="0"/>
+      </a:fillRef>
+      <a:effectRef idx="0">
+        <a:scrgbClr r="0" g="0" b="0"/>
+      </a:effectRef>
+      <a:fontRef idx="minor"/>
+    </dgm:style>
+  </dgm:styleLbl>
+  <dgm:styleLbl name="solidBgAcc1">
+    <dgm:scene3d>
+      <a:camera prst="orthographicFront"/>
+      <a:lightRig rig="threePt" dir="t"/>
+    </dgm:scene3d>
+    <dgm:sp3d/>
+    <dgm:txPr/>
+    <dgm:style>
+      <a:lnRef idx="2">
+        <a:scrgbClr r="0" g="0" b="0"/>
+      </a:lnRef>
+      <a:fillRef idx="1">
+        <a:scrgbClr r="0" g="0" b="0"/>
+      </a:fillRef>
+      <a:effectRef idx="0">
+        <a:scrgbClr r="0" g="0" b="0"/>
+      </a:effectRef>
+      <a:fontRef idx="minor"/>
+    </dgm:style>
+  </dgm:styleLbl>
+  <dgm:styleLbl name="fgAccFollowNode1">
+    <dgm:scene3d>
+      <a:camera prst="orthographicFront"/>
+      <a:lightRig rig="threePt" dir="t"/>
+    </dgm:scene3d>
+    <dgm:sp3d/>
+    <dgm:txPr/>
+    <dgm:style>
+      <a:lnRef idx="2">
+        <a:scrgbClr r="0" g="0" b="0"/>
+      </a:lnRef>
+      <a:fillRef idx="1">
+        <a:scrgbClr r="0" g="0" b="0"/>
+      </a:fillRef>
+      <a:effectRef idx="0">
+        <a:scrgbClr r="0" g="0" b="0"/>
+      </a:effectRef>
+      <a:fontRef idx="minor"/>
+    </dgm:style>
+  </dgm:styleLbl>
+  <dgm:styleLbl name="alignAccFollowNode1">
+    <dgm:scene3d>
+      <a:camera prst="orthographicFront"/>
+      <a:lightRig rig="threePt" dir="t"/>
+    </dgm:scene3d>
+    <dgm:sp3d/>
+    <dgm:txPr/>
+    <dgm:style>
+      <a:lnRef idx="2">
+        <a:scrgbClr r="0" g="0" b="0"/>
+      </a:lnRef>
+      <a:fillRef idx="1">
+        <a:scrgbClr r="0" g="0" b="0"/>
+      </a:fillRef>
+      <a:effectRef idx="0">
+        <a:scrgbClr r="0" g="0" b="0"/>
+      </a:effectRef>
+      <a:fontRef idx="minor"/>
+    </dgm:style>
+  </dgm:styleLbl>
+  <dgm:styleLbl name="bgAccFollowNode1">
+    <dgm:scene3d>
+      <a:camera prst="orthographicFront"/>
+      <a:lightRig rig="threePt" dir="t"/>
+    </dgm:scene3d>
+    <dgm:sp3d/>
+    <dgm:txPr/>
+    <dgm:style>
+      <a:lnRef idx="2">
+        <a:scrgbClr r="0" g="0" b="0"/>
+      </a:lnRef>
+      <a:fillRef idx="1">
+        <a:scrgbClr r="0" g="0" b="0"/>
+      </a:fillRef>
+      <a:effectRef idx="0">
+        <a:scrgbClr r="0" g="0" b="0"/>
+      </a:effectRef>
+      <a:fontRef idx="minor"/>
+    </dgm:style>
+  </dgm:styleLbl>
+  <dgm:styleLbl name="fgAcc0">
+    <dgm:scene3d>
+      <a:camera prst="orthographicFront"/>
+      <a:lightRig rig="threePt" dir="t"/>
+    </dgm:scene3d>
+    <dgm:sp3d/>
+    <dgm:txPr/>
+    <dgm:style>
+      <a:lnRef idx="2">
+        <a:scrgbClr r="0" g="0" b="0"/>
+      </a:lnRef>
+      <a:fillRef idx="1">
+        <a:scrgbClr r="0" g="0" b="0"/>
+      </a:fillRef>
+      <a:effectRef idx="0">
+        <a:scrgbClr r="0" g="0" b="0"/>
+      </a:effectRef>
+      <a:fontRef idx="minor"/>
+    </dgm:style>
+  </dgm:styleLbl>
+  <dgm:styleLbl name="fgAcc2">
+    <dgm:scene3d>
+      <a:camera prst="orthographicFront"/>
+      <a:lightRig rig="threePt" dir="t"/>
+    </dgm:scene3d>
+    <dgm:sp3d/>
+    <dgm:txPr/>
+    <dgm:style>
+      <a:lnRef idx="2">
+        <a:scrgbClr r="0" g="0" b="0"/>
+      </a:lnRef>
+      <a:fillRef idx="1">
+        <a:scrgbClr r="0" g="0" b="0"/>
+      </a:fillRef>
+      <a:effectRef idx="0">
+        <a:scrgbClr r="0" g="0" b="0"/>
+      </a:effectRef>
+      <a:fontRef idx="minor"/>
+    </dgm:style>
+  </dgm:styleLbl>
+  <dgm:styleLbl name="fgAcc3">
+    <dgm:scene3d>
+      <a:camera prst="orthographicFront"/>
+      <a:lightRig rig="threePt" dir="t"/>
+    </dgm:scene3d>
+    <dgm:sp3d/>
+    <dgm:txPr/>
+    <dgm:style>
+      <a:lnRef idx="2">
+        <a:scrgbClr r="0" g="0" b="0"/>
+      </a:lnRef>
+      <a:fillRef idx="1">
+        <a:scrgbClr r="0" g="0" b="0"/>
+      </a:fillRef>
+      <a:effectRef idx="0">
+        <a:scrgbClr r="0" g="0" b="0"/>
+      </a:effectRef>
+      <a:fontRef idx="minor"/>
+    </dgm:style>
+  </dgm:styleLbl>
+  <dgm:styleLbl name="fgAcc4">
+    <dgm:scene3d>
+      <a:camera prst="orthographicFront"/>
+      <a:lightRig rig="threePt" dir="t"/>
+    </dgm:scene3d>
+    <dgm:sp3d/>
+    <dgm:txPr/>
+    <dgm:style>
+      <a:lnRef idx="2">
+        <a:scrgbClr r="0" g="0" b="0"/>
+      </a:lnRef>
+      <a:fillRef idx="1">
+        <a:scrgbClr r="0" g="0" b="0"/>
+      </a:fillRef>
+      <a:effectRef idx="0">
+        <a:scrgbClr r="0" g="0" b="0"/>
+      </a:effectRef>
+      <a:fontRef idx="minor"/>
+    </dgm:style>
+  </dgm:styleLbl>
+  <dgm:styleLbl name="bgShp">
+    <dgm:scene3d>
+      <a:camera prst="orthographicFront"/>
+      <a:lightRig rig="threePt" dir="t"/>
+    </dgm:scene3d>
+    <dgm:sp3d/>
+    <dgm:txPr/>
+    <dgm:style>
+      <a:lnRef idx="0">
+        <a:scrgbClr r="0" g="0" b="0"/>
+      </a:lnRef>
+      <a:fillRef idx="1">
+        <a:scrgbClr r="0" g="0" b="0"/>
+      </a:fillRef>
+      <a:effectRef idx="0">
+        <a:scrgbClr r="0" g="0" b="0"/>
+      </a:effectRef>
+      <a:fontRef idx="minor"/>
+    </dgm:style>
+  </dgm:styleLbl>
+  <dgm:styleLbl name="dkBgShp">
+    <dgm:scene3d>
+      <a:camera prst="orthographicFront"/>
+      <a:lightRig rig="threePt" dir="t"/>
+    </dgm:scene3d>
+    <dgm:sp3d/>
+    <dgm:txPr/>
+    <dgm:style>
+      <a:lnRef idx="0">
+        <a:scrgbClr r="0" g="0" b="0"/>
+      </a:lnRef>
+      <a:fillRef idx="1">
+        <a:scrgbClr r="0" g="0" b="0"/>
+      </a:fillRef>
+      <a:effectRef idx="0">
+        <a:scrgbClr r="0" g="0" b="0"/>
+      </a:effectRef>
+      <a:fontRef idx="minor"/>
+    </dgm:style>
+  </dgm:styleLbl>
+  <dgm:styleLbl name="trBgShp">
+    <dgm:scene3d>
+      <a:camera prst="orthographicFront"/>
+      <a:lightRig rig="threePt" dir="t"/>
+    </dgm:scene3d>
+    <dgm:sp3d/>
+    <dgm:txPr/>
+    <dgm:style>
+      <a:lnRef idx="0">
+        <a:scrgbClr r="0" g="0" b="0"/>
+      </a:lnRef>
+      <a:fillRef idx="1">
+        <a:scrgbClr r="0" g="0" b="0"/>
+      </a:fillRef>
+      <a:effectRef idx="0">
+        <a:scrgbClr r="0" g="0" b="0"/>
+      </a:effectRef>
+      <a:fontRef idx="minor"/>
+    </dgm:style>
+  </dgm:styleLbl>
+  <dgm:styleLbl name="fgShp">
+    <dgm:scene3d>
+      <a:camera prst="orthographicFront"/>
+      <a:lightRig rig="threePt" dir="t"/>
+    </dgm:scene3d>
+    <dgm:sp3d/>
+    <dgm:txPr/>
+    <dgm:style>
+      <a:lnRef idx="2">
+        <a:scrgbClr r="0" g="0" b="0"/>
+      </a:lnRef>
+      <a:fillRef idx="1">
+        <a:scrgbClr r="0" g="0" b="0"/>
+      </a:fillRef>
+      <a:effectRef idx="0">
+        <a:scrgbClr r="0" g="0" b="0"/>
+      </a:effectRef>
+      <a:fontRef idx="minor"/>
+    </dgm:style>
+  </dgm:styleLbl>
+  <dgm:styleLbl name="revTx">
+    <dgm:scene3d>
+      <a:camera prst="orthographicFront"/>
+      <a:lightRig rig="threePt" dir="t"/>
+    </dgm:scene3d>
+    <dgm:sp3d/>
+    <dgm:txPr/>
+    <dgm:style>
+      <a:lnRef idx="0">
+        <a:scrgbClr r="0" g="0" b="0"/>
+      </a:lnRef>
+      <a:fillRef idx="0">
+        <a:scrgbClr r="0" g="0" b="0"/>
+      </a:fillRef>
+      <a:effectRef idx="0">
+        <a:scrgbClr r="0" g="0" b="0"/>
+      </a:effectRef>
+      <a:fontRef idx="minor"/>
+    </dgm:style>
+  </dgm:styleLbl>
+</dgm:styleDef>
+</file>
+
 <file path=ppt/notesMasters/notesMaster1.xml><?xml version="1.0" encoding="utf-8"?>
 <p:notesMaster xmlns:a="http://schemas.openxmlformats.org/drawingml/2006/main" xmlns:r="http://schemas.openxmlformats.org/officeDocument/2006/relationships" xmlns:p="http://schemas.openxmlformats.org/presentationml/2006/main">
   <p:cSld>
@@ -1218,7 +4188,7 @@
           <a:p>
             <a:fld id="{F524CC67-45C1-49D0-8AEB-2EF995C1B354}" type="datetimeFigureOut">
               <a:rPr lang="en-GB" smtClean="0"/>
-              <a:t>01/05/2025</a:t>
+              <a:t>02/05/2025</a:t>
             </a:fld>
             <a:endParaRPr lang="en-GB"/>
           </a:p>
@@ -1486,6 +4456,114 @@
 </p:notesMaster>
 </file>
 
+<file path=ppt/notesSlides/notesSlide1.xml><?xml version="1.0" encoding="utf-8"?>
+<p:notes xmlns:a="http://schemas.openxmlformats.org/drawingml/2006/main" xmlns:r="http://schemas.openxmlformats.org/officeDocument/2006/relationships" xmlns:p="http://schemas.openxmlformats.org/presentationml/2006/main">
+  <p:cSld>
+    <p:spTree>
+      <p:nvGrpSpPr>
+        <p:cNvPr id="1" name="">
+          <a:extLst>
+            <a:ext uri="{FF2B5EF4-FFF2-40B4-BE49-F238E27FC236}">
+              <a16:creationId xmlns:a16="http://schemas.microsoft.com/office/drawing/2014/main" id="{EE319B69-70C4-1E25-E41D-415486E7774A}"/>
+            </a:ext>
+          </a:extLst>
+        </p:cNvPr>
+        <p:cNvGrpSpPr/>
+        <p:nvPr/>
+      </p:nvGrpSpPr>
+      <p:grpSpPr>
+        <a:xfrm>
+          <a:off x="0" y="0"/>
+          <a:ext cx="0" cy="0"/>
+          <a:chOff x="0" y="0"/>
+          <a:chExt cx="0" cy="0"/>
+        </a:xfrm>
+      </p:grpSpPr>
+      <p:sp>
+        <p:nvSpPr>
+          <p:cNvPr id="2" name="Slide Image Placeholder 1">
+            <a:extLst>
+              <a:ext uri="{FF2B5EF4-FFF2-40B4-BE49-F238E27FC236}">
+                <a16:creationId xmlns:a16="http://schemas.microsoft.com/office/drawing/2014/main" id="{97E1B84D-1DE1-A21A-23DF-A5345955D2D4}"/>
+              </a:ext>
+            </a:extLst>
+          </p:cNvPr>
+          <p:cNvSpPr>
+            <a:spLocks noGrp="1" noRot="1" noChangeAspect="1"/>
+          </p:cNvSpPr>
+          <p:nvPr>
+            <p:ph type="sldImg"/>
+          </p:nvPr>
+        </p:nvSpPr>
+        <p:spPr/>
+      </p:sp>
+      <p:sp>
+        <p:nvSpPr>
+          <p:cNvPr id="3" name="Notes Placeholder 2">
+            <a:extLst>
+              <a:ext uri="{FF2B5EF4-FFF2-40B4-BE49-F238E27FC236}">
+                <a16:creationId xmlns:a16="http://schemas.microsoft.com/office/drawing/2014/main" id="{AC379202-8B85-4723-2571-3C2272831630}"/>
+              </a:ext>
+            </a:extLst>
+          </p:cNvPr>
+          <p:cNvSpPr>
+            <a:spLocks noGrp="1"/>
+          </p:cNvSpPr>
+          <p:nvPr>
+            <p:ph type="body" idx="1"/>
+          </p:nvPr>
+        </p:nvSpPr>
+        <p:spPr/>
+        <p:txBody>
+          <a:bodyPr/>
+          <a:lstStyle/>
+          <a:p>
+            <a:endParaRPr lang="en-GB" dirty="0"/>
+          </a:p>
+        </p:txBody>
+      </p:sp>
+      <p:sp>
+        <p:nvSpPr>
+          <p:cNvPr id="4" name="Slide Number Placeholder 3">
+            <a:extLst>
+              <a:ext uri="{FF2B5EF4-FFF2-40B4-BE49-F238E27FC236}">
+                <a16:creationId xmlns:a16="http://schemas.microsoft.com/office/drawing/2014/main" id="{DFDBAAAA-4D49-417E-BBE4-E3232BFC1557}"/>
+              </a:ext>
+            </a:extLst>
+          </p:cNvPr>
+          <p:cNvSpPr>
+            <a:spLocks noGrp="1"/>
+          </p:cNvSpPr>
+          <p:nvPr>
+            <p:ph type="sldNum" sz="quarter" idx="5"/>
+          </p:nvPr>
+        </p:nvSpPr>
+        <p:spPr/>
+        <p:txBody>
+          <a:bodyPr/>
+          <a:lstStyle/>
+          <a:p>
+            <a:fld id="{11EE68FA-4CE9-4E49-9680-76DC0DFBA015}" type="slidenum">
+              <a:rPr lang="en-GB" smtClean="0"/>
+              <a:t>9</a:t>
+            </a:fld>
+            <a:endParaRPr lang="en-GB"/>
+          </a:p>
+        </p:txBody>
+      </p:sp>
+    </p:spTree>
+    <p:extLst>
+      <p:ext uri="{BB962C8B-B14F-4D97-AF65-F5344CB8AC3E}">
+        <p14:creationId xmlns:p14="http://schemas.microsoft.com/office/powerpoint/2010/main" val="1152838636"/>
+      </p:ext>
+    </p:extLst>
+  </p:cSld>
+  <p:clrMapOvr>
+    <a:masterClrMapping/>
+  </p:clrMapOvr>
+</p:notes>
+</file>
+
 <file path=ppt/slideLayouts/slideLayout1.xml><?xml version="1.0" encoding="utf-8"?>
 <p:sldLayout xmlns:a="http://schemas.openxmlformats.org/drawingml/2006/main" xmlns:r="http://schemas.openxmlformats.org/officeDocument/2006/relationships" xmlns:p="http://schemas.openxmlformats.org/presentationml/2006/main" type="title" preserve="1">
   <p:cSld name="Title Slide">
@@ -1656,7 +4734,7 @@
           <a:p>
             <a:fld id="{E796DD2E-7FCA-4C1F-A0C3-02DE4E493BB2}" type="datetimeFigureOut">
               <a:rPr lang="en-GB" smtClean="0"/>
-              <a:t>01/05/2025</a:t>
+              <a:t>02/05/2025</a:t>
             </a:fld>
             <a:endParaRPr lang="en-GB" dirty="0"/>
           </a:p>
@@ -1922,7 +5000,7 @@
           <a:p>
             <a:fld id="{E796DD2E-7FCA-4C1F-A0C3-02DE4E493BB2}" type="datetimeFigureOut">
               <a:rPr lang="en-GB" smtClean="0"/>
-              <a:t>01/05/2025</a:t>
+              <a:t>02/05/2025</a:t>
             </a:fld>
             <a:endParaRPr lang="en-GB" dirty="0"/>
           </a:p>
@@ -2178,7 +5256,7 @@
           <a:p>
             <a:fld id="{E796DD2E-7FCA-4C1F-A0C3-02DE4E493BB2}" type="datetimeFigureOut">
               <a:rPr lang="en-GB" smtClean="0"/>
-              <a:t>01/05/2025</a:t>
+              <a:t>02/05/2025</a:t>
             </a:fld>
             <a:endParaRPr lang="en-GB" dirty="0"/>
           </a:p>
@@ -2409,7 +5487,7 @@
           <a:p>
             <a:fld id="{E796DD2E-7FCA-4C1F-A0C3-02DE4E493BB2}" type="datetimeFigureOut">
               <a:rPr lang="en-GB" smtClean="0"/>
-              <a:t>01/05/2025</a:t>
+              <a:t>02/05/2025</a:t>
             </a:fld>
             <a:endParaRPr lang="en-GB" dirty="0"/>
           </a:p>
@@ -2719,7 +5797,7 @@
           <a:p>
             <a:fld id="{E796DD2E-7FCA-4C1F-A0C3-02DE4E493BB2}" type="datetimeFigureOut">
               <a:rPr lang="en-GB" smtClean="0"/>
-              <a:t>01/05/2025</a:t>
+              <a:t>02/05/2025</a:t>
             </a:fld>
             <a:endParaRPr lang="en-GB" dirty="0"/>
           </a:p>
@@ -3192,7 +6270,7 @@
           <a:p>
             <a:fld id="{E796DD2E-7FCA-4C1F-A0C3-02DE4E493BB2}" type="datetimeFigureOut">
               <a:rPr lang="en-GB" smtClean="0"/>
-              <a:t>01/05/2025</a:t>
+              <a:t>02/05/2025</a:t>
             </a:fld>
             <a:endParaRPr lang="en-GB" dirty="0"/>
           </a:p>
@@ -3739,7 +6817,7 @@
           <a:p>
             <a:fld id="{E796DD2E-7FCA-4C1F-A0C3-02DE4E493BB2}" type="datetimeFigureOut">
               <a:rPr lang="en-GB" smtClean="0"/>
-              <a:t>01/05/2025</a:t>
+              <a:t>02/05/2025</a:t>
             </a:fld>
             <a:endParaRPr lang="en-GB" dirty="0"/>
           </a:p>
@@ -4510,7 +7588,7 @@
           <a:p>
             <a:fld id="{E796DD2E-7FCA-4C1F-A0C3-02DE4E493BB2}" type="datetimeFigureOut">
               <a:rPr lang="en-GB" smtClean="0"/>
-              <a:t>01/05/2025</a:t>
+              <a:t>02/05/2025</a:t>
             </a:fld>
             <a:endParaRPr lang="en-GB" dirty="0"/>
           </a:p>
@@ -4685,7 +7763,7 @@
           <a:p>
             <a:fld id="{E796DD2E-7FCA-4C1F-A0C3-02DE4E493BB2}" type="datetimeFigureOut">
               <a:rPr lang="en-GB" smtClean="0"/>
-              <a:t>01/05/2025</a:t>
+              <a:t>02/05/2025</a:t>
             </a:fld>
             <a:endParaRPr lang="en-GB" dirty="0"/>
           </a:p>
@@ -4908,7 +7986,7 @@
           <a:p>
             <a:fld id="{E796DD2E-7FCA-4C1F-A0C3-02DE4E493BB2}" type="datetimeFigureOut">
               <a:rPr lang="en-GB" smtClean="0"/>
-              <a:t>01/05/2025</a:t>
+              <a:t>02/05/2025</a:t>
             </a:fld>
             <a:endParaRPr lang="en-GB" dirty="0"/>
           </a:p>
@@ -5088,7 +8166,7 @@
           <a:p>
             <a:fld id="{E796DD2E-7FCA-4C1F-A0C3-02DE4E493BB2}" type="datetimeFigureOut">
               <a:rPr lang="en-GB" smtClean="0"/>
-              <a:t>01/05/2025</a:t>
+              <a:t>02/05/2025</a:t>
             </a:fld>
             <a:endParaRPr lang="en-GB" dirty="0"/>
           </a:p>
@@ -5218,7 +8296,7 @@
           <a:p>
             <a:fld id="{E796DD2E-7FCA-4C1F-A0C3-02DE4E493BB2}" type="datetimeFigureOut">
               <a:rPr lang="en-GB" smtClean="0"/>
-              <a:t>01/05/2025</a:t>
+              <a:t>02/05/2025</a:t>
             </a:fld>
             <a:endParaRPr lang="en-GB" dirty="0"/>
           </a:p>
@@ -5519,7 +8597,7 @@
           <a:p>
             <a:fld id="{E796DD2E-7FCA-4C1F-A0C3-02DE4E493BB2}" type="datetimeFigureOut">
               <a:rPr lang="en-GB" smtClean="0"/>
-              <a:t>01/05/2025</a:t>
+              <a:t>02/05/2025</a:t>
             </a:fld>
             <a:endParaRPr lang="en-GB" dirty="0"/>
           </a:p>
@@ -5761,7 +8839,7 @@
           <a:p>
             <a:fld id="{E796DD2E-7FCA-4C1F-A0C3-02DE4E493BB2}" type="datetimeFigureOut">
               <a:rPr lang="en-GB" smtClean="0"/>
-              <a:t>01/05/2025</a:t>
+              <a:t>02/05/2025</a:t>
             </a:fld>
             <a:endParaRPr lang="en-GB" dirty="0"/>
           </a:p>
@@ -6140,7 +9218,7 @@
           <a:p>
             <a:fld id="{E796DD2E-7FCA-4C1F-A0C3-02DE4E493BB2}" type="datetimeFigureOut">
               <a:rPr lang="en-GB" smtClean="0"/>
-              <a:t>01/05/2025</a:t>
+              <a:t>02/05/2025</a:t>
             </a:fld>
             <a:endParaRPr lang="en-GB" dirty="0"/>
           </a:p>
@@ -6258,7 +9336,7 @@
           <a:p>
             <a:fld id="{E796DD2E-7FCA-4C1F-A0C3-02DE4E493BB2}" type="datetimeFigureOut">
               <a:rPr lang="en-GB" smtClean="0"/>
-              <a:t>01/05/2025</a:t>
+              <a:t>02/05/2025</a:t>
             </a:fld>
             <a:endParaRPr lang="en-GB" dirty="0"/>
           </a:p>
@@ -6353,7 +9431,7 @@
           <a:p>
             <a:fld id="{E796DD2E-7FCA-4C1F-A0C3-02DE4E493BB2}" type="datetimeFigureOut">
               <a:rPr lang="en-GB" smtClean="0"/>
-              <a:t>01/05/2025</a:t>
+              <a:t>02/05/2025</a:t>
             </a:fld>
             <a:endParaRPr lang="en-GB" dirty="0"/>
           </a:p>
@@ -6602,7 +9680,7 @@
           <a:p>
             <a:fld id="{E796DD2E-7FCA-4C1F-A0C3-02DE4E493BB2}" type="datetimeFigureOut">
               <a:rPr lang="en-GB" smtClean="0"/>
-              <a:t>01/05/2025</a:t>
+              <a:t>02/05/2025</a:t>
             </a:fld>
             <a:endParaRPr lang="en-GB" dirty="0"/>
           </a:p>
@@ -6844,7 +9922,7 @@
           <a:p>
             <a:fld id="{E796DD2E-7FCA-4C1F-A0C3-02DE4E493BB2}" type="datetimeFigureOut">
               <a:rPr lang="en-GB" smtClean="0"/>
-              <a:t>01/05/2025</a:t>
+              <a:t>02/05/2025</a:t>
             </a:fld>
             <a:endParaRPr lang="en-GB" dirty="0"/>
           </a:p>
@@ -8004,7 +11082,13 @@
   <p:cSld>
     <p:spTree>
       <p:nvGrpSpPr>
-        <p:cNvPr id="1" name=""/>
+        <p:cNvPr id="1" name="">
+          <a:extLst>
+            <a:ext uri="{FF2B5EF4-FFF2-40B4-BE49-F238E27FC236}">
+              <a16:creationId xmlns:a16="http://schemas.microsoft.com/office/drawing/2014/main" id="{12C56952-01F2-D240-56C7-70D01E322CE7}"/>
+            </a:ext>
+          </a:extLst>
+        </p:cNvPr>
         <p:cNvGrpSpPr/>
         <p:nvPr/>
       </p:nvGrpSpPr>
@@ -8018,10 +11102,10 @@
       </p:grpSpPr>
       <p:sp>
         <p:nvSpPr>
-          <p:cNvPr id="2" name="Title 1">
+          <p:cNvPr id="5" name="Title 4">
             <a:extLst>
               <a:ext uri="{FF2B5EF4-FFF2-40B4-BE49-F238E27FC236}">
-                <a16:creationId xmlns:a16="http://schemas.microsoft.com/office/drawing/2014/main" id="{1A28327C-C3A5-86F5-C935-C5A90B3DC70A}"/>
+                <a16:creationId xmlns:a16="http://schemas.microsoft.com/office/drawing/2014/main" id="{61028B3D-FE24-1AAA-B17B-4E5E4A5F44F1}"/>
               </a:ext>
             </a:extLst>
           </p:cNvPr>
@@ -8032,39 +11116,672 @@
             <p:ph type="title"/>
           </p:nvPr>
         </p:nvSpPr>
-        <p:spPr/>
-        <p:txBody>
-          <a:bodyPr/>
+        <p:spPr>
+          <a:xfrm>
+            <a:off x="4331368" y="271128"/>
+            <a:ext cx="3529263" cy="1293028"/>
+          </a:xfrm>
+        </p:spPr>
+        <p:txBody>
+          <a:bodyPr>
+            <a:normAutofit/>
+          </a:bodyPr>
           <a:lstStyle/>
           <a:p>
-            <a:endParaRPr lang="en-GB"/>
-          </a:p>
-        </p:txBody>
-      </p:sp>
-      <p:sp>
-        <p:nvSpPr>
-          <p:cNvPr id="3" name="Content Placeholder 2">
+            <a:r>
+              <a:rPr lang="en-GB" dirty="0">
+                <a:latin typeface="Georgia" panose="02040502050405020303" pitchFamily="18" charset="0"/>
+              </a:rPr>
+              <a:t>Team Roles</a:t>
+            </a:r>
+          </a:p>
+        </p:txBody>
+      </p:sp>
+      <p:graphicFrame>
+        <p:nvGraphicFramePr>
+          <p:cNvPr id="7" name="Content Placeholder 2">
             <a:extLst>
               <a:ext uri="{FF2B5EF4-FFF2-40B4-BE49-F238E27FC236}">
-                <a16:creationId xmlns:a16="http://schemas.microsoft.com/office/drawing/2014/main" id="{9E2C3FBD-F0CD-76CE-C687-E9DA578A9A51}"/>
+                <a16:creationId xmlns:a16="http://schemas.microsoft.com/office/drawing/2014/main" id="{0C3F9713-237F-B21D-06C7-E66E55357667}"/>
               </a:ext>
             </a:extLst>
           </p:cNvPr>
-          <p:cNvSpPr>
-            <a:spLocks noGrp="1"/>
-          </p:cNvSpPr>
+          <p:cNvGraphicFramePr>
+            <a:graphicFrameLocks noGrp="1"/>
+          </p:cNvGraphicFramePr>
           <p:nvPr>
             <p:ph idx="1"/>
-          </p:nvPr>
-        </p:nvSpPr>
-        <p:spPr/>
-        <p:txBody>
-          <a:bodyPr/>
+            <p:extLst>
+              <p:ext uri="{D42A27DB-BD31-4B8C-83A1-F6EECF244321}">
+                <p14:modId xmlns:p14="http://schemas.microsoft.com/office/powerpoint/2010/main" val="3230556253"/>
+              </p:ext>
+            </p:extLst>
+          </p:nvPr>
+        </p:nvGraphicFramePr>
+        <p:xfrm>
+          <a:off x="685800" y="2441051"/>
+          <a:ext cx="10820400" cy="3530062"/>
+        </p:xfrm>
+        <a:graphic>
+          <a:graphicData uri="http://schemas.openxmlformats.org/drawingml/2006/diagram">
+            <dgm:relIds xmlns:dgm="http://schemas.openxmlformats.org/drawingml/2006/diagram" xmlns:r="http://schemas.openxmlformats.org/officeDocument/2006/relationships" r:dm="rId3" r:lo="rId4" r:qs="rId5" r:cs="rId6"/>
+          </a:graphicData>
+        </a:graphic>
+      </p:graphicFrame>
+      <p:sp>
+        <p:nvSpPr>
+          <p:cNvPr id="6" name="TextBox 5">
+            <a:extLst>
+              <a:ext uri="{FF2B5EF4-FFF2-40B4-BE49-F238E27FC236}">
+                <a16:creationId xmlns:a16="http://schemas.microsoft.com/office/drawing/2014/main" id="{916C0775-FDFD-E07C-C586-7F0B4A0119B4}"/>
+              </a:ext>
+            </a:extLst>
+          </p:cNvPr>
+          <p:cNvSpPr txBox="1"/>
+          <p:nvPr/>
+        </p:nvSpPr>
+        <p:spPr>
+          <a:xfrm>
+            <a:off x="4951317" y="1802413"/>
+            <a:ext cx="2209800" cy="1277273"/>
+          </a:xfrm>
+          <a:prstGeom prst="rect">
+            <a:avLst/>
+          </a:prstGeom>
+          <a:noFill/>
+        </p:spPr>
+        <p:txBody>
+          <a:bodyPr wrap="square" rtlCol="0">
+            <a:spAutoFit/>
+          </a:bodyPr>
           <a:lstStyle/>
           <a:p>
+            <a:pPr lvl="0" algn="ctr"/>
             <a:r>
               <a:rPr lang="en-GB" dirty="0"/>
-              <a:t>Team roles in the system development</a:t>
+              <a:t>Lead Developer &amp;</a:t>
+            </a:r>
+            <a:br>
+              <a:rPr lang="en-GB" dirty="0"/>
+            </a:br>
+            <a:r>
+              <a:rPr lang="en-GB" dirty="0"/>
+              <a:t>System Integrator:</a:t>
+            </a:r>
+          </a:p>
+          <a:p>
+            <a:pPr lvl="0" algn="ctr"/>
+            <a:endParaRPr lang="en-GB" sz="800" i="1" dirty="0"/>
+          </a:p>
+          <a:p>
+            <a:pPr lvl="0" algn="ctr"/>
+            <a:r>
+              <a:rPr lang="en-GB" sz="1500" i="1" dirty="0"/>
+              <a:t>Jack Harrison </a:t>
+            </a:r>
+          </a:p>
+        </p:txBody>
+      </p:sp>
+      <p:sp>
+        <p:nvSpPr>
+          <p:cNvPr id="8" name="TextBox 7">
+            <a:extLst>
+              <a:ext uri="{FF2B5EF4-FFF2-40B4-BE49-F238E27FC236}">
+                <a16:creationId xmlns:a16="http://schemas.microsoft.com/office/drawing/2014/main" id="{B830713F-7607-F14C-D44C-8B93FD1ADCE3}"/>
+              </a:ext>
+            </a:extLst>
+          </p:cNvPr>
+          <p:cNvSpPr txBox="1"/>
+          <p:nvPr/>
+        </p:nvSpPr>
+        <p:spPr>
+          <a:xfrm>
+            <a:off x="7216100" y="1802414"/>
+            <a:ext cx="2117558" cy="1277273"/>
+          </a:xfrm>
+          <a:prstGeom prst="rect">
+            <a:avLst/>
+          </a:prstGeom>
+          <a:noFill/>
+        </p:spPr>
+        <p:txBody>
+          <a:bodyPr wrap="square" rtlCol="0">
+            <a:spAutoFit/>
+          </a:bodyPr>
+          <a:lstStyle/>
+          <a:p>
+            <a:pPr lvl="0" algn="ctr"/>
+            <a:r>
+              <a:rPr lang="en-GB" dirty="0"/>
+              <a:t>Information Retrieval Engineer:</a:t>
+            </a:r>
+          </a:p>
+          <a:p>
+            <a:pPr lvl="0" algn="ctr"/>
+            <a:endParaRPr lang="en-GB" sz="800" i="1" dirty="0"/>
+          </a:p>
+          <a:p>
+            <a:pPr lvl="0" algn="ctr"/>
+            <a:r>
+              <a:rPr lang="en-GB" sz="1500" i="1" dirty="0"/>
+              <a:t>Ruben Lazell </a:t>
+            </a:r>
+          </a:p>
+        </p:txBody>
+      </p:sp>
+      <p:sp>
+        <p:nvSpPr>
+          <p:cNvPr id="9" name="TextBox 8">
+            <a:extLst>
+              <a:ext uri="{FF2B5EF4-FFF2-40B4-BE49-F238E27FC236}">
+                <a16:creationId xmlns:a16="http://schemas.microsoft.com/office/drawing/2014/main" id="{C4AD3607-C2F7-458F-0EA7-90372B79B705}"/>
+              </a:ext>
+            </a:extLst>
+          </p:cNvPr>
+          <p:cNvSpPr txBox="1"/>
+          <p:nvPr/>
+        </p:nvSpPr>
+        <p:spPr>
+          <a:xfrm>
+            <a:off x="525702" y="1764858"/>
+            <a:ext cx="2592807" cy="1277273"/>
+          </a:xfrm>
+          <a:prstGeom prst="rect">
+            <a:avLst/>
+          </a:prstGeom>
+          <a:noFill/>
+        </p:spPr>
+        <p:txBody>
+          <a:bodyPr wrap="square" rtlCol="0">
+            <a:spAutoFit/>
+          </a:bodyPr>
+          <a:lstStyle/>
+          <a:p>
+            <a:pPr lvl="0" algn="ctr"/>
+            <a:r>
+              <a:rPr lang="en-GB" dirty="0"/>
+              <a:t>SBERT Clarifying Questions Retrieval Specialist:</a:t>
+            </a:r>
+          </a:p>
+          <a:p>
+            <a:pPr lvl="0" algn="ctr"/>
+            <a:endParaRPr lang="en-GB" sz="800" i="1" dirty="0"/>
+          </a:p>
+          <a:p>
+            <a:pPr lvl="0" algn="ctr"/>
+            <a:r>
+              <a:rPr lang="en-GB" sz="1500" i="1" dirty="0"/>
+              <a:t>Ansh Bisht </a:t>
+            </a:r>
+          </a:p>
+        </p:txBody>
+      </p:sp>
+      <p:sp>
+        <p:nvSpPr>
+          <p:cNvPr id="10" name="TextBox 9">
+            <a:extLst>
+              <a:ext uri="{FF2B5EF4-FFF2-40B4-BE49-F238E27FC236}">
+                <a16:creationId xmlns:a16="http://schemas.microsoft.com/office/drawing/2014/main" id="{DA733F52-4B98-0521-072C-BA51569C25BC}"/>
+              </a:ext>
+            </a:extLst>
+          </p:cNvPr>
+          <p:cNvSpPr txBox="1"/>
+          <p:nvPr/>
+        </p:nvSpPr>
+        <p:spPr>
+          <a:xfrm>
+            <a:off x="9194819" y="1802414"/>
+            <a:ext cx="2117558" cy="1277273"/>
+          </a:xfrm>
+          <a:prstGeom prst="rect">
+            <a:avLst/>
+          </a:prstGeom>
+          <a:noFill/>
+        </p:spPr>
+        <p:txBody>
+          <a:bodyPr wrap="square" rtlCol="0">
+            <a:spAutoFit/>
+          </a:bodyPr>
+          <a:lstStyle/>
+          <a:p>
+            <a:pPr lvl="0" algn="ctr"/>
+            <a:r>
+              <a:rPr lang="en-GB" dirty="0"/>
+              <a:t>Scrum Master</a:t>
+            </a:r>
+            <a:br>
+              <a:rPr lang="en-GB" dirty="0"/>
+            </a:br>
+            <a:r>
+              <a:rPr lang="en-GB" dirty="0"/>
+              <a:t>&amp;</a:t>
+            </a:r>
+            <a:br>
+              <a:rPr lang="en-GB" dirty="0"/>
+            </a:br>
+            <a:r>
+              <a:rPr lang="en-GB" dirty="0"/>
+              <a:t>System Designer:</a:t>
+            </a:r>
+          </a:p>
+          <a:p>
+            <a:pPr lvl="0" algn="ctr"/>
+            <a:endParaRPr lang="en-GB" sz="800" i="1" dirty="0"/>
+          </a:p>
+          <a:p>
+            <a:pPr lvl="0" algn="ctr"/>
+            <a:r>
+              <a:rPr lang="en-GB" sz="1500" i="1" dirty="0"/>
+              <a:t>Andrew Taison</a:t>
+            </a:r>
+          </a:p>
+        </p:txBody>
+      </p:sp>
+      <p:sp>
+        <p:nvSpPr>
+          <p:cNvPr id="12" name="TextBox 11">
+            <a:extLst>
+              <a:ext uri="{FF2B5EF4-FFF2-40B4-BE49-F238E27FC236}">
+                <a16:creationId xmlns:a16="http://schemas.microsoft.com/office/drawing/2014/main" id="{4EE16AA8-2F7D-8869-B9A8-F9B20232ABD9}"/>
+              </a:ext>
+            </a:extLst>
+          </p:cNvPr>
+          <p:cNvSpPr txBox="1"/>
+          <p:nvPr/>
+        </p:nvSpPr>
+        <p:spPr>
+          <a:xfrm>
+            <a:off x="2892171" y="1764858"/>
+            <a:ext cx="2117558" cy="1277273"/>
+          </a:xfrm>
+          <a:prstGeom prst="rect">
+            <a:avLst/>
+          </a:prstGeom>
+          <a:noFill/>
+        </p:spPr>
+        <p:txBody>
+          <a:bodyPr wrap="square" rtlCol="0">
+            <a:spAutoFit/>
+          </a:bodyPr>
+          <a:lstStyle/>
+          <a:p>
+            <a:pPr lvl="0" algn="ctr"/>
+            <a:r>
+              <a:rPr lang="en-GB" dirty="0"/>
+              <a:t>Project </a:t>
+            </a:r>
+            <a:br>
+              <a:rPr lang="en-GB" dirty="0"/>
+            </a:br>
+            <a:r>
+              <a:rPr lang="en-GB" dirty="0"/>
+              <a:t>Manager:</a:t>
+            </a:r>
+            <a:br>
+              <a:rPr lang="en-GB" dirty="0"/>
+            </a:br>
+            <a:endParaRPr lang="en-GB" dirty="0"/>
+          </a:p>
+          <a:p>
+            <a:pPr lvl="0" algn="ctr"/>
+            <a:endParaRPr lang="en-GB" sz="800" i="1" dirty="0"/>
+          </a:p>
+          <a:p>
+            <a:pPr lvl="0" algn="ctr"/>
+            <a:r>
+              <a:rPr lang="en-GB" sz="1500" i="1" dirty="0"/>
+              <a:t>Jordan Dickson </a:t>
+            </a:r>
+          </a:p>
+        </p:txBody>
+      </p:sp>
+      <p:sp>
+        <p:nvSpPr>
+          <p:cNvPr id="13" name="Title 4">
+            <a:extLst>
+              <a:ext uri="{FF2B5EF4-FFF2-40B4-BE49-F238E27FC236}">
+                <a16:creationId xmlns:a16="http://schemas.microsoft.com/office/drawing/2014/main" id="{873F13E4-695E-ABD2-09A5-A9628F7DFA9F}"/>
+              </a:ext>
+            </a:extLst>
+          </p:cNvPr>
+          <p:cNvSpPr txBox="1">
+            <a:spLocks/>
+          </p:cNvSpPr>
+          <p:nvPr/>
+        </p:nvSpPr>
+        <p:spPr>
+          <a:xfrm>
+            <a:off x="4291585" y="5731252"/>
+            <a:ext cx="3529263" cy="1293028"/>
+          </a:xfrm>
+          <a:prstGeom prst="rect">
+            <a:avLst/>
+          </a:prstGeom>
+        </p:spPr>
+        <p:txBody>
+          <a:bodyPr vert="horz" lIns="91440" tIns="45720" rIns="91440" bIns="45720" rtlCol="0" anchor="ctr">
+            <a:normAutofit/>
+          </a:bodyPr>
+          <a:lstStyle>
+            <a:lvl1pPr algn="r" defTabSz="914400" rtl="0" eaLnBrk="1" latinLnBrk="0" hangingPunct="1">
+              <a:lnSpc>
+                <a:spcPct val="90000"/>
+              </a:lnSpc>
+              <a:spcBef>
+                <a:spcPct val="0"/>
+              </a:spcBef>
+              <a:buNone/>
+              <a:defRPr sz="4000" kern="1200" cap="all" baseline="0">
+                <a:solidFill>
+                  <a:schemeClr val="tx1"/>
+                </a:solidFill>
+                <a:latin typeface="+mj-lt"/>
+                <a:ea typeface="+mj-ea"/>
+                <a:cs typeface="+mj-cs"/>
+              </a:defRPr>
+            </a:lvl1pPr>
+          </a:lstStyle>
+          <a:p>
+            <a:pPr algn="ctr"/>
+            <a:r>
+              <a:rPr lang="en-GB" sz="2500" dirty="0">
+                <a:latin typeface="Georgia" panose="02040502050405020303" pitchFamily="18" charset="0"/>
+              </a:rPr>
+              <a:t>Responsibilities</a:t>
+            </a:r>
+          </a:p>
+        </p:txBody>
+      </p:sp>
+      <p:sp>
+        <p:nvSpPr>
+          <p:cNvPr id="2" name="TextBox 1">
+            <a:extLst>
+              <a:ext uri="{FF2B5EF4-FFF2-40B4-BE49-F238E27FC236}">
+                <a16:creationId xmlns:a16="http://schemas.microsoft.com/office/drawing/2014/main" id="{626771B4-F1C8-3B2B-706B-2D4CC3790D9F}"/>
+              </a:ext>
+            </a:extLst>
+          </p:cNvPr>
+          <p:cNvSpPr txBox="1"/>
+          <p:nvPr/>
+        </p:nvSpPr>
+        <p:spPr>
+          <a:xfrm>
+            <a:off x="9293275" y="4248000"/>
+            <a:ext cx="2215159" cy="2123658"/>
+          </a:xfrm>
+          <a:prstGeom prst="rect">
+            <a:avLst/>
+          </a:prstGeom>
+          <a:noFill/>
+        </p:spPr>
+        <p:txBody>
+          <a:bodyPr wrap="square" rtlCol="0">
+            <a:spAutoFit/>
+          </a:bodyPr>
+          <a:lstStyle/>
+          <a:p>
+            <a:pPr marL="285750" indent="-285750">
+              <a:buFont typeface="Arial" panose="020B0604020202020204" pitchFamily="34" charset="0"/>
+              <a:buChar char="•"/>
+            </a:pPr>
+            <a:r>
+              <a:rPr lang="en-GB" sz="1200" dirty="0"/>
+              <a:t>Led team meetings and tracked weekly progress.</a:t>
+            </a:r>
+          </a:p>
+          <a:p>
+            <a:pPr marL="285750" indent="-285750">
+              <a:buFont typeface="Arial" panose="020B0604020202020204" pitchFamily="34" charset="0"/>
+              <a:buChar char="•"/>
+            </a:pPr>
+            <a:r>
+              <a:rPr lang="en-GB" sz="1200" dirty="0"/>
+              <a:t>Designed the initial system structure.</a:t>
+            </a:r>
+          </a:p>
+          <a:p>
+            <a:pPr marL="285750" indent="-285750">
+              <a:buFont typeface="Arial" panose="020B0604020202020204" pitchFamily="34" charset="0"/>
+              <a:buChar char="•"/>
+            </a:pPr>
+            <a:r>
+              <a:rPr lang="en-GB" sz="1200" dirty="0"/>
+              <a:t>Sourced and pre-processed the </a:t>
+            </a:r>
+            <a:r>
+              <a:rPr lang="en-GB" sz="1200" dirty="0" err="1"/>
+              <a:t>Qulac</a:t>
+            </a:r>
+            <a:r>
+              <a:rPr lang="en-GB" sz="1200" dirty="0"/>
+              <a:t> dataset.</a:t>
+            </a:r>
+          </a:p>
+          <a:p>
+            <a:pPr marL="285750" indent="-285750">
+              <a:buFont typeface="Arial" panose="020B0604020202020204" pitchFamily="34" charset="0"/>
+              <a:buChar char="•"/>
+            </a:pPr>
+            <a:r>
+              <a:rPr lang="en-GB" sz="1200" dirty="0"/>
+              <a:t>Created templates for the report and presentation.</a:t>
+            </a:r>
+          </a:p>
+        </p:txBody>
+      </p:sp>
+      <p:sp>
+        <p:nvSpPr>
+          <p:cNvPr id="3" name="TextBox 2">
+            <a:extLst>
+              <a:ext uri="{FF2B5EF4-FFF2-40B4-BE49-F238E27FC236}">
+                <a16:creationId xmlns:a16="http://schemas.microsoft.com/office/drawing/2014/main" id="{1A56D24B-2D9E-758B-010F-94D6A9458AB3}"/>
+              </a:ext>
+            </a:extLst>
+          </p:cNvPr>
+          <p:cNvSpPr txBox="1"/>
+          <p:nvPr/>
+        </p:nvSpPr>
+        <p:spPr>
+          <a:xfrm>
+            <a:off x="2820014" y="4248403"/>
+            <a:ext cx="2215159" cy="1384995"/>
+          </a:xfrm>
+          <a:prstGeom prst="rect">
+            <a:avLst/>
+          </a:prstGeom>
+          <a:noFill/>
+        </p:spPr>
+        <p:txBody>
+          <a:bodyPr wrap="square" rtlCol="0">
+            <a:spAutoFit/>
+          </a:bodyPr>
+          <a:lstStyle/>
+          <a:p>
+            <a:pPr marL="285750" indent="-285750">
+              <a:buFont typeface="Arial" panose="020B0604020202020204" pitchFamily="34" charset="0"/>
+              <a:buChar char="•"/>
+            </a:pPr>
+            <a:r>
+              <a:rPr lang="en-GB" sz="1200" dirty="0"/>
+              <a:t>Managed project tools including Kanban board and GitHub.</a:t>
+            </a:r>
+          </a:p>
+          <a:p>
+            <a:pPr marL="285750" indent="-285750">
+              <a:buFont typeface="Arial" panose="020B0604020202020204" pitchFamily="34" charset="0"/>
+              <a:buChar char="•"/>
+            </a:pPr>
+            <a:r>
+              <a:rPr lang="en-GB" sz="1200" dirty="0"/>
+              <a:t>Organised team meetings.</a:t>
+            </a:r>
+          </a:p>
+          <a:p>
+            <a:pPr marL="285750" indent="-285750">
+              <a:buFont typeface="Arial" panose="020B0604020202020204" pitchFamily="34" charset="0"/>
+              <a:buChar char="•"/>
+            </a:pPr>
+            <a:r>
+              <a:rPr lang="en-GB" sz="1200" dirty="0"/>
+              <a:t>Sourced Wikipedia summaries for retrieval.</a:t>
+            </a:r>
+          </a:p>
+        </p:txBody>
+      </p:sp>
+      <p:sp>
+        <p:nvSpPr>
+          <p:cNvPr id="4" name="TextBox 3">
+            <a:extLst>
+              <a:ext uri="{FF2B5EF4-FFF2-40B4-BE49-F238E27FC236}">
+                <a16:creationId xmlns:a16="http://schemas.microsoft.com/office/drawing/2014/main" id="{3A083E88-F80A-02C2-C1F0-7E01883045AD}"/>
+              </a:ext>
+            </a:extLst>
+          </p:cNvPr>
+          <p:cNvSpPr txBox="1"/>
+          <p:nvPr/>
+        </p:nvSpPr>
+        <p:spPr>
+          <a:xfrm>
+            <a:off x="813130" y="4248562"/>
+            <a:ext cx="2215159" cy="1200329"/>
+          </a:xfrm>
+          <a:prstGeom prst="rect">
+            <a:avLst/>
+          </a:prstGeom>
+          <a:noFill/>
+        </p:spPr>
+        <p:txBody>
+          <a:bodyPr wrap="square" rtlCol="0">
+            <a:spAutoFit/>
+          </a:bodyPr>
+          <a:lstStyle/>
+          <a:p>
+            <a:pPr marL="171450" indent="-171450">
+              <a:buFont typeface="Arial" panose="020B0604020202020204" pitchFamily="34" charset="0"/>
+              <a:buChar char="•"/>
+            </a:pPr>
+            <a:r>
+              <a:rPr lang="en-GB" sz="1200" dirty="0"/>
+              <a:t>Set up the SBERT model for sentence similarity.</a:t>
+            </a:r>
+          </a:p>
+          <a:p>
+            <a:pPr marL="171450" indent="-171450">
+              <a:buFont typeface="Arial" panose="020B0604020202020204" pitchFamily="34" charset="0"/>
+              <a:buChar char="•"/>
+            </a:pPr>
+            <a:r>
+              <a:rPr lang="en-GB" sz="1200" dirty="0"/>
+              <a:t>Supported tuning and evaluation of the question ranking module.</a:t>
+            </a:r>
+          </a:p>
+        </p:txBody>
+      </p:sp>
+      <p:sp>
+        <p:nvSpPr>
+          <p:cNvPr id="11" name="TextBox 10">
+            <a:extLst>
+              <a:ext uri="{FF2B5EF4-FFF2-40B4-BE49-F238E27FC236}">
+                <a16:creationId xmlns:a16="http://schemas.microsoft.com/office/drawing/2014/main" id="{2B8EF116-1341-7991-7254-85EB571252E9}"/>
+              </a:ext>
+            </a:extLst>
+          </p:cNvPr>
+          <p:cNvSpPr txBox="1"/>
+          <p:nvPr/>
+        </p:nvSpPr>
+        <p:spPr>
+          <a:xfrm>
+            <a:off x="4948638" y="4248562"/>
+            <a:ext cx="2215159" cy="1569660"/>
+          </a:xfrm>
+          <a:prstGeom prst="rect">
+            <a:avLst/>
+          </a:prstGeom>
+          <a:noFill/>
+        </p:spPr>
+        <p:txBody>
+          <a:bodyPr wrap="square" rtlCol="0">
+            <a:spAutoFit/>
+          </a:bodyPr>
+          <a:lstStyle/>
+          <a:p>
+            <a:pPr marL="171450" lvl="0" indent="-171450">
+              <a:buFont typeface="Arial" panose="020B0604020202020204" pitchFamily="34" charset="0"/>
+              <a:buChar char="•"/>
+            </a:pPr>
+            <a:r>
+              <a:rPr lang="en-GB" sz="1200" dirty="0"/>
+              <a:t>Led implementation and integration of system modules.</a:t>
+            </a:r>
+          </a:p>
+          <a:p>
+            <a:pPr marL="171450" lvl="0" indent="-171450">
+              <a:buFont typeface="Arial" panose="020B0604020202020204" pitchFamily="34" charset="0"/>
+              <a:buChar char="•"/>
+            </a:pPr>
+            <a:r>
+              <a:rPr lang="en-GB" sz="1200" dirty="0"/>
+              <a:t>Set up Rasa and handled communication between components.</a:t>
+            </a:r>
+          </a:p>
+          <a:p>
+            <a:pPr marL="171450" lvl="0" indent="-171450">
+              <a:buFont typeface="Arial" panose="020B0604020202020204" pitchFamily="34" charset="0"/>
+              <a:buChar char="•"/>
+            </a:pPr>
+            <a:r>
+              <a:rPr lang="en-GB" sz="1200" dirty="0"/>
+              <a:t>Produced the system demonstration video.</a:t>
+            </a:r>
+            <a:endParaRPr lang="en-US" sz="1200" dirty="0"/>
+          </a:p>
+        </p:txBody>
+      </p:sp>
+      <p:sp>
+        <p:nvSpPr>
+          <p:cNvPr id="14" name="TextBox 13">
+            <a:extLst>
+              <a:ext uri="{FF2B5EF4-FFF2-40B4-BE49-F238E27FC236}">
+                <a16:creationId xmlns:a16="http://schemas.microsoft.com/office/drawing/2014/main" id="{DC93690C-0F65-387B-85AE-BC59A030F0F3}"/>
+              </a:ext>
+            </a:extLst>
+          </p:cNvPr>
+          <p:cNvSpPr txBox="1"/>
+          <p:nvPr/>
+        </p:nvSpPr>
+        <p:spPr>
+          <a:xfrm>
+            <a:off x="7156827" y="4248000"/>
+            <a:ext cx="2215159" cy="1200329"/>
+          </a:xfrm>
+          <a:prstGeom prst="rect">
+            <a:avLst/>
+          </a:prstGeom>
+          <a:noFill/>
+        </p:spPr>
+        <p:txBody>
+          <a:bodyPr wrap="square" rtlCol="0">
+            <a:spAutoFit/>
+          </a:bodyPr>
+          <a:lstStyle/>
+          <a:p>
+            <a:pPr marL="171450" indent="-171450">
+              <a:buFont typeface="Arial" panose="020B0604020202020204" pitchFamily="34" charset="0"/>
+              <a:buChar char="•"/>
+            </a:pPr>
+            <a:r>
+              <a:rPr lang="en-GB" sz="1200" dirty="0"/>
+              <a:t>Developed and tested the BM25 retrieval module.</a:t>
+            </a:r>
+          </a:p>
+          <a:p>
+            <a:pPr marL="171450" indent="-171450">
+              <a:buFont typeface="Arial" panose="020B0604020202020204" pitchFamily="34" charset="0"/>
+              <a:buChar char="•"/>
+            </a:pPr>
+            <a:r>
+              <a:rPr lang="en-GB" sz="1200" dirty="0"/>
+              <a:t>Supported module integration and retrieval tuning.</a:t>
             </a:r>
           </a:p>
         </p:txBody>
@@ -8072,7 +11789,7 @@
     </p:spTree>
     <p:extLst>
       <p:ext uri="{BB962C8B-B14F-4D97-AF65-F5344CB8AC3E}">
-        <p14:creationId xmlns:p14="http://schemas.microsoft.com/office/powerpoint/2010/main" val="342843236"/>
+        <p14:creationId xmlns:p14="http://schemas.microsoft.com/office/powerpoint/2010/main" val="2768695278"/>
       </p:ext>
     </p:extLst>
   </p:cSld>

--- a/set10120_cw2_presentation.pptx
+++ b/set10120_cw2_presentation.pptx
@@ -5,7 +5,7 @@
     <p:sldMasterId id="2147483804" r:id="rId1"/>
   </p:sldMasterIdLst>
   <p:notesMasterIdLst>
-    <p:notesMasterId r:id="rId11"/>
+    <p:notesMasterId r:id="rId14"/>
   </p:notesMasterIdLst>
   <p:sldIdLst>
     <p:sldId id="267" r:id="rId2"/>
@@ -13,10 +13,13 @@
     <p:sldId id="269" r:id="rId4"/>
     <p:sldId id="270" r:id="rId5"/>
     <p:sldId id="272" r:id="rId6"/>
-    <p:sldId id="271" r:id="rId7"/>
-    <p:sldId id="273" r:id="rId8"/>
-    <p:sldId id="274" r:id="rId9"/>
-    <p:sldId id="261" r:id="rId10"/>
+    <p:sldId id="275" r:id="rId7"/>
+    <p:sldId id="276" r:id="rId8"/>
+    <p:sldId id="277" r:id="rId9"/>
+    <p:sldId id="271" r:id="rId10"/>
+    <p:sldId id="273" r:id="rId11"/>
+    <p:sldId id="274" r:id="rId12"/>
+    <p:sldId id="261" r:id="rId13"/>
   </p:sldIdLst>
   <p:sldSz cx="12192000" cy="6858000"/>
   <p:notesSz cx="6858000" cy="9144000"/>
@@ -2868,6 +2871,9 @@
             <a:spcBef>
               <a:spcPct val="0"/>
             </a:spcBef>
+            <a:spcAft>
+              <a:spcPct val="35000"/>
+            </a:spcAft>
             <a:buNone/>
           </a:pPr>
           <a:endParaRPr lang="en-US" sz="2400" kern="1200" dirty="0"/>
@@ -4188,7 +4194,7 @@
           <a:p>
             <a:fld id="{F524CC67-45C1-49D0-8AEB-2EF995C1B354}" type="datetimeFigureOut">
               <a:rPr lang="en-GB" smtClean="0"/>
-              <a:t>02/05/2025</a:t>
+              <a:t>06/05/2025</a:t>
             </a:fld>
             <a:endParaRPr lang="en-GB"/>
           </a:p>
@@ -4461,6 +4467,90 @@
   <p:cSld>
     <p:spTree>
       <p:nvGrpSpPr>
+        <p:cNvPr id="1" name=""/>
+        <p:cNvGrpSpPr/>
+        <p:nvPr/>
+      </p:nvGrpSpPr>
+      <p:grpSpPr>
+        <a:xfrm>
+          <a:off x="0" y="0"/>
+          <a:ext cx="0" cy="0"/>
+          <a:chOff x="0" y="0"/>
+          <a:chExt cx="0" cy="0"/>
+        </a:xfrm>
+      </p:grpSpPr>
+      <p:sp>
+        <p:nvSpPr>
+          <p:cNvPr id="2" name="Slide Image Placeholder 1"/>
+          <p:cNvSpPr>
+            <a:spLocks noGrp="1" noRot="1" noChangeAspect="1"/>
+          </p:cNvSpPr>
+          <p:nvPr>
+            <p:ph type="sldImg"/>
+          </p:nvPr>
+        </p:nvSpPr>
+        <p:spPr/>
+      </p:sp>
+      <p:sp>
+        <p:nvSpPr>
+          <p:cNvPr id="3" name="Notes Placeholder 2"/>
+          <p:cNvSpPr>
+            <a:spLocks noGrp="1"/>
+          </p:cNvSpPr>
+          <p:nvPr>
+            <p:ph type="body" idx="1"/>
+          </p:nvPr>
+        </p:nvSpPr>
+        <p:spPr/>
+        <p:txBody>
+          <a:bodyPr/>
+          <a:lstStyle/>
+          <a:p>
+            <a:endParaRPr lang="en-GB" dirty="0"/>
+          </a:p>
+        </p:txBody>
+      </p:sp>
+      <p:sp>
+        <p:nvSpPr>
+          <p:cNvPr id="4" name="Slide Number Placeholder 3"/>
+          <p:cNvSpPr>
+            <a:spLocks noGrp="1"/>
+          </p:cNvSpPr>
+          <p:nvPr>
+            <p:ph type="sldNum" sz="quarter" idx="5"/>
+          </p:nvPr>
+        </p:nvSpPr>
+        <p:spPr/>
+        <p:txBody>
+          <a:bodyPr/>
+          <a:lstStyle/>
+          <a:p>
+            <a:fld id="{11EE68FA-4CE9-4E49-9680-76DC0DFBA015}" type="slidenum">
+              <a:rPr lang="en-GB" smtClean="0"/>
+              <a:t>10</a:t>
+            </a:fld>
+            <a:endParaRPr lang="en-GB"/>
+          </a:p>
+        </p:txBody>
+      </p:sp>
+    </p:spTree>
+    <p:extLst>
+      <p:ext uri="{BB962C8B-B14F-4D97-AF65-F5344CB8AC3E}">
+        <p14:creationId xmlns:p14="http://schemas.microsoft.com/office/powerpoint/2010/main" val="4083746631"/>
+      </p:ext>
+    </p:extLst>
+  </p:cSld>
+  <p:clrMapOvr>
+    <a:masterClrMapping/>
+  </p:clrMapOvr>
+</p:notes>
+</file>
+
+<file path=ppt/notesSlides/notesSlide2.xml><?xml version="1.0" encoding="utf-8"?>
+<p:notes xmlns:a="http://schemas.openxmlformats.org/drawingml/2006/main" xmlns:r="http://schemas.openxmlformats.org/officeDocument/2006/relationships" xmlns:p="http://schemas.openxmlformats.org/presentationml/2006/main">
+  <p:cSld>
+    <p:spTree>
+      <p:nvGrpSpPr>
         <p:cNvPr id="1" name="">
           <a:extLst>
             <a:ext uri="{FF2B5EF4-FFF2-40B4-BE49-F238E27FC236}">
@@ -4545,7 +4635,7 @@
           <a:p>
             <a:fld id="{11EE68FA-4CE9-4E49-9680-76DC0DFBA015}" type="slidenum">
               <a:rPr lang="en-GB" smtClean="0"/>
-              <a:t>9</a:t>
+              <a:t>12</a:t>
             </a:fld>
             <a:endParaRPr lang="en-GB"/>
           </a:p>
@@ -4734,7 +4824,7 @@
           <a:p>
             <a:fld id="{E796DD2E-7FCA-4C1F-A0C3-02DE4E493BB2}" type="datetimeFigureOut">
               <a:rPr lang="en-GB" smtClean="0"/>
-              <a:t>02/05/2025</a:t>
+              <a:t>06/05/2025</a:t>
             </a:fld>
             <a:endParaRPr lang="en-GB" dirty="0"/>
           </a:p>
@@ -5000,7 +5090,7 @@
           <a:p>
             <a:fld id="{E796DD2E-7FCA-4C1F-A0C3-02DE4E493BB2}" type="datetimeFigureOut">
               <a:rPr lang="en-GB" smtClean="0"/>
-              <a:t>02/05/2025</a:t>
+              <a:t>06/05/2025</a:t>
             </a:fld>
             <a:endParaRPr lang="en-GB" dirty="0"/>
           </a:p>
@@ -5256,7 +5346,7 @@
           <a:p>
             <a:fld id="{E796DD2E-7FCA-4C1F-A0C3-02DE4E493BB2}" type="datetimeFigureOut">
               <a:rPr lang="en-GB" smtClean="0"/>
-              <a:t>02/05/2025</a:t>
+              <a:t>06/05/2025</a:t>
             </a:fld>
             <a:endParaRPr lang="en-GB" dirty="0"/>
           </a:p>
@@ -5487,7 +5577,7 @@
           <a:p>
             <a:fld id="{E796DD2E-7FCA-4C1F-A0C3-02DE4E493BB2}" type="datetimeFigureOut">
               <a:rPr lang="en-GB" smtClean="0"/>
-              <a:t>02/05/2025</a:t>
+              <a:t>06/05/2025</a:t>
             </a:fld>
             <a:endParaRPr lang="en-GB" dirty="0"/>
           </a:p>
@@ -5797,7 +5887,7 @@
           <a:p>
             <a:fld id="{E796DD2E-7FCA-4C1F-A0C3-02DE4E493BB2}" type="datetimeFigureOut">
               <a:rPr lang="en-GB" smtClean="0"/>
-              <a:t>02/05/2025</a:t>
+              <a:t>06/05/2025</a:t>
             </a:fld>
             <a:endParaRPr lang="en-GB" dirty="0"/>
           </a:p>
@@ -6270,7 +6360,7 @@
           <a:p>
             <a:fld id="{E796DD2E-7FCA-4C1F-A0C3-02DE4E493BB2}" type="datetimeFigureOut">
               <a:rPr lang="en-GB" smtClean="0"/>
-              <a:t>02/05/2025</a:t>
+              <a:t>06/05/2025</a:t>
             </a:fld>
             <a:endParaRPr lang="en-GB" dirty="0"/>
           </a:p>
@@ -6817,7 +6907,7 @@
           <a:p>
             <a:fld id="{E796DD2E-7FCA-4C1F-A0C3-02DE4E493BB2}" type="datetimeFigureOut">
               <a:rPr lang="en-GB" smtClean="0"/>
-              <a:t>02/05/2025</a:t>
+              <a:t>06/05/2025</a:t>
             </a:fld>
             <a:endParaRPr lang="en-GB" dirty="0"/>
           </a:p>
@@ -7588,7 +7678,7 @@
           <a:p>
             <a:fld id="{E796DD2E-7FCA-4C1F-A0C3-02DE4E493BB2}" type="datetimeFigureOut">
               <a:rPr lang="en-GB" smtClean="0"/>
-              <a:t>02/05/2025</a:t>
+              <a:t>06/05/2025</a:t>
             </a:fld>
             <a:endParaRPr lang="en-GB" dirty="0"/>
           </a:p>
@@ -7763,7 +7853,7 @@
           <a:p>
             <a:fld id="{E796DD2E-7FCA-4C1F-A0C3-02DE4E493BB2}" type="datetimeFigureOut">
               <a:rPr lang="en-GB" smtClean="0"/>
-              <a:t>02/05/2025</a:t>
+              <a:t>06/05/2025</a:t>
             </a:fld>
             <a:endParaRPr lang="en-GB" dirty="0"/>
           </a:p>
@@ -7986,7 +8076,7 @@
           <a:p>
             <a:fld id="{E796DD2E-7FCA-4C1F-A0C3-02DE4E493BB2}" type="datetimeFigureOut">
               <a:rPr lang="en-GB" smtClean="0"/>
-              <a:t>02/05/2025</a:t>
+              <a:t>06/05/2025</a:t>
             </a:fld>
             <a:endParaRPr lang="en-GB" dirty="0"/>
           </a:p>
@@ -8166,7 +8256,7 @@
           <a:p>
             <a:fld id="{E796DD2E-7FCA-4C1F-A0C3-02DE4E493BB2}" type="datetimeFigureOut">
               <a:rPr lang="en-GB" smtClean="0"/>
-              <a:t>02/05/2025</a:t>
+              <a:t>06/05/2025</a:t>
             </a:fld>
             <a:endParaRPr lang="en-GB" dirty="0"/>
           </a:p>
@@ -8296,7 +8386,7 @@
           <a:p>
             <a:fld id="{E796DD2E-7FCA-4C1F-A0C3-02DE4E493BB2}" type="datetimeFigureOut">
               <a:rPr lang="en-GB" smtClean="0"/>
-              <a:t>02/05/2025</a:t>
+              <a:t>06/05/2025</a:t>
             </a:fld>
             <a:endParaRPr lang="en-GB" dirty="0"/>
           </a:p>
@@ -8597,7 +8687,7 @@
           <a:p>
             <a:fld id="{E796DD2E-7FCA-4C1F-A0C3-02DE4E493BB2}" type="datetimeFigureOut">
               <a:rPr lang="en-GB" smtClean="0"/>
-              <a:t>02/05/2025</a:t>
+              <a:t>06/05/2025</a:t>
             </a:fld>
             <a:endParaRPr lang="en-GB" dirty="0"/>
           </a:p>
@@ -8839,7 +8929,7 @@
           <a:p>
             <a:fld id="{E796DD2E-7FCA-4C1F-A0C3-02DE4E493BB2}" type="datetimeFigureOut">
               <a:rPr lang="en-GB" smtClean="0"/>
-              <a:t>02/05/2025</a:t>
+              <a:t>06/05/2025</a:t>
             </a:fld>
             <a:endParaRPr lang="en-GB" dirty="0"/>
           </a:p>
@@ -9218,7 +9308,7 @@
           <a:p>
             <a:fld id="{E796DD2E-7FCA-4C1F-A0C3-02DE4E493BB2}" type="datetimeFigureOut">
               <a:rPr lang="en-GB" smtClean="0"/>
-              <a:t>02/05/2025</a:t>
+              <a:t>06/05/2025</a:t>
             </a:fld>
             <a:endParaRPr lang="en-GB" dirty="0"/>
           </a:p>
@@ -9336,7 +9426,7 @@
           <a:p>
             <a:fld id="{E796DD2E-7FCA-4C1F-A0C3-02DE4E493BB2}" type="datetimeFigureOut">
               <a:rPr lang="en-GB" smtClean="0"/>
-              <a:t>02/05/2025</a:t>
+              <a:t>06/05/2025</a:t>
             </a:fld>
             <a:endParaRPr lang="en-GB" dirty="0"/>
           </a:p>
@@ -9431,7 +9521,7 @@
           <a:p>
             <a:fld id="{E796DD2E-7FCA-4C1F-A0C3-02DE4E493BB2}" type="datetimeFigureOut">
               <a:rPr lang="en-GB" smtClean="0"/>
-              <a:t>02/05/2025</a:t>
+              <a:t>06/05/2025</a:t>
             </a:fld>
             <a:endParaRPr lang="en-GB" dirty="0"/>
           </a:p>
@@ -9680,7 +9770,7 @@
           <a:p>
             <a:fld id="{E796DD2E-7FCA-4C1F-A0C3-02DE4E493BB2}" type="datetimeFigureOut">
               <a:rPr lang="en-GB" smtClean="0"/>
-              <a:t>02/05/2025</a:t>
+              <a:t>06/05/2025</a:t>
             </a:fld>
             <a:endParaRPr lang="en-GB" dirty="0"/>
           </a:p>
@@ -9922,7 +10012,7 @@
           <a:p>
             <a:fld id="{E796DD2E-7FCA-4C1F-A0C3-02DE4E493BB2}" type="datetimeFigureOut">
               <a:rPr lang="en-GB" smtClean="0"/>
-              <a:t>02/05/2025</a:t>
+              <a:t>06/05/2025</a:t>
             </a:fld>
             <a:endParaRPr lang="en-GB" dirty="0"/>
           </a:p>
@@ -10490,6 +10580,900 @@
 </p:sld>
 </file>
 
+<file path=ppt/slides/slide10.xml><?xml version="1.0" encoding="utf-8"?>
+<p:sld xmlns:a="http://schemas.openxmlformats.org/drawingml/2006/main" xmlns:r="http://schemas.openxmlformats.org/officeDocument/2006/relationships" xmlns:p="http://schemas.openxmlformats.org/presentationml/2006/main">
+  <p:cSld>
+    <p:spTree>
+      <p:nvGrpSpPr>
+        <p:cNvPr id="1" name=""/>
+        <p:cNvGrpSpPr/>
+        <p:nvPr/>
+      </p:nvGrpSpPr>
+      <p:grpSpPr>
+        <a:xfrm>
+          <a:off x="0" y="0"/>
+          <a:ext cx="0" cy="0"/>
+          <a:chOff x="0" y="0"/>
+          <a:chExt cx="0" cy="0"/>
+        </a:xfrm>
+      </p:grpSpPr>
+      <p:sp>
+        <p:nvSpPr>
+          <p:cNvPr id="2" name="Title 1">
+            <a:extLst>
+              <a:ext uri="{FF2B5EF4-FFF2-40B4-BE49-F238E27FC236}">
+                <a16:creationId xmlns:a16="http://schemas.microsoft.com/office/drawing/2014/main" id="{D7DFAB6D-D566-71A2-1B56-13C5F1DAB48F}"/>
+              </a:ext>
+            </a:extLst>
+          </p:cNvPr>
+          <p:cNvSpPr>
+            <a:spLocks noGrp="1"/>
+          </p:cNvSpPr>
+          <p:nvPr>
+            <p:ph type="title"/>
+          </p:nvPr>
+        </p:nvSpPr>
+        <p:spPr>
+          <a:xfrm>
+            <a:off x="1586345" y="293319"/>
+            <a:ext cx="8610600" cy="1293028"/>
+          </a:xfrm>
+        </p:spPr>
+        <p:txBody>
+          <a:bodyPr/>
+          <a:lstStyle/>
+          <a:p>
+            <a:pPr algn="ctr"/>
+            <a:r>
+              <a:rPr lang="en-GB" dirty="0"/>
+              <a:t>Demo </a:t>
+            </a:r>
+          </a:p>
+        </p:txBody>
+      </p:sp>
+      <p:sp>
+        <p:nvSpPr>
+          <p:cNvPr id="5" name="Content Placeholder 4">
+            <a:extLst>
+              <a:ext uri="{FF2B5EF4-FFF2-40B4-BE49-F238E27FC236}">
+                <a16:creationId xmlns:a16="http://schemas.microsoft.com/office/drawing/2014/main" id="{6CA17389-D991-A8DD-12F0-6A29D3FBA19E}"/>
+              </a:ext>
+            </a:extLst>
+          </p:cNvPr>
+          <p:cNvSpPr>
+            <a:spLocks noGrp="1"/>
+          </p:cNvSpPr>
+          <p:nvPr>
+            <p:ph idx="1"/>
+          </p:nvPr>
+        </p:nvSpPr>
+        <p:spPr/>
+        <p:txBody>
+          <a:bodyPr/>
+          <a:lstStyle/>
+          <a:p>
+            <a:endParaRPr lang="en-GB"/>
+          </a:p>
+        </p:txBody>
+      </p:sp>
+    </p:spTree>
+    <p:extLst>
+      <p:ext uri="{BB962C8B-B14F-4D97-AF65-F5344CB8AC3E}">
+        <p14:creationId xmlns:p14="http://schemas.microsoft.com/office/powerpoint/2010/main" val="1865987374"/>
+      </p:ext>
+    </p:extLst>
+  </p:cSld>
+  <p:clrMapOvr>
+    <a:masterClrMapping/>
+  </p:clrMapOvr>
+</p:sld>
+</file>
+
+<file path=ppt/slides/slide11.xml><?xml version="1.0" encoding="utf-8"?>
+<p:sld xmlns:a="http://schemas.openxmlformats.org/drawingml/2006/main" xmlns:r="http://schemas.openxmlformats.org/officeDocument/2006/relationships" xmlns:p="http://schemas.openxmlformats.org/presentationml/2006/main">
+  <p:cSld>
+    <p:spTree>
+      <p:nvGrpSpPr>
+        <p:cNvPr id="1" name=""/>
+        <p:cNvGrpSpPr/>
+        <p:nvPr/>
+      </p:nvGrpSpPr>
+      <p:grpSpPr>
+        <a:xfrm>
+          <a:off x="0" y="0"/>
+          <a:ext cx="0" cy="0"/>
+          <a:chOff x="0" y="0"/>
+          <a:chExt cx="0" cy="0"/>
+        </a:xfrm>
+      </p:grpSpPr>
+      <p:sp>
+        <p:nvSpPr>
+          <p:cNvPr id="2" name="Title 1">
+            <a:extLst>
+              <a:ext uri="{FF2B5EF4-FFF2-40B4-BE49-F238E27FC236}">
+                <a16:creationId xmlns:a16="http://schemas.microsoft.com/office/drawing/2014/main" id="{A2BDFED7-51FC-9DE3-9DC9-FE3818447CEB}"/>
+              </a:ext>
+            </a:extLst>
+          </p:cNvPr>
+          <p:cNvSpPr>
+            <a:spLocks noGrp="1"/>
+          </p:cNvSpPr>
+          <p:nvPr>
+            <p:ph type="title"/>
+          </p:nvPr>
+        </p:nvSpPr>
+        <p:spPr/>
+        <p:txBody>
+          <a:bodyPr/>
+          <a:lstStyle/>
+          <a:p>
+            <a:endParaRPr lang="en-GB"/>
+          </a:p>
+        </p:txBody>
+      </p:sp>
+      <p:sp>
+        <p:nvSpPr>
+          <p:cNvPr id="3" name="Content Placeholder 2">
+            <a:extLst>
+              <a:ext uri="{FF2B5EF4-FFF2-40B4-BE49-F238E27FC236}">
+                <a16:creationId xmlns:a16="http://schemas.microsoft.com/office/drawing/2014/main" id="{9830867C-88BC-733E-63FB-20150AE5BEB4}"/>
+              </a:ext>
+            </a:extLst>
+          </p:cNvPr>
+          <p:cNvSpPr>
+            <a:spLocks noGrp="1"/>
+          </p:cNvSpPr>
+          <p:nvPr>
+            <p:ph idx="1"/>
+          </p:nvPr>
+        </p:nvSpPr>
+        <p:spPr/>
+        <p:txBody>
+          <a:bodyPr/>
+          <a:lstStyle/>
+          <a:p>
+            <a:r>
+              <a:rPr lang="en-GB" dirty="0"/>
+              <a:t>How it could be improved /ideas for future work</a:t>
+            </a:r>
+          </a:p>
+        </p:txBody>
+      </p:sp>
+    </p:spTree>
+    <p:extLst>
+      <p:ext uri="{BB962C8B-B14F-4D97-AF65-F5344CB8AC3E}">
+        <p14:creationId xmlns:p14="http://schemas.microsoft.com/office/powerpoint/2010/main" val="832830536"/>
+      </p:ext>
+    </p:extLst>
+  </p:cSld>
+  <p:clrMapOvr>
+    <a:masterClrMapping/>
+  </p:clrMapOvr>
+</p:sld>
+</file>
+
+<file path=ppt/slides/slide12.xml><?xml version="1.0" encoding="utf-8"?>
+<p:sld xmlns:a="http://schemas.openxmlformats.org/drawingml/2006/main" xmlns:r="http://schemas.openxmlformats.org/officeDocument/2006/relationships" xmlns:p="http://schemas.openxmlformats.org/presentationml/2006/main">
+  <p:cSld>
+    <p:spTree>
+      <p:nvGrpSpPr>
+        <p:cNvPr id="1" name="">
+          <a:extLst>
+            <a:ext uri="{FF2B5EF4-FFF2-40B4-BE49-F238E27FC236}">
+              <a16:creationId xmlns:a16="http://schemas.microsoft.com/office/drawing/2014/main" id="{12C56952-01F2-D240-56C7-70D01E322CE7}"/>
+            </a:ext>
+          </a:extLst>
+        </p:cNvPr>
+        <p:cNvGrpSpPr/>
+        <p:nvPr/>
+      </p:nvGrpSpPr>
+      <p:grpSpPr>
+        <a:xfrm>
+          <a:off x="0" y="0"/>
+          <a:ext cx="0" cy="0"/>
+          <a:chOff x="0" y="0"/>
+          <a:chExt cx="0" cy="0"/>
+        </a:xfrm>
+      </p:grpSpPr>
+      <p:sp>
+        <p:nvSpPr>
+          <p:cNvPr id="5" name="Title 4">
+            <a:extLst>
+              <a:ext uri="{FF2B5EF4-FFF2-40B4-BE49-F238E27FC236}">
+                <a16:creationId xmlns:a16="http://schemas.microsoft.com/office/drawing/2014/main" id="{61028B3D-FE24-1AAA-B17B-4E5E4A5F44F1}"/>
+              </a:ext>
+            </a:extLst>
+          </p:cNvPr>
+          <p:cNvSpPr>
+            <a:spLocks noGrp="1"/>
+          </p:cNvSpPr>
+          <p:nvPr>
+            <p:ph type="title"/>
+          </p:nvPr>
+        </p:nvSpPr>
+        <p:spPr>
+          <a:xfrm>
+            <a:off x="4331368" y="271128"/>
+            <a:ext cx="3529263" cy="1293028"/>
+          </a:xfrm>
+        </p:spPr>
+        <p:txBody>
+          <a:bodyPr>
+            <a:normAutofit/>
+          </a:bodyPr>
+          <a:lstStyle/>
+          <a:p>
+            <a:r>
+              <a:rPr lang="en-GB" dirty="0">
+                <a:latin typeface="Georgia" panose="02040502050405020303" pitchFamily="18" charset="0"/>
+              </a:rPr>
+              <a:t>Team Roles</a:t>
+            </a:r>
+          </a:p>
+        </p:txBody>
+      </p:sp>
+      <p:graphicFrame>
+        <p:nvGraphicFramePr>
+          <p:cNvPr id="7" name="Content Placeholder 2">
+            <a:extLst>
+              <a:ext uri="{FF2B5EF4-FFF2-40B4-BE49-F238E27FC236}">
+                <a16:creationId xmlns:a16="http://schemas.microsoft.com/office/drawing/2014/main" id="{0C3F9713-237F-B21D-06C7-E66E55357667}"/>
+              </a:ext>
+            </a:extLst>
+          </p:cNvPr>
+          <p:cNvGraphicFramePr>
+            <a:graphicFrameLocks noGrp="1"/>
+          </p:cNvGraphicFramePr>
+          <p:nvPr>
+            <p:ph idx="1"/>
+            <p:extLst>
+              <p:ext uri="{D42A27DB-BD31-4B8C-83A1-F6EECF244321}">
+                <p14:modId xmlns:p14="http://schemas.microsoft.com/office/powerpoint/2010/main" val="3230556253"/>
+              </p:ext>
+            </p:extLst>
+          </p:nvPr>
+        </p:nvGraphicFramePr>
+        <p:xfrm>
+          <a:off x="685800" y="2441051"/>
+          <a:ext cx="10820400" cy="3530062"/>
+        </p:xfrm>
+        <a:graphic>
+          <a:graphicData uri="http://schemas.openxmlformats.org/drawingml/2006/diagram">
+            <dgm:relIds xmlns:dgm="http://schemas.openxmlformats.org/drawingml/2006/diagram" xmlns:r="http://schemas.openxmlformats.org/officeDocument/2006/relationships" r:dm="rId3" r:lo="rId4" r:qs="rId5" r:cs="rId6"/>
+          </a:graphicData>
+        </a:graphic>
+      </p:graphicFrame>
+      <p:sp>
+        <p:nvSpPr>
+          <p:cNvPr id="6" name="TextBox 5">
+            <a:extLst>
+              <a:ext uri="{FF2B5EF4-FFF2-40B4-BE49-F238E27FC236}">
+                <a16:creationId xmlns:a16="http://schemas.microsoft.com/office/drawing/2014/main" id="{916C0775-FDFD-E07C-C586-7F0B4A0119B4}"/>
+              </a:ext>
+            </a:extLst>
+          </p:cNvPr>
+          <p:cNvSpPr txBox="1"/>
+          <p:nvPr/>
+        </p:nvSpPr>
+        <p:spPr>
+          <a:xfrm>
+            <a:off x="4951317" y="1802413"/>
+            <a:ext cx="2209800" cy="1277273"/>
+          </a:xfrm>
+          <a:prstGeom prst="rect">
+            <a:avLst/>
+          </a:prstGeom>
+          <a:noFill/>
+        </p:spPr>
+        <p:txBody>
+          <a:bodyPr wrap="square" rtlCol="0">
+            <a:spAutoFit/>
+          </a:bodyPr>
+          <a:lstStyle/>
+          <a:p>
+            <a:pPr lvl="0" algn="ctr"/>
+            <a:r>
+              <a:rPr lang="en-GB" dirty="0"/>
+              <a:t>Lead Developer &amp;</a:t>
+            </a:r>
+            <a:br>
+              <a:rPr lang="en-GB" dirty="0"/>
+            </a:br>
+            <a:r>
+              <a:rPr lang="en-GB" dirty="0"/>
+              <a:t>System Integrator:</a:t>
+            </a:r>
+          </a:p>
+          <a:p>
+            <a:pPr lvl="0" algn="ctr"/>
+            <a:endParaRPr lang="en-GB" sz="800" i="1" dirty="0"/>
+          </a:p>
+          <a:p>
+            <a:pPr lvl="0" algn="ctr"/>
+            <a:r>
+              <a:rPr lang="en-GB" sz="1500" i="1" dirty="0"/>
+              <a:t>Jack Harrison </a:t>
+            </a:r>
+          </a:p>
+        </p:txBody>
+      </p:sp>
+      <p:sp>
+        <p:nvSpPr>
+          <p:cNvPr id="8" name="TextBox 7">
+            <a:extLst>
+              <a:ext uri="{FF2B5EF4-FFF2-40B4-BE49-F238E27FC236}">
+                <a16:creationId xmlns:a16="http://schemas.microsoft.com/office/drawing/2014/main" id="{B830713F-7607-F14C-D44C-8B93FD1ADCE3}"/>
+              </a:ext>
+            </a:extLst>
+          </p:cNvPr>
+          <p:cNvSpPr txBox="1"/>
+          <p:nvPr/>
+        </p:nvSpPr>
+        <p:spPr>
+          <a:xfrm>
+            <a:off x="7216100" y="1802414"/>
+            <a:ext cx="2117558" cy="1277273"/>
+          </a:xfrm>
+          <a:prstGeom prst="rect">
+            <a:avLst/>
+          </a:prstGeom>
+          <a:noFill/>
+        </p:spPr>
+        <p:txBody>
+          <a:bodyPr wrap="square" rtlCol="0">
+            <a:spAutoFit/>
+          </a:bodyPr>
+          <a:lstStyle/>
+          <a:p>
+            <a:pPr lvl="0" algn="ctr"/>
+            <a:r>
+              <a:rPr lang="en-GB" dirty="0"/>
+              <a:t>Information Retrieval Engineer:</a:t>
+            </a:r>
+          </a:p>
+          <a:p>
+            <a:pPr lvl="0" algn="ctr"/>
+            <a:endParaRPr lang="en-GB" sz="800" i="1" dirty="0"/>
+          </a:p>
+          <a:p>
+            <a:pPr lvl="0" algn="ctr"/>
+            <a:r>
+              <a:rPr lang="en-GB" sz="1500" i="1" dirty="0"/>
+              <a:t>Ruben Lazell </a:t>
+            </a:r>
+          </a:p>
+        </p:txBody>
+      </p:sp>
+      <p:sp>
+        <p:nvSpPr>
+          <p:cNvPr id="9" name="TextBox 8">
+            <a:extLst>
+              <a:ext uri="{FF2B5EF4-FFF2-40B4-BE49-F238E27FC236}">
+                <a16:creationId xmlns:a16="http://schemas.microsoft.com/office/drawing/2014/main" id="{C4AD3607-C2F7-458F-0EA7-90372B79B705}"/>
+              </a:ext>
+            </a:extLst>
+          </p:cNvPr>
+          <p:cNvSpPr txBox="1"/>
+          <p:nvPr/>
+        </p:nvSpPr>
+        <p:spPr>
+          <a:xfrm>
+            <a:off x="525702" y="1764858"/>
+            <a:ext cx="2592807" cy="1277273"/>
+          </a:xfrm>
+          <a:prstGeom prst="rect">
+            <a:avLst/>
+          </a:prstGeom>
+          <a:noFill/>
+        </p:spPr>
+        <p:txBody>
+          <a:bodyPr wrap="square" rtlCol="0">
+            <a:spAutoFit/>
+          </a:bodyPr>
+          <a:lstStyle/>
+          <a:p>
+            <a:pPr lvl="0" algn="ctr"/>
+            <a:r>
+              <a:rPr lang="en-GB" dirty="0"/>
+              <a:t>SBERT Clarifying Questions Retrieval Specialist:</a:t>
+            </a:r>
+          </a:p>
+          <a:p>
+            <a:pPr lvl="0" algn="ctr"/>
+            <a:endParaRPr lang="en-GB" sz="800" i="1" dirty="0"/>
+          </a:p>
+          <a:p>
+            <a:pPr lvl="0" algn="ctr"/>
+            <a:r>
+              <a:rPr lang="en-GB" sz="1500" i="1" dirty="0"/>
+              <a:t>Ansh Bisht </a:t>
+            </a:r>
+          </a:p>
+        </p:txBody>
+      </p:sp>
+      <p:sp>
+        <p:nvSpPr>
+          <p:cNvPr id="10" name="TextBox 9">
+            <a:extLst>
+              <a:ext uri="{FF2B5EF4-FFF2-40B4-BE49-F238E27FC236}">
+                <a16:creationId xmlns:a16="http://schemas.microsoft.com/office/drawing/2014/main" id="{DA733F52-4B98-0521-072C-BA51569C25BC}"/>
+              </a:ext>
+            </a:extLst>
+          </p:cNvPr>
+          <p:cNvSpPr txBox="1"/>
+          <p:nvPr/>
+        </p:nvSpPr>
+        <p:spPr>
+          <a:xfrm>
+            <a:off x="9194819" y="1802414"/>
+            <a:ext cx="2117558" cy="1277273"/>
+          </a:xfrm>
+          <a:prstGeom prst="rect">
+            <a:avLst/>
+          </a:prstGeom>
+          <a:noFill/>
+        </p:spPr>
+        <p:txBody>
+          <a:bodyPr wrap="square" rtlCol="0">
+            <a:spAutoFit/>
+          </a:bodyPr>
+          <a:lstStyle/>
+          <a:p>
+            <a:pPr lvl="0" algn="ctr"/>
+            <a:r>
+              <a:rPr lang="en-GB" dirty="0"/>
+              <a:t>Scrum Master</a:t>
+            </a:r>
+            <a:br>
+              <a:rPr lang="en-GB" dirty="0"/>
+            </a:br>
+            <a:r>
+              <a:rPr lang="en-GB" dirty="0"/>
+              <a:t>&amp;</a:t>
+            </a:r>
+            <a:br>
+              <a:rPr lang="en-GB" dirty="0"/>
+            </a:br>
+            <a:r>
+              <a:rPr lang="en-GB" dirty="0"/>
+              <a:t>System Designer:</a:t>
+            </a:r>
+          </a:p>
+          <a:p>
+            <a:pPr lvl="0" algn="ctr"/>
+            <a:endParaRPr lang="en-GB" sz="800" i="1" dirty="0"/>
+          </a:p>
+          <a:p>
+            <a:pPr lvl="0" algn="ctr"/>
+            <a:r>
+              <a:rPr lang="en-GB" sz="1500" i="1" dirty="0"/>
+              <a:t>Andrew Taison</a:t>
+            </a:r>
+          </a:p>
+        </p:txBody>
+      </p:sp>
+      <p:sp>
+        <p:nvSpPr>
+          <p:cNvPr id="12" name="TextBox 11">
+            <a:extLst>
+              <a:ext uri="{FF2B5EF4-FFF2-40B4-BE49-F238E27FC236}">
+                <a16:creationId xmlns:a16="http://schemas.microsoft.com/office/drawing/2014/main" id="{4EE16AA8-2F7D-8869-B9A8-F9B20232ABD9}"/>
+              </a:ext>
+            </a:extLst>
+          </p:cNvPr>
+          <p:cNvSpPr txBox="1"/>
+          <p:nvPr/>
+        </p:nvSpPr>
+        <p:spPr>
+          <a:xfrm>
+            <a:off x="2892171" y="1764858"/>
+            <a:ext cx="2117558" cy="1277273"/>
+          </a:xfrm>
+          <a:prstGeom prst="rect">
+            <a:avLst/>
+          </a:prstGeom>
+          <a:noFill/>
+        </p:spPr>
+        <p:txBody>
+          <a:bodyPr wrap="square" rtlCol="0">
+            <a:spAutoFit/>
+          </a:bodyPr>
+          <a:lstStyle/>
+          <a:p>
+            <a:pPr lvl="0" algn="ctr"/>
+            <a:r>
+              <a:rPr lang="en-GB" dirty="0"/>
+              <a:t>Project </a:t>
+            </a:r>
+            <a:br>
+              <a:rPr lang="en-GB" dirty="0"/>
+            </a:br>
+            <a:r>
+              <a:rPr lang="en-GB" dirty="0"/>
+              <a:t>Manager:</a:t>
+            </a:r>
+            <a:br>
+              <a:rPr lang="en-GB" dirty="0"/>
+            </a:br>
+            <a:endParaRPr lang="en-GB" dirty="0"/>
+          </a:p>
+          <a:p>
+            <a:pPr lvl="0" algn="ctr"/>
+            <a:endParaRPr lang="en-GB" sz="800" i="1" dirty="0"/>
+          </a:p>
+          <a:p>
+            <a:pPr lvl="0" algn="ctr"/>
+            <a:r>
+              <a:rPr lang="en-GB" sz="1500" i="1" dirty="0"/>
+              <a:t>Jordan Dickson </a:t>
+            </a:r>
+          </a:p>
+        </p:txBody>
+      </p:sp>
+      <p:sp>
+        <p:nvSpPr>
+          <p:cNvPr id="13" name="Title 4">
+            <a:extLst>
+              <a:ext uri="{FF2B5EF4-FFF2-40B4-BE49-F238E27FC236}">
+                <a16:creationId xmlns:a16="http://schemas.microsoft.com/office/drawing/2014/main" id="{873F13E4-695E-ABD2-09A5-A9628F7DFA9F}"/>
+              </a:ext>
+            </a:extLst>
+          </p:cNvPr>
+          <p:cNvSpPr txBox="1">
+            <a:spLocks/>
+          </p:cNvSpPr>
+          <p:nvPr/>
+        </p:nvSpPr>
+        <p:spPr>
+          <a:xfrm>
+            <a:off x="4291585" y="5731252"/>
+            <a:ext cx="3529263" cy="1293028"/>
+          </a:xfrm>
+          <a:prstGeom prst="rect">
+            <a:avLst/>
+          </a:prstGeom>
+        </p:spPr>
+        <p:txBody>
+          <a:bodyPr vert="horz" lIns="91440" tIns="45720" rIns="91440" bIns="45720" rtlCol="0" anchor="ctr">
+            <a:normAutofit/>
+          </a:bodyPr>
+          <a:lstStyle>
+            <a:lvl1pPr algn="r" defTabSz="914400" rtl="0" eaLnBrk="1" latinLnBrk="0" hangingPunct="1">
+              <a:lnSpc>
+                <a:spcPct val="90000"/>
+              </a:lnSpc>
+              <a:spcBef>
+                <a:spcPct val="0"/>
+              </a:spcBef>
+              <a:buNone/>
+              <a:defRPr sz="4000" kern="1200" cap="all" baseline="0">
+                <a:solidFill>
+                  <a:schemeClr val="tx1"/>
+                </a:solidFill>
+                <a:latin typeface="+mj-lt"/>
+                <a:ea typeface="+mj-ea"/>
+                <a:cs typeface="+mj-cs"/>
+              </a:defRPr>
+            </a:lvl1pPr>
+          </a:lstStyle>
+          <a:p>
+            <a:pPr algn="ctr"/>
+            <a:r>
+              <a:rPr lang="en-GB" sz="2500" dirty="0">
+                <a:latin typeface="Georgia" panose="02040502050405020303" pitchFamily="18" charset="0"/>
+              </a:rPr>
+              <a:t>Responsibilities</a:t>
+            </a:r>
+          </a:p>
+        </p:txBody>
+      </p:sp>
+      <p:sp>
+        <p:nvSpPr>
+          <p:cNvPr id="2" name="TextBox 1">
+            <a:extLst>
+              <a:ext uri="{FF2B5EF4-FFF2-40B4-BE49-F238E27FC236}">
+                <a16:creationId xmlns:a16="http://schemas.microsoft.com/office/drawing/2014/main" id="{626771B4-F1C8-3B2B-706B-2D4CC3790D9F}"/>
+              </a:ext>
+            </a:extLst>
+          </p:cNvPr>
+          <p:cNvSpPr txBox="1"/>
+          <p:nvPr/>
+        </p:nvSpPr>
+        <p:spPr>
+          <a:xfrm>
+            <a:off x="9293275" y="4248000"/>
+            <a:ext cx="2215159" cy="2123658"/>
+          </a:xfrm>
+          <a:prstGeom prst="rect">
+            <a:avLst/>
+          </a:prstGeom>
+          <a:noFill/>
+        </p:spPr>
+        <p:txBody>
+          <a:bodyPr wrap="square" rtlCol="0">
+            <a:spAutoFit/>
+          </a:bodyPr>
+          <a:lstStyle/>
+          <a:p>
+            <a:pPr marL="285750" indent="-285750">
+              <a:buFont typeface="Arial" panose="020B0604020202020204" pitchFamily="34" charset="0"/>
+              <a:buChar char="•"/>
+            </a:pPr>
+            <a:r>
+              <a:rPr lang="en-GB" sz="1200" dirty="0"/>
+              <a:t>Led team meetings and tracked weekly progress.</a:t>
+            </a:r>
+          </a:p>
+          <a:p>
+            <a:pPr marL="285750" indent="-285750">
+              <a:buFont typeface="Arial" panose="020B0604020202020204" pitchFamily="34" charset="0"/>
+              <a:buChar char="•"/>
+            </a:pPr>
+            <a:r>
+              <a:rPr lang="en-GB" sz="1200" dirty="0"/>
+              <a:t>Designed the initial system structure.</a:t>
+            </a:r>
+          </a:p>
+          <a:p>
+            <a:pPr marL="285750" indent="-285750">
+              <a:buFont typeface="Arial" panose="020B0604020202020204" pitchFamily="34" charset="0"/>
+              <a:buChar char="•"/>
+            </a:pPr>
+            <a:r>
+              <a:rPr lang="en-GB" sz="1200" dirty="0"/>
+              <a:t>Sourced and pre-processed the </a:t>
+            </a:r>
+            <a:r>
+              <a:rPr lang="en-GB" sz="1200" dirty="0" err="1"/>
+              <a:t>Qulac</a:t>
+            </a:r>
+            <a:r>
+              <a:rPr lang="en-GB" sz="1200" dirty="0"/>
+              <a:t> dataset.</a:t>
+            </a:r>
+          </a:p>
+          <a:p>
+            <a:pPr marL="285750" indent="-285750">
+              <a:buFont typeface="Arial" panose="020B0604020202020204" pitchFamily="34" charset="0"/>
+              <a:buChar char="•"/>
+            </a:pPr>
+            <a:r>
+              <a:rPr lang="en-GB" sz="1200" dirty="0"/>
+              <a:t>Created templates for the report and presentation.</a:t>
+            </a:r>
+          </a:p>
+        </p:txBody>
+      </p:sp>
+      <p:sp>
+        <p:nvSpPr>
+          <p:cNvPr id="3" name="TextBox 2">
+            <a:extLst>
+              <a:ext uri="{FF2B5EF4-FFF2-40B4-BE49-F238E27FC236}">
+                <a16:creationId xmlns:a16="http://schemas.microsoft.com/office/drawing/2014/main" id="{1A56D24B-2D9E-758B-010F-94D6A9458AB3}"/>
+              </a:ext>
+            </a:extLst>
+          </p:cNvPr>
+          <p:cNvSpPr txBox="1"/>
+          <p:nvPr/>
+        </p:nvSpPr>
+        <p:spPr>
+          <a:xfrm>
+            <a:off x="2820014" y="4248403"/>
+            <a:ext cx="2215159" cy="1384995"/>
+          </a:xfrm>
+          <a:prstGeom prst="rect">
+            <a:avLst/>
+          </a:prstGeom>
+          <a:noFill/>
+        </p:spPr>
+        <p:txBody>
+          <a:bodyPr wrap="square" rtlCol="0">
+            <a:spAutoFit/>
+          </a:bodyPr>
+          <a:lstStyle/>
+          <a:p>
+            <a:pPr marL="285750" indent="-285750">
+              <a:buFont typeface="Arial" panose="020B0604020202020204" pitchFamily="34" charset="0"/>
+              <a:buChar char="•"/>
+            </a:pPr>
+            <a:r>
+              <a:rPr lang="en-GB" sz="1200" dirty="0"/>
+              <a:t>Managed project tools including Kanban board and GitHub.</a:t>
+            </a:r>
+          </a:p>
+          <a:p>
+            <a:pPr marL="285750" indent="-285750">
+              <a:buFont typeface="Arial" panose="020B0604020202020204" pitchFamily="34" charset="0"/>
+              <a:buChar char="•"/>
+            </a:pPr>
+            <a:r>
+              <a:rPr lang="en-GB" sz="1200" dirty="0"/>
+              <a:t>Organised team meetings.</a:t>
+            </a:r>
+          </a:p>
+          <a:p>
+            <a:pPr marL="285750" indent="-285750">
+              <a:buFont typeface="Arial" panose="020B0604020202020204" pitchFamily="34" charset="0"/>
+              <a:buChar char="•"/>
+            </a:pPr>
+            <a:r>
+              <a:rPr lang="en-GB" sz="1200" dirty="0"/>
+              <a:t>Sourced Wikipedia summaries for retrieval.</a:t>
+            </a:r>
+          </a:p>
+        </p:txBody>
+      </p:sp>
+      <p:sp>
+        <p:nvSpPr>
+          <p:cNvPr id="4" name="TextBox 3">
+            <a:extLst>
+              <a:ext uri="{FF2B5EF4-FFF2-40B4-BE49-F238E27FC236}">
+                <a16:creationId xmlns:a16="http://schemas.microsoft.com/office/drawing/2014/main" id="{3A083E88-F80A-02C2-C1F0-7E01883045AD}"/>
+              </a:ext>
+            </a:extLst>
+          </p:cNvPr>
+          <p:cNvSpPr txBox="1"/>
+          <p:nvPr/>
+        </p:nvSpPr>
+        <p:spPr>
+          <a:xfrm>
+            <a:off x="813130" y="4248562"/>
+            <a:ext cx="2215159" cy="1200329"/>
+          </a:xfrm>
+          <a:prstGeom prst="rect">
+            <a:avLst/>
+          </a:prstGeom>
+          <a:noFill/>
+        </p:spPr>
+        <p:txBody>
+          <a:bodyPr wrap="square" rtlCol="0">
+            <a:spAutoFit/>
+          </a:bodyPr>
+          <a:lstStyle/>
+          <a:p>
+            <a:pPr marL="171450" indent="-171450">
+              <a:buFont typeface="Arial" panose="020B0604020202020204" pitchFamily="34" charset="0"/>
+              <a:buChar char="•"/>
+            </a:pPr>
+            <a:r>
+              <a:rPr lang="en-GB" sz="1200" dirty="0"/>
+              <a:t>Set up the SBERT model for sentence similarity.</a:t>
+            </a:r>
+          </a:p>
+          <a:p>
+            <a:pPr marL="171450" indent="-171450">
+              <a:buFont typeface="Arial" panose="020B0604020202020204" pitchFamily="34" charset="0"/>
+              <a:buChar char="•"/>
+            </a:pPr>
+            <a:r>
+              <a:rPr lang="en-GB" sz="1200" dirty="0"/>
+              <a:t>Supported tuning and evaluation of the question ranking module.</a:t>
+            </a:r>
+          </a:p>
+        </p:txBody>
+      </p:sp>
+      <p:sp>
+        <p:nvSpPr>
+          <p:cNvPr id="11" name="TextBox 10">
+            <a:extLst>
+              <a:ext uri="{FF2B5EF4-FFF2-40B4-BE49-F238E27FC236}">
+                <a16:creationId xmlns:a16="http://schemas.microsoft.com/office/drawing/2014/main" id="{2B8EF116-1341-7991-7254-85EB571252E9}"/>
+              </a:ext>
+            </a:extLst>
+          </p:cNvPr>
+          <p:cNvSpPr txBox="1"/>
+          <p:nvPr/>
+        </p:nvSpPr>
+        <p:spPr>
+          <a:xfrm>
+            <a:off x="4948638" y="4248562"/>
+            <a:ext cx="2215159" cy="1569660"/>
+          </a:xfrm>
+          <a:prstGeom prst="rect">
+            <a:avLst/>
+          </a:prstGeom>
+          <a:noFill/>
+        </p:spPr>
+        <p:txBody>
+          <a:bodyPr wrap="square" rtlCol="0">
+            <a:spAutoFit/>
+          </a:bodyPr>
+          <a:lstStyle/>
+          <a:p>
+            <a:pPr marL="171450" lvl="0" indent="-171450">
+              <a:buFont typeface="Arial" panose="020B0604020202020204" pitchFamily="34" charset="0"/>
+              <a:buChar char="•"/>
+            </a:pPr>
+            <a:r>
+              <a:rPr lang="en-GB" sz="1200" dirty="0"/>
+              <a:t>Led implementation and integration of system modules.</a:t>
+            </a:r>
+          </a:p>
+          <a:p>
+            <a:pPr marL="171450" lvl="0" indent="-171450">
+              <a:buFont typeface="Arial" panose="020B0604020202020204" pitchFamily="34" charset="0"/>
+              <a:buChar char="•"/>
+            </a:pPr>
+            <a:r>
+              <a:rPr lang="en-GB" sz="1200" dirty="0"/>
+              <a:t>Set up Rasa and handled communication between components.</a:t>
+            </a:r>
+          </a:p>
+          <a:p>
+            <a:pPr marL="171450" lvl="0" indent="-171450">
+              <a:buFont typeface="Arial" panose="020B0604020202020204" pitchFamily="34" charset="0"/>
+              <a:buChar char="•"/>
+            </a:pPr>
+            <a:r>
+              <a:rPr lang="en-GB" sz="1200" dirty="0"/>
+              <a:t>Produced the system demonstration video.</a:t>
+            </a:r>
+            <a:endParaRPr lang="en-US" sz="1200" dirty="0"/>
+          </a:p>
+        </p:txBody>
+      </p:sp>
+      <p:sp>
+        <p:nvSpPr>
+          <p:cNvPr id="14" name="TextBox 13">
+            <a:extLst>
+              <a:ext uri="{FF2B5EF4-FFF2-40B4-BE49-F238E27FC236}">
+                <a16:creationId xmlns:a16="http://schemas.microsoft.com/office/drawing/2014/main" id="{DC93690C-0F65-387B-85AE-BC59A030F0F3}"/>
+              </a:ext>
+            </a:extLst>
+          </p:cNvPr>
+          <p:cNvSpPr txBox="1"/>
+          <p:nvPr/>
+        </p:nvSpPr>
+        <p:spPr>
+          <a:xfrm>
+            <a:off x="7156827" y="4248000"/>
+            <a:ext cx="2215159" cy="1200329"/>
+          </a:xfrm>
+          <a:prstGeom prst="rect">
+            <a:avLst/>
+          </a:prstGeom>
+          <a:noFill/>
+        </p:spPr>
+        <p:txBody>
+          <a:bodyPr wrap="square" rtlCol="0">
+            <a:spAutoFit/>
+          </a:bodyPr>
+          <a:lstStyle/>
+          <a:p>
+            <a:pPr marL="171450" indent="-171450">
+              <a:buFont typeface="Arial" panose="020B0604020202020204" pitchFamily="34" charset="0"/>
+              <a:buChar char="•"/>
+            </a:pPr>
+            <a:r>
+              <a:rPr lang="en-GB" sz="1200" dirty="0"/>
+              <a:t>Developed and tested the BM25 retrieval module.</a:t>
+            </a:r>
+          </a:p>
+          <a:p>
+            <a:pPr marL="171450" indent="-171450">
+              <a:buFont typeface="Arial" panose="020B0604020202020204" pitchFamily="34" charset="0"/>
+              <a:buChar char="•"/>
+            </a:pPr>
+            <a:r>
+              <a:rPr lang="en-GB" sz="1200" dirty="0"/>
+              <a:t>Supported module integration and retrieval tuning.</a:t>
+            </a:r>
+          </a:p>
+        </p:txBody>
+      </p:sp>
+    </p:spTree>
+    <p:extLst>
+      <p:ext uri="{BB962C8B-B14F-4D97-AF65-F5344CB8AC3E}">
+        <p14:creationId xmlns:p14="http://schemas.microsoft.com/office/powerpoint/2010/main" val="2768695278"/>
+      </p:ext>
+    </p:extLst>
+  </p:cSld>
+  <p:clrMapOvr>
+    <a:masterClrMapping/>
+  </p:clrMapOvr>
+</p:sld>
+</file>
+
 <file path=ppt/slides/slide2.xml><?xml version="1.0" encoding="utf-8"?>
 <p:sld xmlns:a="http://schemas.openxmlformats.org/drawingml/2006/main" xmlns:r="http://schemas.openxmlformats.org/officeDocument/2006/relationships" xmlns:p="http://schemas.openxmlformats.org/presentationml/2006/main">
   <p:cSld>
@@ -10694,7 +11678,10 @@
           <a:bodyPr/>
           <a:lstStyle/>
           <a:p>
-            <a:endParaRPr lang="en-GB"/>
+            <a:r>
+              <a:rPr lang="en-GB" dirty="0"/>
+              <a:t>Retrieval pipeline</a:t>
+            </a:r>
           </a:p>
         </p:txBody>
       </p:sp>
@@ -10721,8 +11708,61 @@
           <a:p>
             <a:r>
               <a:rPr lang="en-GB" dirty="0"/>
-              <a:t>System architecture and modules used in creating the system (slide 1 of 2)</a:t>
-            </a:r>
+              <a:t>Uses BM25</a:t>
+            </a:r>
+          </a:p>
+          <a:p>
+            <a:r>
+              <a:rPr lang="en-GB" dirty="0"/>
+              <a:t>Reranked using all-MiniLM-L6-v2</a:t>
+            </a:r>
+          </a:p>
+          <a:p>
+            <a:r>
+              <a:rPr lang="en-GB" dirty="0"/>
+              <a:t>Outputs the most relevant wiki-style summary</a:t>
+            </a:r>
+          </a:p>
+          <a:p>
+            <a:r>
+              <a:rPr lang="en-GB" dirty="0"/>
+              <a:t>Returns “not confident” if top score is not relevant enough</a:t>
+            </a:r>
+          </a:p>
+          <a:p>
+            <a:endParaRPr lang="en-GB" dirty="0"/>
+          </a:p>
+          <a:p>
+            <a:r>
+              <a:rPr lang="en-GB" dirty="0" err="1"/>
+              <a:t>Qulac</a:t>
+            </a:r>
+            <a:r>
+              <a:rPr lang="en-GB" dirty="0"/>
+              <a:t> → Query → BM25 → Top 5 → </a:t>
+            </a:r>
+            <a:r>
+              <a:rPr lang="en-GB" dirty="0" err="1"/>
+              <a:t>MiniLM</a:t>
+            </a:r>
+            <a:r>
+              <a:rPr lang="en-GB" dirty="0"/>
+              <a:t> </a:t>
+            </a:r>
+            <a:r>
+              <a:rPr lang="en-GB" dirty="0" err="1"/>
+              <a:t>Reranker</a:t>
+            </a:r>
+            <a:r>
+              <a:rPr lang="en-GB" dirty="0"/>
+              <a:t> → Top Summary → Confidence Check</a:t>
+            </a:r>
+          </a:p>
+          <a:p>
+            <a:pPr marL="0" indent="0">
+              <a:buNone/>
+            </a:pPr>
+            <a:endParaRPr lang="en-GB" dirty="0"/>
           </a:p>
         </p:txBody>
       </p:sp>
@@ -10783,7 +11823,10 @@
           <a:bodyPr/>
           <a:lstStyle/>
           <a:p>
-            <a:endParaRPr lang="en-GB"/>
+            <a:r>
+              <a:rPr lang="en-GB" dirty="0"/>
+              <a:t>BM25</a:t>
+            </a:r>
           </a:p>
         </p:txBody>
       </p:sp>
@@ -10810,8 +11853,38 @@
           <a:p>
             <a:r>
               <a:rPr lang="en-GB" dirty="0"/>
-              <a:t>System architecture and modules used in creating the system (slide 2 of 2)</a:t>
-            </a:r>
+              <a:t>Uses Bag-of-Words and term frequency to rank summaries</a:t>
+            </a:r>
+          </a:p>
+          <a:p>
+            <a:r>
+              <a:rPr lang="en-GB" dirty="0"/>
+              <a:t>Each summary is assigned a BM25 relevance score</a:t>
+            </a:r>
+          </a:p>
+          <a:p>
+            <a:r>
+              <a:rPr lang="en-GB" dirty="0"/>
+              <a:t>Retrieves the top 5 most lexically relevant summaries</a:t>
+            </a:r>
+          </a:p>
+          <a:p>
+            <a:r>
+              <a:rPr lang="en-GB" dirty="0"/>
+              <a:t>“President” and “Leader” are considered completely different</a:t>
+            </a:r>
+          </a:p>
+          <a:p>
+            <a:r>
+              <a:rPr lang="en-GB" dirty="0"/>
+              <a:t>Scores are not comparable across different queries</a:t>
+            </a:r>
+          </a:p>
+          <a:p>
+            <a:pPr marL="0" indent="0">
+              <a:buNone/>
+            </a:pPr>
+            <a:endParaRPr lang="en-GB" dirty="0"/>
           </a:p>
         </p:txBody>
       </p:sp>
@@ -10850,7 +11923,7 @@
           <p:cNvPr id="2" name="Title 1">
             <a:extLst>
               <a:ext uri="{FF2B5EF4-FFF2-40B4-BE49-F238E27FC236}">
-                <a16:creationId xmlns:a16="http://schemas.microsoft.com/office/drawing/2014/main" id="{C41B84A3-B39F-2947-948F-064826D3EDB5}"/>
+                <a16:creationId xmlns:a16="http://schemas.microsoft.com/office/drawing/2014/main" id="{5C886EF9-B7F8-D26B-228F-2BA849904737}"/>
               </a:ext>
             </a:extLst>
           </p:cNvPr>
@@ -10866,7 +11939,10 @@
           <a:bodyPr/>
           <a:lstStyle/>
           <a:p>
-            <a:endParaRPr lang="en-GB"/>
+            <a:r>
+              <a:rPr lang="en-GB" dirty="0"/>
+              <a:t>all-MiniLM-L6-v2</a:t>
+            </a:r>
           </a:p>
         </p:txBody>
       </p:sp>
@@ -10875,7 +11951,7 @@
           <p:cNvPr id="3" name="Content Placeholder 2">
             <a:extLst>
               <a:ext uri="{FF2B5EF4-FFF2-40B4-BE49-F238E27FC236}">
-                <a16:creationId xmlns:a16="http://schemas.microsoft.com/office/drawing/2014/main" id="{CF8D7010-BBC3-8BCA-1CFE-A5ECA17B0F19}"/>
+                <a16:creationId xmlns:a16="http://schemas.microsoft.com/office/drawing/2014/main" id="{B4985382-B4CC-8D7F-D718-372F80979BFC}"/>
               </a:ext>
             </a:extLst>
           </p:cNvPr>
@@ -10892,16 +11968,55 @@
           <a:lstStyle/>
           <a:p>
             <a:r>
+              <a:rPr lang="en-GB" dirty="0" err="1"/>
+              <a:t>Reranks</a:t>
+            </a:r>
+            <a:r>
               <a:rPr lang="en-GB" dirty="0"/>
-              <a:t>What the demo shows – i.e. list of system’s main features </a:t>
-            </a:r>
+              <a:t> the top 5 summaries from BM25 using semantic similarity</a:t>
+            </a:r>
+          </a:p>
+          <a:p>
+            <a:r>
+              <a:rPr lang="en-GB" dirty="0"/>
+              <a:t>Converts queries and summaries into vector embeddings and compares them using cosine similarity</a:t>
+            </a:r>
+          </a:p>
+          <a:p>
+            <a:r>
+              <a:rPr lang="en-GB" dirty="0"/>
+              <a:t>Can identify relevance even if the wording is different</a:t>
+            </a:r>
+          </a:p>
+          <a:p>
+            <a:r>
+              <a:rPr lang="en-GB" dirty="0"/>
+              <a:t>Lightweight transformer model from </a:t>
+            </a:r>
+            <a:r>
+              <a:rPr lang="en-GB" dirty="0" err="1"/>
+              <a:t>SentenceTransformers</a:t>
+            </a:r>
+            <a:r>
+              <a:rPr lang="en-GB" dirty="0"/>
+              <a:t> - fast and efficient for reranking</a:t>
+            </a:r>
+          </a:p>
+          <a:p>
+            <a:r>
+              <a:rPr lang="en-GB" dirty="0"/>
+              <a:t>Cosine similarity higher or lower than 0.4</a:t>
+            </a:r>
+          </a:p>
+          <a:p>
+            <a:endParaRPr lang="en-GB" dirty="0"/>
           </a:p>
         </p:txBody>
       </p:sp>
     </p:spTree>
     <p:extLst>
       <p:ext uri="{BB962C8B-B14F-4D97-AF65-F5344CB8AC3E}">
-        <p14:creationId xmlns:p14="http://schemas.microsoft.com/office/powerpoint/2010/main" val="578872567"/>
+        <p14:creationId xmlns:p14="http://schemas.microsoft.com/office/powerpoint/2010/main" val="359865068"/>
       </p:ext>
     </p:extLst>
   </p:cSld>
@@ -10933,7 +12048,7 @@
           <p:cNvPr id="2" name="Title 1">
             <a:extLst>
               <a:ext uri="{FF2B5EF4-FFF2-40B4-BE49-F238E27FC236}">
-                <a16:creationId xmlns:a16="http://schemas.microsoft.com/office/drawing/2014/main" id="{D7DFAB6D-D566-71A2-1B56-13C5F1DAB48F}"/>
+                <a16:creationId xmlns:a16="http://schemas.microsoft.com/office/drawing/2014/main" id="{4CD6D63E-70BE-959E-000B-894721686F59}"/>
               </a:ext>
             </a:extLst>
           </p:cNvPr>
@@ -10949,7 +12064,10 @@
           <a:bodyPr/>
           <a:lstStyle/>
           <a:p>
-            <a:endParaRPr lang="en-GB"/>
+            <a:r>
+              <a:rPr lang="en-GB" dirty="0"/>
+              <a:t>Evaluation of Retrieval Pipeline</a:t>
+            </a:r>
           </a:p>
         </p:txBody>
       </p:sp>
@@ -10958,7 +12076,7 @@
           <p:cNvPr id="3" name="Content Placeholder 2">
             <a:extLst>
               <a:ext uri="{FF2B5EF4-FFF2-40B4-BE49-F238E27FC236}">
-                <a16:creationId xmlns:a16="http://schemas.microsoft.com/office/drawing/2014/main" id="{FAA665BC-D12C-2CB2-8678-B163362D6B69}"/>
+                <a16:creationId xmlns:a16="http://schemas.microsoft.com/office/drawing/2014/main" id="{DC06E283-4D39-F002-02B0-75364CD8DCB4}"/>
               </a:ext>
             </a:extLst>
           </p:cNvPr>
@@ -10976,15 +12094,66 @@
           <a:p>
             <a:r>
               <a:rPr lang="en-GB" dirty="0"/>
-              <a:t>Demo video - show each feature listed in previous slides in a working demo (video of interactions) </a:t>
-            </a:r>
+              <a:t>Tested with 150 GPT-4-generated queries</a:t>
+            </a:r>
+          </a:p>
+          <a:p>
+            <a:r>
+              <a:rPr lang="en-GB" dirty="0"/>
+              <a:t>50 matching, 50 ambiguous, 50 non-matching</a:t>
+            </a:r>
+          </a:p>
+          <a:p>
+            <a:r>
+              <a:rPr lang="en-GB" dirty="0"/>
+              <a:t>Matching queries, 92% accuracy, 100% precision, 95.56% F1 score, </a:t>
+            </a:r>
+            <a:r>
+              <a:rPr lang="en-GB" dirty="0" err="1"/>
+              <a:t>avg</a:t>
+            </a:r>
+            <a:r>
+              <a:rPr lang="en-GB" dirty="0"/>
+              <a:t> cosine similarity: 0.5882</a:t>
+            </a:r>
+          </a:p>
+          <a:p>
+            <a:r>
+              <a:rPr lang="en-GB" dirty="0"/>
+              <a:t>Ambiguous queries: 42% confident predictions, </a:t>
+            </a:r>
+            <a:r>
+              <a:rPr lang="en-GB" dirty="0" err="1"/>
+              <a:t>avg</a:t>
+            </a:r>
+            <a:r>
+              <a:rPr lang="en-GB" dirty="0"/>
+              <a:t> cosine similarity: 0.3584</a:t>
+            </a:r>
+          </a:p>
+          <a:p>
+            <a:r>
+              <a:rPr lang="en-GB" dirty="0"/>
+              <a:t>Non-matching queries: 80% correctly flagged as not confident, </a:t>
+            </a:r>
+            <a:r>
+              <a:rPr lang="en-GB" dirty="0" err="1"/>
+              <a:t>avg</a:t>
+            </a:r>
+            <a:r>
+              <a:rPr lang="en-GB" dirty="0"/>
+              <a:t> cosine similarity: 0.2839</a:t>
+            </a:r>
+          </a:p>
+          <a:p>
+            <a:endParaRPr lang="en-GB" dirty="0"/>
           </a:p>
         </p:txBody>
       </p:sp>
     </p:spTree>
     <p:extLst>
       <p:ext uri="{BB962C8B-B14F-4D97-AF65-F5344CB8AC3E}">
-        <p14:creationId xmlns:p14="http://schemas.microsoft.com/office/powerpoint/2010/main" val="1865987374"/>
+        <p14:creationId xmlns:p14="http://schemas.microsoft.com/office/powerpoint/2010/main" val="1689760119"/>
       </p:ext>
     </p:extLst>
   </p:cSld>
@@ -11016,7 +12185,7 @@
           <p:cNvPr id="2" name="Title 1">
             <a:extLst>
               <a:ext uri="{FF2B5EF4-FFF2-40B4-BE49-F238E27FC236}">
-                <a16:creationId xmlns:a16="http://schemas.microsoft.com/office/drawing/2014/main" id="{A2BDFED7-51FC-9DE3-9DC9-FE3818447CEB}"/>
+                <a16:creationId xmlns:a16="http://schemas.microsoft.com/office/drawing/2014/main" id="{2A00D3A6-2EBA-D715-DF7B-A2F3D26C1FF2}"/>
               </a:ext>
             </a:extLst>
           </p:cNvPr>
@@ -11041,7 +12210,7 @@
           <p:cNvPr id="3" name="Content Placeholder 2">
             <a:extLst>
               <a:ext uri="{FF2B5EF4-FFF2-40B4-BE49-F238E27FC236}">
-                <a16:creationId xmlns:a16="http://schemas.microsoft.com/office/drawing/2014/main" id="{9830867C-88BC-733E-63FB-20150AE5BEB4}"/>
+                <a16:creationId xmlns:a16="http://schemas.microsoft.com/office/drawing/2014/main" id="{58431BA8-D608-2025-6AF2-FF29610B6895}"/>
               </a:ext>
             </a:extLst>
           </p:cNvPr>
@@ -11057,17 +12226,44 @@
           <a:bodyPr/>
           <a:lstStyle/>
           <a:p>
-            <a:r>
-              <a:rPr lang="en-GB" dirty="0"/>
-              <a:t>How it could be improved /ideas for future work</a:t>
-            </a:r>
-          </a:p>
-        </p:txBody>
-      </p:sp>
+            <a:endParaRPr lang="en-GB"/>
+          </a:p>
+        </p:txBody>
+      </p:sp>
+      <p:pic>
+        <p:nvPicPr>
+          <p:cNvPr id="5" name="Picture 4">
+            <a:extLst>
+              <a:ext uri="{FF2B5EF4-FFF2-40B4-BE49-F238E27FC236}">
+                <a16:creationId xmlns:a16="http://schemas.microsoft.com/office/drawing/2014/main" id="{6AE98465-8265-7E64-79A7-6ECA3784C212}"/>
+              </a:ext>
+            </a:extLst>
+          </p:cNvPr>
+          <p:cNvPicPr>
+            <a:picLocks noChangeAspect="1"/>
+          </p:cNvPicPr>
+          <p:nvPr/>
+        </p:nvPicPr>
+        <p:blipFill>
+          <a:blip r:embed="rId2"/>
+          <a:stretch>
+            <a:fillRect/>
+          </a:stretch>
+        </p:blipFill>
+        <p:spPr>
+          <a:xfrm>
+            <a:off x="0" y="-32844"/>
+            <a:ext cx="12192000" cy="6890843"/>
+          </a:xfrm>
+          <a:prstGeom prst="rect">
+            <a:avLst/>
+          </a:prstGeom>
+        </p:spPr>
+      </p:pic>
     </p:spTree>
     <p:extLst>
       <p:ext uri="{BB962C8B-B14F-4D97-AF65-F5344CB8AC3E}">
-        <p14:creationId xmlns:p14="http://schemas.microsoft.com/office/powerpoint/2010/main" val="832830536"/>
+        <p14:creationId xmlns:p14="http://schemas.microsoft.com/office/powerpoint/2010/main" val="3785290211"/>
       </p:ext>
     </p:extLst>
   </p:cSld>
@@ -11082,13 +12278,7 @@
   <p:cSld>
     <p:spTree>
       <p:nvGrpSpPr>
-        <p:cNvPr id="1" name="">
-          <a:extLst>
-            <a:ext uri="{FF2B5EF4-FFF2-40B4-BE49-F238E27FC236}">
-              <a16:creationId xmlns:a16="http://schemas.microsoft.com/office/drawing/2014/main" id="{12C56952-01F2-D240-56C7-70D01E322CE7}"/>
-            </a:ext>
-          </a:extLst>
-        </p:cNvPr>
+        <p:cNvPr id="1" name=""/>
         <p:cNvGrpSpPr/>
         <p:nvPr/>
       </p:nvGrpSpPr>
@@ -11102,10 +12292,10 @@
       </p:grpSpPr>
       <p:sp>
         <p:nvSpPr>
-          <p:cNvPr id="5" name="Title 4">
+          <p:cNvPr id="2" name="Title 1">
             <a:extLst>
               <a:ext uri="{FF2B5EF4-FFF2-40B4-BE49-F238E27FC236}">
-                <a16:creationId xmlns:a16="http://schemas.microsoft.com/office/drawing/2014/main" id="{61028B3D-FE24-1AAA-B17B-4E5E4A5F44F1}"/>
+                <a16:creationId xmlns:a16="http://schemas.microsoft.com/office/drawing/2014/main" id="{C41B84A3-B39F-2947-948F-064826D3EDB5}"/>
               </a:ext>
             </a:extLst>
           </p:cNvPr>
@@ -11116,672 +12306,63 @@
             <p:ph type="title"/>
           </p:nvPr>
         </p:nvSpPr>
-        <p:spPr>
-          <a:xfrm>
-            <a:off x="4331368" y="271128"/>
-            <a:ext cx="3529263" cy="1293028"/>
-          </a:xfrm>
-        </p:spPr>
-        <p:txBody>
-          <a:bodyPr>
-            <a:normAutofit/>
-          </a:bodyPr>
+        <p:spPr/>
+        <p:txBody>
+          <a:bodyPr/>
           <a:lstStyle/>
           <a:p>
             <a:r>
-              <a:rPr lang="en-GB" dirty="0">
-                <a:latin typeface="Georgia" panose="02040502050405020303" pitchFamily="18" charset="0"/>
-              </a:rPr>
-              <a:t>Team Roles</a:t>
-            </a:r>
-          </a:p>
-        </p:txBody>
-      </p:sp>
-      <p:graphicFrame>
-        <p:nvGraphicFramePr>
-          <p:cNvPr id="7" name="Content Placeholder 2">
+              <a:rPr lang="en-GB" dirty="0"/>
+              <a:t>Demo showcase</a:t>
+            </a:r>
+          </a:p>
+        </p:txBody>
+      </p:sp>
+      <p:sp>
+        <p:nvSpPr>
+          <p:cNvPr id="3" name="Content Placeholder 2">
             <a:extLst>
               <a:ext uri="{FF2B5EF4-FFF2-40B4-BE49-F238E27FC236}">
-                <a16:creationId xmlns:a16="http://schemas.microsoft.com/office/drawing/2014/main" id="{0C3F9713-237F-B21D-06C7-E66E55357667}"/>
+                <a16:creationId xmlns:a16="http://schemas.microsoft.com/office/drawing/2014/main" id="{CF8D7010-BBC3-8BCA-1CFE-A5ECA17B0F19}"/>
               </a:ext>
             </a:extLst>
           </p:cNvPr>
-          <p:cNvGraphicFramePr>
-            <a:graphicFrameLocks noGrp="1"/>
-          </p:cNvGraphicFramePr>
+          <p:cNvSpPr>
+            <a:spLocks noGrp="1"/>
+          </p:cNvSpPr>
           <p:nvPr>
             <p:ph idx="1"/>
-            <p:extLst>
-              <p:ext uri="{D42A27DB-BD31-4B8C-83A1-F6EECF244321}">
-                <p14:modId xmlns:p14="http://schemas.microsoft.com/office/powerpoint/2010/main" val="3230556253"/>
-              </p:ext>
-            </p:extLst>
-          </p:nvPr>
-        </p:nvGraphicFramePr>
-        <p:xfrm>
-          <a:off x="685800" y="2441051"/>
-          <a:ext cx="10820400" cy="3530062"/>
-        </p:xfrm>
-        <a:graphic>
-          <a:graphicData uri="http://schemas.openxmlformats.org/drawingml/2006/diagram">
-            <dgm:relIds xmlns:dgm="http://schemas.openxmlformats.org/drawingml/2006/diagram" xmlns:r="http://schemas.openxmlformats.org/officeDocument/2006/relationships" r:dm="rId3" r:lo="rId4" r:qs="rId5" r:cs="rId6"/>
-          </a:graphicData>
-        </a:graphic>
-      </p:graphicFrame>
-      <p:sp>
-        <p:nvSpPr>
-          <p:cNvPr id="6" name="TextBox 5">
-            <a:extLst>
-              <a:ext uri="{FF2B5EF4-FFF2-40B4-BE49-F238E27FC236}">
-                <a16:creationId xmlns:a16="http://schemas.microsoft.com/office/drawing/2014/main" id="{916C0775-FDFD-E07C-C586-7F0B4A0119B4}"/>
-              </a:ext>
-            </a:extLst>
-          </p:cNvPr>
-          <p:cNvSpPr txBox="1"/>
-          <p:nvPr/>
-        </p:nvSpPr>
-        <p:spPr>
-          <a:xfrm>
-            <a:off x="4951317" y="1802413"/>
-            <a:ext cx="2209800" cy="1277273"/>
-          </a:xfrm>
-          <a:prstGeom prst="rect">
-            <a:avLst/>
-          </a:prstGeom>
-          <a:noFill/>
-        </p:spPr>
-        <p:txBody>
-          <a:bodyPr wrap="square" rtlCol="0">
-            <a:spAutoFit/>
-          </a:bodyPr>
+          </p:nvPr>
+        </p:nvSpPr>
+        <p:spPr/>
+        <p:txBody>
+          <a:bodyPr/>
           <a:lstStyle/>
           <a:p>
-            <a:pPr lvl="0" algn="ctr"/>
             <a:r>
               <a:rPr lang="en-GB" dirty="0"/>
-              <a:t>Lead Developer &amp;</a:t>
-            </a:r>
-            <a:br>
+              <a:t>Demo will Showcase:</a:t>
+            </a:r>
+          </a:p>
+          <a:p>
+            <a:endParaRPr lang="en-GB" dirty="0"/>
+          </a:p>
+          <a:p>
+            <a:r>
               <a:rPr lang="en-GB" dirty="0"/>
-            </a:br>
+              <a:t>Bm25: working independently with RASA</a:t>
+            </a:r>
+          </a:p>
+          <a:p>
             <a:r>
               <a:rPr lang="en-GB" dirty="0"/>
-              <a:t>System Integrator:</a:t>
-            </a:r>
-          </a:p>
-          <a:p>
-            <a:pPr lvl="0" algn="ctr"/>
-            <a:endParaRPr lang="en-GB" sz="800" i="1" dirty="0"/>
-          </a:p>
-          <a:p>
-            <a:pPr lvl="0" algn="ctr"/>
-            <a:r>
-              <a:rPr lang="en-GB" sz="1500" i="1" dirty="0"/>
-              <a:t>Jack Harrison </a:t>
-            </a:r>
-          </a:p>
-        </p:txBody>
-      </p:sp>
-      <p:sp>
-        <p:nvSpPr>
-          <p:cNvPr id="8" name="TextBox 7">
-            <a:extLst>
-              <a:ext uri="{FF2B5EF4-FFF2-40B4-BE49-F238E27FC236}">
-                <a16:creationId xmlns:a16="http://schemas.microsoft.com/office/drawing/2014/main" id="{B830713F-7607-F14C-D44C-8B93FD1ADCE3}"/>
-              </a:ext>
-            </a:extLst>
-          </p:cNvPr>
-          <p:cNvSpPr txBox="1"/>
-          <p:nvPr/>
-        </p:nvSpPr>
-        <p:spPr>
-          <a:xfrm>
-            <a:off x="7216100" y="1802414"/>
-            <a:ext cx="2117558" cy="1277273"/>
-          </a:xfrm>
-          <a:prstGeom prst="rect">
-            <a:avLst/>
-          </a:prstGeom>
-          <a:noFill/>
-        </p:spPr>
-        <p:txBody>
-          <a:bodyPr wrap="square" rtlCol="0">
-            <a:spAutoFit/>
-          </a:bodyPr>
-          <a:lstStyle/>
-          <a:p>
-            <a:pPr lvl="0" algn="ctr"/>
+              <a:t>SBERT: working alongside bm25 and RASA</a:t>
+            </a:r>
+          </a:p>
+          <a:p>
             <a:r>
               <a:rPr lang="en-GB" dirty="0"/>
-              <a:t>Information Retrieval Engineer:</a:t>
-            </a:r>
-          </a:p>
-          <a:p>
-            <a:pPr lvl="0" algn="ctr"/>
-            <a:endParaRPr lang="en-GB" sz="800" i="1" dirty="0"/>
-          </a:p>
-          <a:p>
-            <a:pPr lvl="0" algn="ctr"/>
-            <a:r>
-              <a:rPr lang="en-GB" sz="1500" i="1" dirty="0"/>
-              <a:t>Ruben Lazell </a:t>
-            </a:r>
-          </a:p>
-        </p:txBody>
-      </p:sp>
-      <p:sp>
-        <p:nvSpPr>
-          <p:cNvPr id="9" name="TextBox 8">
-            <a:extLst>
-              <a:ext uri="{FF2B5EF4-FFF2-40B4-BE49-F238E27FC236}">
-                <a16:creationId xmlns:a16="http://schemas.microsoft.com/office/drawing/2014/main" id="{C4AD3607-C2F7-458F-0EA7-90372B79B705}"/>
-              </a:ext>
-            </a:extLst>
-          </p:cNvPr>
-          <p:cNvSpPr txBox="1"/>
-          <p:nvPr/>
-        </p:nvSpPr>
-        <p:spPr>
-          <a:xfrm>
-            <a:off x="525702" y="1764858"/>
-            <a:ext cx="2592807" cy="1277273"/>
-          </a:xfrm>
-          <a:prstGeom prst="rect">
-            <a:avLst/>
-          </a:prstGeom>
-          <a:noFill/>
-        </p:spPr>
-        <p:txBody>
-          <a:bodyPr wrap="square" rtlCol="0">
-            <a:spAutoFit/>
-          </a:bodyPr>
-          <a:lstStyle/>
-          <a:p>
-            <a:pPr lvl="0" algn="ctr"/>
-            <a:r>
-              <a:rPr lang="en-GB" dirty="0"/>
-              <a:t>SBERT Clarifying Questions Retrieval Specialist:</a:t>
-            </a:r>
-          </a:p>
-          <a:p>
-            <a:pPr lvl="0" algn="ctr"/>
-            <a:endParaRPr lang="en-GB" sz="800" i="1" dirty="0"/>
-          </a:p>
-          <a:p>
-            <a:pPr lvl="0" algn="ctr"/>
-            <a:r>
-              <a:rPr lang="en-GB" sz="1500" i="1" dirty="0"/>
-              <a:t>Ansh Bisht </a:t>
-            </a:r>
-          </a:p>
-        </p:txBody>
-      </p:sp>
-      <p:sp>
-        <p:nvSpPr>
-          <p:cNvPr id="10" name="TextBox 9">
-            <a:extLst>
-              <a:ext uri="{FF2B5EF4-FFF2-40B4-BE49-F238E27FC236}">
-                <a16:creationId xmlns:a16="http://schemas.microsoft.com/office/drawing/2014/main" id="{DA733F52-4B98-0521-072C-BA51569C25BC}"/>
-              </a:ext>
-            </a:extLst>
-          </p:cNvPr>
-          <p:cNvSpPr txBox="1"/>
-          <p:nvPr/>
-        </p:nvSpPr>
-        <p:spPr>
-          <a:xfrm>
-            <a:off x="9194819" y="1802414"/>
-            <a:ext cx="2117558" cy="1277273"/>
-          </a:xfrm>
-          <a:prstGeom prst="rect">
-            <a:avLst/>
-          </a:prstGeom>
-          <a:noFill/>
-        </p:spPr>
-        <p:txBody>
-          <a:bodyPr wrap="square" rtlCol="0">
-            <a:spAutoFit/>
-          </a:bodyPr>
-          <a:lstStyle/>
-          <a:p>
-            <a:pPr lvl="0" algn="ctr"/>
-            <a:r>
-              <a:rPr lang="en-GB" dirty="0"/>
-              <a:t>Scrum Master</a:t>
-            </a:r>
-            <a:br>
-              <a:rPr lang="en-GB" dirty="0"/>
-            </a:br>
-            <a:r>
-              <a:rPr lang="en-GB" dirty="0"/>
-              <a:t>&amp;</a:t>
-            </a:r>
-            <a:br>
-              <a:rPr lang="en-GB" dirty="0"/>
-            </a:br>
-            <a:r>
-              <a:rPr lang="en-GB" dirty="0"/>
-              <a:t>System Designer:</a:t>
-            </a:r>
-          </a:p>
-          <a:p>
-            <a:pPr lvl="0" algn="ctr"/>
-            <a:endParaRPr lang="en-GB" sz="800" i="1" dirty="0"/>
-          </a:p>
-          <a:p>
-            <a:pPr lvl="0" algn="ctr"/>
-            <a:r>
-              <a:rPr lang="en-GB" sz="1500" i="1" dirty="0"/>
-              <a:t>Andrew Taison</a:t>
-            </a:r>
-          </a:p>
-        </p:txBody>
-      </p:sp>
-      <p:sp>
-        <p:nvSpPr>
-          <p:cNvPr id="12" name="TextBox 11">
-            <a:extLst>
-              <a:ext uri="{FF2B5EF4-FFF2-40B4-BE49-F238E27FC236}">
-                <a16:creationId xmlns:a16="http://schemas.microsoft.com/office/drawing/2014/main" id="{4EE16AA8-2F7D-8869-B9A8-F9B20232ABD9}"/>
-              </a:ext>
-            </a:extLst>
-          </p:cNvPr>
-          <p:cNvSpPr txBox="1"/>
-          <p:nvPr/>
-        </p:nvSpPr>
-        <p:spPr>
-          <a:xfrm>
-            <a:off x="2892171" y="1764858"/>
-            <a:ext cx="2117558" cy="1277273"/>
-          </a:xfrm>
-          <a:prstGeom prst="rect">
-            <a:avLst/>
-          </a:prstGeom>
-          <a:noFill/>
-        </p:spPr>
-        <p:txBody>
-          <a:bodyPr wrap="square" rtlCol="0">
-            <a:spAutoFit/>
-          </a:bodyPr>
-          <a:lstStyle/>
-          <a:p>
-            <a:pPr lvl="0" algn="ctr"/>
-            <a:r>
-              <a:rPr lang="en-GB" dirty="0"/>
-              <a:t>Project </a:t>
-            </a:r>
-            <a:br>
-              <a:rPr lang="en-GB" dirty="0"/>
-            </a:br>
-            <a:r>
-              <a:rPr lang="en-GB" dirty="0"/>
-              <a:t>Manager:</a:t>
-            </a:r>
-            <a:br>
-              <a:rPr lang="en-GB" dirty="0"/>
-            </a:br>
-            <a:endParaRPr lang="en-GB" dirty="0"/>
-          </a:p>
-          <a:p>
-            <a:pPr lvl="0" algn="ctr"/>
-            <a:endParaRPr lang="en-GB" sz="800" i="1" dirty="0"/>
-          </a:p>
-          <a:p>
-            <a:pPr lvl="0" algn="ctr"/>
-            <a:r>
-              <a:rPr lang="en-GB" sz="1500" i="1" dirty="0"/>
-              <a:t>Jordan Dickson </a:t>
-            </a:r>
-          </a:p>
-        </p:txBody>
-      </p:sp>
-      <p:sp>
-        <p:nvSpPr>
-          <p:cNvPr id="13" name="Title 4">
-            <a:extLst>
-              <a:ext uri="{FF2B5EF4-FFF2-40B4-BE49-F238E27FC236}">
-                <a16:creationId xmlns:a16="http://schemas.microsoft.com/office/drawing/2014/main" id="{873F13E4-695E-ABD2-09A5-A9628F7DFA9F}"/>
-              </a:ext>
-            </a:extLst>
-          </p:cNvPr>
-          <p:cNvSpPr txBox="1">
-            <a:spLocks/>
-          </p:cNvSpPr>
-          <p:nvPr/>
-        </p:nvSpPr>
-        <p:spPr>
-          <a:xfrm>
-            <a:off x="4291585" y="5731252"/>
-            <a:ext cx="3529263" cy="1293028"/>
-          </a:xfrm>
-          <a:prstGeom prst="rect">
-            <a:avLst/>
-          </a:prstGeom>
-        </p:spPr>
-        <p:txBody>
-          <a:bodyPr vert="horz" lIns="91440" tIns="45720" rIns="91440" bIns="45720" rtlCol="0" anchor="ctr">
-            <a:normAutofit/>
-          </a:bodyPr>
-          <a:lstStyle>
-            <a:lvl1pPr algn="r" defTabSz="914400" rtl="0" eaLnBrk="1" latinLnBrk="0" hangingPunct="1">
-              <a:lnSpc>
-                <a:spcPct val="90000"/>
-              </a:lnSpc>
-              <a:spcBef>
-                <a:spcPct val="0"/>
-              </a:spcBef>
-              <a:buNone/>
-              <a:defRPr sz="4000" kern="1200" cap="all" baseline="0">
-                <a:solidFill>
-                  <a:schemeClr val="tx1"/>
-                </a:solidFill>
-                <a:latin typeface="+mj-lt"/>
-                <a:ea typeface="+mj-ea"/>
-                <a:cs typeface="+mj-cs"/>
-              </a:defRPr>
-            </a:lvl1pPr>
-          </a:lstStyle>
-          <a:p>
-            <a:pPr algn="ctr"/>
-            <a:r>
-              <a:rPr lang="en-GB" sz="2500" dirty="0">
-                <a:latin typeface="Georgia" panose="02040502050405020303" pitchFamily="18" charset="0"/>
-              </a:rPr>
-              <a:t>Responsibilities</a:t>
-            </a:r>
-          </a:p>
-        </p:txBody>
-      </p:sp>
-      <p:sp>
-        <p:nvSpPr>
-          <p:cNvPr id="2" name="TextBox 1">
-            <a:extLst>
-              <a:ext uri="{FF2B5EF4-FFF2-40B4-BE49-F238E27FC236}">
-                <a16:creationId xmlns:a16="http://schemas.microsoft.com/office/drawing/2014/main" id="{626771B4-F1C8-3B2B-706B-2D4CC3790D9F}"/>
-              </a:ext>
-            </a:extLst>
-          </p:cNvPr>
-          <p:cNvSpPr txBox="1"/>
-          <p:nvPr/>
-        </p:nvSpPr>
-        <p:spPr>
-          <a:xfrm>
-            <a:off x="9293275" y="4248000"/>
-            <a:ext cx="2215159" cy="2123658"/>
-          </a:xfrm>
-          <a:prstGeom prst="rect">
-            <a:avLst/>
-          </a:prstGeom>
-          <a:noFill/>
-        </p:spPr>
-        <p:txBody>
-          <a:bodyPr wrap="square" rtlCol="0">
-            <a:spAutoFit/>
-          </a:bodyPr>
-          <a:lstStyle/>
-          <a:p>
-            <a:pPr marL="285750" indent="-285750">
-              <a:buFont typeface="Arial" panose="020B0604020202020204" pitchFamily="34" charset="0"/>
-              <a:buChar char="•"/>
-            </a:pPr>
-            <a:r>
-              <a:rPr lang="en-GB" sz="1200" dirty="0"/>
-              <a:t>Led team meetings and tracked weekly progress.</a:t>
-            </a:r>
-          </a:p>
-          <a:p>
-            <a:pPr marL="285750" indent="-285750">
-              <a:buFont typeface="Arial" panose="020B0604020202020204" pitchFamily="34" charset="0"/>
-              <a:buChar char="•"/>
-            </a:pPr>
-            <a:r>
-              <a:rPr lang="en-GB" sz="1200" dirty="0"/>
-              <a:t>Designed the initial system structure.</a:t>
-            </a:r>
-          </a:p>
-          <a:p>
-            <a:pPr marL="285750" indent="-285750">
-              <a:buFont typeface="Arial" panose="020B0604020202020204" pitchFamily="34" charset="0"/>
-              <a:buChar char="•"/>
-            </a:pPr>
-            <a:r>
-              <a:rPr lang="en-GB" sz="1200" dirty="0"/>
-              <a:t>Sourced and pre-processed the </a:t>
-            </a:r>
-            <a:r>
-              <a:rPr lang="en-GB" sz="1200" dirty="0" err="1"/>
-              <a:t>Qulac</a:t>
-            </a:r>
-            <a:r>
-              <a:rPr lang="en-GB" sz="1200" dirty="0"/>
-              <a:t> dataset.</a:t>
-            </a:r>
-          </a:p>
-          <a:p>
-            <a:pPr marL="285750" indent="-285750">
-              <a:buFont typeface="Arial" panose="020B0604020202020204" pitchFamily="34" charset="0"/>
-              <a:buChar char="•"/>
-            </a:pPr>
-            <a:r>
-              <a:rPr lang="en-GB" sz="1200" dirty="0"/>
-              <a:t>Created templates for the report and presentation.</a:t>
-            </a:r>
-          </a:p>
-        </p:txBody>
-      </p:sp>
-      <p:sp>
-        <p:nvSpPr>
-          <p:cNvPr id="3" name="TextBox 2">
-            <a:extLst>
-              <a:ext uri="{FF2B5EF4-FFF2-40B4-BE49-F238E27FC236}">
-                <a16:creationId xmlns:a16="http://schemas.microsoft.com/office/drawing/2014/main" id="{1A56D24B-2D9E-758B-010F-94D6A9458AB3}"/>
-              </a:ext>
-            </a:extLst>
-          </p:cNvPr>
-          <p:cNvSpPr txBox="1"/>
-          <p:nvPr/>
-        </p:nvSpPr>
-        <p:spPr>
-          <a:xfrm>
-            <a:off x="2820014" y="4248403"/>
-            <a:ext cx="2215159" cy="1384995"/>
-          </a:xfrm>
-          <a:prstGeom prst="rect">
-            <a:avLst/>
-          </a:prstGeom>
-          <a:noFill/>
-        </p:spPr>
-        <p:txBody>
-          <a:bodyPr wrap="square" rtlCol="0">
-            <a:spAutoFit/>
-          </a:bodyPr>
-          <a:lstStyle/>
-          <a:p>
-            <a:pPr marL="285750" indent="-285750">
-              <a:buFont typeface="Arial" panose="020B0604020202020204" pitchFamily="34" charset="0"/>
-              <a:buChar char="•"/>
-            </a:pPr>
-            <a:r>
-              <a:rPr lang="en-GB" sz="1200" dirty="0"/>
-              <a:t>Managed project tools including Kanban board and GitHub.</a:t>
-            </a:r>
-          </a:p>
-          <a:p>
-            <a:pPr marL="285750" indent="-285750">
-              <a:buFont typeface="Arial" panose="020B0604020202020204" pitchFamily="34" charset="0"/>
-              <a:buChar char="•"/>
-            </a:pPr>
-            <a:r>
-              <a:rPr lang="en-GB" sz="1200" dirty="0"/>
-              <a:t>Organised team meetings.</a:t>
-            </a:r>
-          </a:p>
-          <a:p>
-            <a:pPr marL="285750" indent="-285750">
-              <a:buFont typeface="Arial" panose="020B0604020202020204" pitchFamily="34" charset="0"/>
-              <a:buChar char="•"/>
-            </a:pPr>
-            <a:r>
-              <a:rPr lang="en-GB" sz="1200" dirty="0"/>
-              <a:t>Sourced Wikipedia summaries for retrieval.</a:t>
-            </a:r>
-          </a:p>
-        </p:txBody>
-      </p:sp>
-      <p:sp>
-        <p:nvSpPr>
-          <p:cNvPr id="4" name="TextBox 3">
-            <a:extLst>
-              <a:ext uri="{FF2B5EF4-FFF2-40B4-BE49-F238E27FC236}">
-                <a16:creationId xmlns:a16="http://schemas.microsoft.com/office/drawing/2014/main" id="{3A083E88-F80A-02C2-C1F0-7E01883045AD}"/>
-              </a:ext>
-            </a:extLst>
-          </p:cNvPr>
-          <p:cNvSpPr txBox="1"/>
-          <p:nvPr/>
-        </p:nvSpPr>
-        <p:spPr>
-          <a:xfrm>
-            <a:off x="813130" y="4248562"/>
-            <a:ext cx="2215159" cy="1200329"/>
-          </a:xfrm>
-          <a:prstGeom prst="rect">
-            <a:avLst/>
-          </a:prstGeom>
-          <a:noFill/>
-        </p:spPr>
-        <p:txBody>
-          <a:bodyPr wrap="square" rtlCol="0">
-            <a:spAutoFit/>
-          </a:bodyPr>
-          <a:lstStyle/>
-          <a:p>
-            <a:pPr marL="171450" indent="-171450">
-              <a:buFont typeface="Arial" panose="020B0604020202020204" pitchFamily="34" charset="0"/>
-              <a:buChar char="•"/>
-            </a:pPr>
-            <a:r>
-              <a:rPr lang="en-GB" sz="1200" dirty="0"/>
-              <a:t>Set up the SBERT model for sentence similarity.</a:t>
-            </a:r>
-          </a:p>
-          <a:p>
-            <a:pPr marL="171450" indent="-171450">
-              <a:buFont typeface="Arial" panose="020B0604020202020204" pitchFamily="34" charset="0"/>
-              <a:buChar char="•"/>
-            </a:pPr>
-            <a:r>
-              <a:rPr lang="en-GB" sz="1200" dirty="0"/>
-              <a:t>Supported tuning and evaluation of the question ranking module.</a:t>
-            </a:r>
-          </a:p>
-        </p:txBody>
-      </p:sp>
-      <p:sp>
-        <p:nvSpPr>
-          <p:cNvPr id="11" name="TextBox 10">
-            <a:extLst>
-              <a:ext uri="{FF2B5EF4-FFF2-40B4-BE49-F238E27FC236}">
-                <a16:creationId xmlns:a16="http://schemas.microsoft.com/office/drawing/2014/main" id="{2B8EF116-1341-7991-7254-85EB571252E9}"/>
-              </a:ext>
-            </a:extLst>
-          </p:cNvPr>
-          <p:cNvSpPr txBox="1"/>
-          <p:nvPr/>
-        </p:nvSpPr>
-        <p:spPr>
-          <a:xfrm>
-            <a:off x="4948638" y="4248562"/>
-            <a:ext cx="2215159" cy="1569660"/>
-          </a:xfrm>
-          <a:prstGeom prst="rect">
-            <a:avLst/>
-          </a:prstGeom>
-          <a:noFill/>
-        </p:spPr>
-        <p:txBody>
-          <a:bodyPr wrap="square" rtlCol="0">
-            <a:spAutoFit/>
-          </a:bodyPr>
-          <a:lstStyle/>
-          <a:p>
-            <a:pPr marL="171450" lvl="0" indent="-171450">
-              <a:buFont typeface="Arial" panose="020B0604020202020204" pitchFamily="34" charset="0"/>
-              <a:buChar char="•"/>
-            </a:pPr>
-            <a:r>
-              <a:rPr lang="en-GB" sz="1200" dirty="0"/>
-              <a:t>Led implementation and integration of system modules.</a:t>
-            </a:r>
-          </a:p>
-          <a:p>
-            <a:pPr marL="171450" lvl="0" indent="-171450">
-              <a:buFont typeface="Arial" panose="020B0604020202020204" pitchFamily="34" charset="0"/>
-              <a:buChar char="•"/>
-            </a:pPr>
-            <a:r>
-              <a:rPr lang="en-GB" sz="1200" dirty="0"/>
-              <a:t>Set up Rasa and handled communication between components.</a:t>
-            </a:r>
-          </a:p>
-          <a:p>
-            <a:pPr marL="171450" lvl="0" indent="-171450">
-              <a:buFont typeface="Arial" panose="020B0604020202020204" pitchFamily="34" charset="0"/>
-              <a:buChar char="•"/>
-            </a:pPr>
-            <a:r>
-              <a:rPr lang="en-GB" sz="1200" dirty="0"/>
-              <a:t>Produced the system demonstration video.</a:t>
-            </a:r>
-            <a:endParaRPr lang="en-US" sz="1200" dirty="0"/>
-          </a:p>
-        </p:txBody>
-      </p:sp>
-      <p:sp>
-        <p:nvSpPr>
-          <p:cNvPr id="14" name="TextBox 13">
-            <a:extLst>
-              <a:ext uri="{FF2B5EF4-FFF2-40B4-BE49-F238E27FC236}">
-                <a16:creationId xmlns:a16="http://schemas.microsoft.com/office/drawing/2014/main" id="{DC93690C-0F65-387B-85AE-BC59A030F0F3}"/>
-              </a:ext>
-            </a:extLst>
-          </p:cNvPr>
-          <p:cNvSpPr txBox="1"/>
-          <p:nvPr/>
-        </p:nvSpPr>
-        <p:spPr>
-          <a:xfrm>
-            <a:off x="7156827" y="4248000"/>
-            <a:ext cx="2215159" cy="1200329"/>
-          </a:xfrm>
-          <a:prstGeom prst="rect">
-            <a:avLst/>
-          </a:prstGeom>
-          <a:noFill/>
-        </p:spPr>
-        <p:txBody>
-          <a:bodyPr wrap="square" rtlCol="0">
-            <a:spAutoFit/>
-          </a:bodyPr>
-          <a:lstStyle/>
-          <a:p>
-            <a:pPr marL="171450" indent="-171450">
-              <a:buFont typeface="Arial" panose="020B0604020202020204" pitchFamily="34" charset="0"/>
-              <a:buChar char="•"/>
-            </a:pPr>
-            <a:r>
-              <a:rPr lang="en-GB" sz="1200" dirty="0"/>
-              <a:t>Developed and tested the BM25 retrieval module.</a:t>
-            </a:r>
-          </a:p>
-          <a:p>
-            <a:pPr marL="171450" indent="-171450">
-              <a:buFont typeface="Arial" panose="020B0604020202020204" pitchFamily="34" charset="0"/>
-              <a:buChar char="•"/>
-            </a:pPr>
-            <a:r>
-              <a:rPr lang="en-GB" sz="1200" dirty="0"/>
-              <a:t>Supported module integration and retrieval tuning.</a:t>
+              <a:t> Will contain a brief explanation of how each part works</a:t>
             </a:r>
           </a:p>
         </p:txBody>
@@ -11789,7 +12370,7 @@
     </p:spTree>
     <p:extLst>
       <p:ext uri="{BB962C8B-B14F-4D97-AF65-F5344CB8AC3E}">
-        <p14:creationId xmlns:p14="http://schemas.microsoft.com/office/powerpoint/2010/main" val="2768695278"/>
+        <p14:creationId xmlns:p14="http://schemas.microsoft.com/office/powerpoint/2010/main" val="578872567"/>
       </p:ext>
     </p:extLst>
   </p:cSld>

--- a/set10120_cw2_presentation.pptx
+++ b/set10120_cw2_presentation.pptx
@@ -5,7 +5,7 @@
     <p:sldMasterId id="2147483804" r:id="rId1"/>
   </p:sldMasterIdLst>
   <p:notesMasterIdLst>
-    <p:notesMasterId r:id="rId14"/>
+    <p:notesMasterId r:id="rId18"/>
   </p:notesMasterIdLst>
   <p:sldIdLst>
     <p:sldId id="267" r:id="rId2"/>
@@ -16,10 +16,14 @@
     <p:sldId id="275" r:id="rId7"/>
     <p:sldId id="276" r:id="rId8"/>
     <p:sldId id="277" r:id="rId9"/>
-    <p:sldId id="271" r:id="rId10"/>
-    <p:sldId id="273" r:id="rId11"/>
-    <p:sldId id="274" r:id="rId12"/>
-    <p:sldId id="261" r:id="rId13"/>
+    <p:sldId id="278" r:id="rId10"/>
+    <p:sldId id="279" r:id="rId11"/>
+    <p:sldId id="280" r:id="rId12"/>
+    <p:sldId id="281" r:id="rId13"/>
+    <p:sldId id="271" r:id="rId14"/>
+    <p:sldId id="273" r:id="rId15"/>
+    <p:sldId id="274" r:id="rId16"/>
+    <p:sldId id="261" r:id="rId17"/>
   </p:sldIdLst>
   <p:sldSz cx="12192000" cy="6858000"/>
   <p:notesSz cx="6858000" cy="9144000"/>
@@ -4506,7 +4510,7 @@
           <a:bodyPr/>
           <a:lstStyle/>
           <a:p>
-            <a:endParaRPr lang="en-GB" dirty="0"/>
+            <a:endParaRPr lang="en-GB"/>
           </a:p>
         </p:txBody>
       </p:sp>
@@ -4527,7 +4531,91 @@
           <a:p>
             <a:fld id="{11EE68FA-4CE9-4E49-9680-76DC0DFBA015}" type="slidenum">
               <a:rPr lang="en-GB" smtClean="0"/>
-              <a:t>10</a:t>
+              <a:t>11</a:t>
+            </a:fld>
+            <a:endParaRPr lang="en-GB"/>
+          </a:p>
+        </p:txBody>
+      </p:sp>
+    </p:spTree>
+    <p:extLst>
+      <p:ext uri="{BB962C8B-B14F-4D97-AF65-F5344CB8AC3E}">
+        <p14:creationId xmlns:p14="http://schemas.microsoft.com/office/powerpoint/2010/main" val="1734876863"/>
+      </p:ext>
+    </p:extLst>
+  </p:cSld>
+  <p:clrMapOvr>
+    <a:masterClrMapping/>
+  </p:clrMapOvr>
+</p:notes>
+</file>
+
+<file path=ppt/notesSlides/notesSlide2.xml><?xml version="1.0" encoding="utf-8"?>
+<p:notes xmlns:a="http://schemas.openxmlformats.org/drawingml/2006/main" xmlns:r="http://schemas.openxmlformats.org/officeDocument/2006/relationships" xmlns:p="http://schemas.openxmlformats.org/presentationml/2006/main">
+  <p:cSld>
+    <p:spTree>
+      <p:nvGrpSpPr>
+        <p:cNvPr id="1" name=""/>
+        <p:cNvGrpSpPr/>
+        <p:nvPr/>
+      </p:nvGrpSpPr>
+      <p:grpSpPr>
+        <a:xfrm>
+          <a:off x="0" y="0"/>
+          <a:ext cx="0" cy="0"/>
+          <a:chOff x="0" y="0"/>
+          <a:chExt cx="0" cy="0"/>
+        </a:xfrm>
+      </p:grpSpPr>
+      <p:sp>
+        <p:nvSpPr>
+          <p:cNvPr id="2" name="Slide Image Placeholder 1"/>
+          <p:cNvSpPr>
+            <a:spLocks noGrp="1" noRot="1" noChangeAspect="1"/>
+          </p:cNvSpPr>
+          <p:nvPr>
+            <p:ph type="sldImg"/>
+          </p:nvPr>
+        </p:nvSpPr>
+        <p:spPr/>
+      </p:sp>
+      <p:sp>
+        <p:nvSpPr>
+          <p:cNvPr id="3" name="Notes Placeholder 2"/>
+          <p:cNvSpPr>
+            <a:spLocks noGrp="1"/>
+          </p:cNvSpPr>
+          <p:nvPr>
+            <p:ph type="body" idx="1"/>
+          </p:nvPr>
+        </p:nvSpPr>
+        <p:spPr/>
+        <p:txBody>
+          <a:bodyPr/>
+          <a:lstStyle/>
+          <a:p>
+            <a:endParaRPr lang="en-GB" dirty="0"/>
+          </a:p>
+        </p:txBody>
+      </p:sp>
+      <p:sp>
+        <p:nvSpPr>
+          <p:cNvPr id="4" name="Slide Number Placeholder 3"/>
+          <p:cNvSpPr>
+            <a:spLocks noGrp="1"/>
+          </p:cNvSpPr>
+          <p:nvPr>
+            <p:ph type="sldNum" sz="quarter" idx="5"/>
+          </p:nvPr>
+        </p:nvSpPr>
+        <p:spPr/>
+        <p:txBody>
+          <a:bodyPr/>
+          <a:lstStyle/>
+          <a:p>
+            <a:fld id="{11EE68FA-4CE9-4E49-9680-76DC0DFBA015}" type="slidenum">
+              <a:rPr lang="en-GB" smtClean="0"/>
+              <a:t>14</a:t>
             </a:fld>
             <a:endParaRPr lang="en-GB"/>
           </a:p>
@@ -4546,7 +4634,7 @@
 </p:notes>
 </file>
 
-<file path=ppt/notesSlides/notesSlide2.xml><?xml version="1.0" encoding="utf-8"?>
+<file path=ppt/notesSlides/notesSlide3.xml><?xml version="1.0" encoding="utf-8"?>
 <p:notes xmlns:a="http://schemas.openxmlformats.org/drawingml/2006/main" xmlns:r="http://schemas.openxmlformats.org/officeDocument/2006/relationships" xmlns:p="http://schemas.openxmlformats.org/presentationml/2006/main">
   <p:cSld>
     <p:spTree>
@@ -4635,7 +4723,7 @@
           <a:p>
             <a:fld id="{11EE68FA-4CE9-4E49-9680-76DC0DFBA015}" type="slidenum">
               <a:rPr lang="en-GB" smtClean="0"/>
-              <a:t>12</a:t>
+              <a:t>16</a:t>
             </a:fld>
             <a:endParaRPr lang="en-GB"/>
           </a:p>
@@ -10602,7 +10690,7 @@
           <p:cNvPr id="2" name="Title 1">
             <a:extLst>
               <a:ext uri="{FF2B5EF4-FFF2-40B4-BE49-F238E27FC236}">
-                <a16:creationId xmlns:a16="http://schemas.microsoft.com/office/drawing/2014/main" id="{D7DFAB6D-D566-71A2-1B56-13C5F1DAB48F}"/>
+                <a16:creationId xmlns:a16="http://schemas.microsoft.com/office/drawing/2014/main" id="{7A8D3940-C1C2-F263-228A-2A52FA8E4939}"/>
               </a:ext>
             </a:extLst>
           </p:cNvPr>
@@ -10613,30 +10701,32 @@
             <p:ph type="title"/>
           </p:nvPr>
         </p:nvSpPr>
-        <p:spPr>
-          <a:xfrm>
-            <a:off x="1586345" y="293319"/>
-            <a:ext cx="8610600" cy="1293028"/>
-          </a:xfrm>
-        </p:spPr>
+        <p:spPr/>
         <p:txBody>
           <a:bodyPr/>
           <a:lstStyle/>
           <a:p>
-            <a:pPr algn="ctr"/>
-            <a:r>
-              <a:rPr lang="en-GB" dirty="0"/>
-              <a:t>Demo </a:t>
-            </a:r>
-          </a:p>
-        </p:txBody>
-      </p:sp>
-      <p:sp>
-        <p:nvSpPr>
-          <p:cNvPr id="5" name="Content Placeholder 4">
+            <a:r>
+              <a:rPr lang="en-GB" b="1" dirty="0"/>
+              <a:t> </a:t>
+            </a:r>
+            <a:r>
+              <a:rPr lang="en-GB" sz="4000" b="1" dirty="0"/>
+              <a:t>Main Objective</a:t>
+            </a:r>
+            <a:br>
+              <a:rPr lang="en-GB" sz="4000" b="1" dirty="0"/>
+            </a:br>
+            <a:endParaRPr lang="en-GB" dirty="0"/>
+          </a:p>
+        </p:txBody>
+      </p:sp>
+      <p:sp>
+        <p:nvSpPr>
+          <p:cNvPr id="3" name="Content Placeholder 2">
             <a:extLst>
               <a:ext uri="{FF2B5EF4-FFF2-40B4-BE49-F238E27FC236}">
-                <a16:creationId xmlns:a16="http://schemas.microsoft.com/office/drawing/2014/main" id="{6CA17389-D991-A8DD-12F0-6A29D3FBA19E}"/>
+                <a16:creationId xmlns:a16="http://schemas.microsoft.com/office/drawing/2014/main" id="{05EBA7E6-3246-D90C-7B4B-F76D3BE60F15}"/>
               </a:ext>
             </a:extLst>
           </p:cNvPr>
@@ -10652,14 +10742,81 @@
           <a:bodyPr/>
           <a:lstStyle/>
           <a:p>
-            <a:endParaRPr lang="en-GB"/>
+            <a:pPr marL="0" indent="0">
+              <a:buNone/>
+            </a:pPr>
+            <a:r>
+              <a:rPr lang="en-GB" i="1" dirty="0"/>
+              <a:t>To enable semantic clarification in the dialogue system. It also prevents misinterpretation of the user’s intent</a:t>
+            </a:r>
+          </a:p>
+          <a:p>
+            <a:pPr marL="0" indent="0">
+              <a:buNone/>
+            </a:pPr>
+            <a:r>
+              <a:rPr lang="en-GB" b="1" dirty="0"/>
+              <a:t>Integration with the system </a:t>
+            </a:r>
+          </a:p>
+          <a:p>
+            <a:r>
+              <a:rPr lang="en-GB" dirty="0"/>
+              <a:t>This connects directly to RASA as a fallback module.</a:t>
+            </a:r>
+          </a:p>
+          <a:p>
+            <a:r>
+              <a:rPr lang="en-GB" dirty="0"/>
+              <a:t>IT gets triggered when the main BM25 fails to produce a confidence score.</a:t>
+            </a:r>
+          </a:p>
+          <a:p>
+            <a:r>
+              <a:rPr lang="en-GB" dirty="0"/>
+              <a:t>And sends the top-ranking clarifying question back to the conversational flow.</a:t>
+            </a:r>
+          </a:p>
+          <a:p>
+            <a:pPr marL="0" indent="0">
+              <a:buNone/>
+            </a:pPr>
+            <a:r>
+              <a:rPr lang="en-GB" b="1" dirty="0"/>
+              <a:t>Training</a:t>
+            </a:r>
+          </a:p>
+          <a:p>
+            <a:r>
+              <a:rPr lang="en-GB" dirty="0"/>
+              <a:t> Fine-tuned on 196 query-clarification pairs for </a:t>
+            </a:r>
+            <a:r>
+              <a:rPr lang="en-GB" b="1" dirty="0"/>
+              <a:t>QULAC dataset </a:t>
+            </a:r>
+            <a:r>
+              <a:rPr lang="en-GB" dirty="0"/>
+              <a:t>using </a:t>
+            </a:r>
+            <a:r>
+              <a:rPr lang="en-GB" i="1" dirty="0" err="1"/>
+              <a:t>MultipleNegativeRankingLoss</a:t>
+            </a:r>
+            <a:r>
+              <a:rPr lang="en-GB" i="1" dirty="0"/>
+              <a:t> for effective semantic learning.</a:t>
+            </a:r>
+          </a:p>
+          <a:p>
+            <a:endParaRPr lang="en-GB" dirty="0"/>
           </a:p>
         </p:txBody>
       </p:sp>
     </p:spTree>
     <p:extLst>
       <p:ext uri="{BB962C8B-B14F-4D97-AF65-F5344CB8AC3E}">
-        <p14:creationId xmlns:p14="http://schemas.microsoft.com/office/powerpoint/2010/main" val="1865987374"/>
+        <p14:creationId xmlns:p14="http://schemas.microsoft.com/office/powerpoint/2010/main" val="2418288355"/>
       </p:ext>
     </p:extLst>
   </p:cSld>
@@ -10691,6 +10848,553 @@
           <p:cNvPr id="2" name="Title 1">
             <a:extLst>
               <a:ext uri="{FF2B5EF4-FFF2-40B4-BE49-F238E27FC236}">
+                <a16:creationId xmlns:a16="http://schemas.microsoft.com/office/drawing/2014/main" id="{EDC8C1B0-92E6-A455-8C7A-1B891B496048}"/>
+              </a:ext>
+            </a:extLst>
+          </p:cNvPr>
+          <p:cNvSpPr>
+            <a:spLocks noGrp="1"/>
+          </p:cNvSpPr>
+          <p:nvPr>
+            <p:ph type="title"/>
+          </p:nvPr>
+        </p:nvSpPr>
+        <p:spPr/>
+        <p:txBody>
+          <a:bodyPr/>
+          <a:lstStyle/>
+          <a:p>
+            <a:r>
+              <a:rPr lang="en-GB" dirty="0"/>
+              <a:t>📊Evaluation </a:t>
+            </a:r>
+          </a:p>
+        </p:txBody>
+      </p:sp>
+      <p:sp>
+        <p:nvSpPr>
+          <p:cNvPr id="3" name="Content Placeholder 2">
+            <a:extLst>
+              <a:ext uri="{FF2B5EF4-FFF2-40B4-BE49-F238E27FC236}">
+                <a16:creationId xmlns:a16="http://schemas.microsoft.com/office/drawing/2014/main" id="{4A116B7C-3FF5-D81E-9D7A-8C10685646C7}"/>
+              </a:ext>
+            </a:extLst>
+          </p:cNvPr>
+          <p:cNvSpPr>
+            <a:spLocks noGrp="1"/>
+          </p:cNvSpPr>
+          <p:nvPr>
+            <p:ph idx="1"/>
+          </p:nvPr>
+        </p:nvSpPr>
+        <p:spPr/>
+        <p:txBody>
+          <a:bodyPr>
+            <a:normAutofit lnSpcReduction="10000"/>
+          </a:bodyPr>
+          <a:lstStyle/>
+          <a:p>
+            <a:pPr marL="0" indent="0">
+              <a:buNone/>
+            </a:pPr>
+            <a:r>
+              <a:rPr lang="en-GB" b="1" dirty="0"/>
+              <a:t>Dataset used</a:t>
+            </a:r>
+          </a:p>
+          <a:p>
+            <a:r>
+              <a:rPr lang="en-GB" dirty="0"/>
+              <a:t>The model is evaluated with 75 ambiguous queries across diverse domains such as tech, medical, education, etc.</a:t>
+            </a:r>
+          </a:p>
+          <a:p>
+            <a:r>
+              <a:rPr lang="en-GB" dirty="0"/>
+              <a:t>Each query/intent contains 4 clarifying questions.</a:t>
+            </a:r>
+          </a:p>
+          <a:p>
+            <a:r>
+              <a:rPr lang="en-GB" dirty="0"/>
+              <a:t>This evaluation is designed to test the model’s generalization </a:t>
+            </a:r>
+          </a:p>
+          <a:p>
+            <a:pPr marL="0" indent="0">
+              <a:buNone/>
+            </a:pPr>
+            <a:r>
+              <a:rPr lang="en-GB" dirty="0"/>
+              <a:t>beyond the initial dataset of 196(ambiguous pairs).</a:t>
+            </a:r>
+          </a:p>
+          <a:p>
+            <a:pPr marL="0" indent="0">
+              <a:buNone/>
+            </a:pPr>
+            <a:r>
+              <a:rPr lang="en-GB" b="1" dirty="0"/>
+              <a:t>Process</a:t>
+            </a:r>
+          </a:p>
+          <a:p>
+            <a:r>
+              <a:rPr lang="en-GB" dirty="0"/>
+              <a:t>The SBERT model ranks the clarification by the cosine similarity.</a:t>
+            </a:r>
+          </a:p>
+          <a:p>
+            <a:r>
+              <a:rPr lang="en-GB" dirty="0"/>
+              <a:t>The top clarification is selected for each query and,</a:t>
+            </a:r>
+          </a:p>
+          <a:p>
+            <a:pPr marL="0" indent="0">
+              <a:buNone/>
+            </a:pPr>
+            <a:r>
+              <a:rPr lang="en-GB" dirty="0"/>
+              <a:t>The prediction is considered confident if the similarity ≥ 0.40</a:t>
+            </a:r>
+          </a:p>
+          <a:p>
+            <a:endParaRPr lang="en-GB" dirty="0"/>
+          </a:p>
+        </p:txBody>
+      </p:sp>
+    </p:spTree>
+    <p:extLst>
+      <p:ext uri="{BB962C8B-B14F-4D97-AF65-F5344CB8AC3E}">
+        <p14:creationId xmlns:p14="http://schemas.microsoft.com/office/powerpoint/2010/main" val="899443281"/>
+      </p:ext>
+    </p:extLst>
+  </p:cSld>
+  <p:clrMapOvr>
+    <a:masterClrMapping/>
+  </p:clrMapOvr>
+</p:sld>
+</file>
+
+<file path=ppt/slides/slide12.xml><?xml version="1.0" encoding="utf-8"?>
+<p:sld xmlns:a="http://schemas.openxmlformats.org/drawingml/2006/main" xmlns:r="http://schemas.openxmlformats.org/officeDocument/2006/relationships" xmlns:p="http://schemas.openxmlformats.org/presentationml/2006/main">
+  <p:cSld>
+    <p:spTree>
+      <p:nvGrpSpPr>
+        <p:cNvPr id="1" name=""/>
+        <p:cNvGrpSpPr/>
+        <p:nvPr/>
+      </p:nvGrpSpPr>
+      <p:grpSpPr>
+        <a:xfrm>
+          <a:off x="0" y="0"/>
+          <a:ext cx="0" cy="0"/>
+          <a:chOff x="0" y="0"/>
+          <a:chExt cx="0" cy="0"/>
+        </a:xfrm>
+      </p:grpSpPr>
+      <p:sp>
+        <p:nvSpPr>
+          <p:cNvPr id="2" name="Title 1">
+            <a:extLst>
+              <a:ext uri="{FF2B5EF4-FFF2-40B4-BE49-F238E27FC236}">
+                <a16:creationId xmlns:a16="http://schemas.microsoft.com/office/drawing/2014/main" id="{9367C87E-A8F9-8F88-2B80-D85F651F07D3}"/>
+              </a:ext>
+            </a:extLst>
+          </p:cNvPr>
+          <p:cNvSpPr>
+            <a:spLocks noGrp="1"/>
+          </p:cNvSpPr>
+          <p:nvPr>
+            <p:ph type="title"/>
+          </p:nvPr>
+        </p:nvSpPr>
+        <p:spPr/>
+        <p:txBody>
+          <a:bodyPr/>
+          <a:lstStyle/>
+          <a:p>
+            <a:r>
+              <a:rPr lang="en-GB" dirty="0"/>
+              <a:t>Results</a:t>
+            </a:r>
+          </a:p>
+        </p:txBody>
+      </p:sp>
+      <p:sp>
+        <p:nvSpPr>
+          <p:cNvPr id="3" name="Content Placeholder 2">
+            <a:extLst>
+              <a:ext uri="{FF2B5EF4-FFF2-40B4-BE49-F238E27FC236}">
+                <a16:creationId xmlns:a16="http://schemas.microsoft.com/office/drawing/2014/main" id="{D25DD728-94C7-9249-4D80-91DAC9788FD1}"/>
+              </a:ext>
+            </a:extLst>
+          </p:cNvPr>
+          <p:cNvSpPr>
+            <a:spLocks noGrp="1"/>
+          </p:cNvSpPr>
+          <p:nvPr>
+            <p:ph idx="1"/>
+          </p:nvPr>
+        </p:nvSpPr>
+        <p:spPr/>
+        <p:txBody>
+          <a:bodyPr/>
+          <a:lstStyle/>
+          <a:p>
+            <a:pPr marL="0" indent="0">
+              <a:buNone/>
+            </a:pPr>
+            <a:r>
+              <a:rPr lang="en-GB" b="1" dirty="0"/>
+              <a:t>Confident Prediction</a:t>
+            </a:r>
+            <a:r>
+              <a:rPr lang="en-GB" dirty="0"/>
+              <a:t>: 63/75(84%)</a:t>
+            </a:r>
+          </a:p>
+          <a:p>
+            <a:pPr marL="0" indent="0">
+              <a:buNone/>
+            </a:pPr>
+            <a:r>
+              <a:rPr lang="en-GB" dirty="0"/>
+              <a:t>Average </a:t>
+            </a:r>
+            <a:r>
+              <a:rPr lang="en-GB" b="1" dirty="0"/>
+              <a:t>confidence</a:t>
+            </a:r>
+            <a:r>
+              <a:rPr lang="en-GB" dirty="0"/>
+              <a:t> </a:t>
+            </a:r>
+            <a:r>
+              <a:rPr lang="en-GB" u="sng" dirty="0"/>
+              <a:t>similarity score</a:t>
+            </a:r>
+            <a:r>
+              <a:rPr lang="en-GB" dirty="0"/>
+              <a:t>: 0.563</a:t>
+            </a:r>
+          </a:p>
+          <a:p>
+            <a:pPr marL="0" indent="0">
+              <a:buNone/>
+            </a:pPr>
+            <a:r>
+              <a:rPr lang="en-GB" dirty="0"/>
+              <a:t>Percent of </a:t>
+            </a:r>
+            <a:r>
+              <a:rPr lang="en-GB" b="1" dirty="0"/>
+              <a:t>non-confident </a:t>
+            </a:r>
+            <a:r>
+              <a:rPr lang="en-GB" dirty="0"/>
+              <a:t>prediction:16%(</a:t>
+            </a:r>
+            <a:r>
+              <a:rPr lang="en-GB" dirty="0" err="1"/>
+              <a:t>avg</a:t>
+            </a:r>
+            <a:r>
+              <a:rPr lang="en-GB" dirty="0"/>
+              <a:t> 0.38)</a:t>
+            </a:r>
+          </a:p>
+          <a:p>
+            <a:pPr marL="0" indent="0">
+              <a:buNone/>
+            </a:pPr>
+            <a:r>
+              <a:rPr lang="en-GB" dirty="0"/>
+              <a:t>The </a:t>
+            </a:r>
+            <a:r>
+              <a:rPr lang="en-GB" b="1" dirty="0"/>
+              <a:t>threshold</a:t>
+            </a:r>
+            <a:r>
+              <a:rPr lang="en-GB" dirty="0"/>
+              <a:t> was set at 0.4</a:t>
+            </a:r>
+          </a:p>
+          <a:p>
+            <a:pPr marL="0" indent="0">
+              <a:buNone/>
+            </a:pPr>
+            <a:r>
+              <a:rPr lang="en-GB" b="1" dirty="0"/>
+              <a:t>Key insight:</a:t>
+            </a:r>
+          </a:p>
+          <a:p>
+            <a:r>
+              <a:rPr lang="en-GB" dirty="0"/>
+              <a:t>The model achieves a </a:t>
+            </a:r>
+            <a:r>
+              <a:rPr lang="en-GB" b="1" dirty="0"/>
+              <a:t>high semantic score </a:t>
+            </a:r>
+            <a:r>
+              <a:rPr lang="en-GB" dirty="0"/>
+              <a:t>across various topics. Showing a strong semantic match across unseen and ambiguous inputs. </a:t>
+            </a:r>
+          </a:p>
+          <a:p>
+            <a:r>
+              <a:rPr lang="en-GB" dirty="0"/>
+              <a:t>Showed </a:t>
+            </a:r>
+            <a:r>
+              <a:rPr lang="en-GB" b="1" dirty="0"/>
+              <a:t>appropriate uncertainty </a:t>
+            </a:r>
+            <a:r>
+              <a:rPr lang="en-GB" dirty="0"/>
+              <a:t>near threshold(0.4). Overall, it demonstrates a robust understanding of the query intent pair.</a:t>
+            </a:r>
+          </a:p>
+          <a:p>
+            <a:endParaRPr lang="en-GB" dirty="0"/>
+          </a:p>
+        </p:txBody>
+      </p:sp>
+    </p:spTree>
+    <p:extLst>
+      <p:ext uri="{BB962C8B-B14F-4D97-AF65-F5344CB8AC3E}">
+        <p14:creationId xmlns:p14="http://schemas.microsoft.com/office/powerpoint/2010/main" val="2802631631"/>
+      </p:ext>
+    </p:extLst>
+  </p:cSld>
+  <p:clrMapOvr>
+    <a:masterClrMapping/>
+  </p:clrMapOvr>
+</p:sld>
+</file>
+
+<file path=ppt/slides/slide13.xml><?xml version="1.0" encoding="utf-8"?>
+<p:sld xmlns:a="http://schemas.openxmlformats.org/drawingml/2006/main" xmlns:r="http://schemas.openxmlformats.org/officeDocument/2006/relationships" xmlns:p="http://schemas.openxmlformats.org/presentationml/2006/main">
+  <p:cSld>
+    <p:spTree>
+      <p:nvGrpSpPr>
+        <p:cNvPr id="1" name=""/>
+        <p:cNvGrpSpPr/>
+        <p:nvPr/>
+      </p:nvGrpSpPr>
+      <p:grpSpPr>
+        <a:xfrm>
+          <a:off x="0" y="0"/>
+          <a:ext cx="0" cy="0"/>
+          <a:chOff x="0" y="0"/>
+          <a:chExt cx="0" cy="0"/>
+        </a:xfrm>
+      </p:grpSpPr>
+      <p:sp>
+        <p:nvSpPr>
+          <p:cNvPr id="2" name="Title 1">
+            <a:extLst>
+              <a:ext uri="{FF2B5EF4-FFF2-40B4-BE49-F238E27FC236}">
+                <a16:creationId xmlns:a16="http://schemas.microsoft.com/office/drawing/2014/main" id="{C41B84A3-B39F-2947-948F-064826D3EDB5}"/>
+              </a:ext>
+            </a:extLst>
+          </p:cNvPr>
+          <p:cNvSpPr>
+            <a:spLocks noGrp="1"/>
+          </p:cNvSpPr>
+          <p:nvPr>
+            <p:ph type="title"/>
+          </p:nvPr>
+        </p:nvSpPr>
+        <p:spPr/>
+        <p:txBody>
+          <a:bodyPr/>
+          <a:lstStyle/>
+          <a:p>
+            <a:r>
+              <a:rPr lang="en-GB" dirty="0"/>
+              <a:t>Demo showcase</a:t>
+            </a:r>
+          </a:p>
+        </p:txBody>
+      </p:sp>
+      <p:sp>
+        <p:nvSpPr>
+          <p:cNvPr id="3" name="Content Placeholder 2">
+            <a:extLst>
+              <a:ext uri="{FF2B5EF4-FFF2-40B4-BE49-F238E27FC236}">
+                <a16:creationId xmlns:a16="http://schemas.microsoft.com/office/drawing/2014/main" id="{CF8D7010-BBC3-8BCA-1CFE-A5ECA17B0F19}"/>
+              </a:ext>
+            </a:extLst>
+          </p:cNvPr>
+          <p:cNvSpPr>
+            <a:spLocks noGrp="1"/>
+          </p:cNvSpPr>
+          <p:nvPr>
+            <p:ph idx="1"/>
+          </p:nvPr>
+        </p:nvSpPr>
+        <p:spPr/>
+        <p:txBody>
+          <a:bodyPr/>
+          <a:lstStyle/>
+          <a:p>
+            <a:r>
+              <a:rPr lang="en-GB" dirty="0"/>
+              <a:t>Demo will Showcase:</a:t>
+            </a:r>
+          </a:p>
+          <a:p>
+            <a:endParaRPr lang="en-GB" dirty="0"/>
+          </a:p>
+          <a:p>
+            <a:r>
+              <a:rPr lang="en-GB" dirty="0"/>
+              <a:t>Bm25: working independently with RASA</a:t>
+            </a:r>
+          </a:p>
+          <a:p>
+            <a:r>
+              <a:rPr lang="en-GB" dirty="0"/>
+              <a:t>SBERT: working alongside bm25 and RASA</a:t>
+            </a:r>
+          </a:p>
+          <a:p>
+            <a:r>
+              <a:rPr lang="en-GB" dirty="0"/>
+              <a:t> Will contain a brief explanation of how each part works</a:t>
+            </a:r>
+          </a:p>
+        </p:txBody>
+      </p:sp>
+    </p:spTree>
+    <p:extLst>
+      <p:ext uri="{BB962C8B-B14F-4D97-AF65-F5344CB8AC3E}">
+        <p14:creationId xmlns:p14="http://schemas.microsoft.com/office/powerpoint/2010/main" val="578872567"/>
+      </p:ext>
+    </p:extLst>
+  </p:cSld>
+  <p:clrMapOvr>
+    <a:masterClrMapping/>
+  </p:clrMapOvr>
+</p:sld>
+</file>
+
+<file path=ppt/slides/slide14.xml><?xml version="1.0" encoding="utf-8"?>
+<p:sld xmlns:a="http://schemas.openxmlformats.org/drawingml/2006/main" xmlns:r="http://schemas.openxmlformats.org/officeDocument/2006/relationships" xmlns:p="http://schemas.openxmlformats.org/presentationml/2006/main">
+  <p:cSld>
+    <p:spTree>
+      <p:nvGrpSpPr>
+        <p:cNvPr id="1" name=""/>
+        <p:cNvGrpSpPr/>
+        <p:nvPr/>
+      </p:nvGrpSpPr>
+      <p:grpSpPr>
+        <a:xfrm>
+          <a:off x="0" y="0"/>
+          <a:ext cx="0" cy="0"/>
+          <a:chOff x="0" y="0"/>
+          <a:chExt cx="0" cy="0"/>
+        </a:xfrm>
+      </p:grpSpPr>
+      <p:sp>
+        <p:nvSpPr>
+          <p:cNvPr id="2" name="Title 1">
+            <a:extLst>
+              <a:ext uri="{FF2B5EF4-FFF2-40B4-BE49-F238E27FC236}">
+                <a16:creationId xmlns:a16="http://schemas.microsoft.com/office/drawing/2014/main" id="{D7DFAB6D-D566-71A2-1B56-13C5F1DAB48F}"/>
+              </a:ext>
+            </a:extLst>
+          </p:cNvPr>
+          <p:cNvSpPr>
+            <a:spLocks noGrp="1"/>
+          </p:cNvSpPr>
+          <p:nvPr>
+            <p:ph type="title"/>
+          </p:nvPr>
+        </p:nvSpPr>
+        <p:spPr>
+          <a:xfrm>
+            <a:off x="1586345" y="293319"/>
+            <a:ext cx="8610600" cy="1293028"/>
+          </a:xfrm>
+        </p:spPr>
+        <p:txBody>
+          <a:bodyPr/>
+          <a:lstStyle/>
+          <a:p>
+            <a:pPr algn="ctr"/>
+            <a:r>
+              <a:rPr lang="en-GB" dirty="0"/>
+              <a:t>Demo </a:t>
+            </a:r>
+          </a:p>
+        </p:txBody>
+      </p:sp>
+      <p:sp>
+        <p:nvSpPr>
+          <p:cNvPr id="5" name="Content Placeholder 4">
+            <a:extLst>
+              <a:ext uri="{FF2B5EF4-FFF2-40B4-BE49-F238E27FC236}">
+                <a16:creationId xmlns:a16="http://schemas.microsoft.com/office/drawing/2014/main" id="{6CA17389-D991-A8DD-12F0-6A29D3FBA19E}"/>
+              </a:ext>
+            </a:extLst>
+          </p:cNvPr>
+          <p:cNvSpPr>
+            <a:spLocks noGrp="1"/>
+          </p:cNvSpPr>
+          <p:nvPr>
+            <p:ph idx="1"/>
+          </p:nvPr>
+        </p:nvSpPr>
+        <p:spPr/>
+        <p:txBody>
+          <a:bodyPr/>
+          <a:lstStyle/>
+          <a:p>
+            <a:endParaRPr lang="en-GB"/>
+          </a:p>
+        </p:txBody>
+      </p:sp>
+    </p:spTree>
+    <p:extLst>
+      <p:ext uri="{BB962C8B-B14F-4D97-AF65-F5344CB8AC3E}">
+        <p14:creationId xmlns:p14="http://schemas.microsoft.com/office/powerpoint/2010/main" val="1865987374"/>
+      </p:ext>
+    </p:extLst>
+  </p:cSld>
+  <p:clrMapOvr>
+    <a:masterClrMapping/>
+  </p:clrMapOvr>
+</p:sld>
+</file>
+
+<file path=ppt/slides/slide15.xml><?xml version="1.0" encoding="utf-8"?>
+<p:sld xmlns:a="http://schemas.openxmlformats.org/drawingml/2006/main" xmlns:r="http://schemas.openxmlformats.org/officeDocument/2006/relationships" xmlns:p="http://schemas.openxmlformats.org/presentationml/2006/main">
+  <p:cSld>
+    <p:spTree>
+      <p:nvGrpSpPr>
+        <p:cNvPr id="1" name=""/>
+        <p:cNvGrpSpPr/>
+        <p:nvPr/>
+      </p:nvGrpSpPr>
+      <p:grpSpPr>
+        <a:xfrm>
+          <a:off x="0" y="0"/>
+          <a:ext cx="0" cy="0"/>
+          <a:chOff x="0" y="0"/>
+          <a:chExt cx="0" cy="0"/>
+        </a:xfrm>
+      </p:grpSpPr>
+      <p:sp>
+        <p:nvSpPr>
+          <p:cNvPr id="2" name="Title 1">
+            <a:extLst>
+              <a:ext uri="{FF2B5EF4-FFF2-40B4-BE49-F238E27FC236}">
                 <a16:creationId xmlns:a16="http://schemas.microsoft.com/office/drawing/2014/main" id="{A2BDFED7-51FC-9DE3-9DC9-FE3818447CEB}"/>
               </a:ext>
             </a:extLst>
@@ -10752,7 +11456,7 @@
 </p:sld>
 </file>
 
-<file path=ppt/slides/slide12.xml><?xml version="1.0" encoding="utf-8"?>
+<file path=ppt/slides/slide16.xml><?xml version="1.0" encoding="utf-8"?>
 <p:sld xmlns:a="http://schemas.openxmlformats.org/drawingml/2006/main" xmlns:r="http://schemas.openxmlformats.org/officeDocument/2006/relationships" xmlns:p="http://schemas.openxmlformats.org/presentationml/2006/main">
   <p:cSld>
     <p:spTree>
@@ -12295,7 +12999,7 @@
           <p:cNvPr id="2" name="Title 1">
             <a:extLst>
               <a:ext uri="{FF2B5EF4-FFF2-40B4-BE49-F238E27FC236}">
-                <a16:creationId xmlns:a16="http://schemas.microsoft.com/office/drawing/2014/main" id="{C41B84A3-B39F-2947-948F-064826D3EDB5}"/>
+                <a16:creationId xmlns:a16="http://schemas.microsoft.com/office/drawing/2014/main" id="{24025246-B77A-E968-16EB-FEFF26EB6F58}"/>
               </a:ext>
             </a:extLst>
           </p:cNvPr>
@@ -12312,9 +13016,10 @@
           <a:lstStyle/>
           <a:p>
             <a:r>
-              <a:rPr lang="en-GB" dirty="0"/>
-              <a:t>Demo showcase</a:t>
-            </a:r>
+              <a:rPr lang="en-GB" sz="4000" b="1" dirty="0"/>
+              <a:t>SBERT Clarification Ranking Model</a:t>
+            </a:r>
+            <a:endParaRPr lang="en-GB" dirty="0"/>
           </a:p>
         </p:txBody>
       </p:sp>
@@ -12323,7 +13028,7 @@
           <p:cNvPr id="3" name="Content Placeholder 2">
             <a:extLst>
               <a:ext uri="{FF2B5EF4-FFF2-40B4-BE49-F238E27FC236}">
-                <a16:creationId xmlns:a16="http://schemas.microsoft.com/office/drawing/2014/main" id="{CF8D7010-BBC3-8BCA-1CFE-A5ECA17B0F19}"/>
+                <a16:creationId xmlns:a16="http://schemas.microsoft.com/office/drawing/2014/main" id="{AF6ED6C3-DA6C-3C27-7DC9-3DBDE19CB8FD}"/>
               </a:ext>
             </a:extLst>
           </p:cNvPr>
@@ -12340,37 +13045,63 @@
           <a:lstStyle/>
           <a:p>
             <a:r>
-              <a:rPr lang="en-GB" dirty="0"/>
-              <a:t>Demo will Showcase:</a:t>
+              <a:rPr lang="en-GB" sz="2400" b="1" dirty="0"/>
+              <a:t>Purpose: </a:t>
+            </a:r>
+            <a:r>
+              <a:rPr lang="en-GB" sz="2400" dirty="0"/>
+              <a:t>Designed to handle ambiguous queries in the conversation system by suggesting a relevant clarifying question</a:t>
+            </a:r>
+          </a:p>
+          <a:p>
+            <a:r>
+              <a:rPr lang="en-GB" sz="2400" b="1" dirty="0"/>
+              <a:t>Model used: </a:t>
+            </a:r>
+            <a:r>
+              <a:rPr lang="en-GB" sz="2400" i="1" dirty="0"/>
+              <a:t>all-MiniLM-L6-v2- A compact, efficient sentence embedding model.</a:t>
+            </a:r>
+          </a:p>
+          <a:p>
+            <a:r>
+              <a:rPr lang="en-GB" sz="2400" b="1" dirty="0"/>
+              <a:t>Features</a:t>
+            </a:r>
+          </a:p>
+          <a:p>
+            <a:pPr marL="342900" indent="-342900">
+              <a:buFont typeface="Arial" panose="020B0604020202020204" pitchFamily="34" charset="0"/>
+              <a:buChar char="•"/>
+            </a:pPr>
+            <a:r>
+              <a:rPr lang="en-GB" sz="2400" b="1" dirty="0"/>
+              <a:t> </a:t>
+            </a:r>
+            <a:r>
+              <a:rPr lang="en-GB" sz="2400" dirty="0"/>
+              <a:t>The Model has high inference and semantic accuracy, making it ideal for clarifying question tasks.</a:t>
+            </a:r>
+          </a:p>
+          <a:p>
+            <a:pPr marL="342900" indent="-342900">
+              <a:buFont typeface="Arial" panose="020B0604020202020204" pitchFamily="34" charset="0"/>
+              <a:buChar char="•"/>
+            </a:pPr>
+            <a:r>
+              <a:rPr lang="en-GB" sz="2400" i="1" dirty="0"/>
+              <a:t>Compatible with a retrieval-based ranking system like RASA</a:t>
             </a:r>
           </a:p>
           <a:p>
             <a:endParaRPr lang="en-GB" dirty="0"/>
-          </a:p>
-          <a:p>
-            <a:r>
-              <a:rPr lang="en-GB" dirty="0"/>
-              <a:t>Bm25: working independently with RASA</a:t>
-            </a:r>
-          </a:p>
-          <a:p>
-            <a:r>
-              <a:rPr lang="en-GB" dirty="0"/>
-              <a:t>SBERT: working alongside bm25 and RASA</a:t>
-            </a:r>
-          </a:p>
-          <a:p>
-            <a:r>
-              <a:rPr lang="en-GB" dirty="0"/>
-              <a:t> Will contain a brief explanation of how each part works</a:t>
-            </a:r>
           </a:p>
         </p:txBody>
       </p:sp>
     </p:spTree>
     <p:extLst>
       <p:ext uri="{BB962C8B-B14F-4D97-AF65-F5344CB8AC3E}">
-        <p14:creationId xmlns:p14="http://schemas.microsoft.com/office/powerpoint/2010/main" val="578872567"/>
+        <p14:creationId xmlns:p14="http://schemas.microsoft.com/office/powerpoint/2010/main" val="2488688597"/>
       </p:ext>
     </p:extLst>
   </p:cSld>

--- a/set10120_cw2_presentation.pptx
+++ b/set10120_cw2_presentation.pptx
@@ -4198,7 +4198,7 @@
           <a:p>
             <a:fld id="{F524CC67-45C1-49D0-8AEB-2EF995C1B354}" type="datetimeFigureOut">
               <a:rPr lang="en-GB" smtClean="0"/>
-              <a:t>06/05/2025</a:t>
+              <a:t>07/05/2025</a:t>
             </a:fld>
             <a:endParaRPr lang="en-GB"/>
           </a:p>
@@ -4912,7 +4912,7 @@
           <a:p>
             <a:fld id="{E796DD2E-7FCA-4C1F-A0C3-02DE4E493BB2}" type="datetimeFigureOut">
               <a:rPr lang="en-GB" smtClean="0"/>
-              <a:t>06/05/2025</a:t>
+              <a:t>07/05/2025</a:t>
             </a:fld>
             <a:endParaRPr lang="en-GB" dirty="0"/>
           </a:p>
@@ -5178,7 +5178,7 @@
           <a:p>
             <a:fld id="{E796DD2E-7FCA-4C1F-A0C3-02DE4E493BB2}" type="datetimeFigureOut">
               <a:rPr lang="en-GB" smtClean="0"/>
-              <a:t>06/05/2025</a:t>
+              <a:t>07/05/2025</a:t>
             </a:fld>
             <a:endParaRPr lang="en-GB" dirty="0"/>
           </a:p>
@@ -5434,7 +5434,7 @@
           <a:p>
             <a:fld id="{E796DD2E-7FCA-4C1F-A0C3-02DE4E493BB2}" type="datetimeFigureOut">
               <a:rPr lang="en-GB" smtClean="0"/>
-              <a:t>06/05/2025</a:t>
+              <a:t>07/05/2025</a:t>
             </a:fld>
             <a:endParaRPr lang="en-GB" dirty="0"/>
           </a:p>
@@ -5665,7 +5665,7 @@
           <a:p>
             <a:fld id="{E796DD2E-7FCA-4C1F-A0C3-02DE4E493BB2}" type="datetimeFigureOut">
               <a:rPr lang="en-GB" smtClean="0"/>
-              <a:t>06/05/2025</a:t>
+              <a:t>07/05/2025</a:t>
             </a:fld>
             <a:endParaRPr lang="en-GB" dirty="0"/>
           </a:p>
@@ -5975,7 +5975,7 @@
           <a:p>
             <a:fld id="{E796DD2E-7FCA-4C1F-A0C3-02DE4E493BB2}" type="datetimeFigureOut">
               <a:rPr lang="en-GB" smtClean="0"/>
-              <a:t>06/05/2025</a:t>
+              <a:t>07/05/2025</a:t>
             </a:fld>
             <a:endParaRPr lang="en-GB" dirty="0"/>
           </a:p>
@@ -6448,7 +6448,7 @@
           <a:p>
             <a:fld id="{E796DD2E-7FCA-4C1F-A0C3-02DE4E493BB2}" type="datetimeFigureOut">
               <a:rPr lang="en-GB" smtClean="0"/>
-              <a:t>06/05/2025</a:t>
+              <a:t>07/05/2025</a:t>
             </a:fld>
             <a:endParaRPr lang="en-GB" dirty="0"/>
           </a:p>
@@ -6995,7 +6995,7 @@
           <a:p>
             <a:fld id="{E796DD2E-7FCA-4C1F-A0C3-02DE4E493BB2}" type="datetimeFigureOut">
               <a:rPr lang="en-GB" smtClean="0"/>
-              <a:t>06/05/2025</a:t>
+              <a:t>07/05/2025</a:t>
             </a:fld>
             <a:endParaRPr lang="en-GB" dirty="0"/>
           </a:p>
@@ -7766,7 +7766,7 @@
           <a:p>
             <a:fld id="{E796DD2E-7FCA-4C1F-A0C3-02DE4E493BB2}" type="datetimeFigureOut">
               <a:rPr lang="en-GB" smtClean="0"/>
-              <a:t>06/05/2025</a:t>
+              <a:t>07/05/2025</a:t>
             </a:fld>
             <a:endParaRPr lang="en-GB" dirty="0"/>
           </a:p>
@@ -7941,7 +7941,7 @@
           <a:p>
             <a:fld id="{E796DD2E-7FCA-4C1F-A0C3-02DE4E493BB2}" type="datetimeFigureOut">
               <a:rPr lang="en-GB" smtClean="0"/>
-              <a:t>06/05/2025</a:t>
+              <a:t>07/05/2025</a:t>
             </a:fld>
             <a:endParaRPr lang="en-GB" dirty="0"/>
           </a:p>
@@ -8164,7 +8164,7 @@
           <a:p>
             <a:fld id="{E796DD2E-7FCA-4C1F-A0C3-02DE4E493BB2}" type="datetimeFigureOut">
               <a:rPr lang="en-GB" smtClean="0"/>
-              <a:t>06/05/2025</a:t>
+              <a:t>07/05/2025</a:t>
             </a:fld>
             <a:endParaRPr lang="en-GB" dirty="0"/>
           </a:p>
@@ -8344,7 +8344,7 @@
           <a:p>
             <a:fld id="{E796DD2E-7FCA-4C1F-A0C3-02DE4E493BB2}" type="datetimeFigureOut">
               <a:rPr lang="en-GB" smtClean="0"/>
-              <a:t>06/05/2025</a:t>
+              <a:t>07/05/2025</a:t>
             </a:fld>
             <a:endParaRPr lang="en-GB" dirty="0"/>
           </a:p>
@@ -8474,7 +8474,7 @@
           <a:p>
             <a:fld id="{E796DD2E-7FCA-4C1F-A0C3-02DE4E493BB2}" type="datetimeFigureOut">
               <a:rPr lang="en-GB" smtClean="0"/>
-              <a:t>06/05/2025</a:t>
+              <a:t>07/05/2025</a:t>
             </a:fld>
             <a:endParaRPr lang="en-GB" dirty="0"/>
           </a:p>
@@ -8775,7 +8775,7 @@
           <a:p>
             <a:fld id="{E796DD2E-7FCA-4C1F-A0C3-02DE4E493BB2}" type="datetimeFigureOut">
               <a:rPr lang="en-GB" smtClean="0"/>
-              <a:t>06/05/2025</a:t>
+              <a:t>07/05/2025</a:t>
             </a:fld>
             <a:endParaRPr lang="en-GB" dirty="0"/>
           </a:p>
@@ -9017,7 +9017,7 @@
           <a:p>
             <a:fld id="{E796DD2E-7FCA-4C1F-A0C3-02DE4E493BB2}" type="datetimeFigureOut">
               <a:rPr lang="en-GB" smtClean="0"/>
-              <a:t>06/05/2025</a:t>
+              <a:t>07/05/2025</a:t>
             </a:fld>
             <a:endParaRPr lang="en-GB" dirty="0"/>
           </a:p>
@@ -9396,7 +9396,7 @@
           <a:p>
             <a:fld id="{E796DD2E-7FCA-4C1F-A0C3-02DE4E493BB2}" type="datetimeFigureOut">
               <a:rPr lang="en-GB" smtClean="0"/>
-              <a:t>06/05/2025</a:t>
+              <a:t>07/05/2025</a:t>
             </a:fld>
             <a:endParaRPr lang="en-GB" dirty="0"/>
           </a:p>
@@ -9514,7 +9514,7 @@
           <a:p>
             <a:fld id="{E796DD2E-7FCA-4C1F-A0C3-02DE4E493BB2}" type="datetimeFigureOut">
               <a:rPr lang="en-GB" smtClean="0"/>
-              <a:t>06/05/2025</a:t>
+              <a:t>07/05/2025</a:t>
             </a:fld>
             <a:endParaRPr lang="en-GB" dirty="0"/>
           </a:p>
@@ -9609,7 +9609,7 @@
           <a:p>
             <a:fld id="{E796DD2E-7FCA-4C1F-A0C3-02DE4E493BB2}" type="datetimeFigureOut">
               <a:rPr lang="en-GB" smtClean="0"/>
-              <a:t>06/05/2025</a:t>
+              <a:t>07/05/2025</a:t>
             </a:fld>
             <a:endParaRPr lang="en-GB" dirty="0"/>
           </a:p>
@@ -9858,7 +9858,7 @@
           <a:p>
             <a:fld id="{E796DD2E-7FCA-4C1F-A0C3-02DE4E493BB2}" type="datetimeFigureOut">
               <a:rPr lang="en-GB" smtClean="0"/>
-              <a:t>06/05/2025</a:t>
+              <a:t>07/05/2025</a:t>
             </a:fld>
             <a:endParaRPr lang="en-GB" dirty="0"/>
           </a:p>
@@ -10100,7 +10100,7 @@
           <a:p>
             <a:fld id="{E796DD2E-7FCA-4C1F-A0C3-02DE4E493BB2}" type="datetimeFigureOut">
               <a:rPr lang="en-GB" smtClean="0"/>
-              <a:t>06/05/2025</a:t>
+              <a:t>07/05/2025</a:t>
             </a:fld>
             <a:endParaRPr lang="en-GB" dirty="0"/>
           </a:p>
@@ -11561,8 +11561,8 @@
         </p:nvSpPr>
         <p:spPr>
           <a:xfrm>
-            <a:off x="4951317" y="1802413"/>
-            <a:ext cx="2209800" cy="1277273"/>
+            <a:off x="4951316" y="1764858"/>
+            <a:ext cx="2209800" cy="1523494"/>
           </a:xfrm>
           <a:prstGeom prst="rect">
             <a:avLst/>
@@ -11596,7 +11596,18 @@
             <a:pPr lvl="0" algn="ctr"/>
             <a:r>
               <a:rPr lang="en-GB" sz="1500" i="1" dirty="0"/>
-              <a:t>Jack Harrison </a:t>
+              <a:t>Jack Harrison</a:t>
+            </a:r>
+          </a:p>
+          <a:p>
+            <a:pPr lvl="0" algn="ctr"/>
+            <a:r>
+              <a:rPr lang="en-GB" sz="1600" dirty="0"/>
+              <a:t>40537035</a:t>
+            </a:r>
+            <a:r>
+              <a:rPr lang="en-GB" sz="1500" i="1" dirty="0"/>
+              <a:t> </a:t>
             </a:r>
           </a:p>
         </p:txBody>
@@ -11615,8 +11626,8 @@
         </p:nvSpPr>
         <p:spPr>
           <a:xfrm>
-            <a:off x="7216100" y="1802414"/>
-            <a:ext cx="2117558" cy="1277273"/>
+            <a:off x="7205627" y="1762057"/>
+            <a:ext cx="2117558" cy="1523494"/>
           </a:xfrm>
           <a:prstGeom prst="rect">
             <a:avLst/>
@@ -11643,7 +11654,18 @@
             <a:pPr lvl="0" algn="ctr"/>
             <a:r>
               <a:rPr lang="en-GB" sz="1500" i="1" dirty="0"/>
-              <a:t>Ruben Lazell </a:t>
+              <a:t>Ruben Lazell</a:t>
+            </a:r>
+          </a:p>
+          <a:p>
+            <a:pPr lvl="0" algn="ctr"/>
+            <a:r>
+              <a:rPr lang="en-GB" sz="1600" dirty="0"/>
+              <a:t>40679914</a:t>
+            </a:r>
+            <a:r>
+              <a:rPr lang="en-GB" sz="1500" i="1" dirty="0"/>
+              <a:t> </a:t>
             </a:r>
           </a:p>
         </p:txBody>
@@ -11663,7 +11685,7 @@
         <p:spPr>
           <a:xfrm>
             <a:off x="525702" y="1764858"/>
-            <a:ext cx="2592807" cy="1277273"/>
+            <a:ext cx="2592807" cy="1523494"/>
           </a:xfrm>
           <a:prstGeom prst="rect">
             <a:avLst/>
@@ -11690,7 +11712,18 @@
             <a:pPr lvl="0" algn="ctr"/>
             <a:r>
               <a:rPr lang="en-GB" sz="1500" i="1" dirty="0"/>
-              <a:t>Ansh Bisht </a:t>
+              <a:t>Ansh Bisht</a:t>
+            </a:r>
+          </a:p>
+          <a:p>
+            <a:pPr lvl="0" algn="ctr"/>
+            <a:r>
+              <a:rPr lang="en-GB" sz="1600" dirty="0"/>
+              <a:t>40527530</a:t>
+            </a:r>
+            <a:r>
+              <a:rPr lang="en-GB" sz="1500" i="1" dirty="0"/>
+              <a:t> </a:t>
             </a:r>
           </a:p>
         </p:txBody>
@@ -11709,8 +11742,8 @@
         </p:nvSpPr>
         <p:spPr>
           <a:xfrm>
-            <a:off x="9194819" y="1802414"/>
-            <a:ext cx="2117558" cy="1277273"/>
+            <a:off x="9293275" y="1762057"/>
+            <a:ext cx="2117558" cy="1523494"/>
           </a:xfrm>
           <a:prstGeom prst="rect">
             <a:avLst/>
@@ -11753,6 +11786,14 @@
               <a:rPr lang="en-GB" sz="1500" i="1" dirty="0"/>
               <a:t>Andrew Taison</a:t>
             </a:r>
+          </a:p>
+          <a:p>
+            <a:pPr lvl="0" algn="ctr"/>
+            <a:r>
+              <a:rPr lang="en-GB" sz="1600" dirty="0"/>
+              <a:t>40538519</a:t>
+            </a:r>
+            <a:endParaRPr lang="en-GB" sz="1500" i="1" dirty="0"/>
           </a:p>
         </p:txBody>
       </p:sp>
@@ -11771,7 +11812,7 @@
         <p:spPr>
           <a:xfrm>
             <a:off x="2892171" y="1764858"/>
-            <a:ext cx="2117558" cy="1277273"/>
+            <a:ext cx="2117558" cy="1523494"/>
           </a:xfrm>
           <a:prstGeom prst="rect">
             <a:avLst/>
@@ -11809,7 +11850,18 @@
             <a:pPr lvl="0" algn="ctr"/>
             <a:r>
               <a:rPr lang="en-GB" sz="1500" i="1" dirty="0"/>
-              <a:t>Jordan Dickson </a:t>
+              <a:t>Jordan Dickson</a:t>
+            </a:r>
+          </a:p>
+          <a:p>
+            <a:pPr lvl="0" algn="ctr"/>
+            <a:r>
+              <a:rPr lang="en-GB" sz="1600" dirty="0"/>
+              <a:t>40545300</a:t>
+            </a:r>
+            <a:r>
+              <a:rPr lang="en-GB" sz="1500" i="1" dirty="0"/>
+              <a:t> </a:t>
             </a:r>
           </a:p>
         </p:txBody>

--- a/set10120_cw2_presentation.pptx
+++ b/set10120_cw2_presentation.pptx
@@ -5,25 +5,26 @@
     <p:sldMasterId id="2147483804" r:id="rId1"/>
   </p:sldMasterIdLst>
   <p:notesMasterIdLst>
-    <p:notesMasterId r:id="rId18"/>
+    <p:notesMasterId r:id="rId19"/>
   </p:notesMasterIdLst>
   <p:sldIdLst>
     <p:sldId id="267" r:id="rId2"/>
-    <p:sldId id="268" r:id="rId3"/>
-    <p:sldId id="269" r:id="rId4"/>
-    <p:sldId id="270" r:id="rId5"/>
-    <p:sldId id="272" r:id="rId6"/>
-    <p:sldId id="275" r:id="rId7"/>
-    <p:sldId id="276" r:id="rId8"/>
-    <p:sldId id="277" r:id="rId9"/>
-    <p:sldId id="278" r:id="rId10"/>
-    <p:sldId id="279" r:id="rId11"/>
-    <p:sldId id="280" r:id="rId12"/>
-    <p:sldId id="281" r:id="rId13"/>
-    <p:sldId id="271" r:id="rId14"/>
-    <p:sldId id="273" r:id="rId15"/>
-    <p:sldId id="274" r:id="rId16"/>
-    <p:sldId id="261" r:id="rId17"/>
+    <p:sldId id="269" r:id="rId3"/>
+    <p:sldId id="268" r:id="rId4"/>
+    <p:sldId id="282" r:id="rId5"/>
+    <p:sldId id="270" r:id="rId6"/>
+    <p:sldId id="272" r:id="rId7"/>
+    <p:sldId id="275" r:id="rId8"/>
+    <p:sldId id="276" r:id="rId9"/>
+    <p:sldId id="277" r:id="rId10"/>
+    <p:sldId id="278" r:id="rId11"/>
+    <p:sldId id="279" r:id="rId12"/>
+    <p:sldId id="280" r:id="rId13"/>
+    <p:sldId id="281" r:id="rId14"/>
+    <p:sldId id="271" r:id="rId15"/>
+    <p:sldId id="273" r:id="rId16"/>
+    <p:sldId id="274" r:id="rId17"/>
+    <p:sldId id="261" r:id="rId18"/>
   </p:sldIdLst>
   <p:sldSz cx="12192000" cy="6858000"/>
   <p:notesSz cx="6858000" cy="9144000"/>
@@ -133,7 +134,7 @@
 <file path=ppt/revisionInfo.xml><?xml version="1.0" encoding="utf-8"?>
 <p1510:revInfo xmlns:a="http://schemas.openxmlformats.org/drawingml/2006/main" xmlns:r="http://schemas.openxmlformats.org/officeDocument/2006/relationships" xmlns:p1510="http://schemas.microsoft.com/office/powerpoint/2015/10/main">
   <p1510:revLst>
-    <p1510:client id="{0D694EDB-1132-47E7-A873-10EEC0E5D7A1}" v="2749" dt="2025-03-07T22:10:33.009"/>
+    <p1510:client id="{47E581B8-7000-4CF5-9068-D30DA384FC69}" v="1" dt="2025-05-07T13:10:27.323"/>
   </p1510:revLst>
 </p1510:revInfo>
 </file>
@@ -141,1002 +142,152 @@
 <file path=ppt/changesInfos/changesInfo1.xml><?xml version="1.0" encoding="utf-8"?>
 <pc:chgInfo xmlns:a="http://schemas.openxmlformats.org/drawingml/2006/main" xmlns:r="http://schemas.openxmlformats.org/officeDocument/2006/relationships" xmlns:ac="http://schemas.microsoft.com/office/drawing/2013/main/command" xmlns:pc="http://schemas.microsoft.com/office/powerpoint/2013/main/command">
   <pc:docChgLst>
-    <pc:chgData name="Dickinson, Andrew" userId="3f4323fc-acaf-4385-8fff-2c74093aca1e" providerId="ADAL" clId="{ED7A4582-6081-4D74-8A8A-29C888679A57}"/>
-    <pc:docChg chg="undo custSel addSld delSld modSld">
-      <pc:chgData name="Dickinson, Andrew" userId="3f4323fc-acaf-4385-8fff-2c74093aca1e" providerId="ADAL" clId="{ED7A4582-6081-4D74-8A8A-29C888679A57}" dt="2024-11-01T10:56:29.920" v="3391" actId="20577"/>
-      <pc:docMkLst>
-        <pc:docMk/>
-      </pc:docMkLst>
-      <pc:sldChg chg="addSp modSp mod">
-        <pc:chgData name="Dickinson, Andrew" userId="3f4323fc-acaf-4385-8fff-2c74093aca1e" providerId="ADAL" clId="{ED7A4582-6081-4D74-8A8A-29C888679A57}" dt="2024-11-01T10:38:50.593" v="2905" actId="20577"/>
-        <pc:sldMkLst>
-          <pc:docMk/>
-          <pc:sldMk cId="1857242846" sldId="256"/>
-        </pc:sldMkLst>
-      </pc:sldChg>
-      <pc:sldChg chg="del">
-        <pc:chgData name="Dickinson, Andrew" userId="3f4323fc-acaf-4385-8fff-2c74093aca1e" providerId="ADAL" clId="{ED7A4582-6081-4D74-8A8A-29C888679A57}" dt="2024-11-01T09:38:20.811" v="150" actId="2696"/>
-        <pc:sldMkLst>
-          <pc:docMk/>
-          <pc:sldMk cId="1662557268" sldId="257"/>
-        </pc:sldMkLst>
-      </pc:sldChg>
-      <pc:sldChg chg="del">
-        <pc:chgData name="Dickinson, Andrew" userId="3f4323fc-acaf-4385-8fff-2c74093aca1e" providerId="ADAL" clId="{ED7A4582-6081-4D74-8A8A-29C888679A57}" dt="2024-11-01T09:38:26.361" v="151" actId="47"/>
-        <pc:sldMkLst>
-          <pc:docMk/>
-          <pc:sldMk cId="2966533837" sldId="258"/>
-        </pc:sldMkLst>
-      </pc:sldChg>
-      <pc:sldChg chg="del">
-        <pc:chgData name="Dickinson, Andrew" userId="3f4323fc-acaf-4385-8fff-2c74093aca1e" providerId="ADAL" clId="{ED7A4582-6081-4D74-8A8A-29C888679A57}" dt="2024-11-01T09:38:30.292" v="152" actId="47"/>
-        <pc:sldMkLst>
-          <pc:docMk/>
-          <pc:sldMk cId="1846954216" sldId="259"/>
-        </pc:sldMkLst>
-      </pc:sldChg>
-      <pc:sldChg chg="modSp mod">
-        <pc:chgData name="Dickinson, Andrew" userId="3f4323fc-acaf-4385-8fff-2c74093aca1e" providerId="ADAL" clId="{ED7A4582-6081-4D74-8A8A-29C888679A57}" dt="2024-11-01T09:50:24.907" v="473" actId="5793"/>
-        <pc:sldMkLst>
-          <pc:docMk/>
-          <pc:sldMk cId="2214619848" sldId="260"/>
-        </pc:sldMkLst>
-      </pc:sldChg>
-      <pc:sldChg chg="del">
-        <pc:chgData name="Dickinson, Andrew" userId="3f4323fc-acaf-4385-8fff-2c74093aca1e" providerId="ADAL" clId="{ED7A4582-6081-4D74-8A8A-29C888679A57}" dt="2024-11-01T09:44:50.128" v="324" actId="47"/>
-        <pc:sldMkLst>
-          <pc:docMk/>
-          <pc:sldMk cId="2424470674" sldId="261"/>
-        </pc:sldMkLst>
-      </pc:sldChg>
-      <pc:sldChg chg="modSp add del mod">
-        <pc:chgData name="Dickinson, Andrew" userId="3f4323fc-acaf-4385-8fff-2c74093aca1e" providerId="ADAL" clId="{ED7A4582-6081-4D74-8A8A-29C888679A57}" dt="2024-11-01T09:49:26.393" v="461" actId="47"/>
-        <pc:sldMkLst>
-          <pc:docMk/>
-          <pc:sldMk cId="2771376381" sldId="261"/>
-        </pc:sldMkLst>
-      </pc:sldChg>
-      <pc:sldChg chg="modSp add mod">
-        <pc:chgData name="Dickinson, Andrew" userId="3f4323fc-acaf-4385-8fff-2c74093aca1e" providerId="ADAL" clId="{ED7A4582-6081-4D74-8A8A-29C888679A57}" dt="2024-11-01T10:56:29.920" v="3391" actId="20577"/>
-        <pc:sldMkLst>
-          <pc:docMk/>
-          <pc:sldMk cId="3446527894" sldId="262"/>
-        </pc:sldMkLst>
-      </pc:sldChg>
-      <pc:sldChg chg="modSp add mod">
-        <pc:chgData name="Dickinson, Andrew" userId="3f4323fc-acaf-4385-8fff-2c74093aca1e" providerId="ADAL" clId="{ED7A4582-6081-4D74-8A8A-29C888679A57}" dt="2024-11-01T10:55:00.536" v="3346" actId="2711"/>
-        <pc:sldMkLst>
-          <pc:docMk/>
-          <pc:sldMk cId="4157647959" sldId="263"/>
-        </pc:sldMkLst>
-      </pc:sldChg>
-      <pc:sldChg chg="addSp modSp add mod">
-        <pc:chgData name="Dickinson, Andrew" userId="3f4323fc-acaf-4385-8fff-2c74093aca1e" providerId="ADAL" clId="{ED7A4582-6081-4D74-8A8A-29C888679A57}" dt="2024-11-01T10:44:22.873" v="3206" actId="20577"/>
-        <pc:sldMkLst>
-          <pc:docMk/>
-          <pc:sldMk cId="3462467956" sldId="264"/>
-        </pc:sldMkLst>
-      </pc:sldChg>
-    </pc:docChg>
-  </pc:docChgLst>
-  <pc:docChgLst>
-    <pc:chgData name="Dickinson, Andrew" userId="3f4323fc-acaf-4385-8fff-2c74093aca1e" providerId="ADAL" clId="{0D694EDB-1132-47E7-A873-10EEC0E5D7A1}"/>
-    <pc:docChg chg="undo redo custSel addSld delSld modSld sldOrd">
-      <pc:chgData name="Dickinson, Andrew" userId="3f4323fc-acaf-4385-8fff-2c74093aca1e" providerId="ADAL" clId="{0D694EDB-1132-47E7-A873-10EEC0E5D7A1}" dt="2025-03-07T22:43:15.093" v="16378" actId="20577"/>
-      <pc:docMkLst>
-        <pc:docMk/>
-      </pc:docMkLst>
-      <pc:sldChg chg="addSp delSp modSp mod setBg setClrOvrMap chgLayout">
-        <pc:chgData name="Dickinson, Andrew" userId="3f4323fc-acaf-4385-8fff-2c74093aca1e" providerId="ADAL" clId="{0D694EDB-1132-47E7-A873-10EEC0E5D7A1}" dt="2025-02-23T13:36:50.501" v="607" actId="255"/>
-        <pc:sldMkLst>
-          <pc:docMk/>
-          <pc:sldMk cId="1857242846" sldId="256"/>
-        </pc:sldMkLst>
-        <pc:spChg chg="mod ord">
-          <ac:chgData name="Dickinson, Andrew" userId="3f4323fc-acaf-4385-8fff-2c74093aca1e" providerId="ADAL" clId="{0D694EDB-1132-47E7-A873-10EEC0E5D7A1}" dt="2025-02-23T13:36:50.501" v="607" actId="255"/>
-          <ac:spMkLst>
-            <pc:docMk/>
-            <pc:sldMk cId="1857242846" sldId="256"/>
-            <ac:spMk id="5" creationId="{992B9903-3496-CC5D-93E4-6EF071029641}"/>
-          </ac:spMkLst>
-        </pc:spChg>
-        <pc:spChg chg="add del">
-          <ac:chgData name="Dickinson, Andrew" userId="3f4323fc-acaf-4385-8fff-2c74093aca1e" providerId="ADAL" clId="{0D694EDB-1132-47E7-A873-10EEC0E5D7A1}" dt="2025-02-23T13:19:24.145" v="178" actId="26606"/>
-          <ac:spMkLst>
-            <pc:docMk/>
-            <pc:sldMk cId="1857242846" sldId="256"/>
-            <ac:spMk id="12" creationId="{843DD86A-8FAA-443F-9211-42A2AE8A790C}"/>
-          </ac:spMkLst>
-        </pc:spChg>
-        <pc:spChg chg="add del">
-          <ac:chgData name="Dickinson, Andrew" userId="3f4323fc-acaf-4385-8fff-2c74093aca1e" providerId="ADAL" clId="{0D694EDB-1132-47E7-A873-10EEC0E5D7A1}" dt="2025-02-23T13:19:24.145" v="178" actId="26606"/>
-          <ac:spMkLst>
-            <pc:docMk/>
-            <pc:sldMk cId="1857242846" sldId="256"/>
-            <ac:spMk id="14" creationId="{C2A13AAE-18EB-4BDF-BAF7-F2F97B8D00D6}"/>
-          </ac:spMkLst>
-        </pc:spChg>
-        <pc:graphicFrameChg chg="add del mod modGraphic">
-          <ac:chgData name="Dickinson, Andrew" userId="3f4323fc-acaf-4385-8fff-2c74093aca1e" providerId="ADAL" clId="{0D694EDB-1132-47E7-A873-10EEC0E5D7A1}" dt="2025-02-23T13:25:33.486" v="358"/>
-          <ac:graphicFrameMkLst>
-            <pc:docMk/>
-            <pc:sldMk cId="1857242846" sldId="256"/>
-            <ac:graphicFrameMk id="8" creationId="{518CB9B7-AF0C-5B1A-D996-1214F8C53173}"/>
-          </ac:graphicFrameMkLst>
-        </pc:graphicFrameChg>
-        <pc:picChg chg="add del">
-          <ac:chgData name="Dickinson, Andrew" userId="3f4323fc-acaf-4385-8fff-2c74093aca1e" providerId="ADAL" clId="{0D694EDB-1132-47E7-A873-10EEC0E5D7A1}" dt="2025-02-23T13:19:24.145" v="178" actId="26606"/>
-          <ac:picMkLst>
-            <pc:docMk/>
-            <pc:sldMk cId="1857242846" sldId="256"/>
-            <ac:picMk id="16" creationId="{0F5C1B21-B0DB-4206-99EE-C13D67038B93}"/>
-          </ac:picMkLst>
-        </pc:picChg>
-        <pc:picChg chg="add del">
-          <ac:chgData name="Dickinson, Andrew" userId="3f4323fc-acaf-4385-8fff-2c74093aca1e" providerId="ADAL" clId="{0D694EDB-1132-47E7-A873-10EEC0E5D7A1}" dt="2025-02-23T13:19:24.145" v="178" actId="26606"/>
-          <ac:picMkLst>
-            <pc:docMk/>
-            <pc:sldMk cId="1857242846" sldId="256"/>
-            <ac:picMk id="18" creationId="{49261589-06E9-4B7C-A8F1-26648507B77B}"/>
-          </ac:picMkLst>
-        </pc:picChg>
-      </pc:sldChg>
-      <pc:sldChg chg="addSp delSp modSp add mod setBg modNotesTx">
-        <pc:chgData name="Dickinson, Andrew" userId="3f4323fc-acaf-4385-8fff-2c74093aca1e" providerId="ADAL" clId="{0D694EDB-1132-47E7-A873-10EEC0E5D7A1}" dt="2025-03-07T14:39:49.280" v="8825" actId="20577"/>
-        <pc:sldMkLst>
-          <pc:docMk/>
-          <pc:sldMk cId="2011071547" sldId="257"/>
-        </pc:sldMkLst>
-        <pc:spChg chg="mod">
-          <ac:chgData name="Dickinson, Andrew" userId="3f4323fc-acaf-4385-8fff-2c74093aca1e" providerId="ADAL" clId="{0D694EDB-1132-47E7-A873-10EEC0E5D7A1}" dt="2025-02-23T16:02:12.665" v="3266" actId="1036"/>
-          <ac:spMkLst>
-            <pc:docMk/>
-            <pc:sldMk cId="2011071547" sldId="257"/>
-            <ac:spMk id="5" creationId="{BFE37612-30DB-BC88-7CD7-5797A2B78E05}"/>
-          </ac:spMkLst>
-        </pc:spChg>
-        <pc:graphicFrameChg chg="add mod modGraphic">
-          <ac:chgData name="Dickinson, Andrew" userId="3f4323fc-acaf-4385-8fff-2c74093aca1e" providerId="ADAL" clId="{0D694EDB-1132-47E7-A873-10EEC0E5D7A1}" dt="2025-03-07T14:39:49.280" v="8825" actId="20577"/>
-          <ac:graphicFrameMkLst>
-            <pc:docMk/>
-            <pc:sldMk cId="2011071547" sldId="257"/>
-            <ac:graphicFrameMk id="9" creationId="{4BF4F4FA-4958-5B42-ACBA-B0C57DEE813F}"/>
-          </ac:graphicFrameMkLst>
-        </pc:graphicFrameChg>
-      </pc:sldChg>
-      <pc:sldChg chg="addSp delSp modSp new del mod setBg setClrOvrMap">
-        <pc:chgData name="Dickinson, Andrew" userId="3f4323fc-acaf-4385-8fff-2c74093aca1e" providerId="ADAL" clId="{0D694EDB-1132-47E7-A873-10EEC0E5D7A1}" dt="2025-02-23T14:17:58.887" v="1765" actId="47"/>
-        <pc:sldMkLst>
-          <pc:docMk/>
-          <pc:sldMk cId="531904714" sldId="258"/>
-        </pc:sldMkLst>
-      </pc:sldChg>
-      <pc:sldChg chg="addSp delSp modSp add mod modNotesTx">
-        <pc:chgData name="Dickinson, Andrew" userId="3f4323fc-acaf-4385-8fff-2c74093aca1e" providerId="ADAL" clId="{0D694EDB-1132-47E7-A873-10EEC0E5D7A1}" dt="2025-02-23T16:02:40.804" v="3278" actId="1035"/>
-        <pc:sldMkLst>
-          <pc:docMk/>
-          <pc:sldMk cId="824606435" sldId="259"/>
-        </pc:sldMkLst>
-        <pc:spChg chg="mod">
-          <ac:chgData name="Dickinson, Andrew" userId="3f4323fc-acaf-4385-8fff-2c74093aca1e" providerId="ADAL" clId="{0D694EDB-1132-47E7-A873-10EEC0E5D7A1}" dt="2025-02-23T16:02:40.804" v="3278" actId="1035"/>
-          <ac:spMkLst>
-            <pc:docMk/>
-            <pc:sldMk cId="824606435" sldId="259"/>
-            <ac:spMk id="5" creationId="{41A13250-952C-516B-83D9-BD045210C7AC}"/>
-          </ac:spMkLst>
-        </pc:spChg>
-        <pc:graphicFrameChg chg="add mod">
-          <ac:chgData name="Dickinson, Andrew" userId="3f4323fc-acaf-4385-8fff-2c74093aca1e" providerId="ADAL" clId="{0D694EDB-1132-47E7-A873-10EEC0E5D7A1}" dt="2025-02-23T14:14:59.543" v="1749"/>
-          <ac:graphicFrameMkLst>
-            <pc:docMk/>
-            <pc:sldMk cId="824606435" sldId="259"/>
-            <ac:graphicFrameMk id="4" creationId="{700F08BB-F57F-C122-CACF-29E50C6C6EE7}"/>
-          </ac:graphicFrameMkLst>
-        </pc:graphicFrameChg>
-        <pc:graphicFrameChg chg="add mod">
-          <ac:chgData name="Dickinson, Andrew" userId="3f4323fc-acaf-4385-8fff-2c74093aca1e" providerId="ADAL" clId="{0D694EDB-1132-47E7-A873-10EEC0E5D7A1}" dt="2025-02-23T14:15:18.390" v="1751"/>
-          <ac:graphicFrameMkLst>
-            <pc:docMk/>
-            <pc:sldMk cId="824606435" sldId="259"/>
-            <ac:graphicFrameMk id="11" creationId="{471BB070-780B-65BD-2E45-D054BEAF7817}"/>
-          </ac:graphicFrameMkLst>
-        </pc:graphicFrameChg>
-      </pc:sldChg>
-      <pc:sldChg chg="addSp delSp modSp add mod setBg modAnim modNotesTx">
-        <pc:chgData name="Dickinson, Andrew" userId="3f4323fc-acaf-4385-8fff-2c74093aca1e" providerId="ADAL" clId="{0D694EDB-1132-47E7-A873-10EEC0E5D7A1}" dt="2025-03-07T14:30:56.885" v="8476" actId="20577"/>
-        <pc:sldMkLst>
-          <pc:docMk/>
-          <pc:sldMk cId="515522065" sldId="260"/>
-        </pc:sldMkLst>
-        <pc:spChg chg="add mod ord">
-          <ac:chgData name="Dickinson, Andrew" userId="3f4323fc-acaf-4385-8fff-2c74093aca1e" providerId="ADAL" clId="{0D694EDB-1132-47E7-A873-10EEC0E5D7A1}" dt="2025-03-07T14:17:03.090" v="8183" actId="167"/>
-          <ac:spMkLst>
-            <pc:docMk/>
-            <pc:sldMk cId="515522065" sldId="260"/>
-            <ac:spMk id="2" creationId="{A8E962EB-D69D-EBFB-887F-56827443A9A3}"/>
-          </ac:spMkLst>
-        </pc:spChg>
-        <pc:spChg chg="add mod ord">
-          <ac:chgData name="Dickinson, Andrew" userId="3f4323fc-acaf-4385-8fff-2c74093aca1e" providerId="ADAL" clId="{0D694EDB-1132-47E7-A873-10EEC0E5D7A1}" dt="2025-03-07T14:19:02.409" v="8191" actId="20577"/>
-          <ac:spMkLst>
-            <pc:docMk/>
-            <pc:sldMk cId="515522065" sldId="260"/>
-            <ac:spMk id="3" creationId="{D733B062-45BA-D69B-FEA7-9202C81D5DA2}"/>
-          </ac:spMkLst>
-        </pc:spChg>
-        <pc:spChg chg="add mod ord">
-          <ac:chgData name="Dickinson, Andrew" userId="3f4323fc-acaf-4385-8fff-2c74093aca1e" providerId="ADAL" clId="{0D694EDB-1132-47E7-A873-10EEC0E5D7A1}" dt="2025-03-07T14:17:10.726" v="8184" actId="167"/>
-          <ac:spMkLst>
-            <pc:docMk/>
-            <pc:sldMk cId="515522065" sldId="260"/>
-            <ac:spMk id="4" creationId="{49DBDC6B-61BC-EB10-E92A-5781976E029B}"/>
-          </ac:spMkLst>
-        </pc:spChg>
-        <pc:spChg chg="mod">
-          <ac:chgData name="Dickinson, Andrew" userId="3f4323fc-acaf-4385-8fff-2c74093aca1e" providerId="ADAL" clId="{0D694EDB-1132-47E7-A873-10EEC0E5D7A1}" dt="2025-02-23T16:02:35.916" v="3274" actId="1036"/>
-          <ac:spMkLst>
-            <pc:docMk/>
-            <pc:sldMk cId="515522065" sldId="260"/>
-            <ac:spMk id="5" creationId="{9C9CBAB5-AFF7-A4BC-DE6E-71E0209C2E18}"/>
-          </ac:spMkLst>
-        </pc:spChg>
-        <pc:spChg chg="add mod ord">
-          <ac:chgData name="Dickinson, Andrew" userId="3f4323fc-acaf-4385-8fff-2c74093aca1e" providerId="ADAL" clId="{0D694EDB-1132-47E7-A873-10EEC0E5D7A1}" dt="2025-03-07T14:19:10.399" v="8194" actId="20577"/>
-          <ac:spMkLst>
-            <pc:docMk/>
-            <pc:sldMk cId="515522065" sldId="260"/>
-            <ac:spMk id="6" creationId="{913C7620-50EE-7929-F8AE-A5B0286784A2}"/>
-          </ac:spMkLst>
-        </pc:spChg>
-        <pc:spChg chg="add mod">
-          <ac:chgData name="Dickinson, Andrew" userId="3f4323fc-acaf-4385-8fff-2c74093aca1e" providerId="ADAL" clId="{0D694EDB-1132-47E7-A873-10EEC0E5D7A1}" dt="2025-03-07T14:20:35.881" v="8238" actId="1076"/>
-          <ac:spMkLst>
-            <pc:docMk/>
-            <pc:sldMk cId="515522065" sldId="260"/>
-            <ac:spMk id="7" creationId="{F15D99CC-9FC7-F216-E1C2-7E646A487263}"/>
-          </ac:spMkLst>
-        </pc:spChg>
-        <pc:spChg chg="add">
-          <ac:chgData name="Dickinson, Andrew" userId="3f4323fc-acaf-4385-8fff-2c74093aca1e" providerId="ADAL" clId="{0D694EDB-1132-47E7-A873-10EEC0E5D7A1}" dt="2025-03-07T14:06:25.140" v="7853"/>
-          <ac:spMkLst>
-            <pc:docMk/>
-            <pc:sldMk cId="515522065" sldId="260"/>
-            <ac:spMk id="8" creationId="{08A18914-3D93-DEDA-E5AF-9F0B0459FBFD}"/>
-          </ac:spMkLst>
-        </pc:spChg>
-        <pc:spChg chg="add">
-          <ac:chgData name="Dickinson, Andrew" userId="3f4323fc-acaf-4385-8fff-2c74093aca1e" providerId="ADAL" clId="{0D694EDB-1132-47E7-A873-10EEC0E5D7A1}" dt="2025-03-07T14:06:30.937" v="7855"/>
-          <ac:spMkLst>
-            <pc:docMk/>
-            <pc:sldMk cId="515522065" sldId="260"/>
-            <ac:spMk id="9" creationId="{E12A304C-1E13-B270-7882-01BC22D2FF8B}"/>
-          </ac:spMkLst>
-        </pc:spChg>
-        <pc:spChg chg="add">
-          <ac:chgData name="Dickinson, Andrew" userId="3f4323fc-acaf-4385-8fff-2c74093aca1e" providerId="ADAL" clId="{0D694EDB-1132-47E7-A873-10EEC0E5D7A1}" dt="2025-03-07T14:06:38.140" v="7856"/>
-          <ac:spMkLst>
-            <pc:docMk/>
-            <pc:sldMk cId="515522065" sldId="260"/>
-            <ac:spMk id="10" creationId="{2559583C-E1D7-A48E-A25C-8D78AE0BBAAB}"/>
-          </ac:spMkLst>
-        </pc:spChg>
-        <pc:spChg chg="add mod ord">
-          <ac:chgData name="Dickinson, Andrew" userId="3f4323fc-acaf-4385-8fff-2c74093aca1e" providerId="ADAL" clId="{0D694EDB-1132-47E7-A873-10EEC0E5D7A1}" dt="2025-03-07T14:18:52.557" v="8188" actId="20577"/>
-          <ac:spMkLst>
-            <pc:docMk/>
-            <pc:sldMk cId="515522065" sldId="260"/>
-            <ac:spMk id="15" creationId="{7172AFEE-9A7D-A438-FB9C-3F41DB3C35A2}"/>
-          </ac:spMkLst>
-        </pc:spChg>
-      </pc:sldChg>
-      <pc:sldChg chg="modSp add ord modNotesTx">
-        <pc:chgData name="Dickinson, Andrew" userId="3f4323fc-acaf-4385-8fff-2c74093aca1e" providerId="ADAL" clId="{0D694EDB-1132-47E7-A873-10EEC0E5D7A1}" dt="2025-02-23T16:00:15.649" v="3231" actId="20577"/>
-        <pc:sldMkLst>
-          <pc:docMk/>
-          <pc:sldMk cId="2768695278" sldId="261"/>
-        </pc:sldMkLst>
-        <pc:graphicFrameChg chg="mod">
-          <ac:chgData name="Dickinson, Andrew" userId="3f4323fc-acaf-4385-8fff-2c74093aca1e" providerId="ADAL" clId="{0D694EDB-1132-47E7-A873-10EEC0E5D7A1}" dt="2025-02-23T15:58:50.752" v="3142" actId="20577"/>
-          <ac:graphicFrameMkLst>
-            <pc:docMk/>
-            <pc:sldMk cId="2768695278" sldId="261"/>
-            <ac:graphicFrameMk id="7" creationId="{0C3F9713-237F-B21D-06C7-E66E55357667}"/>
-          </ac:graphicFrameMkLst>
-        </pc:graphicFrameChg>
-      </pc:sldChg>
-      <pc:sldChg chg="addSp delSp modSp add mod delAnim modAnim modNotesTx">
-        <pc:chgData name="Dickinson, Andrew" userId="3f4323fc-acaf-4385-8fff-2c74093aca1e" providerId="ADAL" clId="{0D694EDB-1132-47E7-A873-10EEC0E5D7A1}" dt="2025-03-07T21:06:00.561" v="13765" actId="113"/>
-        <pc:sldMkLst>
-          <pc:docMk/>
-          <pc:sldMk cId="1078416277" sldId="262"/>
-        </pc:sldMkLst>
-        <pc:spChg chg="mod ord">
-          <ac:chgData name="Dickinson, Andrew" userId="3f4323fc-acaf-4385-8fff-2c74093aca1e" providerId="ADAL" clId="{0D694EDB-1132-47E7-A873-10EEC0E5D7A1}" dt="2025-03-07T19:48:54.495" v="9941" actId="13244"/>
-          <ac:spMkLst>
-            <pc:docMk/>
-            <pc:sldMk cId="1078416277" sldId="262"/>
-            <ac:spMk id="5" creationId="{C1024F5F-042B-019F-A8FE-172071028922}"/>
-          </ac:spMkLst>
-        </pc:spChg>
-        <pc:spChg chg="del mod">
-          <ac:chgData name="Dickinson, Andrew" userId="3f4323fc-acaf-4385-8fff-2c74093aca1e" providerId="ADAL" clId="{0D694EDB-1132-47E7-A873-10EEC0E5D7A1}" dt="2025-03-07T15:52:19.395" v="8827" actId="478"/>
-          <ac:spMkLst>
-            <pc:docMk/>
-            <pc:sldMk cId="1078416277" sldId="262"/>
-            <ac:spMk id="15" creationId="{2D88B9E3-583F-11CB-6469-22C2D4804FEE}"/>
-          </ac:spMkLst>
-        </pc:spChg>
-        <pc:spChg chg="add del mod">
-          <ac:chgData name="Dickinson, Andrew" userId="3f4323fc-acaf-4385-8fff-2c74093aca1e" providerId="ADAL" clId="{0D694EDB-1132-47E7-A873-10EEC0E5D7A1}" dt="2025-03-07T17:17:48.057" v="9116" actId="478"/>
-          <ac:spMkLst>
-            <pc:docMk/>
-            <pc:sldMk cId="1078416277" sldId="262"/>
-            <ac:spMk id="16" creationId="{1E584933-C9FF-DD56-A2BD-C0550C0A6DF6}"/>
-          </ac:spMkLst>
-        </pc:spChg>
-        <pc:spChg chg="add mod">
-          <ac:chgData name="Dickinson, Andrew" userId="3f4323fc-acaf-4385-8fff-2c74093aca1e" providerId="ADAL" clId="{0D694EDB-1132-47E7-A873-10EEC0E5D7A1}" dt="2025-03-07T18:09:18.763" v="9436" actId="20577"/>
-          <ac:spMkLst>
-            <pc:docMk/>
-            <pc:sldMk cId="1078416277" sldId="262"/>
-            <ac:spMk id="17" creationId="{655DDC24-16E0-92AE-9C03-723DAE0A5C4C}"/>
-          </ac:spMkLst>
-        </pc:spChg>
-        <pc:spChg chg="add mod">
-          <ac:chgData name="Dickinson, Andrew" userId="3f4323fc-acaf-4385-8fff-2c74093aca1e" providerId="ADAL" clId="{0D694EDB-1132-47E7-A873-10EEC0E5D7A1}" dt="2025-03-07T17:33:26.698" v="9315"/>
-          <ac:spMkLst>
-            <pc:docMk/>
-            <pc:sldMk cId="1078416277" sldId="262"/>
-            <ac:spMk id="18" creationId="{9DEEB8F9-DA63-D32C-62FD-9D36F1808E28}"/>
-          </ac:spMkLst>
-        </pc:spChg>
-        <pc:spChg chg="add mod ord">
-          <ac:chgData name="Dickinson, Andrew" userId="3f4323fc-acaf-4385-8fff-2c74093aca1e" providerId="ADAL" clId="{0D694EDB-1132-47E7-A873-10EEC0E5D7A1}" dt="2025-03-07T19:55:08.841" v="9972" actId="1076"/>
-          <ac:spMkLst>
-            <pc:docMk/>
-            <pc:sldMk cId="1078416277" sldId="262"/>
-            <ac:spMk id="20" creationId="{5144C0E8-34FC-2A20-D0AE-F1FDC6C3DBF1}"/>
-          </ac:spMkLst>
-        </pc:spChg>
-        <pc:spChg chg="add mod">
-          <ac:chgData name="Dickinson, Andrew" userId="3f4323fc-acaf-4385-8fff-2c74093aca1e" providerId="ADAL" clId="{0D694EDB-1132-47E7-A873-10EEC0E5D7A1}" dt="2025-03-07T18:50:34.622" v="9727" actId="20577"/>
-          <ac:spMkLst>
-            <pc:docMk/>
-            <pc:sldMk cId="1078416277" sldId="262"/>
-            <ac:spMk id="21" creationId="{AA17D84B-32F2-916B-485E-17D07EFECBDF}"/>
-          </ac:spMkLst>
-        </pc:spChg>
-        <pc:spChg chg="add del mod ord">
-          <ac:chgData name="Dickinson, Andrew" userId="3f4323fc-acaf-4385-8fff-2c74093aca1e" providerId="ADAL" clId="{0D694EDB-1132-47E7-A873-10EEC0E5D7A1}" dt="2025-03-07T18:07:41.894" v="9431" actId="478"/>
-          <ac:spMkLst>
-            <pc:docMk/>
-            <pc:sldMk cId="1078416277" sldId="262"/>
-            <ac:spMk id="22" creationId="{66382420-CD91-FCD2-7107-B6E9F55D3E53}"/>
-          </ac:spMkLst>
-        </pc:spChg>
-        <pc:spChg chg="add mod">
-          <ac:chgData name="Dickinson, Andrew" userId="3f4323fc-acaf-4385-8fff-2c74093aca1e" providerId="ADAL" clId="{0D694EDB-1132-47E7-A873-10EEC0E5D7A1}" dt="2025-03-07T18:50:59.334" v="9728" actId="1076"/>
-          <ac:spMkLst>
-            <pc:docMk/>
-            <pc:sldMk cId="1078416277" sldId="262"/>
-            <ac:spMk id="23" creationId="{AFA06A76-4CCF-0F54-EA0E-F854B94139FA}"/>
-          </ac:spMkLst>
-        </pc:spChg>
-        <pc:spChg chg="add mod">
-          <ac:chgData name="Dickinson, Andrew" userId="3f4323fc-acaf-4385-8fff-2c74093aca1e" providerId="ADAL" clId="{0D694EDB-1132-47E7-A873-10EEC0E5D7A1}" dt="2025-03-07T18:52:17.791" v="9820" actId="20577"/>
-          <ac:spMkLst>
-            <pc:docMk/>
-            <pc:sldMk cId="1078416277" sldId="262"/>
-            <ac:spMk id="26" creationId="{ADE09E02-3914-085B-B1AD-C328C2DEDD09}"/>
-          </ac:spMkLst>
-        </pc:spChg>
-        <pc:spChg chg="add mod">
-          <ac:chgData name="Dickinson, Andrew" userId="3f4323fc-acaf-4385-8fff-2c74093aca1e" providerId="ADAL" clId="{0D694EDB-1132-47E7-A873-10EEC0E5D7A1}" dt="2025-03-07T20:45:59.650" v="13063" actId="1076"/>
-          <ac:spMkLst>
-            <pc:docMk/>
-            <pc:sldMk cId="1078416277" sldId="262"/>
-            <ac:spMk id="38" creationId="{A91E9E74-835B-C7B1-64E7-DEFE0A578323}"/>
-          </ac:spMkLst>
-        </pc:spChg>
-        <pc:picChg chg="add del mod modCrop">
-          <ac:chgData name="Dickinson, Andrew" userId="3f4323fc-acaf-4385-8fff-2c74093aca1e" providerId="ADAL" clId="{0D694EDB-1132-47E7-A873-10EEC0E5D7A1}" dt="2025-03-07T15:56:28.850" v="8842" actId="478"/>
-          <ac:picMkLst>
-            <pc:docMk/>
-            <pc:sldMk cId="1078416277" sldId="262"/>
-            <ac:picMk id="3" creationId="{53B57AEA-4DF6-EAEC-1F84-C03BF7AEA013}"/>
-          </ac:picMkLst>
-        </pc:picChg>
-        <pc:picChg chg="add del mod ord modCrop">
-          <ac:chgData name="Dickinson, Andrew" userId="3f4323fc-acaf-4385-8fff-2c74093aca1e" providerId="ADAL" clId="{0D694EDB-1132-47E7-A873-10EEC0E5D7A1}" dt="2025-03-07T18:05:21.400" v="9419" actId="478"/>
-          <ac:picMkLst>
-            <pc:docMk/>
-            <pc:sldMk cId="1078416277" sldId="262"/>
-            <ac:picMk id="6" creationId="{B29FF49A-3839-3745-52E9-9134C40FC640}"/>
-          </ac:picMkLst>
-        </pc:picChg>
-        <pc:picChg chg="add del mod ord modCrop">
-          <ac:chgData name="Dickinson, Andrew" userId="3f4323fc-acaf-4385-8fff-2c74093aca1e" providerId="ADAL" clId="{0D694EDB-1132-47E7-A873-10EEC0E5D7A1}" dt="2025-03-07T16:06:50.228" v="8861" actId="478"/>
-          <ac:picMkLst>
-            <pc:docMk/>
-            <pc:sldMk cId="1078416277" sldId="262"/>
-            <ac:picMk id="8" creationId="{8EF5E738-0772-2DE9-ECCD-3595ED81B44A}"/>
-          </ac:picMkLst>
-        </pc:picChg>
-        <pc:picChg chg="add del mod ord modCrop">
-          <ac:chgData name="Dickinson, Andrew" userId="3f4323fc-acaf-4385-8fff-2c74093aca1e" providerId="ADAL" clId="{0D694EDB-1132-47E7-A873-10EEC0E5D7A1}" dt="2025-03-07T19:47:35.186" v="9931" actId="478"/>
-          <ac:picMkLst>
-            <pc:docMk/>
-            <pc:sldMk cId="1078416277" sldId="262"/>
-            <ac:picMk id="10" creationId="{5543A5C1-0329-F4C2-A73C-46D6FA2B1EE2}"/>
-          </ac:picMkLst>
-        </pc:picChg>
-        <pc:picChg chg="add mod ord">
-          <ac:chgData name="Dickinson, Andrew" userId="3f4323fc-acaf-4385-8fff-2c74093aca1e" providerId="ADAL" clId="{0D694EDB-1132-47E7-A873-10EEC0E5D7A1}" dt="2025-03-07T19:52:46.853" v="9961" actId="1035"/>
-          <ac:picMkLst>
-            <pc:docMk/>
-            <pc:sldMk cId="1078416277" sldId="262"/>
-            <ac:picMk id="12" creationId="{9A6DA113-3327-08D0-0ADC-AEADA0670475}"/>
-          </ac:picMkLst>
-        </pc:picChg>
-        <pc:picChg chg="add mod ord">
-          <ac:chgData name="Dickinson, Andrew" userId="3f4323fc-acaf-4385-8fff-2c74093aca1e" providerId="ADAL" clId="{0D694EDB-1132-47E7-A873-10EEC0E5D7A1}" dt="2025-03-07T19:57:49.023" v="9985" actId="1038"/>
-          <ac:picMkLst>
-            <pc:docMk/>
-            <pc:sldMk cId="1078416277" sldId="262"/>
-            <ac:picMk id="14" creationId="{1B6C16BF-3426-1B79-DE3C-EFADC73C7C7C}"/>
-          </ac:picMkLst>
-        </pc:picChg>
-        <pc:picChg chg="add mod ord">
-          <ac:chgData name="Dickinson, Andrew" userId="3f4323fc-acaf-4385-8fff-2c74093aca1e" providerId="ADAL" clId="{0D694EDB-1132-47E7-A873-10EEC0E5D7A1}" dt="2025-03-07T19:52:19.578" v="9958" actId="13244"/>
-          <ac:picMkLst>
-            <pc:docMk/>
-            <pc:sldMk cId="1078416277" sldId="262"/>
-            <ac:picMk id="25" creationId="{17024828-7E93-27A5-8041-CF6FF45973AB}"/>
-          </ac:picMkLst>
-        </pc:picChg>
-        <pc:picChg chg="add mod ord">
-          <ac:chgData name="Dickinson, Andrew" userId="3f4323fc-acaf-4385-8fff-2c74093aca1e" providerId="ADAL" clId="{0D694EDB-1132-47E7-A873-10EEC0E5D7A1}" dt="2025-03-07T19:51:22.885" v="9954" actId="13244"/>
-          <ac:picMkLst>
-            <pc:docMk/>
-            <pc:sldMk cId="1078416277" sldId="262"/>
-            <ac:picMk id="28" creationId="{6A5A4D49-BBC9-BCBF-3D8F-6E15041F073F}"/>
-          </ac:picMkLst>
-        </pc:picChg>
-        <pc:picChg chg="add del mod">
-          <ac:chgData name="Dickinson, Andrew" userId="3f4323fc-acaf-4385-8fff-2c74093aca1e" providerId="ADAL" clId="{0D694EDB-1132-47E7-A873-10EEC0E5D7A1}" dt="2025-03-07T19:35:34.621" v="9856" actId="478"/>
-          <ac:picMkLst>
-            <pc:docMk/>
-            <pc:sldMk cId="1078416277" sldId="262"/>
-            <ac:picMk id="29" creationId="{73560B99-1461-05CF-D7B1-3996CC8E373E}"/>
-          </ac:picMkLst>
-        </pc:picChg>
-        <pc:picChg chg="add del mod ord">
-          <ac:chgData name="Dickinson, Andrew" userId="3f4323fc-acaf-4385-8fff-2c74093aca1e" providerId="ADAL" clId="{0D694EDB-1132-47E7-A873-10EEC0E5D7A1}" dt="2025-03-07T19:54:25.059" v="9963" actId="478"/>
-          <ac:picMkLst>
-            <pc:docMk/>
-            <pc:sldMk cId="1078416277" sldId="262"/>
-            <ac:picMk id="31" creationId="{BB485C7E-2ED4-5F66-306D-2C6AD6464245}"/>
-          </ac:picMkLst>
-        </pc:picChg>
-        <pc:picChg chg="add mod ord">
-          <ac:chgData name="Dickinson, Andrew" userId="3f4323fc-acaf-4385-8fff-2c74093aca1e" providerId="ADAL" clId="{0D694EDB-1132-47E7-A873-10EEC0E5D7A1}" dt="2025-03-07T19:50:09.653" v="9947" actId="13244"/>
-          <ac:picMkLst>
-            <pc:docMk/>
-            <pc:sldMk cId="1078416277" sldId="262"/>
-            <ac:picMk id="33" creationId="{ED0AF36D-0CE7-8D95-9E6A-C89E477F4106}"/>
-          </ac:picMkLst>
-        </pc:picChg>
-        <pc:picChg chg="add mod ord">
-          <ac:chgData name="Dickinson, Andrew" userId="3f4323fc-acaf-4385-8fff-2c74093aca1e" providerId="ADAL" clId="{0D694EDB-1132-47E7-A873-10EEC0E5D7A1}" dt="2025-03-07T19:57:20.569" v="9983" actId="1038"/>
-          <ac:picMkLst>
-            <pc:docMk/>
-            <pc:sldMk cId="1078416277" sldId="262"/>
-            <ac:picMk id="35" creationId="{24BD3D52-469E-3967-CE8B-9B2A4A7FFC2E}"/>
-          </ac:picMkLst>
-        </pc:picChg>
-        <pc:picChg chg="add mod ord">
-          <ac:chgData name="Dickinson, Andrew" userId="3f4323fc-acaf-4385-8fff-2c74093aca1e" providerId="ADAL" clId="{0D694EDB-1132-47E7-A873-10EEC0E5D7A1}" dt="2025-03-07T20:06:00.193" v="10003" actId="13244"/>
-          <ac:picMkLst>
-            <pc:docMk/>
-            <pc:sldMk cId="1078416277" sldId="262"/>
-            <ac:picMk id="37" creationId="{926E2949-5643-CAAC-F21E-F443751E7600}"/>
-          </ac:picMkLst>
-        </pc:picChg>
-      </pc:sldChg>
-      <pc:sldChg chg="modSp add del mod">
-        <pc:chgData name="Dickinson, Andrew" userId="3f4323fc-acaf-4385-8fff-2c74093aca1e" providerId="ADAL" clId="{0D694EDB-1132-47E7-A873-10EEC0E5D7A1}" dt="2025-03-07T21:06:32.918" v="13766" actId="47"/>
-        <pc:sldMkLst>
-          <pc:docMk/>
-          <pc:sldMk cId="2154636207" sldId="263"/>
-        </pc:sldMkLst>
-      </pc:sldChg>
-      <pc:sldChg chg="addSp delSp modSp add mod modNotesTx">
-        <pc:chgData name="Dickinson, Andrew" userId="3f4323fc-acaf-4385-8fff-2c74093aca1e" providerId="ADAL" clId="{0D694EDB-1132-47E7-A873-10EEC0E5D7A1}" dt="2025-03-07T22:43:15.093" v="16378" actId="20577"/>
-        <pc:sldMkLst>
-          <pc:docMk/>
-          <pc:sldMk cId="538797881" sldId="264"/>
-        </pc:sldMkLst>
-        <pc:spChg chg="add del mod">
-          <ac:chgData name="Dickinson, Andrew" userId="3f4323fc-acaf-4385-8fff-2c74093aca1e" providerId="ADAL" clId="{0D694EDB-1132-47E7-A873-10EEC0E5D7A1}" dt="2025-03-07T21:21:58.736" v="13772" actId="478"/>
-          <ac:spMkLst>
-            <pc:docMk/>
-            <pc:sldMk cId="538797881" sldId="264"/>
-            <ac:spMk id="3" creationId="{38F11A76-5CB6-8594-FAFC-64ABF250BB80}"/>
-          </ac:spMkLst>
-        </pc:spChg>
-        <pc:spChg chg="add">
-          <ac:chgData name="Dickinson, Andrew" userId="3f4323fc-acaf-4385-8fff-2c74093aca1e" providerId="ADAL" clId="{0D694EDB-1132-47E7-A873-10EEC0E5D7A1}" dt="2025-03-07T21:33:28.037" v="14017"/>
-          <ac:spMkLst>
-            <pc:docMk/>
-            <pc:sldMk cId="538797881" sldId="264"/>
-            <ac:spMk id="4" creationId="{1E82B30B-7473-90FA-302E-364E9423D947}"/>
-          </ac:spMkLst>
-        </pc:spChg>
-        <pc:spChg chg="mod">
-          <ac:chgData name="Dickinson, Andrew" userId="3f4323fc-acaf-4385-8fff-2c74093aca1e" providerId="ADAL" clId="{0D694EDB-1132-47E7-A873-10EEC0E5D7A1}" dt="2025-03-05T08:41:08.238" v="3361" actId="20577"/>
-          <ac:spMkLst>
-            <pc:docMk/>
-            <pc:sldMk cId="538797881" sldId="264"/>
-            <ac:spMk id="5" creationId="{4CCD2ABE-1A5F-66B0-7D6F-BBF410811AC8}"/>
-          </ac:spMkLst>
-        </pc:spChg>
-        <pc:spChg chg="add">
-          <ac:chgData name="Dickinson, Andrew" userId="3f4323fc-acaf-4385-8fff-2c74093aca1e" providerId="ADAL" clId="{0D694EDB-1132-47E7-A873-10EEC0E5D7A1}" dt="2025-03-07T21:33:33.490" v="14018"/>
-          <ac:spMkLst>
-            <pc:docMk/>
-            <pc:sldMk cId="538797881" sldId="264"/>
-            <ac:spMk id="6" creationId="{221A7D5C-5AB7-9475-F761-6027A1C3081F}"/>
-          </ac:spMkLst>
-        </pc:spChg>
-        <pc:spChg chg="add">
-          <ac:chgData name="Dickinson, Andrew" userId="3f4323fc-acaf-4385-8fff-2c74093aca1e" providerId="ADAL" clId="{0D694EDB-1132-47E7-A873-10EEC0E5D7A1}" dt="2025-03-07T21:33:46.290" v="14019"/>
-          <ac:spMkLst>
-            <pc:docMk/>
-            <pc:sldMk cId="538797881" sldId="264"/>
-            <ac:spMk id="7" creationId="{61E42A8F-172D-68A0-5DF1-369DF65049A6}"/>
-          </ac:spMkLst>
-        </pc:spChg>
-        <pc:spChg chg="add mod">
-          <ac:chgData name="Dickinson, Andrew" userId="3f4323fc-acaf-4385-8fff-2c74093aca1e" providerId="ADAL" clId="{0D694EDB-1132-47E7-A873-10EEC0E5D7A1}" dt="2025-03-07T22:04:37.723" v="14629" actId="27636"/>
-          <ac:spMkLst>
-            <pc:docMk/>
-            <pc:sldMk cId="538797881" sldId="264"/>
-            <ac:spMk id="8" creationId="{C5D5467E-0D63-C233-995C-84D6E72026FB}"/>
-          </ac:spMkLst>
-        </pc:spChg>
-        <pc:spChg chg="add mod">
-          <ac:chgData name="Dickinson, Andrew" userId="3f4323fc-acaf-4385-8fff-2c74093aca1e" providerId="ADAL" clId="{0D694EDB-1132-47E7-A873-10EEC0E5D7A1}" dt="2025-03-07T22:23:55.930" v="15262" actId="20577"/>
-          <ac:spMkLst>
-            <pc:docMk/>
-            <pc:sldMk cId="538797881" sldId="264"/>
-            <ac:spMk id="9" creationId="{032DC7F9-4554-8B05-0CA3-52A19905C482}"/>
-          </ac:spMkLst>
-        </pc:spChg>
-        <pc:spChg chg="add mod">
-          <ac:chgData name="Dickinson, Andrew" userId="3f4323fc-acaf-4385-8fff-2c74093aca1e" providerId="ADAL" clId="{0D694EDB-1132-47E7-A873-10EEC0E5D7A1}" dt="2025-03-07T22:19:47.595" v="15124" actId="20577"/>
-          <ac:spMkLst>
-            <pc:docMk/>
-            <pc:sldMk cId="538797881" sldId="264"/>
-            <ac:spMk id="10" creationId="{98108BA3-4D22-968A-BA7A-8721350F1724}"/>
-          </ac:spMkLst>
-        </pc:spChg>
-        <pc:spChg chg="add mod">
-          <ac:chgData name="Dickinson, Andrew" userId="3f4323fc-acaf-4385-8fff-2c74093aca1e" providerId="ADAL" clId="{0D694EDB-1132-47E7-A873-10EEC0E5D7A1}" dt="2025-03-07T22:11:15.320" v="15083" actId="1076"/>
-          <ac:spMkLst>
-            <pc:docMk/>
-            <pc:sldMk cId="538797881" sldId="264"/>
-            <ac:spMk id="11" creationId="{5DDF263D-5CC9-ACEA-863B-1CA0E1B26518}"/>
-          </ac:spMkLst>
-        </pc:spChg>
-        <pc:spChg chg="add del mod">
-          <ac:chgData name="Dickinson, Andrew" userId="3f4323fc-acaf-4385-8fff-2c74093aca1e" providerId="ADAL" clId="{0D694EDB-1132-47E7-A873-10EEC0E5D7A1}" dt="2025-03-07T22:22:36.204" v="15193" actId="20577"/>
-          <ac:spMkLst>
-            <pc:docMk/>
-            <pc:sldMk cId="538797881" sldId="264"/>
-            <ac:spMk id="15" creationId="{BCA692DD-EC0B-4937-1DE8-D67ED032D0E6}"/>
-          </ac:spMkLst>
-        </pc:spChg>
-      </pc:sldChg>
-      <pc:sldChg chg="modSp add mod">
-        <pc:chgData name="Dickinson, Andrew" userId="3f4323fc-acaf-4385-8fff-2c74093aca1e" providerId="ADAL" clId="{0D694EDB-1132-47E7-A873-10EEC0E5D7A1}" dt="2025-03-05T08:42:04.847" v="3434" actId="20577"/>
-        <pc:sldMkLst>
-          <pc:docMk/>
-          <pc:sldMk cId="3121536686" sldId="265"/>
-        </pc:sldMkLst>
-        <pc:spChg chg="mod">
-          <ac:chgData name="Dickinson, Andrew" userId="3f4323fc-acaf-4385-8fff-2c74093aca1e" providerId="ADAL" clId="{0D694EDB-1132-47E7-A873-10EEC0E5D7A1}" dt="2025-03-05T08:41:45.834" v="3375" actId="20577"/>
-          <ac:spMkLst>
-            <pc:docMk/>
-            <pc:sldMk cId="3121536686" sldId="265"/>
-            <ac:spMk id="5" creationId="{D5D08DE4-3225-FD18-839E-EFDCFF6D218A}"/>
-          </ac:spMkLst>
-        </pc:spChg>
-        <pc:spChg chg="mod">
-          <ac:chgData name="Dickinson, Andrew" userId="3f4323fc-acaf-4385-8fff-2c74093aca1e" providerId="ADAL" clId="{0D694EDB-1132-47E7-A873-10EEC0E5D7A1}" dt="2025-03-05T08:42:04.847" v="3434" actId="20577"/>
-          <ac:spMkLst>
-            <pc:docMk/>
-            <pc:sldMk cId="3121536686" sldId="265"/>
-            <ac:spMk id="15" creationId="{D2B6EFD5-5567-2E37-DEA3-50F42686747B}"/>
-          </ac:spMkLst>
-        </pc:spChg>
-      </pc:sldChg>
-      <pc:sldChg chg="del">
-        <pc:chgData name="Dickinson, Andrew" userId="3f4323fc-acaf-4385-8fff-2c74093aca1e" providerId="ADAL" clId="{0D694EDB-1132-47E7-A873-10EEC0E5D7A1}" dt="2025-02-23T13:05:55.437" v="9" actId="47"/>
-        <pc:sldMkLst>
-          <pc:docMk/>
-          <pc:sldMk cId="1526476808" sldId="266"/>
-        </pc:sldMkLst>
-      </pc:sldChg>
-      <pc:sldChg chg="addSp delSp modSp add mod delAnim">
-        <pc:chgData name="Dickinson, Andrew" userId="3f4323fc-acaf-4385-8fff-2c74093aca1e" providerId="ADAL" clId="{0D694EDB-1132-47E7-A873-10EEC0E5D7A1}" dt="2025-03-07T22:38:11.404" v="16300" actId="478"/>
-        <pc:sldMkLst>
-          <pc:docMk/>
-          <pc:sldMk cId="3457373057" sldId="266"/>
-        </pc:sldMkLst>
-        <pc:spChg chg="del">
-          <ac:chgData name="Dickinson, Andrew" userId="3f4323fc-acaf-4385-8fff-2c74093aca1e" providerId="ADAL" clId="{0D694EDB-1132-47E7-A873-10EEC0E5D7A1}" dt="2025-03-07T22:38:11.404" v="16300" actId="478"/>
-          <ac:spMkLst>
-            <pc:docMk/>
-            <pc:sldMk cId="3457373057" sldId="266"/>
-            <ac:spMk id="2" creationId="{3ABC520E-2E63-18ED-24E0-5D31A3D93803}"/>
-          </ac:spMkLst>
-        </pc:spChg>
-        <pc:spChg chg="del">
-          <ac:chgData name="Dickinson, Andrew" userId="3f4323fc-acaf-4385-8fff-2c74093aca1e" providerId="ADAL" clId="{0D694EDB-1132-47E7-A873-10EEC0E5D7A1}" dt="2025-03-07T22:38:11.404" v="16300" actId="478"/>
-          <ac:spMkLst>
-            <pc:docMk/>
-            <pc:sldMk cId="3457373057" sldId="266"/>
-            <ac:spMk id="3" creationId="{946631FF-753A-374D-A8FB-2C6A29167032}"/>
-          </ac:spMkLst>
-        </pc:spChg>
-        <pc:spChg chg="del">
-          <ac:chgData name="Dickinson, Andrew" userId="3f4323fc-acaf-4385-8fff-2c74093aca1e" providerId="ADAL" clId="{0D694EDB-1132-47E7-A873-10EEC0E5D7A1}" dt="2025-03-07T22:38:11.404" v="16300" actId="478"/>
-          <ac:spMkLst>
-            <pc:docMk/>
-            <pc:sldMk cId="3457373057" sldId="266"/>
-            <ac:spMk id="4" creationId="{1AF52D59-C10B-70BC-FBE1-D0A96372799F}"/>
-          </ac:spMkLst>
-        </pc:spChg>
-        <pc:spChg chg="mod">
-          <ac:chgData name="Dickinson, Andrew" userId="3f4323fc-acaf-4385-8fff-2c74093aca1e" providerId="ADAL" clId="{0D694EDB-1132-47E7-A873-10EEC0E5D7A1}" dt="2025-03-07T22:38:00.939" v="16299" actId="20577"/>
-          <ac:spMkLst>
-            <pc:docMk/>
-            <pc:sldMk cId="3457373057" sldId="266"/>
-            <ac:spMk id="5" creationId="{A2AAFA2C-2EA8-8649-17CA-B8F58865A2CD}"/>
-          </ac:spMkLst>
-        </pc:spChg>
-        <pc:spChg chg="del">
-          <ac:chgData name="Dickinson, Andrew" userId="3f4323fc-acaf-4385-8fff-2c74093aca1e" providerId="ADAL" clId="{0D694EDB-1132-47E7-A873-10EEC0E5D7A1}" dt="2025-03-07T22:38:11.404" v="16300" actId="478"/>
-          <ac:spMkLst>
-            <pc:docMk/>
-            <pc:sldMk cId="3457373057" sldId="266"/>
-            <ac:spMk id="6" creationId="{99A4C75F-0189-23BD-2C43-CFD536B40EBC}"/>
-          </ac:spMkLst>
-        </pc:spChg>
-        <pc:spChg chg="del">
-          <ac:chgData name="Dickinson, Andrew" userId="3f4323fc-acaf-4385-8fff-2c74093aca1e" providerId="ADAL" clId="{0D694EDB-1132-47E7-A873-10EEC0E5D7A1}" dt="2025-03-07T22:38:11.404" v="16300" actId="478"/>
-          <ac:spMkLst>
-            <pc:docMk/>
-            <pc:sldMk cId="3457373057" sldId="266"/>
-            <ac:spMk id="7" creationId="{4B3901BA-D7BE-92A1-D864-C088064B69A9}"/>
-          </ac:spMkLst>
-        </pc:spChg>
-        <pc:spChg chg="add mod">
-          <ac:chgData name="Dickinson, Andrew" userId="3f4323fc-acaf-4385-8fff-2c74093aca1e" providerId="ADAL" clId="{0D694EDB-1132-47E7-A873-10EEC0E5D7A1}" dt="2025-03-07T22:38:11.404" v="16300" actId="478"/>
-          <ac:spMkLst>
-            <pc:docMk/>
-            <pc:sldMk cId="3457373057" sldId="266"/>
-            <ac:spMk id="9" creationId="{8CF2B5F0-AD8C-DE91-D8A2-6F04F10682D0}"/>
-          </ac:spMkLst>
-        </pc:spChg>
-        <pc:spChg chg="del">
-          <ac:chgData name="Dickinson, Andrew" userId="3f4323fc-acaf-4385-8fff-2c74093aca1e" providerId="ADAL" clId="{0D694EDB-1132-47E7-A873-10EEC0E5D7A1}" dt="2025-03-07T22:38:11.404" v="16300" actId="478"/>
-          <ac:spMkLst>
-            <pc:docMk/>
-            <pc:sldMk cId="3457373057" sldId="266"/>
-            <ac:spMk id="15" creationId="{D7814323-3FBB-1C77-9CF1-D539CE68AC3C}"/>
-          </ac:spMkLst>
-        </pc:spChg>
-      </pc:sldChg>
-      <pc:sldChg chg="del">
-        <pc:chgData name="Dickinson, Andrew" userId="3f4323fc-acaf-4385-8fff-2c74093aca1e" providerId="ADAL" clId="{0D694EDB-1132-47E7-A873-10EEC0E5D7A1}" dt="2025-02-23T13:05:52.755" v="1" actId="47"/>
-        <pc:sldMkLst>
-          <pc:docMk/>
-          <pc:sldMk cId="2231508892" sldId="269"/>
-        </pc:sldMkLst>
-      </pc:sldChg>
-      <pc:sldChg chg="del">
-        <pc:chgData name="Dickinson, Andrew" userId="3f4323fc-acaf-4385-8fff-2c74093aca1e" providerId="ADAL" clId="{0D694EDB-1132-47E7-A873-10EEC0E5D7A1}" dt="2025-02-23T13:05:53.144" v="2" actId="47"/>
-        <pc:sldMkLst>
-          <pc:docMk/>
-          <pc:sldMk cId="3857454307" sldId="270"/>
-        </pc:sldMkLst>
-      </pc:sldChg>
-      <pc:sldChg chg="del">
-        <pc:chgData name="Dickinson, Andrew" userId="3f4323fc-acaf-4385-8fff-2c74093aca1e" providerId="ADAL" clId="{0D694EDB-1132-47E7-A873-10EEC0E5D7A1}" dt="2025-02-23T13:05:53.486" v="3" actId="47"/>
-        <pc:sldMkLst>
-          <pc:docMk/>
-          <pc:sldMk cId="1429569279" sldId="271"/>
-        </pc:sldMkLst>
-      </pc:sldChg>
-      <pc:sldChg chg="del">
-        <pc:chgData name="Dickinson, Andrew" userId="3f4323fc-acaf-4385-8fff-2c74093aca1e" providerId="ADAL" clId="{0D694EDB-1132-47E7-A873-10EEC0E5D7A1}" dt="2025-02-23T13:05:54.125" v="5" actId="47"/>
-        <pc:sldMkLst>
-          <pc:docMk/>
-          <pc:sldMk cId="1478262895" sldId="272"/>
-        </pc:sldMkLst>
-      </pc:sldChg>
-      <pc:sldChg chg="del">
-        <pc:chgData name="Dickinson, Andrew" userId="3f4323fc-acaf-4385-8fff-2c74093aca1e" providerId="ADAL" clId="{0D694EDB-1132-47E7-A873-10EEC0E5D7A1}" dt="2025-02-23T13:05:51.960" v="0" actId="47"/>
-        <pc:sldMkLst>
-          <pc:docMk/>
-          <pc:sldMk cId="3639861920" sldId="274"/>
-        </pc:sldMkLst>
-      </pc:sldChg>
-      <pc:sldChg chg="del">
-        <pc:chgData name="Dickinson, Andrew" userId="3f4323fc-acaf-4385-8fff-2c74093aca1e" providerId="ADAL" clId="{0D694EDB-1132-47E7-A873-10EEC0E5D7A1}" dt="2025-02-23T13:05:53.821" v="4" actId="47"/>
-        <pc:sldMkLst>
-          <pc:docMk/>
-          <pc:sldMk cId="1642392654" sldId="275"/>
-        </pc:sldMkLst>
-      </pc:sldChg>
-      <pc:sldChg chg="del">
-        <pc:chgData name="Dickinson, Andrew" userId="3f4323fc-acaf-4385-8fff-2c74093aca1e" providerId="ADAL" clId="{0D694EDB-1132-47E7-A873-10EEC0E5D7A1}" dt="2025-02-23T13:05:54.603" v="7" actId="47"/>
-        <pc:sldMkLst>
-          <pc:docMk/>
-          <pc:sldMk cId="1779679596" sldId="276"/>
-        </pc:sldMkLst>
-      </pc:sldChg>
-      <pc:sldChg chg="del">
-        <pc:chgData name="Dickinson, Andrew" userId="3f4323fc-acaf-4385-8fff-2c74093aca1e" providerId="ADAL" clId="{0D694EDB-1132-47E7-A873-10EEC0E5D7A1}" dt="2025-02-23T13:05:54.358" v="6" actId="47"/>
-        <pc:sldMkLst>
-          <pc:docMk/>
-          <pc:sldMk cId="2512711396" sldId="277"/>
-        </pc:sldMkLst>
-      </pc:sldChg>
-      <pc:sldChg chg="del">
-        <pc:chgData name="Dickinson, Andrew" userId="3f4323fc-acaf-4385-8fff-2c74093aca1e" providerId="ADAL" clId="{0D694EDB-1132-47E7-A873-10EEC0E5D7A1}" dt="2025-02-23T13:05:54.854" v="8" actId="47"/>
-        <pc:sldMkLst>
-          <pc:docMk/>
-          <pc:sldMk cId="2594148538" sldId="278"/>
-        </pc:sldMkLst>
-      </pc:sldChg>
-    </pc:docChg>
-  </pc:docChgLst>
-  <pc:docChgLst>
-    <pc:chgData name="Dickinson, Andrew" userId="3f4323fc-acaf-4385-8fff-2c74093aca1e" providerId="ADAL" clId="{04197955-CD75-45D4-8CA3-214661C80F57}"/>
-    <pc:docChg chg="custSel addSld modSld">
-      <pc:chgData name="Dickinson, Andrew" userId="3f4323fc-acaf-4385-8fff-2c74093aca1e" providerId="ADAL" clId="{04197955-CD75-45D4-8CA3-214661C80F57}" dt="2024-11-15T13:32:15.395" v="1211" actId="20577"/>
-      <pc:docMkLst>
-        <pc:docMk/>
-      </pc:docMkLst>
-      <pc:sldChg chg="delSp modSp mod">
-        <pc:chgData name="Dickinson, Andrew" userId="3f4323fc-acaf-4385-8fff-2c74093aca1e" providerId="ADAL" clId="{04197955-CD75-45D4-8CA3-214661C80F57}" dt="2024-11-15T13:32:15.395" v="1211" actId="20577"/>
-        <pc:sldMkLst>
-          <pc:docMk/>
-          <pc:sldMk cId="1857242846" sldId="256"/>
-        </pc:sldMkLst>
-      </pc:sldChg>
-      <pc:sldChg chg="addSp delSp modSp add mod">
-        <pc:chgData name="Dickinson, Andrew" userId="3f4323fc-acaf-4385-8fff-2c74093aca1e" providerId="ADAL" clId="{04197955-CD75-45D4-8CA3-214661C80F57}" dt="2024-11-15T13:29:24.588" v="924" actId="20577"/>
-        <pc:sldMkLst>
-          <pc:docMk/>
-          <pc:sldMk cId="3447412213" sldId="257"/>
-        </pc:sldMkLst>
-      </pc:sldChg>
-    </pc:docChg>
-  </pc:docChgLst>
-  <pc:docChgLst>
-    <pc:chgData name="Dickinson, Andrew" userId="3f4323fc-acaf-4385-8fff-2c74093aca1e" providerId="ADAL" clId="{205895EC-5AE1-4744-B0C2-6BDC378A28CE}"/>
-    <pc:docChg chg="custSel delSld modSld">
-      <pc:chgData name="Dickinson, Andrew" userId="3f4323fc-acaf-4385-8fff-2c74093aca1e" providerId="ADAL" clId="{205895EC-5AE1-4744-B0C2-6BDC378A28CE}" dt="2024-11-08T13:22:04.544" v="496" actId="20577"/>
+    <pc:chgData name="Jordan Dickson" userId="6871d531-9081-4ecc-9a38-a94cdb257e90" providerId="ADAL" clId="{47E581B8-7000-4CF5-9068-D30DA384FC69}"/>
+    <pc:docChg chg="undo custSel addSld modSld sldOrd">
+      <pc:chgData name="Jordan Dickson" userId="6871d531-9081-4ecc-9a38-a94cdb257e90" providerId="ADAL" clId="{47E581B8-7000-4CF5-9068-D30DA384FC69}" dt="2025-05-07T14:28:31.833" v="664" actId="20577"/>
       <pc:docMkLst>
         <pc:docMk/>
       </pc:docMkLst>
       <pc:sldChg chg="addSp delSp modSp mod">
-        <pc:chgData name="Dickinson, Andrew" userId="3f4323fc-acaf-4385-8fff-2c74093aca1e" providerId="ADAL" clId="{205895EC-5AE1-4744-B0C2-6BDC378A28CE}" dt="2024-11-08T13:22:04.544" v="496" actId="20577"/>
+        <pc:chgData name="Jordan Dickson" userId="6871d531-9081-4ecc-9a38-a94cdb257e90" providerId="ADAL" clId="{47E581B8-7000-4CF5-9068-D30DA384FC69}" dt="2025-05-07T14:28:31.833" v="664" actId="20577"/>
         <pc:sldMkLst>
           <pc:docMk/>
-          <pc:sldMk cId="1857242846" sldId="256"/>
+          <pc:sldMk cId="3515751108" sldId="268"/>
         </pc:sldMkLst>
+        <pc:spChg chg="del mod">
+          <ac:chgData name="Jordan Dickson" userId="6871d531-9081-4ecc-9a38-a94cdb257e90" providerId="ADAL" clId="{47E581B8-7000-4CF5-9068-D30DA384FC69}" dt="2025-05-07T13:10:27.323" v="2" actId="931"/>
+          <ac:spMkLst>
+            <pc:docMk/>
+            <pc:sldMk cId="3515751108" sldId="268"/>
+            <ac:spMk id="3" creationId="{A25E93F6-F302-D0B2-18B7-162E0C14BA46}"/>
+          </ac:spMkLst>
+        </pc:spChg>
+        <pc:spChg chg="add mod">
+          <ac:chgData name="Jordan Dickson" userId="6871d531-9081-4ecc-9a38-a94cdb257e90" providerId="ADAL" clId="{47E581B8-7000-4CF5-9068-D30DA384FC69}" dt="2025-05-07T14:28:31.833" v="664" actId="20577"/>
+          <ac:spMkLst>
+            <pc:docMk/>
+            <pc:sldMk cId="3515751108" sldId="268"/>
+            <ac:spMk id="7" creationId="{AC61B43B-418C-FD9E-BAE3-2B096C1C1A9F}"/>
+          </ac:spMkLst>
+        </pc:spChg>
+        <pc:picChg chg="add del mod">
+          <ac:chgData name="Jordan Dickson" userId="6871d531-9081-4ecc-9a38-a94cdb257e90" providerId="ADAL" clId="{47E581B8-7000-4CF5-9068-D30DA384FC69}" dt="2025-05-07T13:11:05.165" v="4" actId="478"/>
+          <ac:picMkLst>
+            <pc:docMk/>
+            <pc:sldMk cId="3515751108" sldId="268"/>
+            <ac:picMk id="5" creationId="{9533570D-5270-E7D7-7A7B-819A0B9B6949}"/>
+          </ac:picMkLst>
+        </pc:picChg>
       </pc:sldChg>
-      <pc:sldChg chg="del">
-        <pc:chgData name="Dickinson, Andrew" userId="3f4323fc-acaf-4385-8fff-2c74093aca1e" providerId="ADAL" clId="{205895EC-5AE1-4744-B0C2-6BDC378A28CE}" dt="2024-11-08T13:19:57.307" v="439" actId="47"/>
+      <pc:sldChg chg="modSp mod ord">
+        <pc:chgData name="Jordan Dickson" userId="6871d531-9081-4ecc-9a38-a94cdb257e90" providerId="ADAL" clId="{47E581B8-7000-4CF5-9068-D30DA384FC69}" dt="2025-05-07T13:18:15.513" v="75"/>
         <pc:sldMkLst>
           <pc:docMk/>
-          <pc:sldMk cId="2214619848" sldId="260"/>
+          <pc:sldMk cId="679181042" sldId="269"/>
         </pc:sldMkLst>
+        <pc:spChg chg="mod">
+          <ac:chgData name="Jordan Dickson" userId="6871d531-9081-4ecc-9a38-a94cdb257e90" providerId="ADAL" clId="{47E581B8-7000-4CF5-9068-D30DA384FC69}" dt="2025-05-07T13:17:49.888" v="73" actId="20577"/>
+          <ac:spMkLst>
+            <pc:docMk/>
+            <pc:sldMk cId="679181042" sldId="269"/>
+            <ac:spMk id="3" creationId="{59E66A38-D53F-D660-EE33-80DDB364ADDA}"/>
+          </ac:spMkLst>
+        </pc:spChg>
       </pc:sldChg>
-      <pc:sldChg chg="del">
-        <pc:chgData name="Dickinson, Andrew" userId="3f4323fc-acaf-4385-8fff-2c74093aca1e" providerId="ADAL" clId="{205895EC-5AE1-4744-B0C2-6BDC378A28CE}" dt="2024-11-08T13:20:01.988" v="441" actId="47"/>
+      <pc:sldChg chg="addSp delSp modSp add mod ord setBg setClrOvrMap">
+        <pc:chgData name="Jordan Dickson" userId="6871d531-9081-4ecc-9a38-a94cdb257e90" providerId="ADAL" clId="{47E581B8-7000-4CF5-9068-D30DA384FC69}" dt="2025-05-07T13:14:35.162" v="63"/>
         <pc:sldMkLst>
           <pc:docMk/>
-          <pc:sldMk cId="3446527894" sldId="262"/>
+          <pc:sldMk cId="1352042157" sldId="282"/>
         </pc:sldMkLst>
-      </pc:sldChg>
-      <pc:sldChg chg="del">
-        <pc:chgData name="Dickinson, Andrew" userId="3f4323fc-acaf-4385-8fff-2c74093aca1e" providerId="ADAL" clId="{205895EC-5AE1-4744-B0C2-6BDC378A28CE}" dt="2024-11-08T13:19:59.333" v="440" actId="47"/>
-        <pc:sldMkLst>
-          <pc:docMk/>
-          <pc:sldMk cId="4157647959" sldId="263"/>
-        </pc:sldMkLst>
-      </pc:sldChg>
-      <pc:sldChg chg="del">
-        <pc:chgData name="Dickinson, Andrew" userId="3f4323fc-acaf-4385-8fff-2c74093aca1e" providerId="ADAL" clId="{205895EC-5AE1-4744-B0C2-6BDC378A28CE}" dt="2024-11-08T13:20:03.013" v="442" actId="47"/>
-        <pc:sldMkLst>
-          <pc:docMk/>
-          <pc:sldMk cId="3462467956" sldId="264"/>
-        </pc:sldMkLst>
-      </pc:sldChg>
-    </pc:docChg>
-  </pc:docChgLst>
-  <pc:docChgLst>
-    <pc:chgData name="Dickinson, Andrew" userId="3f4323fc-acaf-4385-8fff-2c74093aca1e" providerId="ADAL" clId="{0CF3692B-BD9E-4E6A-BE78-7E24E5A9ADCC}"/>
-    <pc:docChg chg="undo custSel addSld delSld modSld sldOrd">
-      <pc:chgData name="Dickinson, Andrew" userId="3f4323fc-acaf-4385-8fff-2c74093aca1e" providerId="ADAL" clId="{0CF3692B-BD9E-4E6A-BE78-7E24E5A9ADCC}" dt="2025-01-21T10:38:02.759" v="7100" actId="20577"/>
-      <pc:docMkLst>
-        <pc:docMk/>
-      </pc:docMkLst>
-      <pc:sldChg chg="modSp mod">
-        <pc:chgData name="Dickinson, Andrew" userId="3f4323fc-acaf-4385-8fff-2c74093aca1e" providerId="ADAL" clId="{0CF3692B-BD9E-4E6A-BE78-7E24E5A9ADCC}" dt="2025-01-20T14:32:51.952" v="6755" actId="20577"/>
-        <pc:sldMkLst>
-          <pc:docMk/>
-          <pc:sldMk cId="1857242846" sldId="256"/>
-        </pc:sldMkLst>
-      </pc:sldChg>
-      <pc:sldChg chg="modSp del mod">
-        <pc:chgData name="Dickinson, Andrew" userId="3f4323fc-acaf-4385-8fff-2c74093aca1e" providerId="ADAL" clId="{0CF3692B-BD9E-4E6A-BE78-7E24E5A9ADCC}" dt="2025-01-16T16:38:53.644" v="3663" actId="2696"/>
-        <pc:sldMkLst>
-          <pc:docMk/>
-          <pc:sldMk cId="3447412213" sldId="257"/>
-        </pc:sldMkLst>
-      </pc:sldChg>
-      <pc:sldChg chg="modSp add mod">
-        <pc:chgData name="Dickinson, Andrew" userId="3f4323fc-acaf-4385-8fff-2c74093aca1e" providerId="ADAL" clId="{0CF3692B-BD9E-4E6A-BE78-7E24E5A9ADCC}" dt="2025-01-20T14:33:29.362" v="6760" actId="20577"/>
-        <pc:sldMkLst>
-          <pc:docMk/>
-          <pc:sldMk cId="2348851291" sldId="258"/>
-        </pc:sldMkLst>
-      </pc:sldChg>
-      <pc:sldChg chg="modSp add mod">
-        <pc:chgData name="Dickinson, Andrew" userId="3f4323fc-acaf-4385-8fff-2c74093aca1e" providerId="ADAL" clId="{0CF3692B-BD9E-4E6A-BE78-7E24E5A9ADCC}" dt="2025-01-20T13:54:29.233" v="4883" actId="20577"/>
-        <pc:sldMkLst>
-          <pc:docMk/>
-          <pc:sldMk cId="2212672382" sldId="259"/>
-        </pc:sldMkLst>
-      </pc:sldChg>
-      <pc:sldChg chg="modSp add mod">
-        <pc:chgData name="Dickinson, Andrew" userId="3f4323fc-acaf-4385-8fff-2c74093aca1e" providerId="ADAL" clId="{0CF3692B-BD9E-4E6A-BE78-7E24E5A9ADCC}" dt="2025-01-20T13:43:51.147" v="4825" actId="20577"/>
-        <pc:sldMkLst>
-          <pc:docMk/>
-          <pc:sldMk cId="1607559782" sldId="260"/>
-        </pc:sldMkLst>
-      </pc:sldChg>
-      <pc:sldChg chg="addSp modSp add del mod">
-        <pc:chgData name="Dickinson, Andrew" userId="3f4323fc-acaf-4385-8fff-2c74093aca1e" providerId="ADAL" clId="{0CF3692B-BD9E-4E6A-BE78-7E24E5A9ADCC}" dt="2025-01-16T16:10:17.769" v="3014" actId="2696"/>
-        <pc:sldMkLst>
-          <pc:docMk/>
-          <pc:sldMk cId="443881905" sldId="261"/>
-        </pc:sldMkLst>
-      </pc:sldChg>
-      <pc:sldChg chg="modSp add mod">
-        <pc:chgData name="Dickinson, Andrew" userId="3f4323fc-acaf-4385-8fff-2c74093aca1e" providerId="ADAL" clId="{0CF3692B-BD9E-4E6A-BE78-7E24E5A9ADCC}" dt="2025-01-16T16:09:55.926" v="3012" actId="14826"/>
-        <pc:sldMkLst>
-          <pc:docMk/>
-          <pc:sldMk cId="843695574" sldId="262"/>
-        </pc:sldMkLst>
-      </pc:sldChg>
-      <pc:sldChg chg="addSp modSp add mod">
-        <pc:chgData name="Dickinson, Andrew" userId="3f4323fc-acaf-4385-8fff-2c74093aca1e" providerId="ADAL" clId="{0CF3692B-BD9E-4E6A-BE78-7E24E5A9ADCC}" dt="2025-01-16T16:11:59.785" v="3035" actId="167"/>
-        <pc:sldMkLst>
-          <pc:docMk/>
-          <pc:sldMk cId="2555539974" sldId="263"/>
-        </pc:sldMkLst>
-      </pc:sldChg>
-      <pc:sldChg chg="modSp add mod">
-        <pc:chgData name="Dickinson, Andrew" userId="3f4323fc-acaf-4385-8fff-2c74093aca1e" providerId="ADAL" clId="{0CF3692B-BD9E-4E6A-BE78-7E24E5A9ADCC}" dt="2025-01-16T16:13:25.052" v="3056" actId="14826"/>
-        <pc:sldMkLst>
-          <pc:docMk/>
-          <pc:sldMk cId="485574408" sldId="264"/>
-        </pc:sldMkLst>
-      </pc:sldChg>
-      <pc:sldChg chg="modSp add mod ord">
-        <pc:chgData name="Dickinson, Andrew" userId="3f4323fc-acaf-4385-8fff-2c74093aca1e" providerId="ADAL" clId="{0CF3692B-BD9E-4E6A-BE78-7E24E5A9ADCC}" dt="2025-01-20T13:55:49.764" v="4897" actId="20577"/>
-        <pc:sldMkLst>
-          <pc:docMk/>
-          <pc:sldMk cId="437661216" sldId="265"/>
-        </pc:sldMkLst>
-      </pc:sldChg>
-      <pc:sldChg chg="modSp add mod">
-        <pc:chgData name="Dickinson, Andrew" userId="3f4323fc-acaf-4385-8fff-2c74093aca1e" providerId="ADAL" clId="{0CF3692B-BD9E-4E6A-BE78-7E24E5A9ADCC}" dt="2025-01-21T10:38:02.759" v="7100" actId="20577"/>
-        <pc:sldMkLst>
-          <pc:docMk/>
-          <pc:sldMk cId="1526476808" sldId="266"/>
-        </pc:sldMkLst>
-      </pc:sldChg>
-      <pc:sldChg chg="addSp modSp add mod ord">
-        <pc:chgData name="Dickinson, Andrew" userId="3f4323fc-acaf-4385-8fff-2c74093aca1e" providerId="ADAL" clId="{0CF3692B-BD9E-4E6A-BE78-7E24E5A9ADCC}" dt="2025-01-20T14:35:32.657" v="6775" actId="20577"/>
-        <pc:sldMkLst>
-          <pc:docMk/>
-          <pc:sldMk cId="4195233458" sldId="267"/>
-        </pc:sldMkLst>
-      </pc:sldChg>
-      <pc:sldChg chg="modSp add mod ord">
-        <pc:chgData name="Dickinson, Andrew" userId="3f4323fc-acaf-4385-8fff-2c74093aca1e" providerId="ADAL" clId="{0CF3692B-BD9E-4E6A-BE78-7E24E5A9ADCC}" dt="2025-01-20T14:11:02.054" v="5401" actId="20577"/>
-        <pc:sldMkLst>
-          <pc:docMk/>
-          <pc:sldMk cId="242114808" sldId="268"/>
-        </pc:sldMkLst>
-      </pc:sldChg>
-      <pc:sldChg chg="modSp add mod ord">
-        <pc:chgData name="Dickinson, Andrew" userId="3f4323fc-acaf-4385-8fff-2c74093aca1e" providerId="ADAL" clId="{0CF3692B-BD9E-4E6A-BE78-7E24E5A9ADCC}" dt="2025-01-20T14:03:43.751" v="5317" actId="14826"/>
-        <pc:sldMkLst>
-          <pc:docMk/>
-          <pc:sldMk cId="4239460164" sldId="269"/>
-        </pc:sldMkLst>
-      </pc:sldChg>
-      <pc:sldChg chg="addSp modSp add mod ord">
-        <pc:chgData name="Dickinson, Andrew" userId="3f4323fc-acaf-4385-8fff-2c74093aca1e" providerId="ADAL" clId="{0CF3692B-BD9E-4E6A-BE78-7E24E5A9ADCC}" dt="2025-01-20T14:08:17.234" v="5340" actId="14826"/>
-        <pc:sldMkLst>
-          <pc:docMk/>
-          <pc:sldMk cId="3798813376" sldId="270"/>
-        </pc:sldMkLst>
-      </pc:sldChg>
-      <pc:sldChg chg="modSp add mod ord">
-        <pc:chgData name="Dickinson, Andrew" userId="3f4323fc-acaf-4385-8fff-2c74093aca1e" providerId="ADAL" clId="{0CF3692B-BD9E-4E6A-BE78-7E24E5A9ADCC}" dt="2025-01-20T14:10:35.207" v="5397" actId="20577"/>
-        <pc:sldMkLst>
-          <pc:docMk/>
-          <pc:sldMk cId="2697105057" sldId="271"/>
-        </pc:sldMkLst>
-      </pc:sldChg>
-      <pc:sldChg chg="modSp add mod ord">
-        <pc:chgData name="Dickinson, Andrew" userId="3f4323fc-acaf-4385-8fff-2c74093aca1e" providerId="ADAL" clId="{0CF3692B-BD9E-4E6A-BE78-7E24E5A9ADCC}" dt="2025-01-20T14:20:45.174" v="5592" actId="20577"/>
-        <pc:sldMkLst>
-          <pc:docMk/>
-          <pc:sldMk cId="1968702106" sldId="272"/>
-        </pc:sldMkLst>
-      </pc:sldChg>
-      <pc:sldChg chg="modSp add mod ord">
-        <pc:chgData name="Dickinson, Andrew" userId="3f4323fc-acaf-4385-8fff-2c74093aca1e" providerId="ADAL" clId="{0CF3692B-BD9E-4E6A-BE78-7E24E5A9ADCC}" dt="2025-01-20T14:15:38.680" v="5462" actId="14826"/>
-        <pc:sldMkLst>
-          <pc:docMk/>
-          <pc:sldMk cId="3371905203" sldId="273"/>
-        </pc:sldMkLst>
-      </pc:sldChg>
-      <pc:sldChg chg="modSp add mod ord">
-        <pc:chgData name="Dickinson, Andrew" userId="3f4323fc-acaf-4385-8fff-2c74093aca1e" providerId="ADAL" clId="{0CF3692B-BD9E-4E6A-BE78-7E24E5A9ADCC}" dt="2025-01-20T14:16:34.371" v="5479" actId="20577"/>
-        <pc:sldMkLst>
-          <pc:docMk/>
-          <pc:sldMk cId="4204650393" sldId="274"/>
-        </pc:sldMkLst>
-      </pc:sldChg>
-      <pc:sldChg chg="modSp add mod ord">
-        <pc:chgData name="Dickinson, Andrew" userId="3f4323fc-acaf-4385-8fff-2c74093aca1e" providerId="ADAL" clId="{0CF3692B-BD9E-4E6A-BE78-7E24E5A9ADCC}" dt="2025-01-20T14:36:59.344" v="6778" actId="20577"/>
-        <pc:sldMkLst>
-          <pc:docMk/>
-          <pc:sldMk cId="3069810215" sldId="275"/>
-        </pc:sldMkLst>
-      </pc:sldChg>
-      <pc:sldChg chg="modSp add mod ord">
-        <pc:chgData name="Dickinson, Andrew" userId="3f4323fc-acaf-4385-8fff-2c74093aca1e" providerId="ADAL" clId="{0CF3692B-BD9E-4E6A-BE78-7E24E5A9ADCC}" dt="2025-01-20T14:37:17.059" v="6779" actId="33524"/>
-        <pc:sldMkLst>
-          <pc:docMk/>
-          <pc:sldMk cId="749739516" sldId="276"/>
-        </pc:sldMkLst>
-      </pc:sldChg>
-      <pc:sldChg chg="modSp add mod ord">
-        <pc:chgData name="Dickinson, Andrew" userId="3f4323fc-acaf-4385-8fff-2c74093aca1e" providerId="ADAL" clId="{0CF3692B-BD9E-4E6A-BE78-7E24E5A9ADCC}" dt="2025-01-20T14:23:48.126" v="5698" actId="14826"/>
-        <pc:sldMkLst>
-          <pc:docMk/>
-          <pc:sldMk cId="1300662551" sldId="277"/>
-        </pc:sldMkLst>
-      </pc:sldChg>
-      <pc:sldChg chg="modSp add mod ord">
-        <pc:chgData name="Dickinson, Andrew" userId="3f4323fc-acaf-4385-8fff-2c74093aca1e" providerId="ADAL" clId="{0CF3692B-BD9E-4E6A-BE78-7E24E5A9ADCC}" dt="2025-01-20T14:38:51.525" v="6867" actId="20577"/>
-        <pc:sldMkLst>
-          <pc:docMk/>
-          <pc:sldMk cId="845151439" sldId="278"/>
-        </pc:sldMkLst>
+        <pc:spChg chg="del mod">
+          <ac:chgData name="Jordan Dickson" userId="6871d531-9081-4ecc-9a38-a94cdb257e90" providerId="ADAL" clId="{47E581B8-7000-4CF5-9068-D30DA384FC69}" dt="2025-05-07T13:13:21.963" v="50" actId="478"/>
+          <ac:spMkLst>
+            <pc:docMk/>
+            <pc:sldMk cId="1352042157" sldId="282"/>
+            <ac:spMk id="2" creationId="{E8F5DE2F-C57D-3D24-50E4-428CC3D91D44}"/>
+          </ac:spMkLst>
+        </pc:spChg>
+        <pc:spChg chg="add del mod">
+          <ac:chgData name="Jordan Dickson" userId="6871d531-9081-4ecc-9a38-a94cdb257e90" providerId="ADAL" clId="{47E581B8-7000-4CF5-9068-D30DA384FC69}" dt="2025-05-07T13:14:07.668" v="55" actId="26606"/>
+          <ac:spMkLst>
+            <pc:docMk/>
+            <pc:sldMk cId="1352042157" sldId="282"/>
+            <ac:spMk id="7" creationId="{D4EAC72F-8EE6-649A-3CDB-7C2BD7B027FE}"/>
+          </ac:spMkLst>
+        </pc:spChg>
+        <pc:spChg chg="add del">
+          <ac:chgData name="Jordan Dickson" userId="6871d531-9081-4ecc-9a38-a94cdb257e90" providerId="ADAL" clId="{47E581B8-7000-4CF5-9068-D30DA384FC69}" dt="2025-05-07T13:13:17.069" v="48" actId="478"/>
+          <ac:spMkLst>
+            <pc:docMk/>
+            <pc:sldMk cId="1352042157" sldId="282"/>
+            <ac:spMk id="9" creationId="{E0A7437D-B09D-434E-BABC-C17F5049E8E9}"/>
+          </ac:spMkLst>
+        </pc:spChg>
+        <pc:spChg chg="add mod">
+          <ac:chgData name="Jordan Dickson" userId="6871d531-9081-4ecc-9a38-a94cdb257e90" providerId="ADAL" clId="{47E581B8-7000-4CF5-9068-D30DA384FC69}" dt="2025-05-07T13:14:20.815" v="58" actId="1076"/>
+          <ac:spMkLst>
+            <pc:docMk/>
+            <pc:sldMk cId="1352042157" sldId="282"/>
+            <ac:spMk id="10" creationId="{1F41A14C-ED99-2271-6D8A-6895703953CF}"/>
+          </ac:spMkLst>
+        </pc:spChg>
+        <pc:spChg chg="add del">
+          <ac:chgData name="Jordan Dickson" userId="6871d531-9081-4ecc-9a38-a94cdb257e90" providerId="ADAL" clId="{47E581B8-7000-4CF5-9068-D30DA384FC69}" dt="2025-05-07T13:14:07.668" v="55" actId="26606"/>
+          <ac:spMkLst>
+            <pc:docMk/>
+            <pc:sldMk cId="1352042157" sldId="282"/>
+            <ac:spMk id="12" creationId="{03FFF8D3-2EF3-4286-935A-D01BE3C85333}"/>
+          </ac:spMkLst>
+        </pc:spChg>
+        <pc:spChg chg="add del">
+          <ac:chgData name="Jordan Dickson" userId="6871d531-9081-4ecc-9a38-a94cdb257e90" providerId="ADAL" clId="{47E581B8-7000-4CF5-9068-D30DA384FC69}" dt="2025-05-07T13:14:07.668" v="55" actId="26606"/>
+          <ac:spMkLst>
+            <pc:docMk/>
+            <pc:sldMk cId="1352042157" sldId="282"/>
+            <ac:spMk id="16" creationId="{E6C57836-126B-4938-8C7A-3C3BCB59D383}"/>
+          </ac:spMkLst>
+        </pc:spChg>
+        <pc:spChg chg="add">
+          <ac:chgData name="Jordan Dickson" userId="6871d531-9081-4ecc-9a38-a94cdb257e90" providerId="ADAL" clId="{47E581B8-7000-4CF5-9068-D30DA384FC69}" dt="2025-05-07T13:14:07.668" v="55" actId="26606"/>
+          <ac:spMkLst>
+            <pc:docMk/>
+            <pc:sldMk cId="1352042157" sldId="282"/>
+            <ac:spMk id="25" creationId="{8A0AE57C-30AD-4D4E-9855-B5FBEAD6619D}"/>
+          </ac:spMkLst>
+        </pc:spChg>
+        <pc:picChg chg="mod ord">
+          <ac:chgData name="Jordan Dickson" userId="6871d531-9081-4ecc-9a38-a94cdb257e90" providerId="ADAL" clId="{47E581B8-7000-4CF5-9068-D30DA384FC69}" dt="2025-05-07T13:14:30.073" v="61" actId="14100"/>
+          <ac:picMkLst>
+            <pc:docMk/>
+            <pc:sldMk cId="1352042157" sldId="282"/>
+            <ac:picMk id="5" creationId="{4F006E52-DC6F-B239-E0CA-DA2A4A73FC2C}"/>
+          </ac:picMkLst>
+        </pc:picChg>
+        <pc:picChg chg="add del">
+          <ac:chgData name="Jordan Dickson" userId="6871d531-9081-4ecc-9a38-a94cdb257e90" providerId="ADAL" clId="{47E581B8-7000-4CF5-9068-D30DA384FC69}" dt="2025-05-07T13:14:07.668" v="55" actId="26606"/>
+          <ac:picMkLst>
+            <pc:docMk/>
+            <pc:sldMk cId="1352042157" sldId="282"/>
+            <ac:picMk id="14" creationId="{CD8CCB43-545E-4064-8BB8-5C492D0F5F57}"/>
+          </ac:picMkLst>
+        </pc:picChg>
+        <pc:picChg chg="add">
+          <ac:chgData name="Jordan Dickson" userId="6871d531-9081-4ecc-9a38-a94cdb257e90" providerId="ADAL" clId="{47E581B8-7000-4CF5-9068-D30DA384FC69}" dt="2025-05-07T13:14:07.668" v="55" actId="26606"/>
+          <ac:picMkLst>
+            <pc:docMk/>
+            <pc:sldMk cId="1352042157" sldId="282"/>
+            <ac:picMk id="21" creationId="{BDFADFB3-3D44-49A8-AE3B-A87C61607F7E}"/>
+          </ac:picMkLst>
+        </pc:picChg>
+        <pc:picChg chg="add">
+          <ac:chgData name="Jordan Dickson" userId="6871d531-9081-4ecc-9a38-a94cdb257e90" providerId="ADAL" clId="{47E581B8-7000-4CF5-9068-D30DA384FC69}" dt="2025-05-07T13:14:07.668" v="55" actId="26606"/>
+          <ac:picMkLst>
+            <pc:docMk/>
+            <pc:sldMk cId="1352042157" sldId="282"/>
+            <ac:picMk id="23" creationId="{BB912AE0-CAD9-4F8F-A2A2-BDF07D4EDD22}"/>
+          </ac:picMkLst>
+        </pc:picChg>
       </pc:sldChg>
     </pc:docChg>
   </pc:docChgLst>
@@ -4510,7 +3661,7 @@
           <a:bodyPr/>
           <a:lstStyle/>
           <a:p>
-            <a:endParaRPr lang="en-GB"/>
+            <a:endParaRPr lang="en-GB" dirty="0"/>
           </a:p>
         </p:txBody>
       </p:sp>
@@ -4531,7 +3682,7 @@
           <a:p>
             <a:fld id="{11EE68FA-4CE9-4E49-9680-76DC0DFBA015}" type="slidenum">
               <a:rPr lang="en-GB" smtClean="0"/>
-              <a:t>11</a:t>
+              <a:t>4</a:t>
             </a:fld>
             <a:endParaRPr lang="en-GB"/>
           </a:p>
@@ -4540,7 +3691,7 @@
     </p:spTree>
     <p:extLst>
       <p:ext uri="{BB962C8B-B14F-4D97-AF65-F5344CB8AC3E}">
-        <p14:creationId xmlns:p14="http://schemas.microsoft.com/office/powerpoint/2010/main" val="1734876863"/>
+        <p14:creationId xmlns:p14="http://schemas.microsoft.com/office/powerpoint/2010/main" val="3321828684"/>
       </p:ext>
     </p:extLst>
   </p:cSld>
@@ -4615,7 +3766,175 @@
           <a:p>
             <a:fld id="{11EE68FA-4CE9-4E49-9680-76DC0DFBA015}" type="slidenum">
               <a:rPr lang="en-GB" smtClean="0"/>
-              <a:t>14</a:t>
+              <a:t>6</a:t>
+            </a:fld>
+            <a:endParaRPr lang="en-GB"/>
+          </a:p>
+        </p:txBody>
+      </p:sp>
+    </p:spTree>
+    <p:extLst>
+      <p:ext uri="{BB962C8B-B14F-4D97-AF65-F5344CB8AC3E}">
+        <p14:creationId xmlns:p14="http://schemas.microsoft.com/office/powerpoint/2010/main" val="2455350082"/>
+      </p:ext>
+    </p:extLst>
+  </p:cSld>
+  <p:clrMapOvr>
+    <a:masterClrMapping/>
+  </p:clrMapOvr>
+</p:notes>
+</file>
+
+<file path=ppt/notesSlides/notesSlide3.xml><?xml version="1.0" encoding="utf-8"?>
+<p:notes xmlns:a="http://schemas.openxmlformats.org/drawingml/2006/main" xmlns:r="http://schemas.openxmlformats.org/officeDocument/2006/relationships" xmlns:p="http://schemas.openxmlformats.org/presentationml/2006/main">
+  <p:cSld>
+    <p:spTree>
+      <p:nvGrpSpPr>
+        <p:cNvPr id="1" name=""/>
+        <p:cNvGrpSpPr/>
+        <p:nvPr/>
+      </p:nvGrpSpPr>
+      <p:grpSpPr>
+        <a:xfrm>
+          <a:off x="0" y="0"/>
+          <a:ext cx="0" cy="0"/>
+          <a:chOff x="0" y="0"/>
+          <a:chExt cx="0" cy="0"/>
+        </a:xfrm>
+      </p:grpSpPr>
+      <p:sp>
+        <p:nvSpPr>
+          <p:cNvPr id="2" name="Slide Image Placeholder 1"/>
+          <p:cNvSpPr>
+            <a:spLocks noGrp="1" noRot="1" noChangeAspect="1"/>
+          </p:cNvSpPr>
+          <p:nvPr>
+            <p:ph type="sldImg"/>
+          </p:nvPr>
+        </p:nvSpPr>
+        <p:spPr/>
+      </p:sp>
+      <p:sp>
+        <p:nvSpPr>
+          <p:cNvPr id="3" name="Notes Placeholder 2"/>
+          <p:cNvSpPr>
+            <a:spLocks noGrp="1"/>
+          </p:cNvSpPr>
+          <p:nvPr>
+            <p:ph type="body" idx="1"/>
+          </p:nvPr>
+        </p:nvSpPr>
+        <p:spPr/>
+        <p:txBody>
+          <a:bodyPr/>
+          <a:lstStyle/>
+          <a:p>
+            <a:endParaRPr lang="en-GB"/>
+          </a:p>
+        </p:txBody>
+      </p:sp>
+      <p:sp>
+        <p:nvSpPr>
+          <p:cNvPr id="4" name="Slide Number Placeholder 3"/>
+          <p:cNvSpPr>
+            <a:spLocks noGrp="1"/>
+          </p:cNvSpPr>
+          <p:nvPr>
+            <p:ph type="sldNum" sz="quarter" idx="5"/>
+          </p:nvPr>
+        </p:nvSpPr>
+        <p:spPr/>
+        <p:txBody>
+          <a:bodyPr/>
+          <a:lstStyle/>
+          <a:p>
+            <a:fld id="{11EE68FA-4CE9-4E49-9680-76DC0DFBA015}" type="slidenum">
+              <a:rPr lang="en-GB" smtClean="0"/>
+              <a:t>12</a:t>
+            </a:fld>
+            <a:endParaRPr lang="en-GB"/>
+          </a:p>
+        </p:txBody>
+      </p:sp>
+    </p:spTree>
+    <p:extLst>
+      <p:ext uri="{BB962C8B-B14F-4D97-AF65-F5344CB8AC3E}">
+        <p14:creationId xmlns:p14="http://schemas.microsoft.com/office/powerpoint/2010/main" val="1734876863"/>
+      </p:ext>
+    </p:extLst>
+  </p:cSld>
+  <p:clrMapOvr>
+    <a:masterClrMapping/>
+  </p:clrMapOvr>
+</p:notes>
+</file>
+
+<file path=ppt/notesSlides/notesSlide4.xml><?xml version="1.0" encoding="utf-8"?>
+<p:notes xmlns:a="http://schemas.openxmlformats.org/drawingml/2006/main" xmlns:r="http://schemas.openxmlformats.org/officeDocument/2006/relationships" xmlns:p="http://schemas.openxmlformats.org/presentationml/2006/main">
+  <p:cSld>
+    <p:spTree>
+      <p:nvGrpSpPr>
+        <p:cNvPr id="1" name=""/>
+        <p:cNvGrpSpPr/>
+        <p:nvPr/>
+      </p:nvGrpSpPr>
+      <p:grpSpPr>
+        <a:xfrm>
+          <a:off x="0" y="0"/>
+          <a:ext cx="0" cy="0"/>
+          <a:chOff x="0" y="0"/>
+          <a:chExt cx="0" cy="0"/>
+        </a:xfrm>
+      </p:grpSpPr>
+      <p:sp>
+        <p:nvSpPr>
+          <p:cNvPr id="2" name="Slide Image Placeholder 1"/>
+          <p:cNvSpPr>
+            <a:spLocks noGrp="1" noRot="1" noChangeAspect="1"/>
+          </p:cNvSpPr>
+          <p:nvPr>
+            <p:ph type="sldImg"/>
+          </p:nvPr>
+        </p:nvSpPr>
+        <p:spPr/>
+      </p:sp>
+      <p:sp>
+        <p:nvSpPr>
+          <p:cNvPr id="3" name="Notes Placeholder 2"/>
+          <p:cNvSpPr>
+            <a:spLocks noGrp="1"/>
+          </p:cNvSpPr>
+          <p:nvPr>
+            <p:ph type="body" idx="1"/>
+          </p:nvPr>
+        </p:nvSpPr>
+        <p:spPr/>
+        <p:txBody>
+          <a:bodyPr/>
+          <a:lstStyle/>
+          <a:p>
+            <a:endParaRPr lang="en-GB" dirty="0"/>
+          </a:p>
+        </p:txBody>
+      </p:sp>
+      <p:sp>
+        <p:nvSpPr>
+          <p:cNvPr id="4" name="Slide Number Placeholder 3"/>
+          <p:cNvSpPr>
+            <a:spLocks noGrp="1"/>
+          </p:cNvSpPr>
+          <p:nvPr>
+            <p:ph type="sldNum" sz="quarter" idx="5"/>
+          </p:nvPr>
+        </p:nvSpPr>
+        <p:spPr/>
+        <p:txBody>
+          <a:bodyPr/>
+          <a:lstStyle/>
+          <a:p>
+            <a:fld id="{11EE68FA-4CE9-4E49-9680-76DC0DFBA015}" type="slidenum">
+              <a:rPr lang="en-GB" smtClean="0"/>
+              <a:t>15</a:t>
             </a:fld>
             <a:endParaRPr lang="en-GB"/>
           </a:p>
@@ -4634,7 +3953,7 @@
 </p:notes>
 </file>
 
-<file path=ppt/notesSlides/notesSlide3.xml><?xml version="1.0" encoding="utf-8"?>
+<file path=ppt/notesSlides/notesSlide5.xml><?xml version="1.0" encoding="utf-8"?>
 <p:notes xmlns:a="http://schemas.openxmlformats.org/drawingml/2006/main" xmlns:r="http://schemas.openxmlformats.org/officeDocument/2006/relationships" xmlns:p="http://schemas.openxmlformats.org/presentationml/2006/main">
   <p:cSld>
     <p:spTree>
@@ -4723,7 +4042,7 @@
           <a:p>
             <a:fld id="{11EE68FA-4CE9-4E49-9680-76DC0DFBA015}" type="slidenum">
               <a:rPr lang="en-GB" smtClean="0"/>
-              <a:t>16</a:t>
+              <a:t>17</a:t>
             </a:fld>
             <a:endParaRPr lang="en-GB"/>
           </a:p>
@@ -10690,7 +10009,7 @@
           <p:cNvPr id="2" name="Title 1">
             <a:extLst>
               <a:ext uri="{FF2B5EF4-FFF2-40B4-BE49-F238E27FC236}">
-                <a16:creationId xmlns:a16="http://schemas.microsoft.com/office/drawing/2014/main" id="{7A8D3940-C1C2-F263-228A-2A52FA8E4939}"/>
+                <a16:creationId xmlns:a16="http://schemas.microsoft.com/office/drawing/2014/main" id="{24025246-B77A-E968-16EB-FEFF26EB6F58}"/>
               </a:ext>
             </a:extLst>
           </p:cNvPr>
@@ -10707,16 +10026,9 @@
           <a:lstStyle/>
           <a:p>
             <a:r>
-              <a:rPr lang="en-GB" b="1" dirty="0"/>
-              <a:t> </a:t>
-            </a:r>
-            <a:r>
               <a:rPr lang="en-GB" sz="4000" b="1" dirty="0"/>
-              <a:t>Main Objective</a:t>
-            </a:r>
-            <a:br>
-              <a:rPr lang="en-GB" sz="4000" b="1" dirty="0"/>
-            </a:br>
+              <a:t>SBERT Clarification Ranking Model</a:t>
+            </a:r>
             <a:endParaRPr lang="en-GB" dirty="0"/>
           </a:p>
         </p:txBody>
@@ -10726,7 +10038,7 @@
           <p:cNvPr id="3" name="Content Placeholder 2">
             <a:extLst>
               <a:ext uri="{FF2B5EF4-FFF2-40B4-BE49-F238E27FC236}">
-                <a16:creationId xmlns:a16="http://schemas.microsoft.com/office/drawing/2014/main" id="{05EBA7E6-3246-D90C-7B4B-F76D3BE60F15}"/>
+                <a16:creationId xmlns:a16="http://schemas.microsoft.com/office/drawing/2014/main" id="{AF6ED6C3-DA6C-3C27-7DC9-3DBDE19CB8FD}"/>
               </a:ext>
             </a:extLst>
           </p:cNvPr>
@@ -10742,70 +10054,53 @@
           <a:bodyPr/>
           <a:lstStyle/>
           <a:p>
-            <a:pPr marL="0" indent="0">
-              <a:buNone/>
+            <a:r>
+              <a:rPr lang="en-GB" sz="2400" b="1" dirty="0"/>
+              <a:t>Purpose: </a:t>
+            </a:r>
+            <a:r>
+              <a:rPr lang="en-GB" sz="2400" dirty="0"/>
+              <a:t>Designed to handle ambiguous queries in the conversation system by suggesting a relevant clarifying question</a:t>
+            </a:r>
+          </a:p>
+          <a:p>
+            <a:r>
+              <a:rPr lang="en-GB" sz="2400" b="1" dirty="0"/>
+              <a:t>Model used: </a:t>
+            </a:r>
+            <a:r>
+              <a:rPr lang="en-GB" sz="2400" i="1" dirty="0"/>
+              <a:t>all-MiniLM-L6-v2- A compact, efficient sentence embedding model.</a:t>
+            </a:r>
+          </a:p>
+          <a:p>
+            <a:r>
+              <a:rPr lang="en-GB" sz="2400" b="1" dirty="0"/>
+              <a:t>Features</a:t>
+            </a:r>
+          </a:p>
+          <a:p>
+            <a:pPr marL="342900" indent="-342900">
+              <a:buFont typeface="Arial" panose="020B0604020202020204" pitchFamily="34" charset="0"/>
+              <a:buChar char="•"/>
             </a:pPr>
             <a:r>
-              <a:rPr lang="en-GB" i="1" dirty="0"/>
-              <a:t>To enable semantic clarification in the dialogue system. It also prevents misinterpretation of the user’s intent</a:t>
-            </a:r>
-          </a:p>
-          <a:p>
-            <a:pPr marL="0" indent="0">
-              <a:buNone/>
+              <a:rPr lang="en-GB" sz="2400" b="1" dirty="0"/>
+              <a:t> </a:t>
+            </a:r>
+            <a:r>
+              <a:rPr lang="en-GB" sz="2400" dirty="0"/>
+              <a:t>The Model has high inference and semantic accuracy, making it ideal for clarifying question tasks.</a:t>
+            </a:r>
+          </a:p>
+          <a:p>
+            <a:pPr marL="342900" indent="-342900">
+              <a:buFont typeface="Arial" panose="020B0604020202020204" pitchFamily="34" charset="0"/>
+              <a:buChar char="•"/>
             </a:pPr>
             <a:r>
-              <a:rPr lang="en-GB" b="1" dirty="0"/>
-              <a:t>Integration with the system </a:t>
-            </a:r>
-          </a:p>
-          <a:p>
-            <a:r>
-              <a:rPr lang="en-GB" dirty="0"/>
-              <a:t>This connects directly to RASA as a fallback module.</a:t>
-            </a:r>
-          </a:p>
-          <a:p>
-            <a:r>
-              <a:rPr lang="en-GB" dirty="0"/>
-              <a:t>IT gets triggered when the main BM25 fails to produce a confidence score.</a:t>
-            </a:r>
-          </a:p>
-          <a:p>
-            <a:r>
-              <a:rPr lang="en-GB" dirty="0"/>
-              <a:t>And sends the top-ranking clarifying question back to the conversational flow.</a:t>
-            </a:r>
-          </a:p>
-          <a:p>
-            <a:pPr marL="0" indent="0">
-              <a:buNone/>
-            </a:pPr>
-            <a:r>
-              <a:rPr lang="en-GB" b="1" dirty="0"/>
-              <a:t>Training</a:t>
-            </a:r>
-          </a:p>
-          <a:p>
-            <a:r>
-              <a:rPr lang="en-GB" dirty="0"/>
-              <a:t> Fine-tuned on 196 query-clarification pairs for </a:t>
-            </a:r>
-            <a:r>
-              <a:rPr lang="en-GB" b="1" dirty="0"/>
-              <a:t>QULAC dataset </a:t>
-            </a:r>
-            <a:r>
-              <a:rPr lang="en-GB" dirty="0"/>
-              <a:t>using </a:t>
-            </a:r>
-            <a:r>
-              <a:rPr lang="en-GB" i="1" dirty="0" err="1"/>
-              <a:t>MultipleNegativeRankingLoss</a:t>
-            </a:r>
-            <a:r>
-              <a:rPr lang="en-GB" i="1" dirty="0"/>
-              <a:t> for effective semantic learning.</a:t>
+              <a:rPr lang="en-GB" sz="2400" i="1" dirty="0"/>
+              <a:t>Compatible with a retrieval-based ranking system like RASA</a:t>
             </a:r>
           </a:p>
           <a:p>
@@ -10816,7 +10111,7 @@
     </p:spTree>
     <p:extLst>
       <p:ext uri="{BB962C8B-B14F-4D97-AF65-F5344CB8AC3E}">
-        <p14:creationId xmlns:p14="http://schemas.microsoft.com/office/powerpoint/2010/main" val="2418288355"/>
+        <p14:creationId xmlns:p14="http://schemas.microsoft.com/office/powerpoint/2010/main" val="2488688597"/>
       </p:ext>
     </p:extLst>
   </p:cSld>
@@ -10827,7 +10122,7 @@
 </file>
 
 <file path=ppt/slides/slide11.xml><?xml version="1.0" encoding="utf-8"?>
-<p:sld xmlns:a="http://schemas.openxmlformats.org/drawingml/2006/main" xmlns:r="http://schemas.openxmlformats.org/officeDocument/2006/relationships" xmlns:p="http://schemas.openxmlformats.org/presentationml/2006/main">
+<p:sld xmlns:a="http://schemas.openxmlformats.org/drawingml/2006/main" xmlns:r="http://schemas.openxmlformats.org/officeDocument/2006/relationships" xmlns:p="http://schemas.openxmlformats.org/presentationml/2006/main" show="0">
   <p:cSld>
     <p:spTree>
       <p:nvGrpSpPr>
@@ -10848,7 +10143,7 @@
           <p:cNvPr id="2" name="Title 1">
             <a:extLst>
               <a:ext uri="{FF2B5EF4-FFF2-40B4-BE49-F238E27FC236}">
-                <a16:creationId xmlns:a16="http://schemas.microsoft.com/office/drawing/2014/main" id="{EDC8C1B0-92E6-A455-8C7A-1B891B496048}"/>
+                <a16:creationId xmlns:a16="http://schemas.microsoft.com/office/drawing/2014/main" id="{7A8D3940-C1C2-F263-228A-2A52FA8E4939}"/>
               </a:ext>
             </a:extLst>
           </p:cNvPr>
@@ -10865,9 +10160,17 @@
           <a:lstStyle/>
           <a:p>
             <a:r>
-              <a:rPr lang="en-GB" dirty="0"/>
-              <a:t>📊Evaluation </a:t>
-            </a:r>
+              <a:rPr lang="en-GB" b="1" dirty="0"/>
+              <a:t> </a:t>
+            </a:r>
+            <a:r>
+              <a:rPr lang="en-GB" sz="4000" b="1" dirty="0"/>
+              <a:t>Main Objective</a:t>
+            </a:r>
+            <a:br>
+              <a:rPr lang="en-GB" sz="4000" b="1" dirty="0"/>
+            </a:br>
+            <a:endParaRPr lang="en-GB" dirty="0"/>
           </a:p>
         </p:txBody>
       </p:sp>
@@ -10876,7 +10179,7 @@
           <p:cNvPr id="3" name="Content Placeholder 2">
             <a:extLst>
               <a:ext uri="{FF2B5EF4-FFF2-40B4-BE49-F238E27FC236}">
-                <a16:creationId xmlns:a16="http://schemas.microsoft.com/office/drawing/2014/main" id="{4A116B7C-3FF5-D81E-9D7A-8C10685646C7}"/>
+                <a16:creationId xmlns:a16="http://schemas.microsoft.com/office/drawing/2014/main" id="{05EBA7E6-3246-D90C-7B4B-F76D3BE60F15}"/>
               </a:ext>
             </a:extLst>
           </p:cNvPr>
@@ -10889,35 +10192,42 @@
         </p:nvSpPr>
         <p:spPr/>
         <p:txBody>
-          <a:bodyPr>
-            <a:normAutofit lnSpcReduction="10000"/>
-          </a:bodyPr>
+          <a:bodyPr/>
           <a:lstStyle/>
           <a:p>
             <a:pPr marL="0" indent="0">
               <a:buNone/>
             </a:pPr>
             <a:r>
+              <a:rPr lang="en-GB" i="1" dirty="0"/>
+              <a:t>To enable semantic clarification in the dialogue system. It also prevents misinterpretation of the user’s intent</a:t>
+            </a:r>
+          </a:p>
+          <a:p>
+            <a:pPr marL="0" indent="0">
+              <a:buNone/>
+            </a:pPr>
+            <a:r>
               <a:rPr lang="en-GB" b="1" dirty="0"/>
-              <a:t>Dataset used</a:t>
+              <a:t>Integration with the system </a:t>
             </a:r>
           </a:p>
           <a:p>
             <a:r>
               <a:rPr lang="en-GB" dirty="0"/>
-              <a:t>The model is evaluated with 75 ambiguous queries across diverse domains such as tech, medical, education, etc.</a:t>
+              <a:t>This connects directly to RASA as a fallback module.</a:t>
             </a:r>
           </a:p>
           <a:p>
             <a:r>
               <a:rPr lang="en-GB" dirty="0"/>
-              <a:t>Each query/intent contains 4 clarifying questions.</a:t>
+              <a:t>IT gets triggered when the main BM25 fails to produce a confidence score.</a:t>
             </a:r>
           </a:p>
           <a:p>
             <a:r>
               <a:rPr lang="en-GB" dirty="0"/>
-              <a:t>This evaluation is designed to test the model’s generalization </a:t>
+              <a:t>And sends the top-ranking clarifying question back to the conversational flow.</a:t>
             </a:r>
           </a:p>
           <a:p>
@@ -10925,38 +10235,30 @@
               <a:buNone/>
             </a:pPr>
             <a:r>
+              <a:rPr lang="en-GB" b="1" dirty="0"/>
+              <a:t>Training</a:t>
+            </a:r>
+          </a:p>
+          <a:p>
+            <a:r>
               <a:rPr lang="en-GB" dirty="0"/>
-              <a:t>beyond the initial dataset of 196(ambiguous pairs).</a:t>
-            </a:r>
-          </a:p>
-          <a:p>
-            <a:pPr marL="0" indent="0">
-              <a:buNone/>
-            </a:pPr>
+              <a:t> Fine-tuned on 196 query-clarification pairs for </a:t>
+            </a:r>
             <a:r>
               <a:rPr lang="en-GB" b="1" dirty="0"/>
-              <a:t>Process</a:t>
-            </a:r>
-          </a:p>
-          <a:p>
+              <a:t>QULAC dataset </a:t>
+            </a:r>
             <a:r>
               <a:rPr lang="en-GB" dirty="0"/>
-              <a:t>The SBERT model ranks the clarification by the cosine similarity.</a:t>
-            </a:r>
-          </a:p>
-          <a:p>
-            <a:r>
-              <a:rPr lang="en-GB" dirty="0"/>
-              <a:t>The top clarification is selected for each query and,</a:t>
-            </a:r>
-          </a:p>
-          <a:p>
-            <a:pPr marL="0" indent="0">
-              <a:buNone/>
-            </a:pPr>
-            <a:r>
-              <a:rPr lang="en-GB" dirty="0"/>
-              <a:t>The prediction is considered confident if the similarity ≥ 0.40</a:t>
+              <a:t>using </a:t>
+            </a:r>
+            <a:r>
+              <a:rPr lang="en-GB" i="1" dirty="0" err="1"/>
+              <a:t>MultipleNegativeRankingLoss</a:t>
+            </a:r>
+            <a:r>
+              <a:rPr lang="en-GB" i="1" dirty="0"/>
+              <a:t> for effective semantic learning.</a:t>
             </a:r>
           </a:p>
           <a:p>
@@ -10967,7 +10269,7 @@
     </p:spTree>
     <p:extLst>
       <p:ext uri="{BB962C8B-B14F-4D97-AF65-F5344CB8AC3E}">
-        <p14:creationId xmlns:p14="http://schemas.microsoft.com/office/powerpoint/2010/main" val="899443281"/>
+        <p14:creationId xmlns:p14="http://schemas.microsoft.com/office/powerpoint/2010/main" val="2418288355"/>
       </p:ext>
     </p:extLst>
   </p:cSld>
@@ -10978,7 +10280,7 @@
 </file>
 
 <file path=ppt/slides/slide12.xml><?xml version="1.0" encoding="utf-8"?>
-<p:sld xmlns:a="http://schemas.openxmlformats.org/drawingml/2006/main" xmlns:r="http://schemas.openxmlformats.org/officeDocument/2006/relationships" xmlns:p="http://schemas.openxmlformats.org/presentationml/2006/main">
+<p:sld xmlns:a="http://schemas.openxmlformats.org/drawingml/2006/main" xmlns:r="http://schemas.openxmlformats.org/officeDocument/2006/relationships" xmlns:p="http://schemas.openxmlformats.org/presentationml/2006/main" show="0">
   <p:cSld>
     <p:spTree>
       <p:nvGrpSpPr>
@@ -10999,7 +10301,7 @@
           <p:cNvPr id="2" name="Title 1">
             <a:extLst>
               <a:ext uri="{FF2B5EF4-FFF2-40B4-BE49-F238E27FC236}">
-                <a16:creationId xmlns:a16="http://schemas.microsoft.com/office/drawing/2014/main" id="{9367C87E-A8F9-8F88-2B80-D85F651F07D3}"/>
+                <a16:creationId xmlns:a16="http://schemas.microsoft.com/office/drawing/2014/main" id="{EDC8C1B0-92E6-A455-8C7A-1B891B496048}"/>
               </a:ext>
             </a:extLst>
           </p:cNvPr>
@@ -11017,7 +10319,7 @@
           <a:p>
             <a:r>
               <a:rPr lang="en-GB" dirty="0"/>
-              <a:t>Results</a:t>
+              <a:t>📊Evaluation </a:t>
             </a:r>
           </a:p>
         </p:txBody>
@@ -11027,7 +10329,7 @@
           <p:cNvPr id="3" name="Content Placeholder 2">
             <a:extLst>
               <a:ext uri="{FF2B5EF4-FFF2-40B4-BE49-F238E27FC236}">
-                <a16:creationId xmlns:a16="http://schemas.microsoft.com/office/drawing/2014/main" id="{D25DD728-94C7-9249-4D80-91DAC9788FD1}"/>
+                <a16:creationId xmlns:a16="http://schemas.microsoft.com/office/drawing/2014/main" id="{4A116B7C-3FF5-D81E-9D7A-8C10685646C7}"/>
               </a:ext>
             </a:extLst>
           </p:cNvPr>
@@ -11040,7 +10342,9 @@
         </p:nvSpPr>
         <p:spPr/>
         <p:txBody>
-          <a:bodyPr/>
+          <a:bodyPr>
+            <a:normAutofit lnSpcReduction="10000"/>
+          </a:bodyPr>
           <a:lstStyle/>
           <a:p>
             <a:pPr marL="0" indent="0">
@@ -11048,11 +10352,25 @@
             </a:pPr>
             <a:r>
               <a:rPr lang="en-GB" b="1" dirty="0"/>
-              <a:t>Confident Prediction</a:t>
-            </a:r>
+              <a:t>Dataset used</a:t>
+            </a:r>
+          </a:p>
+          <a:p>
             <a:r>
               <a:rPr lang="en-GB" dirty="0"/>
-              <a:t>: 63/75(84%)</a:t>
+              <a:t>The model is evaluated with 75 ambiguous queries across diverse domains such as tech, medical, education, etc.</a:t>
+            </a:r>
+          </a:p>
+          <a:p>
+            <a:r>
+              <a:rPr lang="en-GB" dirty="0"/>
+              <a:t>Each query/intent contains 4 clarifying questions.</a:t>
+            </a:r>
+          </a:p>
+          <a:p>
+            <a:r>
+              <a:rPr lang="en-GB" dirty="0"/>
+              <a:t>This evaluation is designed to test the model’s generalization </a:t>
             </a:r>
           </a:p>
           <a:p>
@@ -11061,23 +10379,28 @@
             </a:pPr>
             <a:r>
               <a:rPr lang="en-GB" dirty="0"/>
-              <a:t>Average </a:t>
-            </a:r>
+              <a:t>beyond the initial dataset of 196(ambiguous pairs).</a:t>
+            </a:r>
+          </a:p>
+          <a:p>
+            <a:pPr marL="0" indent="0">
+              <a:buNone/>
+            </a:pPr>
             <a:r>
               <a:rPr lang="en-GB" b="1" dirty="0"/>
-              <a:t>confidence</a:t>
-            </a:r>
+              <a:t>Process</a:t>
+            </a:r>
+          </a:p>
+          <a:p>
             <a:r>
               <a:rPr lang="en-GB" dirty="0"/>
-              <a:t> </a:t>
-            </a:r>
-            <a:r>
-              <a:rPr lang="en-GB" u="sng" dirty="0"/>
-              <a:t>similarity score</a:t>
-            </a:r>
+              <a:t>The SBERT model ranks the clarification by the cosine similarity.</a:t>
+            </a:r>
+          </a:p>
+          <a:p>
             <a:r>
               <a:rPr lang="en-GB" dirty="0"/>
-              <a:t>: 0.563</a:t>
+              <a:t>The top clarification is selected for each query and,</a:t>
             </a:r>
           </a:p>
           <a:p>
@@ -11086,77 +10409,7 @@
             </a:pPr>
             <a:r>
               <a:rPr lang="en-GB" dirty="0"/>
-              <a:t>Percent of </a:t>
-            </a:r>
-            <a:r>
-              <a:rPr lang="en-GB" b="1" dirty="0"/>
-              <a:t>non-confident </a:t>
-            </a:r>
-            <a:r>
-              <a:rPr lang="en-GB" dirty="0"/>
-              <a:t>prediction:16%(</a:t>
-            </a:r>
-            <a:r>
-              <a:rPr lang="en-GB" dirty="0" err="1"/>
-              <a:t>avg</a:t>
-            </a:r>
-            <a:r>
-              <a:rPr lang="en-GB" dirty="0"/>
-              <a:t> 0.38)</a:t>
-            </a:r>
-          </a:p>
-          <a:p>
-            <a:pPr marL="0" indent="0">
-              <a:buNone/>
-            </a:pPr>
-            <a:r>
-              <a:rPr lang="en-GB" dirty="0"/>
-              <a:t>The </a:t>
-            </a:r>
-            <a:r>
-              <a:rPr lang="en-GB" b="1" dirty="0"/>
-              <a:t>threshold</a:t>
-            </a:r>
-            <a:r>
-              <a:rPr lang="en-GB" dirty="0"/>
-              <a:t> was set at 0.4</a:t>
-            </a:r>
-          </a:p>
-          <a:p>
-            <a:pPr marL="0" indent="0">
-              <a:buNone/>
-            </a:pPr>
-            <a:r>
-              <a:rPr lang="en-GB" b="1" dirty="0"/>
-              <a:t>Key insight:</a:t>
-            </a:r>
-          </a:p>
-          <a:p>
-            <a:r>
-              <a:rPr lang="en-GB" dirty="0"/>
-              <a:t>The model achieves a </a:t>
-            </a:r>
-            <a:r>
-              <a:rPr lang="en-GB" b="1" dirty="0"/>
-              <a:t>high semantic score </a:t>
-            </a:r>
-            <a:r>
-              <a:rPr lang="en-GB" dirty="0"/>
-              <a:t>across various topics. Showing a strong semantic match across unseen and ambiguous inputs. </a:t>
-            </a:r>
-          </a:p>
-          <a:p>
-            <a:r>
-              <a:rPr lang="en-GB" dirty="0"/>
-              <a:t>Showed </a:t>
-            </a:r>
-            <a:r>
-              <a:rPr lang="en-GB" b="1" dirty="0"/>
-              <a:t>appropriate uncertainty </a:t>
-            </a:r>
-            <a:r>
-              <a:rPr lang="en-GB" dirty="0"/>
-              <a:t>near threshold(0.4). Overall, it demonstrates a robust understanding of the query intent pair.</a:t>
+              <a:t>The prediction is considered confident if the similarity ≥ 0.40</a:t>
             </a:r>
           </a:p>
           <a:p>
@@ -11167,7 +10420,7 @@
     </p:spTree>
     <p:extLst>
       <p:ext uri="{BB962C8B-B14F-4D97-AF65-F5344CB8AC3E}">
-        <p14:creationId xmlns:p14="http://schemas.microsoft.com/office/powerpoint/2010/main" val="2802631631"/>
+        <p14:creationId xmlns:p14="http://schemas.microsoft.com/office/powerpoint/2010/main" val="899443281"/>
       </p:ext>
     </p:extLst>
   </p:cSld>
@@ -11199,7 +10452,7 @@
           <p:cNvPr id="2" name="Title 1">
             <a:extLst>
               <a:ext uri="{FF2B5EF4-FFF2-40B4-BE49-F238E27FC236}">
-                <a16:creationId xmlns:a16="http://schemas.microsoft.com/office/drawing/2014/main" id="{C41B84A3-B39F-2947-948F-064826D3EDB5}"/>
+                <a16:creationId xmlns:a16="http://schemas.microsoft.com/office/drawing/2014/main" id="{9367C87E-A8F9-8F88-2B80-D85F651F07D3}"/>
               </a:ext>
             </a:extLst>
           </p:cNvPr>
@@ -11217,7 +10470,7 @@
           <a:p>
             <a:r>
               <a:rPr lang="en-GB" dirty="0"/>
-              <a:t>Demo showcase</a:t>
+              <a:t>Results</a:t>
             </a:r>
           </a:p>
         </p:txBody>
@@ -11227,7 +10480,7 @@
           <p:cNvPr id="3" name="Content Placeholder 2">
             <a:extLst>
               <a:ext uri="{FF2B5EF4-FFF2-40B4-BE49-F238E27FC236}">
-                <a16:creationId xmlns:a16="http://schemas.microsoft.com/office/drawing/2014/main" id="{CF8D7010-BBC3-8BCA-1CFE-A5ECA17B0F19}"/>
+                <a16:creationId xmlns:a16="http://schemas.microsoft.com/office/drawing/2014/main" id="{D25DD728-94C7-9249-4D80-91DAC9788FD1}"/>
               </a:ext>
             </a:extLst>
           </p:cNvPr>
@@ -11243,38 +10496,131 @@
           <a:bodyPr/>
           <a:lstStyle/>
           <a:p>
+            <a:pPr marL="0" indent="0">
+              <a:buNone/>
+            </a:pPr>
+            <a:r>
+              <a:rPr lang="en-GB" b="1" dirty="0"/>
+              <a:t>Confident Prediction</a:t>
+            </a:r>
             <a:r>
               <a:rPr lang="en-GB" dirty="0"/>
-              <a:t>Demo will Showcase:</a:t>
+              <a:t>: 63/75(84%)</a:t>
+            </a:r>
+          </a:p>
+          <a:p>
+            <a:pPr marL="0" indent="0">
+              <a:buNone/>
+            </a:pPr>
+            <a:r>
+              <a:rPr lang="en-GB" dirty="0"/>
+              <a:t>Average </a:t>
+            </a:r>
+            <a:r>
+              <a:rPr lang="en-GB" b="1" dirty="0"/>
+              <a:t>confidence</a:t>
+            </a:r>
+            <a:r>
+              <a:rPr lang="en-GB" dirty="0"/>
+              <a:t> </a:t>
+            </a:r>
+            <a:r>
+              <a:rPr lang="en-GB" u="sng" dirty="0"/>
+              <a:t>similarity score</a:t>
+            </a:r>
+            <a:r>
+              <a:rPr lang="en-GB" dirty="0"/>
+              <a:t>: 0.563</a:t>
+            </a:r>
+          </a:p>
+          <a:p>
+            <a:pPr marL="0" indent="0">
+              <a:buNone/>
+            </a:pPr>
+            <a:r>
+              <a:rPr lang="en-GB" dirty="0"/>
+              <a:t>Percent of </a:t>
+            </a:r>
+            <a:r>
+              <a:rPr lang="en-GB" b="1" dirty="0"/>
+              <a:t>non-confident </a:t>
+            </a:r>
+            <a:r>
+              <a:rPr lang="en-GB" dirty="0"/>
+              <a:t>prediction:16%(</a:t>
+            </a:r>
+            <a:r>
+              <a:rPr lang="en-GB" dirty="0" err="1"/>
+              <a:t>avg</a:t>
+            </a:r>
+            <a:r>
+              <a:rPr lang="en-GB" dirty="0"/>
+              <a:t> 0.38)</a:t>
+            </a:r>
+          </a:p>
+          <a:p>
+            <a:pPr marL="0" indent="0">
+              <a:buNone/>
+            </a:pPr>
+            <a:r>
+              <a:rPr lang="en-GB" dirty="0"/>
+              <a:t>The </a:t>
+            </a:r>
+            <a:r>
+              <a:rPr lang="en-GB" b="1" dirty="0"/>
+              <a:t>threshold</a:t>
+            </a:r>
+            <a:r>
+              <a:rPr lang="en-GB" dirty="0"/>
+              <a:t> was set at 0.4</a:t>
+            </a:r>
+          </a:p>
+          <a:p>
+            <a:pPr marL="0" indent="0">
+              <a:buNone/>
+            </a:pPr>
+            <a:r>
+              <a:rPr lang="en-GB" b="1" dirty="0"/>
+              <a:t>Key insight:</a:t>
+            </a:r>
+          </a:p>
+          <a:p>
+            <a:r>
+              <a:rPr lang="en-GB" dirty="0"/>
+              <a:t>The model achieves a </a:t>
+            </a:r>
+            <a:r>
+              <a:rPr lang="en-GB" b="1" dirty="0"/>
+              <a:t>high semantic score </a:t>
+            </a:r>
+            <a:r>
+              <a:rPr lang="en-GB" dirty="0"/>
+              <a:t>across various topics. Showing a strong semantic match across unseen and ambiguous inputs. </a:t>
+            </a:r>
+          </a:p>
+          <a:p>
+            <a:r>
+              <a:rPr lang="en-GB" dirty="0"/>
+              <a:t>Showed </a:t>
+            </a:r>
+            <a:r>
+              <a:rPr lang="en-GB" b="1" dirty="0"/>
+              <a:t>appropriate uncertainty </a:t>
+            </a:r>
+            <a:r>
+              <a:rPr lang="en-GB" dirty="0"/>
+              <a:t>near threshold(0.4). Overall, it demonstrates a robust understanding of the query intent pair.</a:t>
             </a:r>
           </a:p>
           <a:p>
             <a:endParaRPr lang="en-GB" dirty="0"/>
-          </a:p>
-          <a:p>
-            <a:r>
-              <a:rPr lang="en-GB" dirty="0"/>
-              <a:t>Bm25: working independently with RASA</a:t>
-            </a:r>
-          </a:p>
-          <a:p>
-            <a:r>
-              <a:rPr lang="en-GB" dirty="0"/>
-              <a:t>SBERT: working alongside bm25 and RASA</a:t>
-            </a:r>
-          </a:p>
-          <a:p>
-            <a:r>
-              <a:rPr lang="en-GB" dirty="0"/>
-              <a:t> Will contain a brief explanation of how each part works</a:t>
-            </a:r>
           </a:p>
         </p:txBody>
       </p:sp>
     </p:spTree>
     <p:extLst>
       <p:ext uri="{BB962C8B-B14F-4D97-AF65-F5344CB8AC3E}">
-        <p14:creationId xmlns:p14="http://schemas.microsoft.com/office/powerpoint/2010/main" val="578872567"/>
+        <p14:creationId xmlns:p14="http://schemas.microsoft.com/office/powerpoint/2010/main" val="2802631631"/>
       </p:ext>
     </p:extLst>
   </p:cSld>
@@ -11306,7 +10652,7 @@
           <p:cNvPr id="2" name="Title 1">
             <a:extLst>
               <a:ext uri="{FF2B5EF4-FFF2-40B4-BE49-F238E27FC236}">
-                <a16:creationId xmlns:a16="http://schemas.microsoft.com/office/drawing/2014/main" id="{D7DFAB6D-D566-71A2-1B56-13C5F1DAB48F}"/>
+                <a16:creationId xmlns:a16="http://schemas.microsoft.com/office/drawing/2014/main" id="{C41B84A3-B39F-2947-948F-064826D3EDB5}"/>
               </a:ext>
             </a:extLst>
           </p:cNvPr>
@@ -11317,30 +10663,24 @@
             <p:ph type="title"/>
           </p:nvPr>
         </p:nvSpPr>
-        <p:spPr>
-          <a:xfrm>
-            <a:off x="1586345" y="293319"/>
-            <a:ext cx="8610600" cy="1293028"/>
-          </a:xfrm>
-        </p:spPr>
+        <p:spPr/>
         <p:txBody>
           <a:bodyPr/>
           <a:lstStyle/>
           <a:p>
-            <a:pPr algn="ctr"/>
             <a:r>
               <a:rPr lang="en-GB" dirty="0"/>
-              <a:t>Demo </a:t>
-            </a:r>
-          </a:p>
-        </p:txBody>
-      </p:sp>
-      <p:sp>
-        <p:nvSpPr>
-          <p:cNvPr id="5" name="Content Placeholder 4">
+              <a:t>Demo showcase</a:t>
+            </a:r>
+          </a:p>
+        </p:txBody>
+      </p:sp>
+      <p:sp>
+        <p:nvSpPr>
+          <p:cNvPr id="3" name="Content Placeholder 2">
             <a:extLst>
               <a:ext uri="{FF2B5EF4-FFF2-40B4-BE49-F238E27FC236}">
-                <a16:creationId xmlns:a16="http://schemas.microsoft.com/office/drawing/2014/main" id="{6CA17389-D991-A8DD-12F0-6A29D3FBA19E}"/>
+                <a16:creationId xmlns:a16="http://schemas.microsoft.com/office/drawing/2014/main" id="{CF8D7010-BBC3-8BCA-1CFE-A5ECA17B0F19}"/>
               </a:ext>
             </a:extLst>
           </p:cNvPr>
@@ -11356,14 +10696,38 @@
           <a:bodyPr/>
           <a:lstStyle/>
           <a:p>
-            <a:endParaRPr lang="en-GB"/>
+            <a:r>
+              <a:rPr lang="en-GB" dirty="0"/>
+              <a:t>Demo will showcase system mean features:</a:t>
+            </a:r>
+          </a:p>
+          <a:p>
+            <a:endParaRPr lang="en-GB" dirty="0"/>
+          </a:p>
+          <a:p>
+            <a:r>
+              <a:rPr lang="en-GB" dirty="0"/>
+              <a:t>Bm25: working independently with RASA</a:t>
+            </a:r>
+          </a:p>
+          <a:p>
+            <a:r>
+              <a:rPr lang="en-GB" dirty="0"/>
+              <a:t>SBERT: working alongside bm25 and RASA</a:t>
+            </a:r>
+          </a:p>
+          <a:p>
+            <a:r>
+              <a:rPr lang="en-GB" dirty="0"/>
+              <a:t> Will contain a brief explanation of how each part works</a:t>
+            </a:r>
           </a:p>
         </p:txBody>
       </p:sp>
     </p:spTree>
     <p:extLst>
       <p:ext uri="{BB962C8B-B14F-4D97-AF65-F5344CB8AC3E}">
-        <p14:creationId xmlns:p14="http://schemas.microsoft.com/office/powerpoint/2010/main" val="1865987374"/>
+        <p14:creationId xmlns:p14="http://schemas.microsoft.com/office/powerpoint/2010/main" val="578872567"/>
       </p:ext>
     </p:extLst>
   </p:cSld>
@@ -11395,6 +10759,101 @@
           <p:cNvPr id="2" name="Title 1">
             <a:extLst>
               <a:ext uri="{FF2B5EF4-FFF2-40B4-BE49-F238E27FC236}">
+                <a16:creationId xmlns:a16="http://schemas.microsoft.com/office/drawing/2014/main" id="{D7DFAB6D-D566-71A2-1B56-13C5F1DAB48F}"/>
+              </a:ext>
+            </a:extLst>
+          </p:cNvPr>
+          <p:cNvSpPr>
+            <a:spLocks noGrp="1"/>
+          </p:cNvSpPr>
+          <p:nvPr>
+            <p:ph type="title"/>
+          </p:nvPr>
+        </p:nvSpPr>
+        <p:spPr>
+          <a:xfrm>
+            <a:off x="1586345" y="293319"/>
+            <a:ext cx="8610600" cy="1293028"/>
+          </a:xfrm>
+        </p:spPr>
+        <p:txBody>
+          <a:bodyPr/>
+          <a:lstStyle/>
+          <a:p>
+            <a:pPr algn="ctr"/>
+            <a:r>
+              <a:rPr lang="en-GB" dirty="0"/>
+              <a:t>Demo </a:t>
+            </a:r>
+          </a:p>
+        </p:txBody>
+      </p:sp>
+      <p:sp>
+        <p:nvSpPr>
+          <p:cNvPr id="5" name="Content Placeholder 4">
+            <a:extLst>
+              <a:ext uri="{FF2B5EF4-FFF2-40B4-BE49-F238E27FC236}">
+                <a16:creationId xmlns:a16="http://schemas.microsoft.com/office/drawing/2014/main" id="{6CA17389-D991-A8DD-12F0-6A29D3FBA19E}"/>
+              </a:ext>
+            </a:extLst>
+          </p:cNvPr>
+          <p:cNvSpPr>
+            <a:spLocks noGrp="1"/>
+          </p:cNvSpPr>
+          <p:nvPr>
+            <p:ph idx="1"/>
+          </p:nvPr>
+        </p:nvSpPr>
+        <p:spPr/>
+        <p:txBody>
+          <a:bodyPr/>
+          <a:lstStyle/>
+          <a:p>
+            <a:r>
+              <a:rPr lang="en-GB" dirty="0">
+                <a:hlinkClick r:id="rId3"/>
+              </a:rPr>
+              <a:t>Demo Video</a:t>
+            </a:r>
+            <a:endParaRPr lang="en-GB" dirty="0"/>
+          </a:p>
+        </p:txBody>
+      </p:sp>
+    </p:spTree>
+    <p:extLst>
+      <p:ext uri="{BB962C8B-B14F-4D97-AF65-F5344CB8AC3E}">
+        <p14:creationId xmlns:p14="http://schemas.microsoft.com/office/powerpoint/2010/main" val="1865987374"/>
+      </p:ext>
+    </p:extLst>
+  </p:cSld>
+  <p:clrMapOvr>
+    <a:masterClrMapping/>
+  </p:clrMapOvr>
+</p:sld>
+</file>
+
+<file path=ppt/slides/slide16.xml><?xml version="1.0" encoding="utf-8"?>
+<p:sld xmlns:a="http://schemas.openxmlformats.org/drawingml/2006/main" xmlns:r="http://schemas.openxmlformats.org/officeDocument/2006/relationships" xmlns:p="http://schemas.openxmlformats.org/presentationml/2006/main">
+  <p:cSld>
+    <p:spTree>
+      <p:nvGrpSpPr>
+        <p:cNvPr id="1" name=""/>
+        <p:cNvGrpSpPr/>
+        <p:nvPr/>
+      </p:nvGrpSpPr>
+      <p:grpSpPr>
+        <a:xfrm>
+          <a:off x="0" y="0"/>
+          <a:ext cx="0" cy="0"/>
+          <a:chOff x="0" y="0"/>
+          <a:chExt cx="0" cy="0"/>
+        </a:xfrm>
+      </p:grpSpPr>
+      <p:sp>
+        <p:nvSpPr>
+          <p:cNvPr id="2" name="Title 1">
+            <a:extLst>
+              <a:ext uri="{FF2B5EF4-FFF2-40B4-BE49-F238E27FC236}">
                 <a16:creationId xmlns:a16="http://schemas.microsoft.com/office/drawing/2014/main" id="{A2BDFED7-51FC-9DE3-9DC9-FE3818447CEB}"/>
               </a:ext>
             </a:extLst>
@@ -11411,7 +10870,10 @@
           <a:bodyPr/>
           <a:lstStyle/>
           <a:p>
-            <a:endParaRPr lang="en-GB"/>
+            <a:r>
+              <a:rPr lang="en-GB" dirty="0"/>
+              <a:t>FUTURE WORKS</a:t>
+            </a:r>
           </a:p>
         </p:txBody>
       </p:sp>
@@ -11437,9 +10899,35 @@
           <a:lstStyle/>
           <a:p>
             <a:r>
+              <a:rPr lang="en-GB" b="1" dirty="0"/>
+              <a:t>Investigate and implement methods for generating clarifying questions for the system.</a:t>
+            </a:r>
+            <a:r>
               <a:rPr lang="en-GB" dirty="0"/>
-              <a:t>How it could be improved /ideas for future work</a:t>
-            </a:r>
+              <a:t> </a:t>
+            </a:r>
+          </a:p>
+          <a:p>
+            <a:endParaRPr lang="en-GB" dirty="0"/>
+          </a:p>
+          <a:p>
+            <a:r>
+              <a:rPr lang="en-GB" b="1" dirty="0"/>
+              <a:t>Replace the Wikipedia summaries with a system that directly responds to users’ queries.</a:t>
+            </a:r>
+          </a:p>
+          <a:p>
+            <a:endParaRPr lang="en-GB" b="1" dirty="0"/>
+          </a:p>
+          <a:p>
+            <a:r>
+              <a:rPr lang="en-GB" b="1" dirty="0"/>
+              <a:t>Conduct significantly more extensive research into other systems.</a:t>
+            </a:r>
+            <a:endParaRPr lang="en-GB" dirty="0"/>
+          </a:p>
+          <a:p>
+            <a:endParaRPr lang="en-GB" dirty="0"/>
           </a:p>
         </p:txBody>
       </p:sp>
@@ -11456,7 +10944,7 @@
 </p:sld>
 </file>
 
-<file path=ppt/slides/slide16.xml><?xml version="1.0" encoding="utf-8"?>
+<file path=ppt/slides/slide17.xml><?xml version="1.0" encoding="utf-8"?>
 <p:sld xmlns:a="http://schemas.openxmlformats.org/drawingml/2006/main" xmlns:r="http://schemas.openxmlformats.org/officeDocument/2006/relationships" xmlns:p="http://schemas.openxmlformats.org/presentationml/2006/main">
   <p:cSld>
     <p:spTree>
@@ -11561,8 +11049,8 @@
         </p:nvSpPr>
         <p:spPr>
           <a:xfrm>
-            <a:off x="4951316" y="1764858"/>
-            <a:ext cx="2209800" cy="1523494"/>
+            <a:off x="4951317" y="1802413"/>
+            <a:ext cx="2209800" cy="1277273"/>
           </a:xfrm>
           <a:prstGeom prst="rect">
             <a:avLst/>
@@ -11596,18 +11084,7 @@
             <a:pPr lvl="0" algn="ctr"/>
             <a:r>
               <a:rPr lang="en-GB" sz="1500" i="1" dirty="0"/>
-              <a:t>Jack Harrison</a:t>
-            </a:r>
-          </a:p>
-          <a:p>
-            <a:pPr lvl="0" algn="ctr"/>
-            <a:r>
-              <a:rPr lang="en-GB" sz="1600" dirty="0"/>
-              <a:t>40537035</a:t>
-            </a:r>
-            <a:r>
-              <a:rPr lang="en-GB" sz="1500" i="1" dirty="0"/>
-              <a:t> </a:t>
+              <a:t>Jack Harrison </a:t>
             </a:r>
           </a:p>
         </p:txBody>
@@ -11626,8 +11103,8 @@
         </p:nvSpPr>
         <p:spPr>
           <a:xfrm>
-            <a:off x="7205627" y="1762057"/>
-            <a:ext cx="2117558" cy="1523494"/>
+            <a:off x="7216100" y="1802414"/>
+            <a:ext cx="2117558" cy="1277273"/>
           </a:xfrm>
           <a:prstGeom prst="rect">
             <a:avLst/>
@@ -11654,18 +11131,7 @@
             <a:pPr lvl="0" algn="ctr"/>
             <a:r>
               <a:rPr lang="en-GB" sz="1500" i="1" dirty="0"/>
-              <a:t>Ruben Lazell</a:t>
-            </a:r>
-          </a:p>
-          <a:p>
-            <a:pPr lvl="0" algn="ctr"/>
-            <a:r>
-              <a:rPr lang="en-GB" sz="1600" dirty="0"/>
-              <a:t>40679914</a:t>
-            </a:r>
-            <a:r>
-              <a:rPr lang="en-GB" sz="1500" i="1" dirty="0"/>
-              <a:t> </a:t>
+              <a:t>Ruben Lazell </a:t>
             </a:r>
           </a:p>
         </p:txBody>
@@ -11685,7 +11151,7 @@
         <p:spPr>
           <a:xfrm>
             <a:off x="525702" y="1764858"/>
-            <a:ext cx="2592807" cy="1523494"/>
+            <a:ext cx="2592807" cy="1277273"/>
           </a:xfrm>
           <a:prstGeom prst="rect">
             <a:avLst/>
@@ -11712,18 +11178,7 @@
             <a:pPr lvl="0" algn="ctr"/>
             <a:r>
               <a:rPr lang="en-GB" sz="1500" i="1" dirty="0"/>
-              <a:t>Ansh Bisht</a:t>
-            </a:r>
-          </a:p>
-          <a:p>
-            <a:pPr lvl="0" algn="ctr"/>
-            <a:r>
-              <a:rPr lang="en-GB" sz="1600" dirty="0"/>
-              <a:t>40527530</a:t>
-            </a:r>
-            <a:r>
-              <a:rPr lang="en-GB" sz="1500" i="1" dirty="0"/>
-              <a:t> </a:t>
+              <a:t>Ansh Bisht </a:t>
             </a:r>
           </a:p>
         </p:txBody>
@@ -11742,8 +11197,8 @@
         </p:nvSpPr>
         <p:spPr>
           <a:xfrm>
-            <a:off x="9293275" y="1762057"/>
-            <a:ext cx="2117558" cy="1523494"/>
+            <a:off x="9194819" y="1802414"/>
+            <a:ext cx="2117558" cy="1277273"/>
           </a:xfrm>
           <a:prstGeom prst="rect">
             <a:avLst/>
@@ -11786,14 +11241,6 @@
               <a:rPr lang="en-GB" sz="1500" i="1" dirty="0"/>
               <a:t>Andrew Taison</a:t>
             </a:r>
-          </a:p>
-          <a:p>
-            <a:pPr lvl="0" algn="ctr"/>
-            <a:r>
-              <a:rPr lang="en-GB" sz="1600" dirty="0"/>
-              <a:t>40538519</a:t>
-            </a:r>
-            <a:endParaRPr lang="en-GB" sz="1500" i="1" dirty="0"/>
           </a:p>
         </p:txBody>
       </p:sp>
@@ -11812,7 +11259,7 @@
         <p:spPr>
           <a:xfrm>
             <a:off x="2892171" y="1764858"/>
-            <a:ext cx="2117558" cy="1523494"/>
+            <a:ext cx="2117558" cy="1277273"/>
           </a:xfrm>
           <a:prstGeom prst="rect">
             <a:avLst/>
@@ -11850,18 +11297,7 @@
             <a:pPr lvl="0" algn="ctr"/>
             <a:r>
               <a:rPr lang="en-GB" sz="1500" i="1" dirty="0"/>
-              <a:t>Jordan Dickson</a:t>
-            </a:r>
-          </a:p>
-          <a:p>
-            <a:pPr lvl="0" algn="ctr"/>
-            <a:r>
-              <a:rPr lang="en-GB" sz="1600" dirty="0"/>
-              <a:t>40545300</a:t>
-            </a:r>
-            <a:r>
-              <a:rPr lang="en-GB" sz="1500" i="1" dirty="0"/>
-              <a:t> </a:t>
+              <a:t>Jordan Dickson </a:t>
             </a:r>
           </a:p>
         </p:txBody>
@@ -12252,7 +11688,7 @@
           <p:cNvPr id="2" name="Title 1">
             <a:extLst>
               <a:ext uri="{FF2B5EF4-FFF2-40B4-BE49-F238E27FC236}">
-                <a16:creationId xmlns:a16="http://schemas.microsoft.com/office/drawing/2014/main" id="{BDCF9094-4F65-FB1B-D22C-D4D68D530015}"/>
+                <a16:creationId xmlns:a16="http://schemas.microsoft.com/office/drawing/2014/main" id="{0748B48E-C83C-2967-E936-7521E7B7C49F}"/>
               </a:ext>
             </a:extLst>
           </p:cNvPr>
@@ -12268,7 +11704,10 @@
           <a:bodyPr/>
           <a:lstStyle/>
           <a:p>
-            <a:endParaRPr lang="en-GB" dirty="0"/>
+            <a:r>
+              <a:rPr lang="en-GB" dirty="0"/>
+              <a:t>System requirements</a:t>
+            </a:r>
           </a:p>
         </p:txBody>
       </p:sp>
@@ -12277,7 +11716,7 @@
           <p:cNvPr id="3" name="Content Placeholder 2">
             <a:extLst>
               <a:ext uri="{FF2B5EF4-FFF2-40B4-BE49-F238E27FC236}">
-                <a16:creationId xmlns:a16="http://schemas.microsoft.com/office/drawing/2014/main" id="{A25E93F6-F302-D0B2-18B7-162E0C14BA46}"/>
+                <a16:creationId xmlns:a16="http://schemas.microsoft.com/office/drawing/2014/main" id="{59E66A38-D53F-D660-EE33-80DDB364ADDA}"/>
               </a:ext>
             </a:extLst>
           </p:cNvPr>
@@ -12295,7 +11734,25 @@
           <a:p>
             <a:r>
               <a:rPr lang="en-GB" dirty="0"/>
-              <a:t>Overall concept &amp; aims of the system</a:t>
+              <a:t>RQ1: When to ask clarifying questions during conversations? </a:t>
+            </a:r>
+          </a:p>
+          <a:p>
+            <a:endParaRPr lang="en-GB" dirty="0"/>
+          </a:p>
+          <a:p>
+            <a:r>
+              <a:rPr lang="en-GB" dirty="0"/>
+              <a:t>RQ2: How to select or generate the clarifying questions? </a:t>
+            </a:r>
+          </a:p>
+          <a:p>
+            <a:endParaRPr lang="en-GB" dirty="0"/>
+          </a:p>
+          <a:p>
+            <a:r>
+              <a:rPr lang="en-GB" dirty="0"/>
+              <a:t>RQ3: How to evaluate a clarifying question-answering systems? </a:t>
             </a:r>
           </a:p>
         </p:txBody>
@@ -12303,7 +11760,7 @@
     </p:spTree>
     <p:extLst>
       <p:ext uri="{BB962C8B-B14F-4D97-AF65-F5344CB8AC3E}">
-        <p14:creationId xmlns:p14="http://schemas.microsoft.com/office/powerpoint/2010/main" val="3515751108"/>
+        <p14:creationId xmlns:p14="http://schemas.microsoft.com/office/powerpoint/2010/main" val="679181042"/>
       </p:ext>
     </p:extLst>
   </p:cSld>
@@ -12335,7 +11792,7 @@
           <p:cNvPr id="2" name="Title 1">
             <a:extLst>
               <a:ext uri="{FF2B5EF4-FFF2-40B4-BE49-F238E27FC236}">
-                <a16:creationId xmlns:a16="http://schemas.microsoft.com/office/drawing/2014/main" id="{0748B48E-C83C-2967-E936-7521E7B7C49F}"/>
+                <a16:creationId xmlns:a16="http://schemas.microsoft.com/office/drawing/2014/main" id="{BDCF9094-4F65-FB1B-D22C-D4D68D530015}"/>
               </a:ext>
             </a:extLst>
           </p:cNvPr>
@@ -12351,16 +11808,19 @@
           <a:bodyPr/>
           <a:lstStyle/>
           <a:p>
-            <a:endParaRPr lang="en-GB" dirty="0"/>
-          </a:p>
-        </p:txBody>
-      </p:sp>
-      <p:sp>
-        <p:nvSpPr>
-          <p:cNvPr id="3" name="Content Placeholder 2">
+            <a:r>
+              <a:rPr lang="en-GB" dirty="0"/>
+              <a:t>Overall Concept and AIMS</a:t>
+            </a:r>
+          </a:p>
+        </p:txBody>
+      </p:sp>
+      <p:sp>
+        <p:nvSpPr>
+          <p:cNvPr id="7" name="Content Placeholder 6">
             <a:extLst>
               <a:ext uri="{FF2B5EF4-FFF2-40B4-BE49-F238E27FC236}">
-                <a16:creationId xmlns:a16="http://schemas.microsoft.com/office/drawing/2014/main" id="{59E66A38-D53F-D660-EE33-80DDB364ADDA}"/>
+                <a16:creationId xmlns:a16="http://schemas.microsoft.com/office/drawing/2014/main" id="{AC61B43B-418C-FD9E-BAE3-2B096C1C1A9F}"/>
               </a:ext>
             </a:extLst>
           </p:cNvPr>
@@ -12371,14 +11831,86 @@
             <p:ph idx="1"/>
           </p:nvPr>
         </p:nvSpPr>
-        <p:spPr/>
+        <p:spPr>
+          <a:xfrm>
+            <a:off x="685800" y="2194560"/>
+            <a:ext cx="10577286" cy="4024125"/>
+          </a:xfrm>
+        </p:spPr>
         <p:txBody>
           <a:bodyPr/>
           <a:lstStyle/>
           <a:p>
+            <a:pPr marL="0" indent="0">
+              <a:buNone/>
+            </a:pPr>
             <a:r>
               <a:rPr lang="en-GB" dirty="0"/>
-              <a:t>Main problems to be solved in creating the system</a:t>
+              <a:t>Build a system which can identify, and ask clarifying questions based on the </a:t>
+            </a:r>
+            <a:r>
+              <a:rPr lang="en-GB" dirty="0" err="1"/>
+              <a:t>qulac</a:t>
+            </a:r>
+            <a:r>
+              <a:rPr lang="en-GB" dirty="0"/>
+              <a:t> dataset. System Features:</a:t>
+            </a:r>
+          </a:p>
+          <a:p>
+            <a:pPr marL="0" indent="0">
+              <a:buNone/>
+            </a:pPr>
+            <a:endParaRPr lang="en-GB" dirty="0"/>
+          </a:p>
+          <a:p>
+            <a:pPr marL="457200" indent="-457200">
+              <a:buAutoNum type="arabicPeriod"/>
+            </a:pPr>
+            <a:r>
+              <a:rPr lang="en-GB" dirty="0"/>
+              <a:t>Returns relevant Wikipedia Summaries if user query is clear.</a:t>
+            </a:r>
+          </a:p>
+          <a:p>
+            <a:pPr marL="457200" indent="-457200">
+              <a:buAutoNum type="arabicPeriod"/>
+            </a:pPr>
+            <a:r>
+              <a:rPr lang="en-GB" dirty="0"/>
+              <a:t>Utilises RASA to tie together other system modules – SBERT and BM25</a:t>
+            </a:r>
+          </a:p>
+          <a:p>
+            <a:pPr marL="457200" indent="-457200">
+              <a:buAutoNum type="arabicPeriod"/>
+            </a:pPr>
+            <a:r>
+              <a:rPr lang="en-GB" dirty="0"/>
+              <a:t>BM25 – Match Wikipedia Summaries with </a:t>
+            </a:r>
+            <a:r>
+              <a:rPr lang="en-GB"/>
+              <a:t>user queries</a:t>
+            </a:r>
+            <a:endParaRPr lang="en-GB" dirty="0"/>
+          </a:p>
+          <a:p>
+            <a:pPr marL="457200" indent="-457200">
+              <a:buAutoNum type="arabicPeriod"/>
+            </a:pPr>
+            <a:r>
+              <a:rPr lang="en-GB" dirty="0"/>
+              <a:t>SBERT – Rank Results </a:t>
+            </a:r>
+          </a:p>
+          <a:p>
+            <a:pPr marL="0" indent="0">
+              <a:buNone/>
+            </a:pPr>
+            <a:r>
+              <a:rPr lang="en-GB" dirty="0"/>
+              <a:t> </a:t>
             </a:r>
           </a:p>
         </p:txBody>
@@ -12386,7 +11918,7 @@
     </p:spTree>
     <p:extLst>
       <p:ext uri="{BB962C8B-B14F-4D97-AF65-F5344CB8AC3E}">
-        <p14:creationId xmlns:p14="http://schemas.microsoft.com/office/powerpoint/2010/main" val="679181042"/>
+        <p14:creationId xmlns:p14="http://schemas.microsoft.com/office/powerpoint/2010/main" val="3515751108"/>
       </p:ext>
     </p:extLst>
   </p:cSld>
@@ -12397,6 +11929,275 @@
 </file>
 
 <file path=ppt/slides/slide4.xml><?xml version="1.0" encoding="utf-8"?>
+<p:sld xmlns:a="http://schemas.openxmlformats.org/drawingml/2006/main" xmlns:r="http://schemas.openxmlformats.org/officeDocument/2006/relationships" xmlns:p="http://schemas.openxmlformats.org/presentationml/2006/main">
+  <p:cSld>
+    <p:bg>
+      <p:bgPr>
+        <a:solidFill>
+          <a:schemeClr val="bg1"/>
+        </a:solidFill>
+        <a:effectLst/>
+      </p:bgPr>
+    </p:bg>
+    <p:spTree>
+      <p:nvGrpSpPr>
+        <p:cNvPr id="1" name="">
+          <a:extLst>
+            <a:ext uri="{FF2B5EF4-FFF2-40B4-BE49-F238E27FC236}">
+              <a16:creationId xmlns:a16="http://schemas.microsoft.com/office/drawing/2014/main" id="{45CAD7AC-A681-6AFA-DB30-EE4555DF4A14}"/>
+            </a:ext>
+          </a:extLst>
+        </p:cNvPr>
+        <p:cNvGrpSpPr/>
+        <p:nvPr/>
+      </p:nvGrpSpPr>
+      <p:grpSpPr>
+        <a:xfrm>
+          <a:off x="0" y="0"/>
+          <a:ext cx="0" cy="0"/>
+          <a:chOff x="0" y="0"/>
+          <a:chExt cx="0" cy="0"/>
+        </a:xfrm>
+      </p:grpSpPr>
+      <p:pic>
+        <p:nvPicPr>
+          <p:cNvPr id="21" name="Picture 20">
+            <a:extLst>
+              <a:ext uri="{FF2B5EF4-FFF2-40B4-BE49-F238E27FC236}">
+                <a16:creationId xmlns:a16="http://schemas.microsoft.com/office/drawing/2014/main" id="{BDFADFB3-3D44-49A8-AE3B-A87C61607F7E}"/>
+              </a:ext>
+              <a:ext uri="{C183D7F6-B498-43B3-948B-1728B52AA6E4}">
+                <adec:decorative xmlns:adec="http://schemas.microsoft.com/office/drawing/2017/decorative" val="1"/>
+              </a:ext>
+            </a:extLst>
+          </p:cNvPr>
+          <p:cNvPicPr>
+            <a:picLocks noGrp="1" noRot="1" noChangeAspect="1" noMove="1" noResize="1" noEditPoints="1" noAdjustHandles="1" noChangeArrowheads="1" noChangeShapeType="1" noCrop="1"/>
+          </p:cNvPicPr>
+          <p:nvPr>
+            <p:extLst>
+              <p:ext uri="{386F3935-93C4-4BCD-93E2-E3B085C9AB24}">
+                <p16:designElem xmlns:p16="http://schemas.microsoft.com/office/powerpoint/2015/main" val="1"/>
+              </p:ext>
+            </p:extLst>
+          </p:nvPr>
+        </p:nvPicPr>
+        <p:blipFill>
+          <a:blip r:embed="rId3">
+            <a:extLst>
+              <a:ext uri="{28A0092B-C50C-407E-A947-70E740481C1C}">
+                <a14:useLocalDpi xmlns:a14="http://schemas.microsoft.com/office/drawing/2010/main" val="0"/>
+              </a:ext>
+            </a:extLst>
+          </a:blip>
+          <a:stretch>
+            <a:fillRect/>
+          </a:stretch>
+        </p:blipFill>
+        <p:spPr>
+          <a:xfrm>
+            <a:off x="0" y="0"/>
+            <a:ext cx="12192000" cy="1441450"/>
+          </a:xfrm>
+          <a:prstGeom prst="rect">
+            <a:avLst/>
+          </a:prstGeom>
+        </p:spPr>
+      </p:pic>
+      <p:pic>
+        <p:nvPicPr>
+          <p:cNvPr id="23" name="Picture 22">
+            <a:extLst>
+              <a:ext uri="{FF2B5EF4-FFF2-40B4-BE49-F238E27FC236}">
+                <a16:creationId xmlns:a16="http://schemas.microsoft.com/office/drawing/2014/main" id="{BB912AE0-CAD9-4F8F-A2A2-BDF07D4EDD22}"/>
+              </a:ext>
+              <a:ext uri="{C183D7F6-B498-43B3-948B-1728B52AA6E4}">
+                <adec:decorative xmlns:adec="http://schemas.microsoft.com/office/drawing/2017/decorative" val="1"/>
+              </a:ext>
+            </a:extLst>
+          </p:cNvPr>
+          <p:cNvPicPr>
+            <a:picLocks noGrp="1" noRot="1" noChangeAspect="1" noMove="1" noResize="1" noEditPoints="1" noAdjustHandles="1" noChangeArrowheads="1" noChangeShapeType="1" noCrop="1"/>
+          </p:cNvPicPr>
+          <p:nvPr>
+            <p:extLst>
+              <p:ext uri="{386F3935-93C4-4BCD-93E2-E3B085C9AB24}">
+                <p16:designElem xmlns:p16="http://schemas.microsoft.com/office/powerpoint/2015/main" val="1"/>
+              </p:ext>
+            </p:extLst>
+          </p:nvPr>
+        </p:nvPicPr>
+        <p:blipFill>
+          <a:blip r:embed="rId4">
+            <a:extLst>
+              <a:ext uri="{28A0092B-C50C-407E-A947-70E740481C1C}">
+                <a14:useLocalDpi xmlns:a14="http://schemas.microsoft.com/office/drawing/2010/main" val="0"/>
+              </a:ext>
+            </a:extLst>
+          </a:blip>
+          <a:stretch>
+            <a:fillRect/>
+          </a:stretch>
+        </p:blipFill>
+        <p:spPr>
+          <a:xfrm>
+            <a:off x="0" y="4375150"/>
+            <a:ext cx="12192000" cy="2482850"/>
+          </a:xfrm>
+          <a:prstGeom prst="rect">
+            <a:avLst/>
+          </a:prstGeom>
+        </p:spPr>
+      </p:pic>
+      <p:sp>
+        <p:nvSpPr>
+          <p:cNvPr id="10" name="Title 9">
+            <a:extLst>
+              <a:ext uri="{FF2B5EF4-FFF2-40B4-BE49-F238E27FC236}">
+                <a16:creationId xmlns:a16="http://schemas.microsoft.com/office/drawing/2014/main" id="{1F41A14C-ED99-2271-6D8A-6895703953CF}"/>
+              </a:ext>
+            </a:extLst>
+          </p:cNvPr>
+          <p:cNvSpPr>
+            <a:spLocks noGrp="1"/>
+          </p:cNvSpPr>
+          <p:nvPr>
+            <p:ph type="title"/>
+          </p:nvPr>
+        </p:nvSpPr>
+        <p:spPr>
+          <a:xfrm>
+            <a:off x="5707743" y="251691"/>
+            <a:ext cx="10820400" cy="909896"/>
+          </a:xfrm>
+        </p:spPr>
+        <p:txBody>
+          <a:bodyPr vert="horz" lIns="91440" tIns="45720" rIns="91440" bIns="45720" rtlCol="0" anchor="b">
+            <a:normAutofit/>
+          </a:bodyPr>
+          <a:lstStyle/>
+          <a:p>
+            <a:pPr algn="l"/>
+            <a:r>
+              <a:rPr lang="en-US" sz="4400" dirty="0"/>
+              <a:t>System Architecture </a:t>
+            </a:r>
+          </a:p>
+        </p:txBody>
+      </p:sp>
+      <p:sp>
+        <p:nvSpPr>
+          <p:cNvPr id="25" name="Rectangle 24">
+            <a:extLst>
+              <a:ext uri="{FF2B5EF4-FFF2-40B4-BE49-F238E27FC236}">
+                <a16:creationId xmlns:a16="http://schemas.microsoft.com/office/drawing/2014/main" id="{8A0AE57C-30AD-4D4E-9855-B5FBEAD6619D}"/>
+              </a:ext>
+              <a:ext uri="{C183D7F6-B498-43B3-948B-1728B52AA6E4}">
+                <adec:decorative xmlns:adec="http://schemas.microsoft.com/office/drawing/2017/decorative" val="1"/>
+              </a:ext>
+            </a:extLst>
+          </p:cNvPr>
+          <p:cNvSpPr>
+            <a:spLocks noGrp="1" noRot="1" noChangeAspect="1" noMove="1" noResize="1" noEditPoints="1" noAdjustHandles="1" noChangeArrowheads="1" noChangeShapeType="1" noTextEdit="1"/>
+          </p:cNvSpPr>
+          <p:nvPr>
+            <p:extLst>
+              <p:ext uri="{386F3935-93C4-4BCD-93E2-E3B085C9AB24}">
+                <p16:designElem xmlns:p16="http://schemas.microsoft.com/office/powerpoint/2015/main" val="1"/>
+              </p:ext>
+            </p:extLst>
+          </p:nvPr>
+        </p:nvSpPr>
+        <p:spPr bwMode="white">
+          <a:xfrm>
+            <a:off x="0" y="4360126"/>
+            <a:ext cx="12192000" cy="2497873"/>
+          </a:xfrm>
+          <a:prstGeom prst="rect">
+            <a:avLst/>
+          </a:prstGeom>
+          <a:solidFill>
+            <a:schemeClr val="bg1"/>
+          </a:solidFill>
+          <a:ln>
+            <a:noFill/>
+          </a:ln>
+        </p:spPr>
+        <p:style>
+          <a:lnRef idx="2">
+            <a:schemeClr val="accent1">
+              <a:shade val="50000"/>
+            </a:schemeClr>
+          </a:lnRef>
+          <a:fillRef idx="1">
+            <a:schemeClr val="accent1"/>
+          </a:fillRef>
+          <a:effectRef idx="0">
+            <a:schemeClr val="accent1"/>
+          </a:effectRef>
+          <a:fontRef idx="minor">
+            <a:schemeClr val="lt1"/>
+          </a:fontRef>
+        </p:style>
+        <p:txBody>
+          <a:bodyPr rtlCol="0" anchor="ctr"/>
+          <a:lstStyle/>
+          <a:p>
+            <a:pPr algn="ctr"/>
+            <a:endParaRPr lang="en-US"/>
+          </a:p>
+        </p:txBody>
+      </p:sp>
+      <p:pic>
+        <p:nvPicPr>
+          <p:cNvPr id="5" name="Content Placeholder 4">
+            <a:extLst>
+              <a:ext uri="{FF2B5EF4-FFF2-40B4-BE49-F238E27FC236}">
+                <a16:creationId xmlns:a16="http://schemas.microsoft.com/office/drawing/2014/main" id="{4F006E52-DC6F-B239-E0CA-DA2A4A73FC2C}"/>
+              </a:ext>
+            </a:extLst>
+          </p:cNvPr>
+          <p:cNvPicPr>
+            <a:picLocks noChangeAspect="1"/>
+          </p:cNvPicPr>
+          <p:nvPr/>
+        </p:nvPicPr>
+        <p:blipFill>
+          <a:blip r:embed="rId5">
+            <a:extLst>
+              <a:ext uri="{96DAC541-7B7A-43D3-8B79-37D633B846F1}">
+                <asvg:svgBlip xmlns:asvg="http://schemas.microsoft.com/office/drawing/2016/SVG/main" r:embed="rId6"/>
+              </a:ext>
+            </a:extLst>
+          </a:blip>
+          <a:stretch>
+            <a:fillRect/>
+          </a:stretch>
+        </p:blipFill>
+        <p:spPr>
+          <a:xfrm>
+            <a:off x="1117599" y="1532077"/>
+            <a:ext cx="10522857" cy="5030186"/>
+          </a:xfrm>
+          <a:prstGeom prst="rect">
+            <a:avLst/>
+          </a:prstGeom>
+        </p:spPr>
+      </p:pic>
+    </p:spTree>
+    <p:extLst>
+      <p:ext uri="{BB962C8B-B14F-4D97-AF65-F5344CB8AC3E}">
+        <p14:creationId xmlns:p14="http://schemas.microsoft.com/office/powerpoint/2010/main" val="1352042157"/>
+      </p:ext>
+    </p:extLst>
+  </p:cSld>
+  <p:clrMapOvr>
+    <a:masterClrMapping/>
+  </p:clrMapOvr>
+</p:sld>
+</file>
+
+<file path=ppt/slides/slide5.xml><?xml version="1.0" encoding="utf-8"?>
 <p:sld xmlns:a="http://schemas.openxmlformats.org/drawingml/2006/main" xmlns:r="http://schemas.openxmlformats.org/officeDocument/2006/relationships" xmlns:p="http://schemas.openxmlformats.org/presentationml/2006/main">
   <p:cSld>
     <p:spTree>
@@ -12436,7 +12237,7 @@
           <a:p>
             <a:r>
               <a:rPr lang="en-GB" dirty="0"/>
-              <a:t>Retrieval pipeline</a:t>
+              <a:t>BM25 - Retrieval pipeline</a:t>
             </a:r>
           </a:p>
         </p:txBody>
@@ -12535,8 +12336,8 @@
 </p:sld>
 </file>
 
-<file path=ppt/slides/slide5.xml><?xml version="1.0" encoding="utf-8"?>
-<p:sld xmlns:a="http://schemas.openxmlformats.org/drawingml/2006/main" xmlns:r="http://schemas.openxmlformats.org/officeDocument/2006/relationships" xmlns:p="http://schemas.openxmlformats.org/presentationml/2006/main">
+<file path=ppt/slides/slide6.xml><?xml version="1.0" encoding="utf-8"?>
+<p:sld xmlns:a="http://schemas.openxmlformats.org/drawingml/2006/main" xmlns:r="http://schemas.openxmlformats.org/officeDocument/2006/relationships" xmlns:p="http://schemas.openxmlformats.org/presentationml/2006/main" show="0">
   <p:cSld>
     <p:spTree>
       <p:nvGrpSpPr>
@@ -12657,8 +12458,8 @@
 </p:sld>
 </file>
 
-<file path=ppt/slides/slide6.xml><?xml version="1.0" encoding="utf-8"?>
-<p:sld xmlns:a="http://schemas.openxmlformats.org/drawingml/2006/main" xmlns:r="http://schemas.openxmlformats.org/officeDocument/2006/relationships" xmlns:p="http://schemas.openxmlformats.org/presentationml/2006/main">
+<file path=ppt/slides/slide7.xml><?xml version="1.0" encoding="utf-8"?>
+<p:sld xmlns:a="http://schemas.openxmlformats.org/drawingml/2006/main" xmlns:r="http://schemas.openxmlformats.org/officeDocument/2006/relationships" xmlns:p="http://schemas.openxmlformats.org/presentationml/2006/main" show="0">
   <p:cSld>
     <p:spTree>
       <p:nvGrpSpPr>
@@ -12782,8 +12583,8 @@
 </p:sld>
 </file>
 
-<file path=ppt/slides/slide7.xml><?xml version="1.0" encoding="utf-8"?>
-<p:sld xmlns:a="http://schemas.openxmlformats.org/drawingml/2006/main" xmlns:r="http://schemas.openxmlformats.org/officeDocument/2006/relationships" xmlns:p="http://schemas.openxmlformats.org/presentationml/2006/main">
+<file path=ppt/slides/slide8.xml><?xml version="1.0" encoding="utf-8"?>
+<p:sld xmlns:a="http://schemas.openxmlformats.org/drawingml/2006/main" xmlns:r="http://schemas.openxmlformats.org/officeDocument/2006/relationships" xmlns:p="http://schemas.openxmlformats.org/presentationml/2006/main" show="0">
   <p:cSld>
     <p:spTree>
       <p:nvGrpSpPr>
@@ -12919,7 +12720,7 @@
 </p:sld>
 </file>
 
-<file path=ppt/slides/slide8.xml><?xml version="1.0" encoding="utf-8"?>
+<file path=ppt/slides/slide9.xml><?xml version="1.0" encoding="utf-8"?>
 <p:sld xmlns:a="http://schemas.openxmlformats.org/drawingml/2006/main" xmlns:r="http://schemas.openxmlformats.org/officeDocument/2006/relationships" xmlns:p="http://schemas.openxmlformats.org/presentationml/2006/main">
   <p:cSld>
     <p:spTree>
@@ -13020,140 +12821,6 @@
     <p:extLst>
       <p:ext uri="{BB962C8B-B14F-4D97-AF65-F5344CB8AC3E}">
         <p14:creationId xmlns:p14="http://schemas.microsoft.com/office/powerpoint/2010/main" val="3785290211"/>
-      </p:ext>
-    </p:extLst>
-  </p:cSld>
-  <p:clrMapOvr>
-    <a:masterClrMapping/>
-  </p:clrMapOvr>
-</p:sld>
-</file>
-
-<file path=ppt/slides/slide9.xml><?xml version="1.0" encoding="utf-8"?>
-<p:sld xmlns:a="http://schemas.openxmlformats.org/drawingml/2006/main" xmlns:r="http://schemas.openxmlformats.org/officeDocument/2006/relationships" xmlns:p="http://schemas.openxmlformats.org/presentationml/2006/main">
-  <p:cSld>
-    <p:spTree>
-      <p:nvGrpSpPr>
-        <p:cNvPr id="1" name=""/>
-        <p:cNvGrpSpPr/>
-        <p:nvPr/>
-      </p:nvGrpSpPr>
-      <p:grpSpPr>
-        <a:xfrm>
-          <a:off x="0" y="0"/>
-          <a:ext cx="0" cy="0"/>
-          <a:chOff x="0" y="0"/>
-          <a:chExt cx="0" cy="0"/>
-        </a:xfrm>
-      </p:grpSpPr>
-      <p:sp>
-        <p:nvSpPr>
-          <p:cNvPr id="2" name="Title 1">
-            <a:extLst>
-              <a:ext uri="{FF2B5EF4-FFF2-40B4-BE49-F238E27FC236}">
-                <a16:creationId xmlns:a16="http://schemas.microsoft.com/office/drawing/2014/main" id="{24025246-B77A-E968-16EB-FEFF26EB6F58}"/>
-              </a:ext>
-            </a:extLst>
-          </p:cNvPr>
-          <p:cNvSpPr>
-            <a:spLocks noGrp="1"/>
-          </p:cNvSpPr>
-          <p:nvPr>
-            <p:ph type="title"/>
-          </p:nvPr>
-        </p:nvSpPr>
-        <p:spPr/>
-        <p:txBody>
-          <a:bodyPr/>
-          <a:lstStyle/>
-          <a:p>
-            <a:r>
-              <a:rPr lang="en-GB" sz="4000" b="1" dirty="0"/>
-              <a:t>SBERT Clarification Ranking Model</a:t>
-            </a:r>
-            <a:endParaRPr lang="en-GB" dirty="0"/>
-          </a:p>
-        </p:txBody>
-      </p:sp>
-      <p:sp>
-        <p:nvSpPr>
-          <p:cNvPr id="3" name="Content Placeholder 2">
-            <a:extLst>
-              <a:ext uri="{FF2B5EF4-FFF2-40B4-BE49-F238E27FC236}">
-                <a16:creationId xmlns:a16="http://schemas.microsoft.com/office/drawing/2014/main" id="{AF6ED6C3-DA6C-3C27-7DC9-3DBDE19CB8FD}"/>
-              </a:ext>
-            </a:extLst>
-          </p:cNvPr>
-          <p:cNvSpPr>
-            <a:spLocks noGrp="1"/>
-          </p:cNvSpPr>
-          <p:nvPr>
-            <p:ph idx="1"/>
-          </p:nvPr>
-        </p:nvSpPr>
-        <p:spPr/>
-        <p:txBody>
-          <a:bodyPr/>
-          <a:lstStyle/>
-          <a:p>
-            <a:r>
-              <a:rPr lang="en-GB" sz="2400" b="1" dirty="0"/>
-              <a:t>Purpose: </a:t>
-            </a:r>
-            <a:r>
-              <a:rPr lang="en-GB" sz="2400" dirty="0"/>
-              <a:t>Designed to handle ambiguous queries in the conversation system by suggesting a relevant clarifying question</a:t>
-            </a:r>
-          </a:p>
-          <a:p>
-            <a:r>
-              <a:rPr lang="en-GB" sz="2400" b="1" dirty="0"/>
-              <a:t>Model used: </a:t>
-            </a:r>
-            <a:r>
-              <a:rPr lang="en-GB" sz="2400" i="1" dirty="0"/>
-              <a:t>all-MiniLM-L6-v2- A compact, efficient sentence embedding model.</a:t>
-            </a:r>
-          </a:p>
-          <a:p>
-            <a:r>
-              <a:rPr lang="en-GB" sz="2400" b="1" dirty="0"/>
-              <a:t>Features</a:t>
-            </a:r>
-          </a:p>
-          <a:p>
-            <a:pPr marL="342900" indent="-342900">
-              <a:buFont typeface="Arial" panose="020B0604020202020204" pitchFamily="34" charset="0"/>
-              <a:buChar char="•"/>
-            </a:pPr>
-            <a:r>
-              <a:rPr lang="en-GB" sz="2400" b="1" dirty="0"/>
-              <a:t> </a:t>
-            </a:r>
-            <a:r>
-              <a:rPr lang="en-GB" sz="2400" dirty="0"/>
-              <a:t>The Model has high inference and semantic accuracy, making it ideal for clarifying question tasks.</a:t>
-            </a:r>
-          </a:p>
-          <a:p>
-            <a:pPr marL="342900" indent="-342900">
-              <a:buFont typeface="Arial" panose="020B0604020202020204" pitchFamily="34" charset="0"/>
-              <a:buChar char="•"/>
-            </a:pPr>
-            <a:r>
-              <a:rPr lang="en-GB" sz="2400" i="1" dirty="0"/>
-              <a:t>Compatible with a retrieval-based ranking system like RASA</a:t>
-            </a:r>
-          </a:p>
-          <a:p>
-            <a:endParaRPr lang="en-GB" dirty="0"/>
-          </a:p>
-        </p:txBody>
-      </p:sp>
-    </p:spTree>
-    <p:extLst>
-      <p:ext uri="{BB962C8B-B14F-4D97-AF65-F5344CB8AC3E}">
-        <p14:creationId xmlns:p14="http://schemas.microsoft.com/office/powerpoint/2010/main" val="2488688597"/>
       </p:ext>
     </p:extLst>
   </p:cSld>
